--- a/Labb 2/Laboration2.pptx
+++ b/Labb 2/Laboration2.pptx
@@ -6,6 +6,7 @@
   </p:sldMasterIdLst>
   <p:sldIdLst>
     <p:sldId id="256" r:id="rId2"/>
+    <p:sldId id="257" r:id="rId3"/>
   </p:sldIdLst>
   <p:sldSz cx="9144000" cy="6858000" type="screen4x3"/>
   <p:notesSz cx="6858000" cy="9144000"/>
@@ -3151,15 +3152,7 @@
             </a:br>
             <a:r>
               <a:rPr lang="sv-SE" dirty="0" smtClean="0"/>
-              <a:t>Laboration </a:t>
-            </a:r>
-            <a:r>
-              <a:rPr lang="sv-SE" dirty="0" smtClean="0"/>
-              <a:t>2</a:t>
-            </a:r>
-            <a:r>
-              <a:rPr lang="sv-SE" dirty="0" smtClean="0"/>
-              <a:t/>
+              <a:t>Laboration 2</a:t>
             </a:r>
             <a:br>
               <a:rPr lang="sv-SE" dirty="0" smtClean="0"/>
@@ -3176,6 +3169,794 @@
     <p:extLst>
       <p:ext uri="{BB962C8B-B14F-4D97-AF65-F5344CB8AC3E}">
         <p14:creationId xmlns:p14="http://schemas.microsoft.com/office/powerpoint/2010/main" val="3298495681"/>
+      </p:ext>
+    </p:extLst>
+  </p:cSld>
+  <p:clrMapOvr>
+    <a:masterClrMapping/>
+  </p:clrMapOvr>
+</p:sld>
+</file>
+
+<file path=ppt/slides/slide2.xml><?xml version="1.0" encoding="utf-8"?>
+<p:sld xmlns:a="http://schemas.openxmlformats.org/drawingml/2006/main" xmlns:r="http://schemas.openxmlformats.org/officeDocument/2006/relationships" xmlns:p="http://schemas.openxmlformats.org/presentationml/2006/main">
+  <p:cSld>
+    <p:spTree>
+      <p:nvGrpSpPr>
+        <p:cNvPr id="1" name=""/>
+        <p:cNvGrpSpPr/>
+        <p:nvPr/>
+      </p:nvGrpSpPr>
+      <p:grpSpPr>
+        <a:xfrm>
+          <a:off x="0" y="0"/>
+          <a:ext cx="0" cy="0"/>
+          <a:chOff x="0" y="0"/>
+          <a:chExt cx="0" cy="0"/>
+        </a:xfrm>
+      </p:grpSpPr>
+      <p:sp>
+        <p:nvSpPr>
+          <p:cNvPr id="2" name="Title 1"/>
+          <p:cNvSpPr>
+            <a:spLocks noGrp="1"/>
+          </p:cNvSpPr>
+          <p:nvPr>
+            <p:ph type="title"/>
+          </p:nvPr>
+        </p:nvSpPr>
+        <p:spPr>
+          <a:xfrm>
+            <a:off x="-324544" y="0"/>
+            <a:ext cx="7272808" cy="692696"/>
+          </a:xfrm>
+        </p:spPr>
+        <p:txBody>
+          <a:bodyPr>
+            <a:normAutofit fontScale="90000"/>
+          </a:bodyPr>
+          <a:lstStyle/>
+          <a:p>
+            <a:r>
+              <a:rPr lang="sv-SE" dirty="0" smtClean="0"/>
+              <a:t>Uppgift 1 – Normalisera Dator</a:t>
+            </a:r>
+            <a:endParaRPr lang="sv-SE" dirty="0"/>
+          </a:p>
+        </p:txBody>
+      </p:sp>
+      <p:graphicFrame>
+        <p:nvGraphicFramePr>
+          <p:cNvPr id="4" name="Table 3"/>
+          <p:cNvGraphicFramePr>
+            <a:graphicFrameLocks noGrp="1"/>
+          </p:cNvGraphicFramePr>
+          <p:nvPr>
+            <p:extLst>
+              <p:ext uri="{D42A27DB-BD31-4B8C-83A1-F6EECF244321}">
+                <p14:modId xmlns:p14="http://schemas.microsoft.com/office/powerpoint/2010/main" val="2246356363"/>
+              </p:ext>
+            </p:extLst>
+          </p:nvPr>
+        </p:nvGraphicFramePr>
+        <p:xfrm>
+          <a:off x="35496" y="1824529"/>
+          <a:ext cx="9014624" cy="1463040"/>
+        </p:xfrm>
+        <a:graphic>
+          <a:graphicData uri="http://schemas.openxmlformats.org/drawingml/2006/table">
+            <a:tbl>
+              <a:tblPr firstRow="1" bandRow="1">
+                <a:tableStyleId>{5C22544A-7EE6-4342-B048-85BDC9FD1C3A}</a:tableStyleId>
+              </a:tblPr>
+              <a:tblGrid>
+                <a:gridCol w="1425702"/>
+                <a:gridCol w="1183155"/>
+                <a:gridCol w="1407875"/>
+                <a:gridCol w="1426817"/>
+                <a:gridCol w="1604281"/>
+                <a:gridCol w="1966794"/>
+              </a:tblGrid>
+              <a:tr h="324036">
+                <a:tc>
+                  <a:txBody>
+                    <a:bodyPr/>
+                    <a:lstStyle/>
+                    <a:p>
+                      <a:r>
+                        <a:rPr lang="sv-SE" dirty="0" smtClean="0"/>
+                        <a:t>MjukvaruNR</a:t>
+                      </a:r>
+                      <a:endParaRPr lang="sv-SE" dirty="0"/>
+                    </a:p>
+                  </a:txBody>
+                  <a:tcPr>
+                    <a:lnL w="12700" cap="flat" cmpd="sng" algn="ctr">
+                      <a:solidFill>
+                        <a:schemeClr val="tx1"/>
+                      </a:solidFill>
+                      <a:prstDash val="solid"/>
+                      <a:round/>
+                      <a:headEnd type="none" w="med" len="med"/>
+                      <a:tailEnd type="none" w="med" len="med"/>
+                    </a:lnL>
+                    <a:lnR w="12700" cap="flat" cmpd="sng" algn="ctr">
+                      <a:solidFill>
+                        <a:schemeClr val="tx1"/>
+                      </a:solidFill>
+                      <a:prstDash val="solid"/>
+                      <a:round/>
+                      <a:headEnd type="none" w="med" len="med"/>
+                      <a:tailEnd type="none" w="med" len="med"/>
+                    </a:lnR>
+                    <a:lnT w="12700" cap="flat" cmpd="sng" algn="ctr">
+                      <a:solidFill>
+                        <a:schemeClr val="tx1"/>
+                      </a:solidFill>
+                      <a:prstDash val="solid"/>
+                      <a:round/>
+                      <a:headEnd type="none" w="med" len="med"/>
+                      <a:tailEnd type="none" w="med" len="med"/>
+                    </a:lnT>
+                    <a:lnB w="12700" cap="flat" cmpd="sng" algn="ctr">
+                      <a:solidFill>
+                        <a:schemeClr val="tx1"/>
+                      </a:solidFill>
+                      <a:prstDash val="solid"/>
+                      <a:round/>
+                      <a:headEnd type="none" w="med" len="med"/>
+                      <a:tailEnd type="none" w="med" len="med"/>
+                    </a:lnB>
+                  </a:tcPr>
+                </a:tc>
+                <a:tc>
+                  <a:txBody>
+                    <a:bodyPr/>
+                    <a:lstStyle/>
+                    <a:p>
+                      <a:r>
+                        <a:rPr lang="sv-SE" dirty="0" smtClean="0"/>
+                        <a:t>DatorID</a:t>
+                      </a:r>
+                      <a:endParaRPr lang="sv-SE" dirty="0"/>
+                    </a:p>
+                  </a:txBody>
+                  <a:tcPr>
+                    <a:lnL w="12700" cap="flat" cmpd="sng" algn="ctr">
+                      <a:solidFill>
+                        <a:schemeClr val="tx1"/>
+                      </a:solidFill>
+                      <a:prstDash val="solid"/>
+                      <a:round/>
+                      <a:headEnd type="none" w="med" len="med"/>
+                      <a:tailEnd type="none" w="med" len="med"/>
+                    </a:lnL>
+                    <a:lnR w="12700" cap="flat" cmpd="sng" algn="ctr">
+                      <a:solidFill>
+                        <a:schemeClr val="tx1"/>
+                      </a:solidFill>
+                      <a:prstDash val="solid"/>
+                      <a:round/>
+                      <a:headEnd type="none" w="med" len="med"/>
+                      <a:tailEnd type="none" w="med" len="med"/>
+                    </a:lnR>
+                    <a:lnT w="12700" cap="flat" cmpd="sng" algn="ctr">
+                      <a:solidFill>
+                        <a:schemeClr val="tx1"/>
+                      </a:solidFill>
+                      <a:prstDash val="solid"/>
+                      <a:round/>
+                      <a:headEnd type="none" w="med" len="med"/>
+                      <a:tailEnd type="none" w="med" len="med"/>
+                    </a:lnT>
+                    <a:lnB w="12700" cap="flat" cmpd="sng" algn="ctr">
+                      <a:solidFill>
+                        <a:schemeClr val="tx1"/>
+                      </a:solidFill>
+                      <a:prstDash val="solid"/>
+                      <a:round/>
+                      <a:headEnd type="none" w="med" len="med"/>
+                      <a:tailEnd type="none" w="med" len="med"/>
+                    </a:lnB>
+                  </a:tcPr>
+                </a:tc>
+                <a:tc>
+                  <a:txBody>
+                    <a:bodyPr/>
+                    <a:lstStyle/>
+                    <a:p>
+                      <a:r>
+                        <a:rPr lang="sv-SE" dirty="0" smtClean="0"/>
+                        <a:t>Mjukvara</a:t>
+                      </a:r>
+                      <a:endParaRPr lang="sv-SE" dirty="0"/>
+                    </a:p>
+                  </a:txBody>
+                  <a:tcPr>
+                    <a:lnL w="12700" cap="flat" cmpd="sng" algn="ctr">
+                      <a:solidFill>
+                        <a:schemeClr val="tx1"/>
+                      </a:solidFill>
+                      <a:prstDash val="solid"/>
+                      <a:round/>
+                      <a:headEnd type="none" w="med" len="med"/>
+                      <a:tailEnd type="none" w="med" len="med"/>
+                    </a:lnL>
+                    <a:lnR w="12700" cap="flat" cmpd="sng" algn="ctr">
+                      <a:solidFill>
+                        <a:schemeClr val="tx1"/>
+                      </a:solidFill>
+                      <a:prstDash val="solid"/>
+                      <a:round/>
+                      <a:headEnd type="none" w="med" len="med"/>
+                      <a:tailEnd type="none" w="med" len="med"/>
+                    </a:lnR>
+                    <a:lnT w="12700" cap="flat" cmpd="sng" algn="ctr">
+                      <a:noFill/>
+                      <a:prstDash val="solid"/>
+                      <a:round/>
+                      <a:headEnd type="none" w="med" len="med"/>
+                      <a:tailEnd type="none" w="med" len="med"/>
+                    </a:lnT>
+                    <a:lnB w="12700" cap="flat" cmpd="sng" algn="ctr">
+                      <a:solidFill>
+                        <a:schemeClr val="tx1"/>
+                      </a:solidFill>
+                      <a:prstDash val="solid"/>
+                      <a:round/>
+                      <a:headEnd type="none" w="med" len="med"/>
+                      <a:tailEnd type="none" w="med" len="med"/>
+                    </a:lnB>
+                  </a:tcPr>
+                </a:tc>
+                <a:tc>
+                  <a:txBody>
+                    <a:bodyPr/>
+                    <a:lstStyle/>
+                    <a:p>
+                      <a:r>
+                        <a:rPr lang="sv-SE" dirty="0" smtClean="0"/>
+                        <a:t>Mjukvarutyp</a:t>
+                      </a:r>
+                      <a:endParaRPr lang="sv-SE" dirty="0"/>
+                    </a:p>
+                  </a:txBody>
+                  <a:tcPr>
+                    <a:lnL w="12700" cap="flat" cmpd="sng" algn="ctr">
+                      <a:solidFill>
+                        <a:schemeClr val="tx1"/>
+                      </a:solidFill>
+                      <a:prstDash val="solid"/>
+                      <a:round/>
+                      <a:headEnd type="none" w="med" len="med"/>
+                      <a:tailEnd type="none" w="med" len="med"/>
+                    </a:lnL>
+                    <a:lnR w="12700" cap="flat" cmpd="sng" algn="ctr">
+                      <a:solidFill>
+                        <a:schemeClr val="tx1"/>
+                      </a:solidFill>
+                      <a:prstDash val="solid"/>
+                      <a:round/>
+                      <a:headEnd type="none" w="med" len="med"/>
+                      <a:tailEnd type="none" w="med" len="med"/>
+                    </a:lnR>
+                    <a:lnT w="12700" cap="flat" cmpd="sng" algn="ctr">
+                      <a:noFill/>
+                      <a:prstDash val="solid"/>
+                      <a:round/>
+                      <a:headEnd type="none" w="med" len="med"/>
+                      <a:tailEnd type="none" w="med" len="med"/>
+                    </a:lnT>
+                    <a:lnB w="12700" cap="flat" cmpd="sng" algn="ctr">
+                      <a:solidFill>
+                        <a:schemeClr val="tx1"/>
+                      </a:solidFill>
+                      <a:prstDash val="solid"/>
+                      <a:round/>
+                      <a:headEnd type="none" w="med" len="med"/>
+                      <a:tailEnd type="none" w="med" len="med"/>
+                    </a:lnB>
+                  </a:tcPr>
+                </a:tc>
+                <a:tc>
+                  <a:txBody>
+                    <a:bodyPr/>
+                    <a:lstStyle/>
+                    <a:p>
+                      <a:r>
+                        <a:rPr lang="sv-SE" dirty="0" smtClean="0"/>
+                        <a:t>Datorplacering</a:t>
+                      </a:r>
+                      <a:endParaRPr lang="sv-SE" dirty="0"/>
+                    </a:p>
+                  </a:txBody>
+                  <a:tcPr>
+                    <a:lnL w="12700" cap="flat" cmpd="sng" algn="ctr">
+                      <a:solidFill>
+                        <a:schemeClr val="tx1"/>
+                      </a:solidFill>
+                      <a:prstDash val="solid"/>
+                      <a:round/>
+                      <a:headEnd type="none" w="med" len="med"/>
+                      <a:tailEnd type="none" w="med" len="med"/>
+                    </a:lnL>
+                    <a:lnR w="12700" cap="flat" cmpd="sng" algn="ctr">
+                      <a:solidFill>
+                        <a:schemeClr val="tx1"/>
+                      </a:solidFill>
+                      <a:prstDash val="solid"/>
+                      <a:round/>
+                      <a:headEnd type="none" w="med" len="med"/>
+                      <a:tailEnd type="none" w="med" len="med"/>
+                    </a:lnR>
+                    <a:lnT w="12700" cap="flat" cmpd="sng" algn="ctr">
+                      <a:noFill/>
+                      <a:prstDash val="solid"/>
+                      <a:round/>
+                      <a:headEnd type="none" w="med" len="med"/>
+                      <a:tailEnd type="none" w="med" len="med"/>
+                    </a:lnT>
+                    <a:lnB w="12700" cap="flat" cmpd="sng" algn="ctr">
+                      <a:solidFill>
+                        <a:schemeClr val="tx1"/>
+                      </a:solidFill>
+                      <a:prstDash val="solid"/>
+                      <a:round/>
+                      <a:headEnd type="none" w="med" len="med"/>
+                      <a:tailEnd type="none" w="med" len="med"/>
+                    </a:lnB>
+                  </a:tcPr>
+                </a:tc>
+                <a:tc>
+                  <a:txBody>
+                    <a:bodyPr/>
+                    <a:lstStyle/>
+                    <a:p>
+                      <a:r>
+                        <a:rPr lang="sv-SE" dirty="0" smtClean="0"/>
+                        <a:t>Installationsdatum</a:t>
+                      </a:r>
+                      <a:endParaRPr lang="sv-SE" dirty="0"/>
+                    </a:p>
+                  </a:txBody>
+                  <a:tcPr>
+                    <a:lnL w="12700" cap="flat" cmpd="sng" algn="ctr">
+                      <a:solidFill>
+                        <a:schemeClr val="tx1"/>
+                      </a:solidFill>
+                      <a:prstDash val="solid"/>
+                      <a:round/>
+                      <a:headEnd type="none" w="med" len="med"/>
+                      <a:tailEnd type="none" w="med" len="med"/>
+                    </a:lnL>
+                    <a:lnR w="12700" cap="flat" cmpd="sng" algn="ctr">
+                      <a:solidFill>
+                        <a:schemeClr val="tx1"/>
+                      </a:solidFill>
+                      <a:prstDash val="solid"/>
+                      <a:round/>
+                      <a:headEnd type="none" w="med" len="med"/>
+                      <a:tailEnd type="none" w="med" len="med"/>
+                    </a:lnR>
+                    <a:lnT w="12700" cap="flat" cmpd="sng" algn="ctr">
+                      <a:noFill/>
+                      <a:prstDash val="solid"/>
+                      <a:round/>
+                      <a:headEnd type="none" w="med" len="med"/>
+                      <a:tailEnd type="none" w="med" len="med"/>
+                    </a:lnT>
+                    <a:lnB w="12700" cap="flat" cmpd="sng" algn="ctr">
+                      <a:solidFill>
+                        <a:schemeClr val="tx1"/>
+                      </a:solidFill>
+                      <a:prstDash val="solid"/>
+                      <a:round/>
+                      <a:headEnd type="none" w="med" len="med"/>
+                      <a:tailEnd type="none" w="med" len="med"/>
+                    </a:lnB>
+                  </a:tcPr>
+                </a:tc>
+              </a:tr>
+              <a:tr h="324036">
+                <a:tc>
+                  <a:txBody>
+                    <a:bodyPr/>
+                    <a:lstStyle/>
+                    <a:p>
+                      <a:r>
+                        <a:rPr lang="sv-SE" dirty="0" smtClean="0"/>
+                        <a:t>MS10032 </a:t>
+                      </a:r>
+                      <a:endParaRPr lang="sv-SE" dirty="0"/>
+                    </a:p>
+                  </a:txBody>
+                  <a:tcPr>
+                    <a:lnT w="12700" cap="flat" cmpd="sng" algn="ctr">
+                      <a:solidFill>
+                        <a:schemeClr val="tx1"/>
+                      </a:solidFill>
+                      <a:prstDash val="solid"/>
+                      <a:round/>
+                      <a:headEnd type="none" w="med" len="med"/>
+                      <a:tailEnd type="none" w="med" len="med"/>
+                    </a:lnT>
+                  </a:tcPr>
+                </a:tc>
+                <a:tc>
+                  <a:txBody>
+                    <a:bodyPr/>
+                    <a:lstStyle/>
+                    <a:p>
+                      <a:r>
+                        <a:rPr lang="sv-SE" dirty="0" smtClean="0"/>
+                        <a:t>849542</a:t>
+                      </a:r>
+                      <a:endParaRPr lang="sv-SE" dirty="0"/>
+                    </a:p>
+                  </a:txBody>
+                  <a:tcPr>
+                    <a:lnT w="12700" cap="flat" cmpd="sng" algn="ctr">
+                      <a:solidFill>
+                        <a:schemeClr val="tx1"/>
+                      </a:solidFill>
+                      <a:prstDash val="solid"/>
+                      <a:round/>
+                      <a:headEnd type="none" w="med" len="med"/>
+                      <a:tailEnd type="none" w="med" len="med"/>
+                    </a:lnT>
+                  </a:tcPr>
+                </a:tc>
+                <a:tc>
+                  <a:txBody>
+                    <a:bodyPr/>
+                    <a:lstStyle/>
+                    <a:p>
+                      <a:r>
+                        <a:rPr lang="sv-SE" dirty="0" smtClean="0"/>
+                        <a:t>Office</a:t>
+                      </a:r>
+                      <a:endParaRPr lang="sv-SE" dirty="0"/>
+                    </a:p>
+                  </a:txBody>
+                  <a:tcPr>
+                    <a:lnT w="12700" cap="flat" cmpd="sng" algn="ctr">
+                      <a:solidFill>
+                        <a:schemeClr val="tx1"/>
+                      </a:solidFill>
+                      <a:prstDash val="solid"/>
+                      <a:round/>
+                      <a:headEnd type="none" w="med" len="med"/>
+                      <a:tailEnd type="none" w="med" len="med"/>
+                    </a:lnT>
+                  </a:tcPr>
+                </a:tc>
+                <a:tc>
+                  <a:txBody>
+                    <a:bodyPr/>
+                    <a:lstStyle/>
+                    <a:p>
+                      <a:r>
+                        <a:rPr lang="sv-SE" dirty="0" smtClean="0"/>
+                        <a:t>KM</a:t>
+                      </a:r>
+                      <a:endParaRPr lang="sv-SE" dirty="0"/>
+                    </a:p>
+                  </a:txBody>
+                  <a:tcPr>
+                    <a:lnT w="12700" cap="flat" cmpd="sng" algn="ctr">
+                      <a:solidFill>
+                        <a:schemeClr val="tx1"/>
+                      </a:solidFill>
+                      <a:prstDash val="solid"/>
+                      <a:round/>
+                      <a:headEnd type="none" w="med" len="med"/>
+                      <a:tailEnd type="none" w="med" len="med"/>
+                    </a:lnT>
+                  </a:tcPr>
+                </a:tc>
+                <a:tc>
+                  <a:txBody>
+                    <a:bodyPr/>
+                    <a:lstStyle/>
+                    <a:p>
+                      <a:r>
+                        <a:rPr lang="sv-SE" dirty="0" smtClean="0"/>
+                        <a:t>Sal Te222</a:t>
+                      </a:r>
+                      <a:endParaRPr lang="sv-SE" dirty="0"/>
+                    </a:p>
+                  </a:txBody>
+                  <a:tcPr>
+                    <a:lnT w="12700" cap="flat" cmpd="sng" algn="ctr">
+                      <a:solidFill>
+                        <a:schemeClr val="tx1"/>
+                      </a:solidFill>
+                      <a:prstDash val="solid"/>
+                      <a:round/>
+                      <a:headEnd type="none" w="med" len="med"/>
+                      <a:tailEnd type="none" w="med" len="med"/>
+                    </a:lnT>
+                  </a:tcPr>
+                </a:tc>
+                <a:tc>
+                  <a:txBody>
+                    <a:bodyPr/>
+                    <a:lstStyle/>
+                    <a:p>
+                      <a:r>
+                        <a:rPr lang="sv-SE" dirty="0" smtClean="0"/>
+                        <a:t>2005-01-13</a:t>
+                      </a:r>
+                      <a:endParaRPr lang="sv-SE" dirty="0"/>
+                    </a:p>
+                  </a:txBody>
+                  <a:tcPr>
+                    <a:lnT w="12700" cap="flat" cmpd="sng" algn="ctr">
+                      <a:solidFill>
+                        <a:schemeClr val="tx1"/>
+                      </a:solidFill>
+                      <a:prstDash val="solid"/>
+                      <a:round/>
+                      <a:headEnd type="none" w="med" len="med"/>
+                      <a:tailEnd type="none" w="med" len="med"/>
+                    </a:lnT>
+                  </a:tcPr>
+                </a:tc>
+              </a:tr>
+              <a:tr h="324036">
+                <a:tc>
+                  <a:txBody>
+                    <a:bodyPr/>
+                    <a:lstStyle/>
+                    <a:p>
+                      <a:r>
+                        <a:rPr lang="sv-SE" dirty="0" smtClean="0"/>
+                        <a:t>NS10432</a:t>
+                      </a:r>
+                      <a:endParaRPr lang="sv-SE" dirty="0"/>
+                    </a:p>
+                  </a:txBody>
+                  <a:tcPr/>
+                </a:tc>
+                <a:tc>
+                  <a:txBody>
+                    <a:bodyPr/>
+                    <a:lstStyle/>
+                    <a:p>
+                      <a:r>
+                        <a:rPr lang="sv-SE" dirty="0" smtClean="0"/>
+                        <a:t>546534</a:t>
+                      </a:r>
+                      <a:endParaRPr lang="sv-SE" dirty="0"/>
+                    </a:p>
+                  </a:txBody>
+                  <a:tcPr/>
+                </a:tc>
+                <a:tc>
+                  <a:txBody>
+                    <a:bodyPr/>
+                    <a:lstStyle/>
+                    <a:p>
+                      <a:r>
+                        <a:rPr lang="sv-SE" dirty="0" smtClean="0"/>
+                        <a:t>FireFox</a:t>
+                      </a:r>
+                      <a:endParaRPr lang="sv-SE" dirty="0"/>
+                    </a:p>
+                  </a:txBody>
+                  <a:tcPr/>
+                </a:tc>
+                <a:tc>
+                  <a:txBody>
+                    <a:bodyPr/>
+                    <a:lstStyle/>
+                    <a:p>
+                      <a:r>
+                        <a:rPr lang="sv-SE" dirty="0" smtClean="0"/>
+                        <a:t>WL</a:t>
+                      </a:r>
+                      <a:endParaRPr lang="sv-SE" dirty="0"/>
+                    </a:p>
+                  </a:txBody>
+                  <a:tcPr/>
+                </a:tc>
+                <a:tc>
+                  <a:txBody>
+                    <a:bodyPr/>
+                    <a:lstStyle/>
+                    <a:p>
+                      <a:r>
+                        <a:rPr lang="sv-SE" dirty="0" smtClean="0"/>
+                        <a:t>Sal Te237</a:t>
+                      </a:r>
+                      <a:endParaRPr lang="sv-SE" dirty="0"/>
+                    </a:p>
+                  </a:txBody>
+                  <a:tcPr/>
+                </a:tc>
+                <a:tc>
+                  <a:txBody>
+                    <a:bodyPr/>
+                    <a:lstStyle/>
+                    <a:p>
+                      <a:r>
+                        <a:rPr lang="sv-SE" dirty="0" smtClean="0"/>
+                        <a:t>2004-08-19</a:t>
+                      </a:r>
+                      <a:endParaRPr lang="sv-SE" dirty="0"/>
+                    </a:p>
+                  </a:txBody>
+                  <a:tcPr/>
+                </a:tc>
+              </a:tr>
+              <a:tr h="324036">
+                <a:tc>
+                  <a:txBody>
+                    <a:bodyPr/>
+                    <a:lstStyle/>
+                    <a:p>
+                      <a:r>
+                        <a:rPr lang="sv-SE" dirty="0" smtClean="0"/>
+                        <a:t>MS12354</a:t>
+                      </a:r>
+                      <a:endParaRPr lang="sv-SE" dirty="0"/>
+                    </a:p>
+                  </a:txBody>
+                  <a:tcPr/>
+                </a:tc>
+                <a:tc>
+                  <a:txBody>
+                    <a:bodyPr/>
+                    <a:lstStyle/>
+                    <a:p>
+                      <a:r>
+                        <a:rPr lang="sv-SE" dirty="0" smtClean="0"/>
+                        <a:t>843543</a:t>
+                      </a:r>
+                      <a:endParaRPr lang="sv-SE" dirty="0"/>
+                    </a:p>
+                  </a:txBody>
+                  <a:tcPr/>
+                </a:tc>
+                <a:tc>
+                  <a:txBody>
+                    <a:bodyPr/>
+                    <a:lstStyle/>
+                    <a:p>
+                      <a:r>
+                        <a:rPr lang="sv-SE" dirty="0" smtClean="0"/>
+                        <a:t>Visual Studio</a:t>
+                      </a:r>
+                      <a:endParaRPr lang="sv-SE" dirty="0"/>
+                    </a:p>
+                  </a:txBody>
+                  <a:tcPr/>
+                </a:tc>
+                <a:tc>
+                  <a:txBody>
+                    <a:bodyPr/>
+                    <a:lstStyle/>
+                    <a:p>
+                      <a:r>
+                        <a:rPr lang="sv-SE" dirty="0" smtClean="0"/>
+                        <a:t>PV</a:t>
+                      </a:r>
+                      <a:endParaRPr lang="sv-SE" dirty="0"/>
+                    </a:p>
+                  </a:txBody>
+                  <a:tcPr/>
+                </a:tc>
+                <a:tc>
+                  <a:txBody>
+                    <a:bodyPr/>
+                    <a:lstStyle/>
+                    <a:p>
+                      <a:r>
+                        <a:rPr lang="sv-SE" dirty="0" smtClean="0"/>
+                        <a:t>Sal Te220 </a:t>
+                      </a:r>
+                      <a:endParaRPr lang="sv-SE" dirty="0"/>
+                    </a:p>
+                  </a:txBody>
+                  <a:tcPr/>
+                </a:tc>
+                <a:tc>
+                  <a:txBody>
+                    <a:bodyPr/>
+                    <a:lstStyle/>
+                    <a:p>
+                      <a:r>
+                        <a:rPr lang="sv-SE" dirty="0" smtClean="0"/>
+                        <a:t>2004-12-08</a:t>
+                      </a:r>
+                      <a:endParaRPr lang="sv-SE" dirty="0"/>
+                    </a:p>
+                  </a:txBody>
+                  <a:tcPr/>
+                </a:tc>
+              </a:tr>
+            </a:tbl>
+          </a:graphicData>
+        </a:graphic>
+      </p:graphicFrame>
+      <p:sp>
+        <p:nvSpPr>
+          <p:cNvPr id="5" name="TextBox 4"/>
+          <p:cNvSpPr txBox="1"/>
+          <p:nvPr/>
+        </p:nvSpPr>
+        <p:spPr>
+          <a:xfrm>
+            <a:off x="0" y="1440241"/>
+            <a:ext cx="2806474" cy="369332"/>
+          </a:xfrm>
+          <a:prstGeom prst="rect">
+            <a:avLst/>
+          </a:prstGeom>
+          <a:noFill/>
+        </p:spPr>
+        <p:txBody>
+          <a:bodyPr wrap="none" rtlCol="0">
+            <a:spAutoFit/>
+          </a:bodyPr>
+          <a:lstStyle/>
+          <a:p>
+            <a:r>
+              <a:rPr lang="sv-SE" dirty="0" smtClean="0"/>
+              <a:t>Datortabell - Onormaliserad</a:t>
+            </a:r>
+            <a:endParaRPr lang="sv-SE" dirty="0"/>
+          </a:p>
+        </p:txBody>
+      </p:sp>
+      <p:sp>
+        <p:nvSpPr>
+          <p:cNvPr id="6" name="Rectangle 5"/>
+          <p:cNvSpPr/>
+          <p:nvPr/>
+        </p:nvSpPr>
+        <p:spPr>
+          <a:xfrm>
+            <a:off x="323528" y="764704"/>
+            <a:ext cx="1512168" cy="576064"/>
+          </a:xfrm>
+          <a:prstGeom prst="rect">
+            <a:avLst/>
+          </a:prstGeom>
+        </p:spPr>
+        <p:style>
+          <a:lnRef idx="2">
+            <a:schemeClr val="accent1">
+              <a:shade val="50000"/>
+            </a:schemeClr>
+          </a:lnRef>
+          <a:fillRef idx="1">
+            <a:schemeClr val="accent1"/>
+          </a:fillRef>
+          <a:effectRef idx="0">
+            <a:schemeClr val="accent1"/>
+          </a:effectRef>
+          <a:fontRef idx="minor">
+            <a:schemeClr val="lt1"/>
+          </a:fontRef>
+        </p:style>
+        <p:txBody>
+          <a:bodyPr rtlCol="0" anchor="ctr"/>
+          <a:lstStyle/>
+          <a:p>
+            <a:pPr algn="ctr"/>
+            <a:r>
+              <a:rPr lang="sv-SE" dirty="0" smtClean="0"/>
+              <a:t>Dator</a:t>
+            </a:r>
+            <a:endParaRPr lang="sv-SE" dirty="0"/>
+          </a:p>
+        </p:txBody>
+      </p:sp>
+    </p:spTree>
+    <p:extLst>
+      <p:ext uri="{BB962C8B-B14F-4D97-AF65-F5344CB8AC3E}">
+        <p14:creationId xmlns:p14="http://schemas.microsoft.com/office/powerpoint/2010/main" val="3388494997"/>
       </p:ext>
     </p:extLst>
   </p:cSld>

--- a/Labb 2/Laboration2.pptx
+++ b/Labb 2/Laboration2.pptx
@@ -7,6 +7,9 @@
   <p:sldIdLst>
     <p:sldId id="256" r:id="rId2"/>
     <p:sldId id="257" r:id="rId3"/>
+    <p:sldId id="259" r:id="rId4"/>
+    <p:sldId id="258" r:id="rId5"/>
+    <p:sldId id="260" r:id="rId6"/>
   </p:sldIdLst>
   <p:sldSz cx="9144000" cy="6858000" type="screen4x3"/>
   <p:notesSz cx="6858000" cy="9144000"/>
@@ -3234,13 +3237,13 @@
           <p:nvPr>
             <p:extLst>
               <p:ext uri="{D42A27DB-BD31-4B8C-83A1-F6EECF244321}">
-                <p14:modId xmlns:p14="http://schemas.microsoft.com/office/powerpoint/2010/main" val="2246356363"/>
+                <p14:modId xmlns:p14="http://schemas.microsoft.com/office/powerpoint/2010/main" val="4154553192"/>
               </p:ext>
             </p:extLst>
           </p:nvPr>
         </p:nvGraphicFramePr>
         <p:xfrm>
-          <a:off x="35496" y="1824529"/>
+          <a:off x="0" y="949370"/>
           <a:ext cx="9014624" cy="1463040"/>
         </p:xfrm>
         <a:graphic>
@@ -3853,7 +3856,11 @@
                     <a:p>
                       <a:r>
                         <a:rPr lang="sv-SE" dirty="0" smtClean="0"/>
-                        <a:t>Sal Te220 </a:t>
+                        <a:t>Sal </a:t>
+                      </a:r>
+                      <a:r>
+                        <a:rPr lang="sv-SE" dirty="0" smtClean="0"/>
+                        <a:t>Te220</a:t>
                       </a:r>
                       <a:endParaRPr lang="sv-SE" dirty="0"/>
                     </a:p>
@@ -3887,8 +3894,8 @@
         </p:nvSpPr>
         <p:spPr>
           <a:xfrm>
-            <a:off x="0" y="1440241"/>
-            <a:ext cx="2806474" cy="369332"/>
+            <a:off x="0" y="580038"/>
+            <a:ext cx="2834302" cy="369332"/>
           </a:xfrm>
           <a:prstGeom prst="rect">
             <a:avLst/>
@@ -3902,8 +3909,12 @@
           <a:lstStyle/>
           <a:p>
             <a:r>
+              <a:rPr lang="sv-SE" b="1" dirty="0" smtClean="0"/>
+              <a:t>Datortabell</a:t>
+            </a:r>
+            <a:r>
               <a:rPr lang="sv-SE" dirty="0" smtClean="0"/>
-              <a:t>Datortabell - Onormaliserad</a:t>
+              <a:t> - Onormaliserad</a:t>
             </a:r>
             <a:endParaRPr lang="sv-SE" dirty="0"/>
           </a:p>
@@ -3917,7 +3928,7 @@
         </p:nvSpPr>
         <p:spPr>
           <a:xfrm>
-            <a:off x="323528" y="764704"/>
+            <a:off x="971600" y="3284984"/>
             <a:ext cx="1512168" cy="576064"/>
           </a:xfrm>
           <a:prstGeom prst="rect">
@@ -3957,6 +3968,1927 @@
     <p:extLst>
       <p:ext uri="{BB962C8B-B14F-4D97-AF65-F5344CB8AC3E}">
         <p14:creationId xmlns:p14="http://schemas.microsoft.com/office/powerpoint/2010/main" val="3388494997"/>
+      </p:ext>
+    </p:extLst>
+  </p:cSld>
+  <p:clrMapOvr>
+    <a:masterClrMapping/>
+  </p:clrMapOvr>
+</p:sld>
+</file>
+
+<file path=ppt/slides/slide3.xml><?xml version="1.0" encoding="utf-8"?>
+<p:sld xmlns:a="http://schemas.openxmlformats.org/drawingml/2006/main" xmlns:r="http://schemas.openxmlformats.org/officeDocument/2006/relationships" xmlns:p="http://schemas.openxmlformats.org/presentationml/2006/main">
+  <p:cSld>
+    <p:spTree>
+      <p:nvGrpSpPr>
+        <p:cNvPr id="1" name=""/>
+        <p:cNvGrpSpPr/>
+        <p:nvPr/>
+      </p:nvGrpSpPr>
+      <p:grpSpPr>
+        <a:xfrm>
+          <a:off x="0" y="0"/>
+          <a:ext cx="0" cy="0"/>
+          <a:chOff x="0" y="0"/>
+          <a:chExt cx="0" cy="0"/>
+        </a:xfrm>
+      </p:grpSpPr>
+      <p:sp>
+        <p:nvSpPr>
+          <p:cNvPr id="2" name="Title 1"/>
+          <p:cNvSpPr>
+            <a:spLocks noGrp="1"/>
+          </p:cNvSpPr>
+          <p:nvPr>
+            <p:ph type="title"/>
+          </p:nvPr>
+        </p:nvSpPr>
+        <p:spPr>
+          <a:xfrm>
+            <a:off x="-33090" y="0"/>
+            <a:ext cx="5698976" cy="706090"/>
+          </a:xfrm>
+        </p:spPr>
+        <p:txBody>
+          <a:bodyPr>
+            <a:normAutofit fontScale="90000"/>
+          </a:bodyPr>
+          <a:lstStyle/>
+          <a:p>
+            <a:r>
+              <a:rPr lang="sv-SE" dirty="0" smtClean="0"/>
+              <a:t>1. Normaliserade tabeller</a:t>
+            </a:r>
+            <a:endParaRPr lang="sv-SE" dirty="0"/>
+          </a:p>
+        </p:txBody>
+      </p:sp>
+      <p:graphicFrame>
+        <p:nvGraphicFramePr>
+          <p:cNvPr id="4" name="Table 3"/>
+          <p:cNvGraphicFramePr>
+            <a:graphicFrameLocks noGrp="1"/>
+          </p:cNvGraphicFramePr>
+          <p:nvPr>
+            <p:extLst>
+              <p:ext uri="{D42A27DB-BD31-4B8C-83A1-F6EECF244321}">
+                <p14:modId xmlns:p14="http://schemas.microsoft.com/office/powerpoint/2010/main" val="1021464099"/>
+              </p:ext>
+            </p:extLst>
+          </p:nvPr>
+        </p:nvGraphicFramePr>
+        <p:xfrm>
+          <a:off x="0" y="1052736"/>
+          <a:ext cx="5949062" cy="1483360"/>
+        </p:xfrm>
+        <a:graphic>
+          <a:graphicData uri="http://schemas.openxmlformats.org/drawingml/2006/table">
+            <a:tbl>
+              <a:tblPr firstRow="1" bandRow="1">
+                <a:tableStyleId>{5C22544A-7EE6-4342-B048-85BDC9FD1C3A}</a:tableStyleId>
+              </a:tblPr>
+              <a:tblGrid>
+                <a:gridCol w="1630490"/>
+                <a:gridCol w="1425702"/>
+                <a:gridCol w="1437005"/>
+                <a:gridCol w="1455865"/>
+              </a:tblGrid>
+              <a:tr h="370840">
+                <a:tc>
+                  <a:txBody>
+                    <a:bodyPr/>
+                    <a:lstStyle/>
+                    <a:p>
+                      <a:r>
+                        <a:rPr lang="sv-SE" dirty="0" smtClean="0"/>
+                        <a:t>MjukvaruNRID</a:t>
+                      </a:r>
+                      <a:endParaRPr lang="sv-SE" dirty="0"/>
+                    </a:p>
+                  </a:txBody>
+                  <a:tcPr>
+                    <a:lnL w="12700" cap="flat" cmpd="sng" algn="ctr">
+                      <a:solidFill>
+                        <a:schemeClr val="tx1"/>
+                      </a:solidFill>
+                      <a:prstDash val="solid"/>
+                      <a:round/>
+                      <a:headEnd type="none" w="med" len="med"/>
+                      <a:tailEnd type="none" w="med" len="med"/>
+                    </a:lnL>
+                    <a:lnR w="12700" cap="flat" cmpd="sng" algn="ctr">
+                      <a:solidFill>
+                        <a:schemeClr val="tx1"/>
+                      </a:solidFill>
+                      <a:prstDash val="solid"/>
+                      <a:round/>
+                      <a:headEnd type="none" w="med" len="med"/>
+                      <a:tailEnd type="none" w="med" len="med"/>
+                    </a:lnR>
+                    <a:lnT w="12700" cap="flat" cmpd="sng" algn="ctr">
+                      <a:solidFill>
+                        <a:schemeClr val="tx1"/>
+                      </a:solidFill>
+                      <a:prstDash val="solid"/>
+                      <a:round/>
+                      <a:headEnd type="none" w="med" len="med"/>
+                      <a:tailEnd type="none" w="med" len="med"/>
+                    </a:lnT>
+                    <a:lnB w="12700" cap="flat" cmpd="sng" algn="ctr">
+                      <a:solidFill>
+                        <a:schemeClr val="tx1"/>
+                      </a:solidFill>
+                      <a:prstDash val="solid"/>
+                      <a:round/>
+                      <a:headEnd type="none" w="med" len="med"/>
+                      <a:tailEnd type="none" w="med" len="med"/>
+                    </a:lnB>
+                  </a:tcPr>
+                </a:tc>
+                <a:tc>
+                  <a:txBody>
+                    <a:bodyPr/>
+                    <a:lstStyle/>
+                    <a:p>
+                      <a:r>
+                        <a:rPr lang="sv-SE" dirty="0" smtClean="0"/>
+                        <a:t>MjukvaruNR</a:t>
+                      </a:r>
+                      <a:endParaRPr lang="sv-SE" dirty="0"/>
+                    </a:p>
+                  </a:txBody>
+                  <a:tcPr>
+                    <a:lnL w="12700" cap="flat" cmpd="sng" algn="ctr">
+                      <a:solidFill>
+                        <a:schemeClr val="tx1"/>
+                      </a:solidFill>
+                      <a:prstDash val="solid"/>
+                      <a:round/>
+                      <a:headEnd type="none" w="med" len="med"/>
+                      <a:tailEnd type="none" w="med" len="med"/>
+                    </a:lnL>
+                    <a:lnR w="12700" cap="flat" cmpd="sng" algn="ctr">
+                      <a:solidFill>
+                        <a:schemeClr val="tx1"/>
+                      </a:solidFill>
+                      <a:prstDash val="solid"/>
+                      <a:round/>
+                      <a:headEnd type="none" w="med" len="med"/>
+                      <a:tailEnd type="none" w="med" len="med"/>
+                    </a:lnR>
+                    <a:lnT w="12700" cap="flat" cmpd="sng" algn="ctr">
+                      <a:noFill/>
+                      <a:prstDash val="solid"/>
+                      <a:round/>
+                      <a:headEnd type="none" w="med" len="med"/>
+                      <a:tailEnd type="none" w="med" len="med"/>
+                    </a:lnT>
+                    <a:lnB w="12700" cap="flat" cmpd="sng" algn="ctr">
+                      <a:solidFill>
+                        <a:schemeClr val="tx1"/>
+                      </a:solidFill>
+                      <a:prstDash val="solid"/>
+                      <a:round/>
+                      <a:headEnd type="none" w="med" len="med"/>
+                      <a:tailEnd type="none" w="med" len="med"/>
+                    </a:lnB>
+                  </a:tcPr>
+                </a:tc>
+                <a:tc>
+                  <a:txBody>
+                    <a:bodyPr/>
+                    <a:lstStyle/>
+                    <a:p>
+                      <a:r>
+                        <a:rPr lang="sv-SE" dirty="0" smtClean="0"/>
+                        <a:t>Mjukvara</a:t>
+                      </a:r>
+                      <a:endParaRPr lang="sv-SE" dirty="0"/>
+                    </a:p>
+                  </a:txBody>
+                  <a:tcPr>
+                    <a:lnL w="12700" cap="flat" cmpd="sng" algn="ctr">
+                      <a:solidFill>
+                        <a:schemeClr val="tx1"/>
+                      </a:solidFill>
+                      <a:prstDash val="solid"/>
+                      <a:round/>
+                      <a:headEnd type="none" w="med" len="med"/>
+                      <a:tailEnd type="none" w="med" len="med"/>
+                    </a:lnL>
+                    <a:lnR w="12700" cap="flat" cmpd="sng" algn="ctr">
+                      <a:solidFill>
+                        <a:schemeClr val="tx1"/>
+                      </a:solidFill>
+                      <a:prstDash val="solid"/>
+                      <a:round/>
+                      <a:headEnd type="none" w="med" len="med"/>
+                      <a:tailEnd type="none" w="med" len="med"/>
+                    </a:lnR>
+                    <a:lnT w="12700" cap="flat" cmpd="sng" algn="ctr">
+                      <a:noFill/>
+                      <a:prstDash val="solid"/>
+                      <a:round/>
+                      <a:headEnd type="none" w="med" len="med"/>
+                      <a:tailEnd type="none" w="med" len="med"/>
+                    </a:lnT>
+                    <a:lnB w="12700" cap="flat" cmpd="sng" algn="ctr">
+                      <a:solidFill>
+                        <a:schemeClr val="tx1"/>
+                      </a:solidFill>
+                      <a:prstDash val="solid"/>
+                      <a:round/>
+                      <a:headEnd type="none" w="med" len="med"/>
+                      <a:tailEnd type="none" w="med" len="med"/>
+                    </a:lnB>
+                  </a:tcPr>
+                </a:tc>
+                <a:tc>
+                  <a:txBody>
+                    <a:bodyPr/>
+                    <a:lstStyle/>
+                    <a:p>
+                      <a:r>
+                        <a:rPr lang="sv-SE" dirty="0" smtClean="0"/>
+                        <a:t>Mjukvarutyp</a:t>
+                      </a:r>
+                      <a:endParaRPr lang="sv-SE" dirty="0"/>
+                    </a:p>
+                  </a:txBody>
+                  <a:tcPr>
+                    <a:lnL w="12700" cap="flat" cmpd="sng" algn="ctr">
+                      <a:solidFill>
+                        <a:schemeClr val="tx1"/>
+                      </a:solidFill>
+                      <a:prstDash val="solid"/>
+                      <a:round/>
+                      <a:headEnd type="none" w="med" len="med"/>
+                      <a:tailEnd type="none" w="med" len="med"/>
+                    </a:lnL>
+                    <a:lnR w="12700" cap="flat" cmpd="sng" algn="ctr">
+                      <a:solidFill>
+                        <a:schemeClr val="tx1"/>
+                      </a:solidFill>
+                      <a:prstDash val="solid"/>
+                      <a:round/>
+                      <a:headEnd type="none" w="med" len="med"/>
+                      <a:tailEnd type="none" w="med" len="med"/>
+                    </a:lnR>
+                    <a:lnT w="12700" cap="flat" cmpd="sng" algn="ctr">
+                      <a:noFill/>
+                      <a:prstDash val="solid"/>
+                      <a:round/>
+                      <a:headEnd type="none" w="med" len="med"/>
+                      <a:tailEnd type="none" w="med" len="med"/>
+                    </a:lnT>
+                    <a:lnB w="12700" cap="flat" cmpd="sng" algn="ctr">
+                      <a:solidFill>
+                        <a:schemeClr val="tx1"/>
+                      </a:solidFill>
+                      <a:prstDash val="solid"/>
+                      <a:round/>
+                      <a:headEnd type="none" w="med" len="med"/>
+                      <a:tailEnd type="none" w="med" len="med"/>
+                    </a:lnB>
+                  </a:tcPr>
+                </a:tc>
+              </a:tr>
+              <a:tr h="370840">
+                <a:tc>
+                  <a:txBody>
+                    <a:bodyPr/>
+                    <a:lstStyle/>
+                    <a:p>
+                      <a:r>
+                        <a:rPr lang="sv-SE" dirty="0" smtClean="0"/>
+                        <a:t>1</a:t>
+                      </a:r>
+                      <a:endParaRPr lang="sv-SE" dirty="0"/>
+                    </a:p>
+                  </a:txBody>
+                  <a:tcPr>
+                    <a:lnT w="12700" cap="flat" cmpd="sng" algn="ctr">
+                      <a:solidFill>
+                        <a:schemeClr val="tx1"/>
+                      </a:solidFill>
+                      <a:prstDash val="solid"/>
+                      <a:round/>
+                      <a:headEnd type="none" w="med" len="med"/>
+                      <a:tailEnd type="none" w="med" len="med"/>
+                    </a:lnT>
+                  </a:tcPr>
+                </a:tc>
+                <a:tc>
+                  <a:txBody>
+                    <a:bodyPr/>
+                    <a:lstStyle/>
+                    <a:p>
+                      <a:r>
+                        <a:rPr lang="sv-SE" dirty="0" smtClean="0"/>
+                        <a:t>MS10032</a:t>
+                      </a:r>
+                      <a:endParaRPr lang="sv-SE" dirty="0"/>
+                    </a:p>
+                  </a:txBody>
+                  <a:tcPr>
+                    <a:lnT w="12700" cap="flat" cmpd="sng" algn="ctr">
+                      <a:solidFill>
+                        <a:schemeClr val="tx1"/>
+                      </a:solidFill>
+                      <a:prstDash val="solid"/>
+                      <a:round/>
+                      <a:headEnd type="none" w="med" len="med"/>
+                      <a:tailEnd type="none" w="med" len="med"/>
+                    </a:lnT>
+                  </a:tcPr>
+                </a:tc>
+                <a:tc>
+                  <a:txBody>
+                    <a:bodyPr/>
+                    <a:lstStyle/>
+                    <a:p>
+                      <a:r>
+                        <a:rPr lang="sv-SE" dirty="0" smtClean="0"/>
+                        <a:t>Office</a:t>
+                      </a:r>
+                      <a:endParaRPr lang="sv-SE" dirty="0"/>
+                    </a:p>
+                  </a:txBody>
+                  <a:tcPr>
+                    <a:lnT w="12700" cap="flat" cmpd="sng" algn="ctr">
+                      <a:solidFill>
+                        <a:schemeClr val="tx1"/>
+                      </a:solidFill>
+                      <a:prstDash val="solid"/>
+                      <a:round/>
+                      <a:headEnd type="none" w="med" len="med"/>
+                      <a:tailEnd type="none" w="med" len="med"/>
+                    </a:lnT>
+                  </a:tcPr>
+                </a:tc>
+                <a:tc>
+                  <a:txBody>
+                    <a:bodyPr/>
+                    <a:lstStyle/>
+                    <a:p>
+                      <a:r>
+                        <a:rPr lang="sv-SE" dirty="0" smtClean="0"/>
+                        <a:t>KM</a:t>
+                      </a:r>
+                      <a:endParaRPr lang="sv-SE" dirty="0"/>
+                    </a:p>
+                  </a:txBody>
+                  <a:tcPr>
+                    <a:lnT w="12700" cap="flat" cmpd="sng" algn="ctr">
+                      <a:solidFill>
+                        <a:schemeClr val="tx1"/>
+                      </a:solidFill>
+                      <a:prstDash val="solid"/>
+                      <a:round/>
+                      <a:headEnd type="none" w="med" len="med"/>
+                      <a:tailEnd type="none" w="med" len="med"/>
+                    </a:lnT>
+                  </a:tcPr>
+                </a:tc>
+              </a:tr>
+              <a:tr h="370840">
+                <a:tc>
+                  <a:txBody>
+                    <a:bodyPr/>
+                    <a:lstStyle/>
+                    <a:p>
+                      <a:r>
+                        <a:rPr lang="sv-SE" dirty="0" smtClean="0"/>
+                        <a:t>2</a:t>
+                      </a:r>
+                      <a:endParaRPr lang="sv-SE" dirty="0"/>
+                    </a:p>
+                  </a:txBody>
+                  <a:tcPr/>
+                </a:tc>
+                <a:tc>
+                  <a:txBody>
+                    <a:bodyPr/>
+                    <a:lstStyle/>
+                    <a:p>
+                      <a:r>
+                        <a:rPr lang="sv-SE" dirty="0" smtClean="0"/>
+                        <a:t>NS10432</a:t>
+                      </a:r>
+                      <a:endParaRPr lang="sv-SE" dirty="0"/>
+                    </a:p>
+                  </a:txBody>
+                  <a:tcPr/>
+                </a:tc>
+                <a:tc>
+                  <a:txBody>
+                    <a:bodyPr/>
+                    <a:lstStyle/>
+                    <a:p>
+                      <a:r>
+                        <a:rPr lang="sv-SE" dirty="0" smtClean="0"/>
+                        <a:t>FireFox</a:t>
+                      </a:r>
+                      <a:endParaRPr lang="sv-SE" dirty="0"/>
+                    </a:p>
+                  </a:txBody>
+                  <a:tcPr/>
+                </a:tc>
+                <a:tc>
+                  <a:txBody>
+                    <a:bodyPr/>
+                    <a:lstStyle/>
+                    <a:p>
+                      <a:r>
+                        <a:rPr lang="sv-SE" dirty="0" smtClean="0"/>
+                        <a:t>WL</a:t>
+                      </a:r>
+                      <a:endParaRPr lang="sv-SE" dirty="0"/>
+                    </a:p>
+                  </a:txBody>
+                  <a:tcPr/>
+                </a:tc>
+              </a:tr>
+              <a:tr h="370840">
+                <a:tc>
+                  <a:txBody>
+                    <a:bodyPr/>
+                    <a:lstStyle/>
+                    <a:p>
+                      <a:r>
+                        <a:rPr lang="sv-SE" dirty="0" smtClean="0"/>
+                        <a:t>3</a:t>
+                      </a:r>
+                      <a:endParaRPr lang="sv-SE" dirty="0"/>
+                    </a:p>
+                  </a:txBody>
+                  <a:tcPr/>
+                </a:tc>
+                <a:tc>
+                  <a:txBody>
+                    <a:bodyPr/>
+                    <a:lstStyle/>
+                    <a:p>
+                      <a:r>
+                        <a:rPr lang="sv-SE" dirty="0" smtClean="0"/>
+                        <a:t>MS12354</a:t>
+                      </a:r>
+                      <a:endParaRPr lang="sv-SE" dirty="0"/>
+                    </a:p>
+                  </a:txBody>
+                  <a:tcPr/>
+                </a:tc>
+                <a:tc>
+                  <a:txBody>
+                    <a:bodyPr/>
+                    <a:lstStyle/>
+                    <a:p>
+                      <a:r>
+                        <a:rPr lang="sv-SE" dirty="0" smtClean="0"/>
+                        <a:t>Visual</a:t>
+                      </a:r>
+                      <a:r>
+                        <a:rPr lang="sv-SE" baseline="0" dirty="0" smtClean="0"/>
+                        <a:t> Studio</a:t>
+                      </a:r>
+                      <a:endParaRPr lang="sv-SE" dirty="0"/>
+                    </a:p>
+                  </a:txBody>
+                  <a:tcPr/>
+                </a:tc>
+                <a:tc>
+                  <a:txBody>
+                    <a:bodyPr/>
+                    <a:lstStyle/>
+                    <a:p>
+                      <a:r>
+                        <a:rPr lang="sv-SE" dirty="0" smtClean="0"/>
+                        <a:t>PV</a:t>
+                      </a:r>
+                      <a:endParaRPr lang="sv-SE" dirty="0"/>
+                    </a:p>
+                  </a:txBody>
+                  <a:tcPr/>
+                </a:tc>
+              </a:tr>
+            </a:tbl>
+          </a:graphicData>
+        </a:graphic>
+      </p:graphicFrame>
+      <p:graphicFrame>
+        <p:nvGraphicFramePr>
+          <p:cNvPr id="5" name="Table 4"/>
+          <p:cNvGraphicFramePr>
+            <a:graphicFrameLocks noGrp="1"/>
+          </p:cNvGraphicFramePr>
+          <p:nvPr>
+            <p:extLst>
+              <p:ext uri="{D42A27DB-BD31-4B8C-83A1-F6EECF244321}">
+                <p14:modId xmlns:p14="http://schemas.microsoft.com/office/powerpoint/2010/main" val="3149808408"/>
+              </p:ext>
+            </p:extLst>
+          </p:nvPr>
+        </p:nvGraphicFramePr>
+        <p:xfrm>
+          <a:off x="6297561" y="1059850"/>
+          <a:ext cx="2608064" cy="1483360"/>
+        </p:xfrm>
+        <a:graphic>
+          <a:graphicData uri="http://schemas.openxmlformats.org/drawingml/2006/table">
+            <a:tbl>
+              <a:tblPr firstRow="1" bandRow="1">
+                <a:tableStyleId>{5C22544A-7EE6-4342-B048-85BDC9FD1C3A}</a:tableStyleId>
+              </a:tblPr>
+              <a:tblGrid>
+                <a:gridCol w="951880"/>
+                <a:gridCol w="1656184"/>
+              </a:tblGrid>
+              <a:tr h="370840">
+                <a:tc>
+                  <a:txBody>
+                    <a:bodyPr/>
+                    <a:lstStyle/>
+                    <a:p>
+                      <a:r>
+                        <a:rPr lang="sv-SE" dirty="0" smtClean="0"/>
+                        <a:t>DatorID</a:t>
+                      </a:r>
+                      <a:endParaRPr lang="sv-SE" dirty="0"/>
+                    </a:p>
+                  </a:txBody>
+                  <a:tcPr>
+                    <a:lnL w="12700" cap="flat" cmpd="sng" algn="ctr">
+                      <a:solidFill>
+                        <a:schemeClr val="tx1"/>
+                      </a:solidFill>
+                      <a:prstDash val="solid"/>
+                      <a:round/>
+                      <a:headEnd type="none" w="med" len="med"/>
+                      <a:tailEnd type="none" w="med" len="med"/>
+                    </a:lnL>
+                    <a:lnR w="12700" cap="flat" cmpd="sng" algn="ctr">
+                      <a:solidFill>
+                        <a:schemeClr val="tx1"/>
+                      </a:solidFill>
+                      <a:prstDash val="solid"/>
+                      <a:round/>
+                      <a:headEnd type="none" w="med" len="med"/>
+                      <a:tailEnd type="none" w="med" len="med"/>
+                    </a:lnR>
+                    <a:lnT w="12700" cap="flat" cmpd="sng" algn="ctr">
+                      <a:solidFill>
+                        <a:schemeClr val="tx1"/>
+                      </a:solidFill>
+                      <a:prstDash val="solid"/>
+                      <a:round/>
+                      <a:headEnd type="none" w="med" len="med"/>
+                      <a:tailEnd type="none" w="med" len="med"/>
+                    </a:lnT>
+                    <a:lnB w="12700" cap="flat" cmpd="sng" algn="ctr">
+                      <a:solidFill>
+                        <a:schemeClr val="tx1"/>
+                      </a:solidFill>
+                      <a:prstDash val="solid"/>
+                      <a:round/>
+                      <a:headEnd type="none" w="med" len="med"/>
+                      <a:tailEnd type="none" w="med" len="med"/>
+                    </a:lnB>
+                  </a:tcPr>
+                </a:tc>
+                <a:tc>
+                  <a:txBody>
+                    <a:bodyPr/>
+                    <a:lstStyle/>
+                    <a:p>
+                      <a:r>
+                        <a:rPr lang="sv-SE" dirty="0" smtClean="0"/>
+                        <a:t>Datorplacering</a:t>
+                      </a:r>
+                      <a:endParaRPr lang="sv-SE" dirty="0"/>
+                    </a:p>
+                  </a:txBody>
+                  <a:tcPr>
+                    <a:lnL w="12700" cap="flat" cmpd="sng" algn="ctr">
+                      <a:solidFill>
+                        <a:schemeClr val="tx1"/>
+                      </a:solidFill>
+                      <a:prstDash val="solid"/>
+                      <a:round/>
+                      <a:headEnd type="none" w="med" len="med"/>
+                      <a:tailEnd type="none" w="med" len="med"/>
+                    </a:lnL>
+                    <a:lnR w="12700" cap="flat" cmpd="sng" algn="ctr">
+                      <a:solidFill>
+                        <a:schemeClr val="tx1"/>
+                      </a:solidFill>
+                      <a:prstDash val="solid"/>
+                      <a:round/>
+                      <a:headEnd type="none" w="med" len="med"/>
+                      <a:tailEnd type="none" w="med" len="med"/>
+                    </a:lnR>
+                    <a:lnT w="12700" cap="flat" cmpd="sng" algn="ctr">
+                      <a:noFill/>
+                      <a:prstDash val="solid"/>
+                      <a:round/>
+                      <a:headEnd type="none" w="med" len="med"/>
+                      <a:tailEnd type="none" w="med" len="med"/>
+                    </a:lnT>
+                    <a:lnB w="12700" cap="flat" cmpd="sng" algn="ctr">
+                      <a:solidFill>
+                        <a:schemeClr val="tx1"/>
+                      </a:solidFill>
+                      <a:prstDash val="solid"/>
+                      <a:round/>
+                      <a:headEnd type="none" w="med" len="med"/>
+                      <a:tailEnd type="none" w="med" len="med"/>
+                    </a:lnB>
+                  </a:tcPr>
+                </a:tc>
+              </a:tr>
+              <a:tr h="370840">
+                <a:tc>
+                  <a:txBody>
+                    <a:bodyPr/>
+                    <a:lstStyle/>
+                    <a:p>
+                      <a:pPr marL="0" marR="0" indent="0" algn="l" defTabSz="914400" rtl="0" eaLnBrk="1" fontAlgn="auto" latinLnBrk="0" hangingPunct="1">
+                        <a:lnSpc>
+                          <a:spcPct val="100000"/>
+                        </a:lnSpc>
+                        <a:spcBef>
+                          <a:spcPts val="0"/>
+                        </a:spcBef>
+                        <a:spcAft>
+                          <a:spcPts val="0"/>
+                        </a:spcAft>
+                        <a:buClrTx/>
+                        <a:buSzTx/>
+                        <a:buFontTx/>
+                        <a:buNone/>
+                        <a:tabLst/>
+                        <a:defRPr/>
+                      </a:pPr>
+                      <a:r>
+                        <a:rPr lang="sv-SE" dirty="0" smtClean="0"/>
+                        <a:t>849542</a:t>
+                      </a:r>
+                    </a:p>
+                  </a:txBody>
+                  <a:tcPr>
+                    <a:lnT w="12700" cap="flat" cmpd="sng" algn="ctr">
+                      <a:solidFill>
+                        <a:schemeClr val="tx1"/>
+                      </a:solidFill>
+                      <a:prstDash val="solid"/>
+                      <a:round/>
+                      <a:headEnd type="none" w="med" len="med"/>
+                      <a:tailEnd type="none" w="med" len="med"/>
+                    </a:lnT>
+                  </a:tcPr>
+                </a:tc>
+                <a:tc>
+                  <a:txBody>
+                    <a:bodyPr/>
+                    <a:lstStyle/>
+                    <a:p>
+                      <a:pPr marL="0" marR="0" indent="0" algn="l" defTabSz="914400" rtl="0" eaLnBrk="1" fontAlgn="auto" latinLnBrk="0" hangingPunct="1">
+                        <a:lnSpc>
+                          <a:spcPct val="100000"/>
+                        </a:lnSpc>
+                        <a:spcBef>
+                          <a:spcPts val="0"/>
+                        </a:spcBef>
+                        <a:spcAft>
+                          <a:spcPts val="0"/>
+                        </a:spcAft>
+                        <a:buClrTx/>
+                        <a:buSzTx/>
+                        <a:buFontTx/>
+                        <a:buNone/>
+                        <a:tabLst/>
+                        <a:defRPr/>
+                      </a:pPr>
+                      <a:r>
+                        <a:rPr lang="sv-SE" dirty="0" smtClean="0"/>
+                        <a:t>Sal Te222</a:t>
+                      </a:r>
+                    </a:p>
+                  </a:txBody>
+                  <a:tcPr>
+                    <a:lnT w="12700" cap="flat" cmpd="sng" algn="ctr">
+                      <a:solidFill>
+                        <a:schemeClr val="tx1"/>
+                      </a:solidFill>
+                      <a:prstDash val="solid"/>
+                      <a:round/>
+                      <a:headEnd type="none" w="med" len="med"/>
+                      <a:tailEnd type="none" w="med" len="med"/>
+                    </a:lnT>
+                  </a:tcPr>
+                </a:tc>
+              </a:tr>
+              <a:tr h="370840">
+                <a:tc>
+                  <a:txBody>
+                    <a:bodyPr/>
+                    <a:lstStyle/>
+                    <a:p>
+                      <a:r>
+                        <a:rPr lang="sv-SE" dirty="0" smtClean="0"/>
+                        <a:t>546534</a:t>
+                      </a:r>
+                      <a:endParaRPr lang="sv-SE" dirty="0"/>
+                    </a:p>
+                  </a:txBody>
+                  <a:tcPr/>
+                </a:tc>
+                <a:tc>
+                  <a:txBody>
+                    <a:bodyPr/>
+                    <a:lstStyle/>
+                    <a:p>
+                      <a:pPr marL="0" marR="0" indent="0" algn="l" defTabSz="914400" rtl="0" eaLnBrk="1" fontAlgn="auto" latinLnBrk="0" hangingPunct="1">
+                        <a:lnSpc>
+                          <a:spcPct val="100000"/>
+                        </a:lnSpc>
+                        <a:spcBef>
+                          <a:spcPts val="0"/>
+                        </a:spcBef>
+                        <a:spcAft>
+                          <a:spcPts val="0"/>
+                        </a:spcAft>
+                        <a:buClrTx/>
+                        <a:buSzTx/>
+                        <a:buFontTx/>
+                        <a:buNone/>
+                        <a:tabLst/>
+                        <a:defRPr/>
+                      </a:pPr>
+                      <a:r>
+                        <a:rPr lang="sv-SE" dirty="0" smtClean="0"/>
+                        <a:t>Sal Te237</a:t>
+                      </a:r>
+                    </a:p>
+                  </a:txBody>
+                  <a:tcPr/>
+                </a:tc>
+              </a:tr>
+              <a:tr h="370840">
+                <a:tc>
+                  <a:txBody>
+                    <a:bodyPr/>
+                    <a:lstStyle/>
+                    <a:p>
+                      <a:r>
+                        <a:rPr lang="sv-SE" dirty="0" smtClean="0"/>
+                        <a:t>843543</a:t>
+                      </a:r>
+                      <a:endParaRPr lang="sv-SE" b="0" dirty="0"/>
+                    </a:p>
+                  </a:txBody>
+                  <a:tcPr/>
+                </a:tc>
+                <a:tc>
+                  <a:txBody>
+                    <a:bodyPr/>
+                    <a:lstStyle/>
+                    <a:p>
+                      <a:pPr marL="0" marR="0" indent="0" algn="l" defTabSz="914400" rtl="0" eaLnBrk="1" fontAlgn="auto" latinLnBrk="0" hangingPunct="1">
+                        <a:lnSpc>
+                          <a:spcPct val="100000"/>
+                        </a:lnSpc>
+                        <a:spcBef>
+                          <a:spcPts val="0"/>
+                        </a:spcBef>
+                        <a:spcAft>
+                          <a:spcPts val="0"/>
+                        </a:spcAft>
+                        <a:buClrTx/>
+                        <a:buSzTx/>
+                        <a:buFontTx/>
+                        <a:buNone/>
+                        <a:tabLst/>
+                        <a:defRPr/>
+                      </a:pPr>
+                      <a:r>
+                        <a:rPr lang="sv-SE" dirty="0" smtClean="0"/>
+                        <a:t>Sal Te220</a:t>
+                      </a:r>
+                    </a:p>
+                  </a:txBody>
+                  <a:tcPr/>
+                </a:tc>
+              </a:tr>
+            </a:tbl>
+          </a:graphicData>
+        </a:graphic>
+      </p:graphicFrame>
+      <p:graphicFrame>
+        <p:nvGraphicFramePr>
+          <p:cNvPr id="6" name="Table 5"/>
+          <p:cNvGraphicFramePr>
+            <a:graphicFrameLocks noGrp="1"/>
+          </p:cNvGraphicFramePr>
+          <p:nvPr>
+            <p:extLst>
+              <p:ext uri="{D42A27DB-BD31-4B8C-83A1-F6EECF244321}">
+                <p14:modId xmlns:p14="http://schemas.microsoft.com/office/powerpoint/2010/main" val="870393393"/>
+              </p:ext>
+            </p:extLst>
+          </p:nvPr>
+        </p:nvGraphicFramePr>
+        <p:xfrm>
+          <a:off x="30336" y="2850758"/>
+          <a:ext cx="4637977" cy="1483360"/>
+        </p:xfrm>
+        <a:graphic>
+          <a:graphicData uri="http://schemas.openxmlformats.org/drawingml/2006/table">
+            <a:tbl>
+              <a:tblPr firstRow="1" bandRow="1">
+                <a:tableStyleId>{5C22544A-7EE6-4342-B048-85BDC9FD1C3A}</a:tableStyleId>
+              </a:tblPr>
+              <a:tblGrid>
+                <a:gridCol w="1630490"/>
+                <a:gridCol w="975487"/>
+                <a:gridCol w="2032000"/>
+              </a:tblGrid>
+              <a:tr h="370840">
+                <a:tc>
+                  <a:txBody>
+                    <a:bodyPr/>
+                    <a:lstStyle/>
+                    <a:p>
+                      <a:r>
+                        <a:rPr lang="sv-SE" dirty="0" smtClean="0"/>
+                        <a:t>MjukvaruNRID</a:t>
+                      </a:r>
+                      <a:endParaRPr lang="sv-SE" dirty="0"/>
+                    </a:p>
+                  </a:txBody>
+                  <a:tcPr>
+                    <a:lnL w="12700" cap="flat" cmpd="sng" algn="ctr">
+                      <a:solidFill>
+                        <a:schemeClr val="tx1"/>
+                      </a:solidFill>
+                      <a:prstDash val="solid"/>
+                      <a:round/>
+                      <a:headEnd type="none" w="med" len="med"/>
+                      <a:tailEnd type="none" w="med" len="med"/>
+                    </a:lnL>
+                    <a:lnR w="12700" cap="flat" cmpd="sng" algn="ctr">
+                      <a:solidFill>
+                        <a:schemeClr val="tx1"/>
+                      </a:solidFill>
+                      <a:prstDash val="solid"/>
+                      <a:round/>
+                      <a:headEnd type="none" w="med" len="med"/>
+                      <a:tailEnd type="none" w="med" len="med"/>
+                    </a:lnR>
+                    <a:lnT w="12700" cap="flat" cmpd="sng" algn="ctr">
+                      <a:solidFill>
+                        <a:schemeClr val="tx1"/>
+                      </a:solidFill>
+                      <a:prstDash val="solid"/>
+                      <a:round/>
+                      <a:headEnd type="none" w="med" len="med"/>
+                      <a:tailEnd type="none" w="med" len="med"/>
+                    </a:lnT>
+                    <a:lnB w="12700" cap="flat" cmpd="sng" algn="ctr">
+                      <a:solidFill>
+                        <a:schemeClr val="tx1"/>
+                      </a:solidFill>
+                      <a:prstDash val="solid"/>
+                      <a:round/>
+                      <a:headEnd type="none" w="med" len="med"/>
+                      <a:tailEnd type="none" w="med" len="med"/>
+                    </a:lnB>
+                  </a:tcPr>
+                </a:tc>
+                <a:tc>
+                  <a:txBody>
+                    <a:bodyPr/>
+                    <a:lstStyle/>
+                    <a:p>
+                      <a:r>
+                        <a:rPr lang="sv-SE" dirty="0" smtClean="0"/>
+                        <a:t>DatorID</a:t>
+                      </a:r>
+                      <a:endParaRPr lang="sv-SE" dirty="0"/>
+                    </a:p>
+                  </a:txBody>
+                  <a:tcPr>
+                    <a:lnL w="12700" cap="flat" cmpd="sng" algn="ctr">
+                      <a:solidFill>
+                        <a:schemeClr val="tx1"/>
+                      </a:solidFill>
+                      <a:prstDash val="solid"/>
+                      <a:round/>
+                      <a:headEnd type="none" w="med" len="med"/>
+                      <a:tailEnd type="none" w="med" len="med"/>
+                    </a:lnL>
+                    <a:lnR w="12700" cap="flat" cmpd="sng" algn="ctr">
+                      <a:solidFill>
+                        <a:schemeClr val="tx1"/>
+                      </a:solidFill>
+                      <a:prstDash val="solid"/>
+                      <a:round/>
+                      <a:headEnd type="none" w="med" len="med"/>
+                      <a:tailEnd type="none" w="med" len="med"/>
+                    </a:lnR>
+                    <a:lnT w="12700" cap="flat" cmpd="sng" algn="ctr">
+                      <a:solidFill>
+                        <a:schemeClr val="tx1"/>
+                      </a:solidFill>
+                      <a:prstDash val="solid"/>
+                      <a:round/>
+                      <a:headEnd type="none" w="med" len="med"/>
+                      <a:tailEnd type="none" w="med" len="med"/>
+                    </a:lnT>
+                    <a:lnB w="12700" cap="flat" cmpd="sng" algn="ctr">
+                      <a:solidFill>
+                        <a:schemeClr val="tx1"/>
+                      </a:solidFill>
+                      <a:prstDash val="solid"/>
+                      <a:round/>
+                      <a:headEnd type="none" w="med" len="med"/>
+                      <a:tailEnd type="none" w="med" len="med"/>
+                    </a:lnB>
+                  </a:tcPr>
+                </a:tc>
+                <a:tc>
+                  <a:txBody>
+                    <a:bodyPr/>
+                    <a:lstStyle/>
+                    <a:p>
+                      <a:r>
+                        <a:rPr lang="sv-SE" dirty="0" smtClean="0"/>
+                        <a:t>Installationsdatum</a:t>
+                      </a:r>
+                      <a:endParaRPr lang="sv-SE" dirty="0"/>
+                    </a:p>
+                  </a:txBody>
+                  <a:tcPr>
+                    <a:lnL w="12700" cap="flat" cmpd="sng" algn="ctr">
+                      <a:solidFill>
+                        <a:schemeClr val="tx1"/>
+                      </a:solidFill>
+                      <a:prstDash val="solid"/>
+                      <a:round/>
+                      <a:headEnd type="none" w="med" len="med"/>
+                      <a:tailEnd type="none" w="med" len="med"/>
+                    </a:lnL>
+                    <a:lnR w="12700" cap="flat" cmpd="sng" algn="ctr">
+                      <a:solidFill>
+                        <a:schemeClr val="tx1"/>
+                      </a:solidFill>
+                      <a:prstDash val="solid"/>
+                      <a:round/>
+                      <a:headEnd type="none" w="med" len="med"/>
+                      <a:tailEnd type="none" w="med" len="med"/>
+                    </a:lnR>
+                    <a:lnT w="12700" cap="flat" cmpd="sng" algn="ctr">
+                      <a:noFill/>
+                      <a:prstDash val="solid"/>
+                      <a:round/>
+                      <a:headEnd type="none" w="med" len="med"/>
+                      <a:tailEnd type="none" w="med" len="med"/>
+                    </a:lnT>
+                    <a:lnB w="12700" cap="flat" cmpd="sng" algn="ctr">
+                      <a:solidFill>
+                        <a:schemeClr val="tx1"/>
+                      </a:solidFill>
+                      <a:prstDash val="solid"/>
+                      <a:round/>
+                      <a:headEnd type="none" w="med" len="med"/>
+                      <a:tailEnd type="none" w="med" len="med"/>
+                    </a:lnB>
+                    <a:lnTlToBr w="12700" cmpd="sng">
+                      <a:noFill/>
+                      <a:prstDash val="solid"/>
+                    </a:lnTlToBr>
+                    <a:lnBlToTr w="12700" cmpd="sng">
+                      <a:noFill/>
+                      <a:prstDash val="solid"/>
+                    </a:lnBlToTr>
+                  </a:tcPr>
+                </a:tc>
+              </a:tr>
+              <a:tr h="370840">
+                <a:tc>
+                  <a:txBody>
+                    <a:bodyPr/>
+                    <a:lstStyle/>
+                    <a:p>
+                      <a:r>
+                        <a:rPr lang="sv-SE" dirty="0" smtClean="0"/>
+                        <a:t>1</a:t>
+                      </a:r>
+                      <a:endParaRPr lang="sv-SE" dirty="0"/>
+                    </a:p>
+                  </a:txBody>
+                  <a:tcPr>
+                    <a:lnT w="12700" cap="flat" cmpd="sng" algn="ctr">
+                      <a:solidFill>
+                        <a:schemeClr val="tx1"/>
+                      </a:solidFill>
+                      <a:prstDash val="solid"/>
+                      <a:round/>
+                      <a:headEnd type="none" w="med" len="med"/>
+                      <a:tailEnd type="none" w="med" len="med"/>
+                    </a:lnT>
+                  </a:tcPr>
+                </a:tc>
+                <a:tc>
+                  <a:txBody>
+                    <a:bodyPr/>
+                    <a:lstStyle/>
+                    <a:p>
+                      <a:pPr marL="0" marR="0" indent="0" algn="l" defTabSz="914400" rtl="0" eaLnBrk="1" fontAlgn="auto" latinLnBrk="0" hangingPunct="1">
+                        <a:lnSpc>
+                          <a:spcPct val="100000"/>
+                        </a:lnSpc>
+                        <a:spcBef>
+                          <a:spcPts val="0"/>
+                        </a:spcBef>
+                        <a:spcAft>
+                          <a:spcPts val="0"/>
+                        </a:spcAft>
+                        <a:buClrTx/>
+                        <a:buSzTx/>
+                        <a:buFontTx/>
+                        <a:buNone/>
+                        <a:tabLst/>
+                        <a:defRPr/>
+                      </a:pPr>
+                      <a:r>
+                        <a:rPr lang="sv-SE" dirty="0" smtClean="0"/>
+                        <a:t>849542</a:t>
+                      </a:r>
+                    </a:p>
+                  </a:txBody>
+                  <a:tcPr>
+                    <a:lnT w="12700" cap="flat" cmpd="sng" algn="ctr">
+                      <a:solidFill>
+                        <a:schemeClr val="tx1"/>
+                      </a:solidFill>
+                      <a:prstDash val="solid"/>
+                      <a:round/>
+                      <a:headEnd type="none" w="med" len="med"/>
+                      <a:tailEnd type="none" w="med" len="med"/>
+                    </a:lnT>
+                  </a:tcPr>
+                </a:tc>
+                <a:tc>
+                  <a:txBody>
+                    <a:bodyPr/>
+                    <a:lstStyle/>
+                    <a:p>
+                      <a:r>
+                        <a:rPr lang="sv-SE" dirty="0" smtClean="0"/>
+                        <a:t>2005-01-13</a:t>
+                      </a:r>
+                      <a:endParaRPr lang="sv-SE" dirty="0"/>
+                    </a:p>
+                  </a:txBody>
+                  <a:tcPr>
+                    <a:lnT w="12700" cap="flat" cmpd="sng" algn="ctr">
+                      <a:solidFill>
+                        <a:schemeClr val="tx1"/>
+                      </a:solidFill>
+                      <a:prstDash val="solid"/>
+                      <a:round/>
+                      <a:headEnd type="none" w="med" len="med"/>
+                      <a:tailEnd type="none" w="med" len="med"/>
+                    </a:lnT>
+                  </a:tcPr>
+                </a:tc>
+              </a:tr>
+              <a:tr h="370840">
+                <a:tc>
+                  <a:txBody>
+                    <a:bodyPr/>
+                    <a:lstStyle/>
+                    <a:p>
+                      <a:r>
+                        <a:rPr lang="sv-SE" dirty="0" smtClean="0"/>
+                        <a:t>2</a:t>
+                      </a:r>
+                      <a:endParaRPr lang="sv-SE" dirty="0"/>
+                    </a:p>
+                  </a:txBody>
+                  <a:tcPr/>
+                </a:tc>
+                <a:tc>
+                  <a:txBody>
+                    <a:bodyPr/>
+                    <a:lstStyle/>
+                    <a:p>
+                      <a:r>
+                        <a:rPr lang="sv-SE" dirty="0" smtClean="0"/>
+                        <a:t>546534</a:t>
+                      </a:r>
+                      <a:endParaRPr lang="sv-SE" dirty="0"/>
+                    </a:p>
+                  </a:txBody>
+                  <a:tcPr/>
+                </a:tc>
+                <a:tc>
+                  <a:txBody>
+                    <a:bodyPr/>
+                    <a:lstStyle/>
+                    <a:p>
+                      <a:r>
+                        <a:rPr lang="sv-SE" dirty="0" smtClean="0"/>
+                        <a:t>2004-08-19</a:t>
+                      </a:r>
+                      <a:endParaRPr lang="sv-SE" dirty="0"/>
+                    </a:p>
+                  </a:txBody>
+                  <a:tcPr/>
+                </a:tc>
+              </a:tr>
+              <a:tr h="370840">
+                <a:tc>
+                  <a:txBody>
+                    <a:bodyPr/>
+                    <a:lstStyle/>
+                    <a:p>
+                      <a:r>
+                        <a:rPr lang="sv-SE" dirty="0" smtClean="0"/>
+                        <a:t>3</a:t>
+                      </a:r>
+                      <a:endParaRPr lang="sv-SE" dirty="0"/>
+                    </a:p>
+                  </a:txBody>
+                  <a:tcPr/>
+                </a:tc>
+                <a:tc>
+                  <a:txBody>
+                    <a:bodyPr/>
+                    <a:lstStyle/>
+                    <a:p>
+                      <a:r>
+                        <a:rPr lang="sv-SE" dirty="0" smtClean="0"/>
+                        <a:t>843543</a:t>
+                      </a:r>
+                      <a:endParaRPr lang="sv-SE" dirty="0"/>
+                    </a:p>
+                  </a:txBody>
+                  <a:tcPr/>
+                </a:tc>
+                <a:tc>
+                  <a:txBody>
+                    <a:bodyPr/>
+                    <a:lstStyle/>
+                    <a:p>
+                      <a:r>
+                        <a:rPr lang="sv-SE" dirty="0" smtClean="0"/>
+                        <a:t>2004-12-08</a:t>
+                      </a:r>
+                      <a:endParaRPr lang="sv-SE" dirty="0"/>
+                    </a:p>
+                  </a:txBody>
+                  <a:tcPr/>
+                </a:tc>
+              </a:tr>
+            </a:tbl>
+          </a:graphicData>
+        </a:graphic>
+      </p:graphicFrame>
+      <p:sp>
+        <p:nvSpPr>
+          <p:cNvPr id="7" name="TextBox 6"/>
+          <p:cNvSpPr txBox="1"/>
+          <p:nvPr/>
+        </p:nvSpPr>
+        <p:spPr>
+          <a:xfrm>
+            <a:off x="-33090" y="690518"/>
+            <a:ext cx="1002059" cy="369332"/>
+          </a:xfrm>
+          <a:prstGeom prst="rect">
+            <a:avLst/>
+          </a:prstGeom>
+          <a:noFill/>
+        </p:spPr>
+        <p:txBody>
+          <a:bodyPr wrap="square" rtlCol="0">
+            <a:spAutoFit/>
+          </a:bodyPr>
+          <a:lstStyle/>
+          <a:p>
+            <a:r>
+              <a:rPr lang="sv-SE" b="1" dirty="0" smtClean="0"/>
+              <a:t>Produkt</a:t>
+            </a:r>
+            <a:endParaRPr lang="sv-SE" b="1" dirty="0"/>
+          </a:p>
+        </p:txBody>
+      </p:sp>
+      <p:sp>
+        <p:nvSpPr>
+          <p:cNvPr id="8" name="TextBox 7"/>
+          <p:cNvSpPr txBox="1"/>
+          <p:nvPr/>
+        </p:nvSpPr>
+        <p:spPr>
+          <a:xfrm>
+            <a:off x="6225553" y="690518"/>
+            <a:ext cx="1157288" cy="369332"/>
+          </a:xfrm>
+          <a:prstGeom prst="rect">
+            <a:avLst/>
+          </a:prstGeom>
+          <a:noFill/>
+        </p:spPr>
+        <p:txBody>
+          <a:bodyPr wrap="square" rtlCol="0">
+            <a:spAutoFit/>
+          </a:bodyPr>
+          <a:lstStyle/>
+          <a:p>
+            <a:r>
+              <a:rPr lang="sv-SE" b="1" dirty="0" smtClean="0"/>
+              <a:t>Dator</a:t>
+            </a:r>
+            <a:endParaRPr lang="sv-SE" b="1" dirty="0"/>
+          </a:p>
+        </p:txBody>
+      </p:sp>
+      <p:sp>
+        <p:nvSpPr>
+          <p:cNvPr id="9" name="TextBox 8"/>
+          <p:cNvSpPr txBox="1"/>
+          <p:nvPr/>
+        </p:nvSpPr>
+        <p:spPr>
+          <a:xfrm>
+            <a:off x="-61615" y="2490450"/>
+            <a:ext cx="1514697" cy="369332"/>
+          </a:xfrm>
+          <a:prstGeom prst="rect">
+            <a:avLst/>
+          </a:prstGeom>
+          <a:noFill/>
+        </p:spPr>
+        <p:txBody>
+          <a:bodyPr wrap="square" rtlCol="0">
+            <a:spAutoFit/>
+          </a:bodyPr>
+          <a:lstStyle/>
+          <a:p>
+            <a:r>
+              <a:rPr lang="sv-SE" b="1" dirty="0" smtClean="0"/>
+              <a:t>Installationer</a:t>
+            </a:r>
+            <a:endParaRPr lang="sv-SE" b="1" dirty="0"/>
+          </a:p>
+        </p:txBody>
+      </p:sp>
+      <p:sp>
+        <p:nvSpPr>
+          <p:cNvPr id="10" name="Rectangle 9"/>
+          <p:cNvSpPr/>
+          <p:nvPr/>
+        </p:nvSpPr>
+        <p:spPr>
+          <a:xfrm>
+            <a:off x="6358408" y="4460079"/>
+            <a:ext cx="1512168" cy="576064"/>
+          </a:xfrm>
+          <a:prstGeom prst="rect">
+            <a:avLst/>
+          </a:prstGeom>
+        </p:spPr>
+        <p:style>
+          <a:lnRef idx="2">
+            <a:schemeClr val="accent1">
+              <a:shade val="50000"/>
+            </a:schemeClr>
+          </a:lnRef>
+          <a:fillRef idx="1">
+            <a:schemeClr val="accent1"/>
+          </a:fillRef>
+          <a:effectRef idx="0">
+            <a:schemeClr val="accent1"/>
+          </a:effectRef>
+          <a:fontRef idx="minor">
+            <a:schemeClr val="lt1"/>
+          </a:fontRef>
+        </p:style>
+        <p:txBody>
+          <a:bodyPr rtlCol="0" anchor="ctr"/>
+          <a:lstStyle/>
+          <a:p>
+            <a:pPr algn="ctr"/>
+            <a:r>
+              <a:rPr lang="sv-SE" dirty="0" smtClean="0"/>
+              <a:t>Dator</a:t>
+            </a:r>
+            <a:endParaRPr lang="sv-SE" dirty="0"/>
+          </a:p>
+        </p:txBody>
+      </p:sp>
+      <p:sp>
+        <p:nvSpPr>
+          <p:cNvPr id="11" name="Rectangle 10"/>
+          <p:cNvSpPr/>
+          <p:nvPr/>
+        </p:nvSpPr>
+        <p:spPr>
+          <a:xfrm>
+            <a:off x="1453082" y="4460079"/>
+            <a:ext cx="1512168" cy="576064"/>
+          </a:xfrm>
+          <a:prstGeom prst="rect">
+            <a:avLst/>
+          </a:prstGeom>
+        </p:spPr>
+        <p:style>
+          <a:lnRef idx="2">
+            <a:schemeClr val="accent1">
+              <a:shade val="50000"/>
+            </a:schemeClr>
+          </a:lnRef>
+          <a:fillRef idx="1">
+            <a:schemeClr val="accent1"/>
+          </a:fillRef>
+          <a:effectRef idx="0">
+            <a:schemeClr val="accent1"/>
+          </a:effectRef>
+          <a:fontRef idx="minor">
+            <a:schemeClr val="lt1"/>
+          </a:fontRef>
+        </p:style>
+        <p:txBody>
+          <a:bodyPr rtlCol="0" anchor="ctr"/>
+          <a:lstStyle/>
+          <a:p>
+            <a:pPr algn="ctr"/>
+            <a:r>
+              <a:rPr lang="sv-SE" dirty="0" smtClean="0"/>
+              <a:t>Produkt</a:t>
+            </a:r>
+            <a:endParaRPr lang="sv-SE" dirty="0"/>
+          </a:p>
+        </p:txBody>
+      </p:sp>
+      <p:sp>
+        <p:nvSpPr>
+          <p:cNvPr id="12" name="Rectangle 11"/>
+          <p:cNvSpPr/>
+          <p:nvPr/>
+        </p:nvSpPr>
+        <p:spPr>
+          <a:xfrm>
+            <a:off x="3907929" y="4437111"/>
+            <a:ext cx="1512168" cy="576064"/>
+          </a:xfrm>
+          <a:prstGeom prst="rect">
+            <a:avLst/>
+          </a:prstGeom>
+        </p:spPr>
+        <p:style>
+          <a:lnRef idx="2">
+            <a:schemeClr val="accent1">
+              <a:shade val="50000"/>
+            </a:schemeClr>
+          </a:lnRef>
+          <a:fillRef idx="1">
+            <a:schemeClr val="accent1"/>
+          </a:fillRef>
+          <a:effectRef idx="0">
+            <a:schemeClr val="accent1"/>
+          </a:effectRef>
+          <a:fontRef idx="minor">
+            <a:schemeClr val="lt1"/>
+          </a:fontRef>
+        </p:style>
+        <p:txBody>
+          <a:bodyPr rtlCol="0" anchor="ctr"/>
+          <a:lstStyle/>
+          <a:p>
+            <a:pPr algn="ctr"/>
+            <a:r>
+              <a:rPr lang="sv-SE" dirty="0" smtClean="0"/>
+              <a:t>Installationer</a:t>
+            </a:r>
+            <a:endParaRPr lang="sv-SE" dirty="0"/>
+          </a:p>
+        </p:txBody>
+      </p:sp>
+      <p:grpSp>
+        <p:nvGrpSpPr>
+          <p:cNvPr id="24" name="Grupp 7"/>
+          <p:cNvGrpSpPr>
+            <a:grpSpLocks/>
+          </p:cNvGrpSpPr>
+          <p:nvPr/>
+        </p:nvGrpSpPr>
+        <p:grpSpPr bwMode="auto">
+          <a:xfrm>
+            <a:off x="2967881" y="4580681"/>
+            <a:ext cx="936625" cy="288925"/>
+            <a:chOff x="2555776" y="692696"/>
+            <a:chExt cx="936104" cy="288032"/>
+          </a:xfrm>
+        </p:grpSpPr>
+        <p:cxnSp>
+          <p:nvCxnSpPr>
+            <p:cNvPr id="25" name="Rak 5"/>
+            <p:cNvCxnSpPr/>
+            <p:nvPr/>
+          </p:nvCxnSpPr>
+          <p:spPr>
+            <a:xfrm>
+              <a:off x="2555776" y="836712"/>
+              <a:ext cx="936104" cy="0"/>
+            </a:xfrm>
+            <a:prstGeom prst="line">
+              <a:avLst/>
+            </a:prstGeom>
+            <a:ln w="9525">
+              <a:solidFill>
+                <a:schemeClr val="tx1"/>
+              </a:solidFill>
+            </a:ln>
+          </p:spPr>
+          <p:style>
+            <a:lnRef idx="1">
+              <a:schemeClr val="accent1"/>
+            </a:lnRef>
+            <a:fillRef idx="0">
+              <a:schemeClr val="accent1"/>
+            </a:fillRef>
+            <a:effectRef idx="0">
+              <a:schemeClr val="accent1"/>
+            </a:effectRef>
+            <a:fontRef idx="minor">
+              <a:schemeClr val="tx1"/>
+            </a:fontRef>
+          </p:style>
+        </p:cxnSp>
+        <p:sp>
+          <p:nvSpPr>
+            <p:cNvPr id="26" name="Rektangel 6"/>
+            <p:cNvSpPr/>
+            <p:nvPr/>
+          </p:nvSpPr>
+          <p:spPr>
+            <a:xfrm>
+              <a:off x="3420483" y="692696"/>
+              <a:ext cx="71397" cy="288032"/>
+            </a:xfrm>
+            <a:prstGeom prst="rect">
+              <a:avLst/>
+            </a:prstGeom>
+            <a:noFill/>
+            <a:ln w="9525">
+              <a:solidFill>
+                <a:schemeClr val="tx1"/>
+              </a:solidFill>
+            </a:ln>
+          </p:spPr>
+          <p:style>
+            <a:lnRef idx="2">
+              <a:schemeClr val="accent1">
+                <a:shade val="50000"/>
+              </a:schemeClr>
+            </a:lnRef>
+            <a:fillRef idx="1">
+              <a:schemeClr val="accent1"/>
+            </a:fillRef>
+            <a:effectRef idx="0">
+              <a:schemeClr val="accent1"/>
+            </a:effectRef>
+            <a:fontRef idx="minor">
+              <a:schemeClr val="lt1"/>
+            </a:fontRef>
+          </p:style>
+          <p:txBody>
+            <a:bodyPr anchor="ctr"/>
+            <a:lstStyle/>
+            <a:p>
+              <a:pPr algn="ctr" fontAlgn="auto">
+                <a:spcBef>
+                  <a:spcPts val="0"/>
+                </a:spcBef>
+                <a:spcAft>
+                  <a:spcPts val="0"/>
+                </a:spcAft>
+                <a:defRPr/>
+              </a:pPr>
+              <a:endParaRPr lang="sv-SE"/>
+            </a:p>
+          </p:txBody>
+        </p:sp>
+      </p:grpSp>
+      <p:grpSp>
+        <p:nvGrpSpPr>
+          <p:cNvPr id="27" name="Grupp 7"/>
+          <p:cNvGrpSpPr>
+            <a:grpSpLocks/>
+          </p:cNvGrpSpPr>
+          <p:nvPr/>
+        </p:nvGrpSpPr>
+        <p:grpSpPr bwMode="auto">
+          <a:xfrm rot="10800000">
+            <a:off x="5416674" y="4580680"/>
+            <a:ext cx="936625" cy="288925"/>
+            <a:chOff x="2555776" y="692696"/>
+            <a:chExt cx="936104" cy="288032"/>
+          </a:xfrm>
+        </p:grpSpPr>
+        <p:cxnSp>
+          <p:nvCxnSpPr>
+            <p:cNvPr id="28" name="Rak 5"/>
+            <p:cNvCxnSpPr/>
+            <p:nvPr/>
+          </p:nvCxnSpPr>
+          <p:spPr>
+            <a:xfrm>
+              <a:off x="2555776" y="836712"/>
+              <a:ext cx="936104" cy="0"/>
+            </a:xfrm>
+            <a:prstGeom prst="line">
+              <a:avLst/>
+            </a:prstGeom>
+            <a:ln w="9525">
+              <a:solidFill>
+                <a:schemeClr val="tx1"/>
+              </a:solidFill>
+            </a:ln>
+          </p:spPr>
+          <p:style>
+            <a:lnRef idx="1">
+              <a:schemeClr val="accent1"/>
+            </a:lnRef>
+            <a:fillRef idx="0">
+              <a:schemeClr val="accent1"/>
+            </a:fillRef>
+            <a:effectRef idx="0">
+              <a:schemeClr val="accent1"/>
+            </a:effectRef>
+            <a:fontRef idx="minor">
+              <a:schemeClr val="tx1"/>
+            </a:fontRef>
+          </p:style>
+        </p:cxnSp>
+        <p:sp>
+          <p:nvSpPr>
+            <p:cNvPr id="29" name="Rektangel 6"/>
+            <p:cNvSpPr/>
+            <p:nvPr/>
+          </p:nvSpPr>
+          <p:spPr>
+            <a:xfrm>
+              <a:off x="3420483" y="692696"/>
+              <a:ext cx="71397" cy="288032"/>
+            </a:xfrm>
+            <a:prstGeom prst="rect">
+              <a:avLst/>
+            </a:prstGeom>
+            <a:noFill/>
+            <a:ln w="9525">
+              <a:solidFill>
+                <a:schemeClr val="tx1"/>
+              </a:solidFill>
+            </a:ln>
+          </p:spPr>
+          <p:style>
+            <a:lnRef idx="2">
+              <a:schemeClr val="accent1">
+                <a:shade val="50000"/>
+              </a:schemeClr>
+            </a:lnRef>
+            <a:fillRef idx="1">
+              <a:schemeClr val="accent1"/>
+            </a:fillRef>
+            <a:effectRef idx="0">
+              <a:schemeClr val="accent1"/>
+            </a:effectRef>
+            <a:fontRef idx="minor">
+              <a:schemeClr val="lt1"/>
+            </a:fontRef>
+          </p:style>
+          <p:txBody>
+            <a:bodyPr anchor="ctr"/>
+            <a:lstStyle/>
+            <a:p>
+              <a:pPr algn="ctr" fontAlgn="auto">
+                <a:spcBef>
+                  <a:spcPts val="0"/>
+                </a:spcBef>
+                <a:spcAft>
+                  <a:spcPts val="0"/>
+                </a:spcAft>
+                <a:defRPr/>
+              </a:pPr>
+              <a:endParaRPr lang="sv-SE"/>
+            </a:p>
+          </p:txBody>
+        </p:sp>
+      </p:grpSp>
+      <p:sp>
+        <p:nvSpPr>
+          <p:cNvPr id="31" name="TextBox 30"/>
+          <p:cNvSpPr txBox="1"/>
+          <p:nvPr/>
+        </p:nvSpPr>
+        <p:spPr>
+          <a:xfrm>
+            <a:off x="1093042" y="5065833"/>
+            <a:ext cx="2232248" cy="1200329"/>
+          </a:xfrm>
+          <a:prstGeom prst="rect">
+            <a:avLst/>
+          </a:prstGeom>
+          <a:noFill/>
+        </p:spPr>
+        <p:txBody>
+          <a:bodyPr wrap="square" rtlCol="0">
+            <a:spAutoFit/>
+          </a:bodyPr>
+          <a:lstStyle/>
+          <a:p>
+            <a:r>
+              <a:rPr lang="sv-SE" dirty="0" smtClean="0"/>
+              <a:t>MjukvaruNRID Pk, Int</a:t>
+            </a:r>
+          </a:p>
+          <a:p>
+            <a:r>
+              <a:rPr lang="sv-SE" dirty="0" smtClean="0"/>
+              <a:t>MjukvaruNR, VC(10)</a:t>
+            </a:r>
+          </a:p>
+          <a:p>
+            <a:r>
+              <a:rPr lang="sv-SE" dirty="0" smtClean="0"/>
+              <a:t>Mjukvara, VC(25)</a:t>
+            </a:r>
+          </a:p>
+          <a:p>
+            <a:r>
+              <a:rPr lang="sv-SE" dirty="0" smtClean="0"/>
+              <a:t>Mjukvarutyp, VC(5)</a:t>
+            </a:r>
+          </a:p>
+        </p:txBody>
+      </p:sp>
+      <p:sp>
+        <p:nvSpPr>
+          <p:cNvPr id="32" name="TextBox 31"/>
+          <p:cNvSpPr txBox="1"/>
+          <p:nvPr/>
+        </p:nvSpPr>
+        <p:spPr>
+          <a:xfrm>
+            <a:off x="3547889" y="5065833"/>
+            <a:ext cx="2232248" cy="923330"/>
+          </a:xfrm>
+          <a:prstGeom prst="rect">
+            <a:avLst/>
+          </a:prstGeom>
+          <a:noFill/>
+        </p:spPr>
+        <p:txBody>
+          <a:bodyPr wrap="square" rtlCol="0">
+            <a:spAutoFit/>
+          </a:bodyPr>
+          <a:lstStyle/>
+          <a:p>
+            <a:r>
+              <a:rPr lang="sv-SE" dirty="0" smtClean="0"/>
+              <a:t>MjukvaruNRID Pk, Int</a:t>
+            </a:r>
+          </a:p>
+          <a:p>
+            <a:r>
+              <a:rPr lang="sv-SE" dirty="0" smtClean="0"/>
+              <a:t>DatorID Pk, Int</a:t>
+            </a:r>
+          </a:p>
+          <a:p>
+            <a:r>
+              <a:rPr lang="sv-SE" dirty="0" smtClean="0"/>
+              <a:t>Installationsdatum, D</a:t>
+            </a:r>
+          </a:p>
+        </p:txBody>
+      </p:sp>
+      <p:sp>
+        <p:nvSpPr>
+          <p:cNvPr id="33" name="TextBox 32"/>
+          <p:cNvSpPr txBox="1"/>
+          <p:nvPr/>
+        </p:nvSpPr>
+        <p:spPr>
+          <a:xfrm>
+            <a:off x="5998368" y="5097703"/>
+            <a:ext cx="2390056" cy="646331"/>
+          </a:xfrm>
+          <a:prstGeom prst="rect">
+            <a:avLst/>
+          </a:prstGeom>
+          <a:noFill/>
+        </p:spPr>
+        <p:txBody>
+          <a:bodyPr wrap="square" rtlCol="0">
+            <a:spAutoFit/>
+          </a:bodyPr>
+          <a:lstStyle/>
+          <a:p>
+            <a:r>
+              <a:rPr lang="sv-SE" dirty="0" smtClean="0"/>
+              <a:t>DatorID Pk, Int</a:t>
+            </a:r>
+          </a:p>
+          <a:p>
+            <a:r>
+              <a:rPr lang="sv-SE" dirty="0" smtClean="0"/>
+              <a:t>Datorplacering, VC(20)</a:t>
+            </a:r>
+          </a:p>
+        </p:txBody>
+      </p:sp>
+    </p:spTree>
+    <p:extLst>
+      <p:ext uri="{BB962C8B-B14F-4D97-AF65-F5344CB8AC3E}">
+        <p14:creationId xmlns:p14="http://schemas.microsoft.com/office/powerpoint/2010/main" val="3880360802"/>
+      </p:ext>
+    </p:extLst>
+  </p:cSld>
+  <p:clrMapOvr>
+    <a:masterClrMapping/>
+  </p:clrMapOvr>
+</p:sld>
+</file>
+
+<file path=ppt/slides/slide4.xml><?xml version="1.0" encoding="utf-8"?>
+<p:sld xmlns:a="http://schemas.openxmlformats.org/drawingml/2006/main" xmlns:r="http://schemas.openxmlformats.org/officeDocument/2006/relationships" xmlns:p="http://schemas.openxmlformats.org/presentationml/2006/main">
+  <p:cSld>
+    <p:spTree>
+      <p:nvGrpSpPr>
+        <p:cNvPr id="1" name=""/>
+        <p:cNvGrpSpPr/>
+        <p:nvPr/>
+      </p:nvGrpSpPr>
+      <p:grpSpPr>
+        <a:xfrm>
+          <a:off x="0" y="0"/>
+          <a:ext cx="0" cy="0"/>
+          <a:chOff x="0" y="0"/>
+          <a:chExt cx="0" cy="0"/>
+        </a:xfrm>
+      </p:grpSpPr>
+      <p:sp>
+        <p:nvSpPr>
+          <p:cNvPr id="2" name="Title 1"/>
+          <p:cNvSpPr>
+            <a:spLocks noGrp="1"/>
+          </p:cNvSpPr>
+          <p:nvPr>
+            <p:ph type="title"/>
+          </p:nvPr>
+        </p:nvSpPr>
+        <p:spPr/>
+        <p:txBody>
+          <a:bodyPr/>
+          <a:lstStyle/>
+          <a:p>
+            <a:r>
+              <a:rPr lang="sv-SE" dirty="0" smtClean="0"/>
+              <a:t>Förändringar</a:t>
+            </a:r>
+            <a:endParaRPr lang="sv-SE" dirty="0"/>
+          </a:p>
+        </p:txBody>
+      </p:sp>
+      <p:sp>
+        <p:nvSpPr>
+          <p:cNvPr id="4" name="TextBox 3"/>
+          <p:cNvSpPr txBox="1"/>
+          <p:nvPr/>
+        </p:nvSpPr>
+        <p:spPr>
+          <a:xfrm>
+            <a:off x="539552" y="1628800"/>
+            <a:ext cx="7992888" cy="1477328"/>
+          </a:xfrm>
+          <a:prstGeom prst="rect">
+            <a:avLst/>
+          </a:prstGeom>
+          <a:noFill/>
+        </p:spPr>
+        <p:txBody>
+          <a:bodyPr wrap="square" rtlCol="0">
+            <a:spAutoFit/>
+          </a:bodyPr>
+          <a:lstStyle/>
+          <a:p>
+            <a:pPr marL="342900" indent="-342900">
+              <a:buAutoNum type="arabicPeriod"/>
+            </a:pPr>
+            <a:r>
+              <a:rPr lang="sv-SE" dirty="0" smtClean="0"/>
+              <a:t>Lagt till MjukvaruNRID då namn inte är någon bra nyckel, eftersom de kan förekomma fler gånger. – Normalform 1</a:t>
+            </a:r>
+          </a:p>
+          <a:p>
+            <a:pPr marL="342900" indent="-342900">
+              <a:buAutoNum type="arabicPeriod"/>
+            </a:pPr>
+            <a:r>
+              <a:rPr lang="sv-SE" dirty="0" smtClean="0"/>
+              <a:t>Delat upp tabellen i tre tabeller, då alla kolumner inte var direkt beroende av båda primärnycklarna. Nu beror varje kolumn på hela nyckeln. – Normalform 2</a:t>
+            </a:r>
+          </a:p>
+          <a:p>
+            <a:pPr marL="342900" indent="-342900">
+              <a:buAutoNum type="arabicPeriod"/>
+            </a:pPr>
+            <a:endParaRPr lang="sv-SE" dirty="0"/>
+          </a:p>
+        </p:txBody>
+      </p:sp>
+    </p:spTree>
+    <p:extLst>
+      <p:ext uri="{BB962C8B-B14F-4D97-AF65-F5344CB8AC3E}">
+        <p14:creationId xmlns:p14="http://schemas.microsoft.com/office/powerpoint/2010/main" val="4088950939"/>
+      </p:ext>
+    </p:extLst>
+  </p:cSld>
+  <p:clrMapOvr>
+    <a:masterClrMapping/>
+  </p:clrMapOvr>
+</p:sld>
+</file>
+
+<file path=ppt/slides/slide5.xml><?xml version="1.0" encoding="utf-8"?>
+<p:sld xmlns:a="http://schemas.openxmlformats.org/drawingml/2006/main" xmlns:r="http://schemas.openxmlformats.org/officeDocument/2006/relationships" xmlns:p="http://schemas.openxmlformats.org/presentationml/2006/main">
+  <p:cSld>
+    <p:spTree>
+      <p:nvGrpSpPr>
+        <p:cNvPr id="1" name=""/>
+        <p:cNvGrpSpPr/>
+        <p:nvPr/>
+      </p:nvGrpSpPr>
+      <p:grpSpPr>
+        <a:xfrm>
+          <a:off x="0" y="0"/>
+          <a:ext cx="0" cy="0"/>
+          <a:chOff x="0" y="0"/>
+          <a:chExt cx="0" cy="0"/>
+        </a:xfrm>
+      </p:grpSpPr>
+      <p:sp>
+        <p:nvSpPr>
+          <p:cNvPr id="4" name="Title 1"/>
+          <p:cNvSpPr>
+            <a:spLocks noGrp="1"/>
+          </p:cNvSpPr>
+          <p:nvPr>
+            <p:ph type="title"/>
+          </p:nvPr>
+        </p:nvSpPr>
+        <p:spPr>
+          <a:xfrm>
+            <a:off x="-324544" y="0"/>
+            <a:ext cx="7848872" cy="692696"/>
+          </a:xfrm>
+        </p:spPr>
+        <p:txBody>
+          <a:bodyPr>
+            <a:normAutofit fontScale="90000"/>
+          </a:bodyPr>
+          <a:lstStyle/>
+          <a:p>
+            <a:r>
+              <a:rPr lang="sv-SE" dirty="0" smtClean="0"/>
+              <a:t>Uppgift </a:t>
+            </a:r>
+            <a:r>
+              <a:rPr lang="sv-SE" dirty="0" smtClean="0"/>
+              <a:t>2 </a:t>
+            </a:r>
+            <a:r>
+              <a:rPr lang="sv-SE" dirty="0" smtClean="0"/>
+              <a:t>– </a:t>
+            </a:r>
+            <a:r>
+              <a:rPr lang="sv-SE" dirty="0" smtClean="0"/>
+              <a:t>Personaladministration</a:t>
+            </a:r>
+            <a:endParaRPr lang="sv-SE" dirty="0"/>
+          </a:p>
+        </p:txBody>
+      </p:sp>
+    </p:spTree>
+    <p:extLst>
+      <p:ext uri="{BB962C8B-B14F-4D97-AF65-F5344CB8AC3E}">
+        <p14:creationId xmlns:p14="http://schemas.microsoft.com/office/powerpoint/2010/main" val="3950050503"/>
       </p:ext>
     </p:extLst>
   </p:cSld>

--- a/Labb 2/Laboration2.pptx
+++ b/Labb 2/Laboration2.pptx
@@ -10,6 +10,10 @@
     <p:sldId id="259" r:id="rId4"/>
     <p:sldId id="258" r:id="rId5"/>
     <p:sldId id="260" r:id="rId6"/>
+    <p:sldId id="261" r:id="rId7"/>
+    <p:sldId id="263" r:id="rId8"/>
+    <p:sldId id="262" r:id="rId9"/>
+    <p:sldId id="265" r:id="rId10"/>
   </p:sldIdLst>
   <p:sldSz cx="9144000" cy="6858000" type="screen4x3"/>
   <p:notesSz cx="6858000" cy="9144000"/>
@@ -292,7 +296,7 @@
           <a:p>
             <a:fld id="{8EA48383-502B-44FE-A491-FF9F04D25984}" type="datetimeFigureOut">
               <a:rPr lang="sv-SE" smtClean="0"/>
-              <a:t>2014-02-03</a:t>
+              <a:t>2014-02-04</a:t>
             </a:fld>
             <a:endParaRPr lang="sv-SE"/>
           </a:p>
@@ -462,7 +466,7 @@
           <a:p>
             <a:fld id="{8EA48383-502B-44FE-A491-FF9F04D25984}" type="datetimeFigureOut">
               <a:rPr lang="sv-SE" smtClean="0"/>
-              <a:t>2014-02-03</a:t>
+              <a:t>2014-02-04</a:t>
             </a:fld>
             <a:endParaRPr lang="sv-SE"/>
           </a:p>
@@ -642,7 +646,7 @@
           <a:p>
             <a:fld id="{8EA48383-502B-44FE-A491-FF9F04D25984}" type="datetimeFigureOut">
               <a:rPr lang="sv-SE" smtClean="0"/>
-              <a:t>2014-02-03</a:t>
+              <a:t>2014-02-04</a:t>
             </a:fld>
             <a:endParaRPr lang="sv-SE"/>
           </a:p>
@@ -812,7 +816,7 @@
           <a:p>
             <a:fld id="{8EA48383-502B-44FE-A491-FF9F04D25984}" type="datetimeFigureOut">
               <a:rPr lang="sv-SE" smtClean="0"/>
-              <a:t>2014-02-03</a:t>
+              <a:t>2014-02-04</a:t>
             </a:fld>
             <a:endParaRPr lang="sv-SE"/>
           </a:p>
@@ -1058,7 +1062,7 @@
           <a:p>
             <a:fld id="{8EA48383-502B-44FE-A491-FF9F04D25984}" type="datetimeFigureOut">
               <a:rPr lang="sv-SE" smtClean="0"/>
-              <a:t>2014-02-03</a:t>
+              <a:t>2014-02-04</a:t>
             </a:fld>
             <a:endParaRPr lang="sv-SE"/>
           </a:p>
@@ -1346,7 +1350,7 @@
           <a:p>
             <a:fld id="{8EA48383-502B-44FE-A491-FF9F04D25984}" type="datetimeFigureOut">
               <a:rPr lang="sv-SE" smtClean="0"/>
-              <a:t>2014-02-03</a:t>
+              <a:t>2014-02-04</a:t>
             </a:fld>
             <a:endParaRPr lang="sv-SE"/>
           </a:p>
@@ -1768,7 +1772,7 @@
           <a:p>
             <a:fld id="{8EA48383-502B-44FE-A491-FF9F04D25984}" type="datetimeFigureOut">
               <a:rPr lang="sv-SE" smtClean="0"/>
-              <a:t>2014-02-03</a:t>
+              <a:t>2014-02-04</a:t>
             </a:fld>
             <a:endParaRPr lang="sv-SE"/>
           </a:p>
@@ -1886,7 +1890,7 @@
           <a:p>
             <a:fld id="{8EA48383-502B-44FE-A491-FF9F04D25984}" type="datetimeFigureOut">
               <a:rPr lang="sv-SE" smtClean="0"/>
-              <a:t>2014-02-03</a:t>
+              <a:t>2014-02-04</a:t>
             </a:fld>
             <a:endParaRPr lang="sv-SE"/>
           </a:p>
@@ -1981,7 +1985,7 @@
           <a:p>
             <a:fld id="{8EA48383-502B-44FE-A491-FF9F04D25984}" type="datetimeFigureOut">
               <a:rPr lang="sv-SE" smtClean="0"/>
-              <a:t>2014-02-03</a:t>
+              <a:t>2014-02-04</a:t>
             </a:fld>
             <a:endParaRPr lang="sv-SE"/>
           </a:p>
@@ -2258,7 +2262,7 @@
           <a:p>
             <a:fld id="{8EA48383-502B-44FE-A491-FF9F04D25984}" type="datetimeFigureOut">
               <a:rPr lang="sv-SE" smtClean="0"/>
-              <a:t>2014-02-03</a:t>
+              <a:t>2014-02-04</a:t>
             </a:fld>
             <a:endParaRPr lang="sv-SE"/>
           </a:p>
@@ -2511,7 +2515,7 @@
           <a:p>
             <a:fld id="{8EA48383-502B-44FE-A491-FF9F04D25984}" type="datetimeFigureOut">
               <a:rPr lang="sv-SE" smtClean="0"/>
-              <a:t>2014-02-03</a:t>
+              <a:t>2014-02-04</a:t>
             </a:fld>
             <a:endParaRPr lang="sv-SE"/>
           </a:p>
@@ -2724,7 +2728,7 @@
           <a:p>
             <a:fld id="{8EA48383-502B-44FE-A491-FF9F04D25984}" type="datetimeFigureOut">
               <a:rPr lang="sv-SE" smtClean="0"/>
-              <a:t>2014-02-03</a:t>
+              <a:t>2014-02-04</a:t>
             </a:fld>
             <a:endParaRPr lang="sv-SE"/>
           </a:p>
@@ -3856,11 +3860,7 @@
                     <a:p>
                       <a:r>
                         <a:rPr lang="sv-SE" dirty="0" smtClean="0"/>
-                        <a:t>Sal </a:t>
-                      </a:r>
-                      <a:r>
-                        <a:rPr lang="sv-SE" dirty="0" smtClean="0"/>
-                        <a:t>Te220</a:t>
+                        <a:t>Sal Te220</a:t>
                       </a:r>
                       <a:endParaRPr lang="sv-SE" dirty="0"/>
                     </a:p>
@@ -5855,31 +5855,1011 @@
         </p:nvSpPr>
         <p:spPr>
           <a:xfrm>
-            <a:off x="-324544" y="0"/>
+            <a:off x="-648059" y="-99392"/>
             <a:ext cx="7848872" cy="692696"/>
           </a:xfrm>
         </p:spPr>
         <p:txBody>
           <a:bodyPr>
-            <a:normAutofit fontScale="90000"/>
+            <a:normAutofit/>
           </a:bodyPr>
           <a:lstStyle/>
           <a:p>
             <a:r>
+              <a:rPr lang="sv-SE" sz="3600" dirty="0" smtClean="0"/>
+              <a:t>Uppgift 2 – Personaladministration</a:t>
+            </a:r>
+            <a:endParaRPr lang="sv-SE" sz="3600" dirty="0"/>
+          </a:p>
+        </p:txBody>
+      </p:sp>
+      <p:grpSp>
+        <p:nvGrpSpPr>
+          <p:cNvPr id="5" name="Grupp 7"/>
+          <p:cNvGrpSpPr>
+            <a:grpSpLocks/>
+          </p:cNvGrpSpPr>
+          <p:nvPr/>
+        </p:nvGrpSpPr>
+        <p:grpSpPr bwMode="auto">
+          <a:xfrm rot="10800000">
+            <a:off x="5603955" y="3188687"/>
+            <a:ext cx="936625" cy="288925"/>
+            <a:chOff x="2555776" y="692696"/>
+            <a:chExt cx="936104" cy="288032"/>
+          </a:xfrm>
+        </p:grpSpPr>
+        <p:cxnSp>
+          <p:nvCxnSpPr>
+            <p:cNvPr id="6" name="Rak 5"/>
+            <p:cNvCxnSpPr/>
+            <p:nvPr/>
+          </p:nvCxnSpPr>
+          <p:spPr>
+            <a:xfrm>
+              <a:off x="2555776" y="836712"/>
+              <a:ext cx="936104" cy="0"/>
+            </a:xfrm>
+            <a:prstGeom prst="line">
+              <a:avLst/>
+            </a:prstGeom>
+            <a:ln w="9525">
+              <a:solidFill>
+                <a:schemeClr val="tx1"/>
+              </a:solidFill>
+            </a:ln>
+          </p:spPr>
+          <p:style>
+            <a:lnRef idx="1">
+              <a:schemeClr val="accent1"/>
+            </a:lnRef>
+            <a:fillRef idx="0">
+              <a:schemeClr val="accent1"/>
+            </a:fillRef>
+            <a:effectRef idx="0">
+              <a:schemeClr val="accent1"/>
+            </a:effectRef>
+            <a:fontRef idx="minor">
+              <a:schemeClr val="tx1"/>
+            </a:fontRef>
+          </p:style>
+        </p:cxnSp>
+        <p:sp>
+          <p:nvSpPr>
+            <p:cNvPr id="7" name="Rektangel 6"/>
+            <p:cNvSpPr/>
+            <p:nvPr/>
+          </p:nvSpPr>
+          <p:spPr>
+            <a:xfrm>
+              <a:off x="3420483" y="692696"/>
+              <a:ext cx="71397" cy="288032"/>
+            </a:xfrm>
+            <a:prstGeom prst="rect">
+              <a:avLst/>
+            </a:prstGeom>
+            <a:noFill/>
+            <a:ln w="9525">
+              <a:solidFill>
+                <a:schemeClr val="tx1"/>
+              </a:solidFill>
+            </a:ln>
+          </p:spPr>
+          <p:style>
+            <a:lnRef idx="2">
+              <a:schemeClr val="accent1">
+                <a:shade val="50000"/>
+              </a:schemeClr>
+            </a:lnRef>
+            <a:fillRef idx="1">
+              <a:schemeClr val="accent1"/>
+            </a:fillRef>
+            <a:effectRef idx="0">
+              <a:schemeClr val="accent1"/>
+            </a:effectRef>
+            <a:fontRef idx="minor">
+              <a:schemeClr val="lt1"/>
+            </a:fontRef>
+          </p:style>
+          <p:txBody>
+            <a:bodyPr anchor="ctr"/>
+            <a:lstStyle/>
+            <a:p>
+              <a:pPr algn="ctr" fontAlgn="auto">
+                <a:spcBef>
+                  <a:spcPts val="0"/>
+                </a:spcBef>
+                <a:spcAft>
+                  <a:spcPts val="0"/>
+                </a:spcAft>
+                <a:defRPr/>
+              </a:pPr>
+              <a:endParaRPr lang="sv-SE"/>
+            </a:p>
+          </p:txBody>
+        </p:sp>
+      </p:grpSp>
+      <p:sp>
+        <p:nvSpPr>
+          <p:cNvPr id="8" name="Rectangle 7"/>
+          <p:cNvSpPr/>
+          <p:nvPr/>
+        </p:nvSpPr>
+        <p:spPr>
+          <a:xfrm>
+            <a:off x="6548834" y="3045117"/>
+            <a:ext cx="1512168" cy="576064"/>
+          </a:xfrm>
+          <a:prstGeom prst="rect">
+            <a:avLst/>
+          </a:prstGeom>
+        </p:spPr>
+        <p:style>
+          <a:lnRef idx="2">
+            <a:schemeClr val="accent1">
+              <a:shade val="50000"/>
+            </a:schemeClr>
+          </a:lnRef>
+          <a:fillRef idx="1">
+            <a:schemeClr val="accent1"/>
+          </a:fillRef>
+          <a:effectRef idx="0">
+            <a:schemeClr val="accent1"/>
+          </a:effectRef>
+          <a:fontRef idx="minor">
+            <a:schemeClr val="lt1"/>
+          </a:fontRef>
+        </p:style>
+        <p:txBody>
+          <a:bodyPr rtlCol="0" anchor="ctr"/>
+          <a:lstStyle/>
+          <a:p>
+            <a:pPr algn="ctr"/>
+            <a:r>
               <a:rPr lang="sv-SE" dirty="0" smtClean="0"/>
-              <a:t>Uppgift </a:t>
-            </a:r>
+              <a:t>Befattning</a:t>
+            </a:r>
+            <a:endParaRPr lang="sv-SE" dirty="0"/>
+          </a:p>
+        </p:txBody>
+      </p:sp>
+      <p:sp>
+        <p:nvSpPr>
+          <p:cNvPr id="2" name="TextBox 1"/>
+          <p:cNvSpPr txBox="1"/>
+          <p:nvPr/>
+        </p:nvSpPr>
+        <p:spPr>
+          <a:xfrm>
+            <a:off x="4105497" y="3777655"/>
+            <a:ext cx="2122687" cy="1754326"/>
+          </a:xfrm>
+          <a:prstGeom prst="rect">
+            <a:avLst/>
+          </a:prstGeom>
+          <a:noFill/>
+        </p:spPr>
+        <p:txBody>
+          <a:bodyPr wrap="square" rtlCol="0">
+            <a:spAutoFit/>
+          </a:bodyPr>
+          <a:lstStyle/>
+          <a:p>
             <a:r>
               <a:rPr lang="sv-SE" dirty="0" smtClean="0"/>
-              <a:t>2 </a:t>
+              <a:t>PersID </a:t>
             </a:r>
             <a:r>
               <a:rPr lang="sv-SE" dirty="0" smtClean="0"/>
-              <a:t>– </a:t>
+              <a:t>Pk, </a:t>
             </a:r>
             <a:r>
               <a:rPr lang="sv-SE" dirty="0" smtClean="0"/>
-              <a:t>Personaladministration</a:t>
+              <a:t>Int</a:t>
+            </a:r>
+          </a:p>
+          <a:p>
+            <a:r>
+              <a:rPr lang="sv-SE" dirty="0" smtClean="0"/>
+              <a:t>Rec.nr Fk, Int</a:t>
+            </a:r>
+            <a:endParaRPr lang="sv-SE" dirty="0" smtClean="0"/>
+          </a:p>
+          <a:p>
+            <a:r>
+              <a:rPr lang="sv-SE" dirty="0" smtClean="0"/>
+              <a:t>Pers.nr, </a:t>
+            </a:r>
+            <a:r>
+              <a:rPr lang="sv-SE" dirty="0" smtClean="0"/>
+              <a:t>C(11)</a:t>
+            </a:r>
+          </a:p>
+          <a:p>
+            <a:r>
+              <a:rPr lang="sv-SE" dirty="0" smtClean="0"/>
+              <a:t>Namn, VC(40)</a:t>
+            </a:r>
+          </a:p>
+          <a:p>
+            <a:r>
+              <a:rPr lang="sv-SE" dirty="0" smtClean="0"/>
+              <a:t>Postadress, VC(30)</a:t>
+            </a:r>
+          </a:p>
+          <a:p>
+            <a:r>
+              <a:rPr lang="sv-SE" dirty="0" smtClean="0"/>
+              <a:t>Tel.nr, </a:t>
+            </a:r>
+            <a:r>
+              <a:rPr lang="sv-SE" dirty="0" smtClean="0"/>
+              <a:t>VC(12</a:t>
+            </a:r>
+            <a:r>
+              <a:rPr lang="sv-SE" dirty="0" smtClean="0"/>
+              <a:t>)</a:t>
+            </a:r>
+          </a:p>
+        </p:txBody>
+      </p:sp>
+      <p:sp>
+        <p:nvSpPr>
+          <p:cNvPr id="22" name="TextBox 21"/>
+          <p:cNvSpPr txBox="1"/>
+          <p:nvPr/>
+        </p:nvSpPr>
+        <p:spPr>
+          <a:xfrm>
+            <a:off x="6540580" y="3789040"/>
+            <a:ext cx="2322848" cy="923330"/>
+          </a:xfrm>
+          <a:prstGeom prst="rect">
+            <a:avLst/>
+          </a:prstGeom>
+          <a:noFill/>
+        </p:spPr>
+        <p:txBody>
+          <a:bodyPr wrap="square" rtlCol="0">
+            <a:spAutoFit/>
+          </a:bodyPr>
+          <a:lstStyle/>
+          <a:p>
+            <a:r>
+              <a:rPr lang="sv-SE" dirty="0" smtClean="0"/>
+              <a:t>Rec.nr </a:t>
+            </a:r>
+            <a:r>
+              <a:rPr lang="sv-SE" dirty="0" smtClean="0"/>
+              <a:t>Pk, </a:t>
+            </a:r>
+            <a:r>
+              <a:rPr lang="sv-SE" dirty="0" smtClean="0"/>
+              <a:t>Int</a:t>
+            </a:r>
+          </a:p>
+          <a:p>
+            <a:r>
+              <a:rPr lang="sv-SE" dirty="0" smtClean="0"/>
+              <a:t>Befattningstyp</a:t>
+            </a:r>
+            <a:r>
+              <a:rPr lang="sv-SE" dirty="0" smtClean="0"/>
+              <a:t>, VC(15)</a:t>
+            </a:r>
+          </a:p>
+          <a:p>
+            <a:r>
+              <a:rPr lang="sv-SE" dirty="0" smtClean="0"/>
+              <a:t>Lön</a:t>
+            </a:r>
+            <a:r>
+              <a:rPr lang="sv-SE" dirty="0" smtClean="0"/>
+              <a:t>, Int</a:t>
+            </a:r>
+          </a:p>
+        </p:txBody>
+      </p:sp>
+      <p:sp>
+        <p:nvSpPr>
+          <p:cNvPr id="24" name="TextBox 23"/>
+          <p:cNvSpPr txBox="1"/>
+          <p:nvPr/>
+        </p:nvSpPr>
+        <p:spPr>
+          <a:xfrm>
+            <a:off x="17411" y="476672"/>
+            <a:ext cx="4844170" cy="369332"/>
+          </a:xfrm>
+          <a:prstGeom prst="rect">
+            <a:avLst/>
+          </a:prstGeom>
+          <a:noFill/>
+        </p:spPr>
+        <p:txBody>
+          <a:bodyPr wrap="square" rtlCol="0">
+            <a:spAutoFit/>
+          </a:bodyPr>
+          <a:lstStyle/>
+          <a:p>
+            <a:r>
+              <a:rPr lang="sv-SE" b="1" dirty="0" smtClean="0"/>
+              <a:t>Konceptuell datamodell med tabellprecisering</a:t>
+            </a:r>
+            <a:endParaRPr lang="sv-SE" b="1" dirty="0"/>
+          </a:p>
+        </p:txBody>
+      </p:sp>
+      <p:grpSp>
+        <p:nvGrpSpPr>
+          <p:cNvPr id="12" name="Grupp 7"/>
+          <p:cNvGrpSpPr>
+            <a:grpSpLocks/>
+          </p:cNvGrpSpPr>
+          <p:nvPr/>
+        </p:nvGrpSpPr>
+        <p:grpSpPr bwMode="auto">
+          <a:xfrm rot="10800000">
+            <a:off x="3155162" y="3196627"/>
+            <a:ext cx="936625" cy="288925"/>
+            <a:chOff x="2555776" y="692696"/>
+            <a:chExt cx="936104" cy="288032"/>
+          </a:xfrm>
+        </p:grpSpPr>
+        <p:cxnSp>
+          <p:nvCxnSpPr>
+            <p:cNvPr id="13" name="Rak 5"/>
+            <p:cNvCxnSpPr/>
+            <p:nvPr/>
+          </p:nvCxnSpPr>
+          <p:spPr>
+            <a:xfrm>
+              <a:off x="2555776" y="836712"/>
+              <a:ext cx="936104" cy="0"/>
+            </a:xfrm>
+            <a:prstGeom prst="line">
+              <a:avLst/>
+            </a:prstGeom>
+            <a:ln w="9525">
+              <a:solidFill>
+                <a:schemeClr val="tx1"/>
+              </a:solidFill>
+            </a:ln>
+          </p:spPr>
+          <p:style>
+            <a:lnRef idx="1">
+              <a:schemeClr val="accent1"/>
+            </a:lnRef>
+            <a:fillRef idx="0">
+              <a:schemeClr val="accent1"/>
+            </a:fillRef>
+            <a:effectRef idx="0">
+              <a:schemeClr val="accent1"/>
+            </a:effectRef>
+            <a:fontRef idx="minor">
+              <a:schemeClr val="tx1"/>
+            </a:fontRef>
+          </p:style>
+        </p:cxnSp>
+        <p:sp>
+          <p:nvSpPr>
+            <p:cNvPr id="14" name="Rektangel 6"/>
+            <p:cNvSpPr/>
+            <p:nvPr/>
+          </p:nvSpPr>
+          <p:spPr>
+            <a:xfrm>
+              <a:off x="3420483" y="692696"/>
+              <a:ext cx="71397" cy="288032"/>
+            </a:xfrm>
+            <a:prstGeom prst="rect">
+              <a:avLst/>
+            </a:prstGeom>
+            <a:noFill/>
+            <a:ln w="9525">
+              <a:solidFill>
+                <a:schemeClr val="tx1"/>
+              </a:solidFill>
+            </a:ln>
+          </p:spPr>
+          <p:style>
+            <a:lnRef idx="2">
+              <a:schemeClr val="accent1">
+                <a:shade val="50000"/>
+              </a:schemeClr>
+            </a:lnRef>
+            <a:fillRef idx="1">
+              <a:schemeClr val="accent1"/>
+            </a:fillRef>
+            <a:effectRef idx="0">
+              <a:schemeClr val="accent1"/>
+            </a:effectRef>
+            <a:fontRef idx="minor">
+              <a:schemeClr val="lt1"/>
+            </a:fontRef>
+          </p:style>
+          <p:txBody>
+            <a:bodyPr anchor="ctr"/>
+            <a:lstStyle/>
+            <a:p>
+              <a:pPr algn="ctr" fontAlgn="auto">
+                <a:spcBef>
+                  <a:spcPts val="0"/>
+                </a:spcBef>
+                <a:spcAft>
+                  <a:spcPts val="0"/>
+                </a:spcAft>
+                <a:defRPr/>
+              </a:pPr>
+              <a:endParaRPr lang="sv-SE"/>
+            </a:p>
+          </p:txBody>
+        </p:sp>
+      </p:grpSp>
+      <p:sp>
+        <p:nvSpPr>
+          <p:cNvPr id="3" name="TextBox 2"/>
+          <p:cNvSpPr txBox="1"/>
+          <p:nvPr/>
+        </p:nvSpPr>
+        <p:spPr>
+          <a:xfrm>
+            <a:off x="1629250" y="3789040"/>
+            <a:ext cx="2160240" cy="1754326"/>
+          </a:xfrm>
+          <a:prstGeom prst="rect">
+            <a:avLst/>
+          </a:prstGeom>
+          <a:noFill/>
+        </p:spPr>
+        <p:txBody>
+          <a:bodyPr wrap="square" rtlCol="0">
+            <a:spAutoFit/>
+          </a:bodyPr>
+          <a:lstStyle/>
+          <a:p>
+            <a:r>
+              <a:rPr lang="sv-SE" dirty="0" smtClean="0"/>
+              <a:t>FörmID Pk, Int</a:t>
+            </a:r>
+          </a:p>
+          <a:p>
+            <a:r>
+              <a:rPr lang="sv-SE" dirty="0" smtClean="0"/>
+              <a:t>PersID Fk, Int</a:t>
+            </a:r>
+          </a:p>
+          <a:p>
+            <a:r>
+              <a:rPr lang="sv-SE" dirty="0" smtClean="0"/>
+              <a:t>Förmånstyp, VC(20)</a:t>
+            </a:r>
+          </a:p>
+          <a:p>
+            <a:r>
+              <a:rPr lang="sv-SE" dirty="0" smtClean="0"/>
+              <a:t>Värde, Int</a:t>
+            </a:r>
+          </a:p>
+          <a:p>
+            <a:r>
+              <a:rPr lang="sv-SE" dirty="0"/>
+              <a:t>Startdatum, D</a:t>
+            </a:r>
+          </a:p>
+          <a:p>
+            <a:r>
+              <a:rPr lang="sv-SE" dirty="0"/>
+              <a:t>Slutdatum, </a:t>
+            </a:r>
+            <a:r>
+              <a:rPr lang="sv-SE" dirty="0" smtClean="0"/>
+              <a:t>D</a:t>
+            </a:r>
+            <a:endParaRPr lang="sv-SE" dirty="0"/>
+          </a:p>
+        </p:txBody>
+      </p:sp>
+      <p:grpSp>
+        <p:nvGrpSpPr>
+          <p:cNvPr id="18" name="Grupp 7"/>
+          <p:cNvGrpSpPr>
+            <a:grpSpLocks/>
+          </p:cNvGrpSpPr>
+          <p:nvPr/>
+        </p:nvGrpSpPr>
+        <p:grpSpPr bwMode="auto">
+          <a:xfrm rot="16200000">
+            <a:off x="4377955" y="1849194"/>
+            <a:ext cx="936625" cy="288925"/>
+            <a:chOff x="2555776" y="692696"/>
+            <a:chExt cx="936104" cy="288032"/>
+          </a:xfrm>
+        </p:grpSpPr>
+        <p:cxnSp>
+          <p:nvCxnSpPr>
+            <p:cNvPr id="19" name="Rak 5"/>
+            <p:cNvCxnSpPr/>
+            <p:nvPr/>
+          </p:nvCxnSpPr>
+          <p:spPr>
+            <a:xfrm>
+              <a:off x="2555776" y="836712"/>
+              <a:ext cx="936104" cy="0"/>
+            </a:xfrm>
+            <a:prstGeom prst="line">
+              <a:avLst/>
+            </a:prstGeom>
+            <a:ln w="9525">
+              <a:solidFill>
+                <a:schemeClr val="tx1"/>
+              </a:solidFill>
+            </a:ln>
+          </p:spPr>
+          <p:style>
+            <a:lnRef idx="1">
+              <a:schemeClr val="accent1"/>
+            </a:lnRef>
+            <a:fillRef idx="0">
+              <a:schemeClr val="accent1"/>
+            </a:fillRef>
+            <a:effectRef idx="0">
+              <a:schemeClr val="accent1"/>
+            </a:effectRef>
+            <a:fontRef idx="minor">
+              <a:schemeClr val="tx1"/>
+            </a:fontRef>
+          </p:style>
+        </p:cxnSp>
+        <p:sp>
+          <p:nvSpPr>
+            <p:cNvPr id="20" name="Rektangel 6"/>
+            <p:cNvSpPr/>
+            <p:nvPr/>
+          </p:nvSpPr>
+          <p:spPr>
+            <a:xfrm>
+              <a:off x="3420483" y="692696"/>
+              <a:ext cx="71397" cy="288032"/>
+            </a:xfrm>
+            <a:prstGeom prst="rect">
+              <a:avLst/>
+            </a:prstGeom>
+            <a:noFill/>
+            <a:ln w="9525">
+              <a:solidFill>
+                <a:schemeClr val="tx1"/>
+              </a:solidFill>
+            </a:ln>
+          </p:spPr>
+          <p:style>
+            <a:lnRef idx="2">
+              <a:schemeClr val="accent1">
+                <a:shade val="50000"/>
+              </a:schemeClr>
+            </a:lnRef>
+            <a:fillRef idx="1">
+              <a:schemeClr val="accent1"/>
+            </a:fillRef>
+            <a:effectRef idx="0">
+              <a:schemeClr val="accent1"/>
+            </a:effectRef>
+            <a:fontRef idx="minor">
+              <a:schemeClr val="lt1"/>
+            </a:fontRef>
+          </p:style>
+          <p:txBody>
+            <a:bodyPr anchor="ctr"/>
+            <a:lstStyle/>
+            <a:p>
+              <a:pPr algn="ctr" fontAlgn="auto">
+                <a:spcBef>
+                  <a:spcPts val="0"/>
+                </a:spcBef>
+                <a:spcAft>
+                  <a:spcPts val="0"/>
+                </a:spcAft>
+                <a:defRPr/>
+              </a:pPr>
+              <a:endParaRPr lang="sv-SE"/>
+            </a:p>
+          </p:txBody>
+        </p:sp>
+      </p:grpSp>
+      <p:sp>
+        <p:nvSpPr>
+          <p:cNvPr id="21" name="Rectangle 20"/>
+          <p:cNvSpPr/>
+          <p:nvPr/>
+        </p:nvSpPr>
+        <p:spPr>
+          <a:xfrm>
+            <a:off x="4105497" y="949280"/>
+            <a:ext cx="1512168" cy="576064"/>
+          </a:xfrm>
+          <a:prstGeom prst="rect">
+            <a:avLst/>
+          </a:prstGeom>
+        </p:spPr>
+        <p:style>
+          <a:lnRef idx="2">
+            <a:schemeClr val="accent1">
+              <a:shade val="50000"/>
+            </a:schemeClr>
+          </a:lnRef>
+          <a:fillRef idx="1">
+            <a:schemeClr val="accent1"/>
+          </a:fillRef>
+          <a:effectRef idx="0">
+            <a:schemeClr val="accent1"/>
+          </a:effectRef>
+          <a:fontRef idx="minor">
+            <a:schemeClr val="lt1"/>
+          </a:fontRef>
+        </p:style>
+        <p:txBody>
+          <a:bodyPr rtlCol="0" anchor="ctr"/>
+          <a:lstStyle/>
+          <a:p>
+            <a:pPr algn="ctr"/>
+            <a:r>
+              <a:rPr lang="sv-SE" dirty="0" smtClean="0"/>
+              <a:t>Projekt</a:t>
+            </a:r>
+            <a:endParaRPr lang="sv-SE" dirty="0"/>
+          </a:p>
+        </p:txBody>
+      </p:sp>
+      <p:grpSp>
+        <p:nvGrpSpPr>
+          <p:cNvPr id="23" name="Grupp 7"/>
+          <p:cNvGrpSpPr>
+            <a:grpSpLocks/>
+          </p:cNvGrpSpPr>
+          <p:nvPr/>
+        </p:nvGrpSpPr>
+        <p:grpSpPr bwMode="auto">
+          <a:xfrm rot="5400000">
+            <a:off x="4377956" y="2440284"/>
+            <a:ext cx="936625" cy="288925"/>
+            <a:chOff x="2555776" y="692696"/>
+            <a:chExt cx="936104" cy="288032"/>
+          </a:xfrm>
+        </p:grpSpPr>
+        <p:cxnSp>
+          <p:nvCxnSpPr>
+            <p:cNvPr id="25" name="Rak 5"/>
+            <p:cNvCxnSpPr/>
+            <p:nvPr/>
+          </p:nvCxnSpPr>
+          <p:spPr>
+            <a:xfrm>
+              <a:off x="2555776" y="836712"/>
+              <a:ext cx="936104" cy="0"/>
+            </a:xfrm>
+            <a:prstGeom prst="line">
+              <a:avLst/>
+            </a:prstGeom>
+            <a:ln w="9525">
+              <a:solidFill>
+                <a:schemeClr val="tx1"/>
+              </a:solidFill>
+            </a:ln>
+          </p:spPr>
+          <p:style>
+            <a:lnRef idx="1">
+              <a:schemeClr val="accent1"/>
+            </a:lnRef>
+            <a:fillRef idx="0">
+              <a:schemeClr val="accent1"/>
+            </a:fillRef>
+            <a:effectRef idx="0">
+              <a:schemeClr val="accent1"/>
+            </a:effectRef>
+            <a:fontRef idx="minor">
+              <a:schemeClr val="tx1"/>
+            </a:fontRef>
+          </p:style>
+        </p:cxnSp>
+        <p:sp>
+          <p:nvSpPr>
+            <p:cNvPr id="26" name="Rektangel 6"/>
+            <p:cNvSpPr/>
+            <p:nvPr/>
+          </p:nvSpPr>
+          <p:spPr>
+            <a:xfrm>
+              <a:off x="3420483" y="692696"/>
+              <a:ext cx="71397" cy="288032"/>
+            </a:xfrm>
+            <a:prstGeom prst="rect">
+              <a:avLst/>
+            </a:prstGeom>
+            <a:noFill/>
+            <a:ln w="9525">
+              <a:solidFill>
+                <a:schemeClr val="tx1"/>
+              </a:solidFill>
+            </a:ln>
+          </p:spPr>
+          <p:style>
+            <a:lnRef idx="2">
+              <a:schemeClr val="accent1">
+                <a:shade val="50000"/>
+              </a:schemeClr>
+            </a:lnRef>
+            <a:fillRef idx="1">
+              <a:schemeClr val="accent1"/>
+            </a:fillRef>
+            <a:effectRef idx="0">
+              <a:schemeClr val="accent1"/>
+            </a:effectRef>
+            <a:fontRef idx="minor">
+              <a:schemeClr val="lt1"/>
+            </a:fontRef>
+          </p:style>
+          <p:txBody>
+            <a:bodyPr anchor="ctr"/>
+            <a:lstStyle/>
+            <a:p>
+              <a:pPr algn="ctr" fontAlgn="auto">
+                <a:spcBef>
+                  <a:spcPts val="0"/>
+                </a:spcBef>
+                <a:spcAft>
+                  <a:spcPts val="0"/>
+                </a:spcAft>
+                <a:defRPr/>
+              </a:pPr>
+              <a:endParaRPr lang="sv-SE"/>
+            </a:p>
+          </p:txBody>
+        </p:sp>
+      </p:grpSp>
+      <p:sp>
+        <p:nvSpPr>
+          <p:cNvPr id="30" name="Rectangle 29"/>
+          <p:cNvSpPr/>
+          <p:nvPr/>
+        </p:nvSpPr>
+        <p:spPr>
+          <a:xfrm>
+            <a:off x="4090185" y="3053059"/>
+            <a:ext cx="1512168" cy="576064"/>
+          </a:xfrm>
+          <a:prstGeom prst="rect">
+            <a:avLst/>
+          </a:prstGeom>
+        </p:spPr>
+        <p:style>
+          <a:lnRef idx="2">
+            <a:schemeClr val="accent1">
+              <a:shade val="50000"/>
+            </a:schemeClr>
+          </a:lnRef>
+          <a:fillRef idx="1">
+            <a:schemeClr val="accent1"/>
+          </a:fillRef>
+          <a:effectRef idx="0">
+            <a:schemeClr val="accent1"/>
+          </a:effectRef>
+          <a:fontRef idx="minor">
+            <a:schemeClr val="lt1"/>
+          </a:fontRef>
+        </p:style>
+        <p:txBody>
+          <a:bodyPr rtlCol="0" anchor="ctr"/>
+          <a:lstStyle/>
+          <a:p>
+            <a:pPr algn="ctr"/>
+            <a:r>
+              <a:rPr lang="sv-SE" dirty="0" smtClean="0"/>
+              <a:t>Personal</a:t>
+            </a:r>
+            <a:endParaRPr lang="sv-SE" dirty="0"/>
+          </a:p>
+        </p:txBody>
+      </p:sp>
+      <p:sp>
+        <p:nvSpPr>
+          <p:cNvPr id="10" name="TextBox 9"/>
+          <p:cNvSpPr txBox="1"/>
+          <p:nvPr/>
+        </p:nvSpPr>
+        <p:spPr>
+          <a:xfrm>
+            <a:off x="2236358" y="914146"/>
+            <a:ext cx="1980481" cy="923330"/>
+          </a:xfrm>
+          <a:prstGeom prst="rect">
+            <a:avLst/>
+          </a:prstGeom>
+          <a:noFill/>
+        </p:spPr>
+        <p:txBody>
+          <a:bodyPr wrap="square" rtlCol="0">
+            <a:spAutoFit/>
+          </a:bodyPr>
+          <a:lstStyle/>
+          <a:p>
+            <a:r>
+              <a:rPr lang="sv-SE" dirty="0" smtClean="0"/>
+              <a:t>ProjID Pk, Int</a:t>
+            </a:r>
+          </a:p>
+          <a:p>
+            <a:r>
+              <a:rPr lang="sv-SE" dirty="0" smtClean="0"/>
+              <a:t>Projekttyp, VC(30)</a:t>
+            </a:r>
+          </a:p>
+          <a:p>
+            <a:r>
+              <a:rPr lang="sv-SE" dirty="0" smtClean="0"/>
+              <a:t>Resurs, VC(20)</a:t>
+            </a:r>
+          </a:p>
+        </p:txBody>
+      </p:sp>
+      <p:sp>
+        <p:nvSpPr>
+          <p:cNvPr id="31" name="TextBox 30"/>
+          <p:cNvSpPr txBox="1"/>
+          <p:nvPr/>
+        </p:nvSpPr>
+        <p:spPr>
+          <a:xfrm>
+            <a:off x="5015518" y="2080061"/>
+            <a:ext cx="1056749" cy="307777"/>
+          </a:xfrm>
+          <a:prstGeom prst="rect">
+            <a:avLst/>
+          </a:prstGeom>
+          <a:noFill/>
+        </p:spPr>
+        <p:txBody>
+          <a:bodyPr wrap="square" rtlCol="0">
+            <a:spAutoFit/>
+          </a:bodyPr>
+          <a:lstStyle/>
+          <a:p>
+            <a:r>
+              <a:rPr lang="sv-SE" sz="1400" dirty="0" smtClean="0"/>
+              <a:t>deltagande</a:t>
+            </a:r>
+            <a:endParaRPr lang="sv-SE" sz="1400" dirty="0"/>
+          </a:p>
+        </p:txBody>
+      </p:sp>
+      <p:sp>
+        <p:nvSpPr>
+          <p:cNvPr id="43" name="Flowchart: Connector 42"/>
+          <p:cNvSpPr/>
+          <p:nvPr/>
+        </p:nvSpPr>
+        <p:spPr>
+          <a:xfrm>
+            <a:off x="4774035" y="2164211"/>
+            <a:ext cx="144463" cy="139478"/>
+          </a:xfrm>
+          <a:prstGeom prst="flowChartConnector">
+            <a:avLst/>
+          </a:prstGeom>
+        </p:spPr>
+        <p:style>
+          <a:lnRef idx="2">
+            <a:schemeClr val="accent1">
+              <a:shade val="50000"/>
+            </a:schemeClr>
+          </a:lnRef>
+          <a:fillRef idx="1">
+            <a:schemeClr val="accent1"/>
+          </a:fillRef>
+          <a:effectRef idx="0">
+            <a:schemeClr val="accent1"/>
+          </a:effectRef>
+          <a:fontRef idx="minor">
+            <a:schemeClr val="lt1"/>
+          </a:fontRef>
+        </p:style>
+        <p:txBody>
+          <a:bodyPr rtlCol="0" anchor="ctr"/>
+          <a:lstStyle/>
+          <a:p>
+            <a:pPr algn="ctr"/>
+            <a:endParaRPr lang="sv-SE"/>
+          </a:p>
+        </p:txBody>
+      </p:sp>
+      <p:sp>
+        <p:nvSpPr>
+          <p:cNvPr id="45" name="TextBox 44"/>
+          <p:cNvSpPr txBox="1"/>
+          <p:nvPr/>
+        </p:nvSpPr>
+        <p:spPr>
+          <a:xfrm>
+            <a:off x="5976956" y="1350803"/>
+            <a:ext cx="1829700" cy="1477328"/>
+          </a:xfrm>
+          <a:prstGeom prst="rect">
+            <a:avLst/>
+          </a:prstGeom>
+          <a:noFill/>
+        </p:spPr>
+        <p:txBody>
+          <a:bodyPr wrap="square" rtlCol="0">
+            <a:spAutoFit/>
+          </a:bodyPr>
+          <a:lstStyle/>
+          <a:p>
+            <a:r>
+              <a:rPr lang="sv-SE" dirty="0" smtClean="0"/>
+              <a:t>ProjID Pk, Int</a:t>
+            </a:r>
+          </a:p>
+          <a:p>
+            <a:r>
+              <a:rPr lang="sv-SE" dirty="0" smtClean="0"/>
+              <a:t>PersID Pk, Int</a:t>
+            </a:r>
+          </a:p>
+          <a:p>
+            <a:r>
+              <a:rPr lang="sv-SE" dirty="0"/>
+              <a:t>Startdatum, D</a:t>
+            </a:r>
+          </a:p>
+          <a:p>
+            <a:r>
+              <a:rPr lang="sv-SE" dirty="0"/>
+              <a:t>Slutdatum, D</a:t>
+            </a:r>
+          </a:p>
+          <a:p>
+            <a:endParaRPr lang="sv-SE" dirty="0" smtClean="0"/>
+          </a:p>
+        </p:txBody>
+      </p:sp>
+      <p:sp>
+        <p:nvSpPr>
+          <p:cNvPr id="58" name="Rectangle 57"/>
+          <p:cNvSpPr/>
+          <p:nvPr/>
+        </p:nvSpPr>
+        <p:spPr>
+          <a:xfrm>
+            <a:off x="1643575" y="3045117"/>
+            <a:ext cx="1512168" cy="576064"/>
+          </a:xfrm>
+          <a:prstGeom prst="rect">
+            <a:avLst/>
+          </a:prstGeom>
+        </p:spPr>
+        <p:style>
+          <a:lnRef idx="2">
+            <a:schemeClr val="accent1">
+              <a:shade val="50000"/>
+            </a:schemeClr>
+          </a:lnRef>
+          <a:fillRef idx="1">
+            <a:schemeClr val="accent1"/>
+          </a:fillRef>
+          <a:effectRef idx="0">
+            <a:schemeClr val="accent1"/>
+          </a:effectRef>
+          <a:fontRef idx="minor">
+            <a:schemeClr val="lt1"/>
+          </a:fontRef>
+        </p:style>
+        <p:txBody>
+          <a:bodyPr rtlCol="0" anchor="ctr"/>
+          <a:lstStyle/>
+          <a:p>
+            <a:pPr algn="ctr"/>
+            <a:r>
+              <a:rPr lang="sv-SE" dirty="0" smtClean="0"/>
+              <a:t>Förmån</a:t>
             </a:r>
             <a:endParaRPr lang="sv-SE" dirty="0"/>
           </a:p>
@@ -5889,6 +6869,8755 @@
     <p:extLst>
       <p:ext uri="{BB962C8B-B14F-4D97-AF65-F5344CB8AC3E}">
         <p14:creationId xmlns:p14="http://schemas.microsoft.com/office/powerpoint/2010/main" val="3950050503"/>
+      </p:ext>
+    </p:extLst>
+  </p:cSld>
+  <p:clrMapOvr>
+    <a:masterClrMapping/>
+  </p:clrMapOvr>
+</p:sld>
+</file>
+
+<file path=ppt/slides/slide6.xml><?xml version="1.0" encoding="utf-8"?>
+<p:sld xmlns:a="http://schemas.openxmlformats.org/drawingml/2006/main" xmlns:r="http://schemas.openxmlformats.org/officeDocument/2006/relationships" xmlns:p="http://schemas.openxmlformats.org/presentationml/2006/main">
+  <p:cSld>
+    <p:spTree>
+      <p:nvGrpSpPr>
+        <p:cNvPr id="1" name=""/>
+        <p:cNvGrpSpPr/>
+        <p:nvPr/>
+      </p:nvGrpSpPr>
+      <p:grpSpPr>
+        <a:xfrm>
+          <a:off x="0" y="0"/>
+          <a:ext cx="0" cy="0"/>
+          <a:chOff x="0" y="0"/>
+          <a:chExt cx="0" cy="0"/>
+        </a:xfrm>
+      </p:grpSpPr>
+      <p:sp>
+        <p:nvSpPr>
+          <p:cNvPr id="16" name="TextBox 15"/>
+          <p:cNvSpPr txBox="1"/>
+          <p:nvPr/>
+        </p:nvSpPr>
+        <p:spPr>
+          <a:xfrm>
+            <a:off x="167257" y="5694448"/>
+            <a:ext cx="1721296" cy="1200329"/>
+          </a:xfrm>
+          <a:prstGeom prst="rect">
+            <a:avLst/>
+          </a:prstGeom>
+          <a:noFill/>
+        </p:spPr>
+        <p:txBody>
+          <a:bodyPr wrap="square" rtlCol="0">
+            <a:spAutoFit/>
+          </a:bodyPr>
+          <a:lstStyle/>
+          <a:p>
+            <a:r>
+              <a:rPr lang="sv-SE" dirty="0" smtClean="0"/>
+              <a:t>TelID </a:t>
+            </a:r>
+            <a:r>
+              <a:rPr lang="sv-SE" dirty="0"/>
+              <a:t>Pk, </a:t>
+            </a:r>
+            <a:r>
+              <a:rPr lang="sv-SE" dirty="0" smtClean="0"/>
+              <a:t>Int</a:t>
+            </a:r>
+            <a:endParaRPr lang="sv-SE" dirty="0" smtClean="0"/>
+          </a:p>
+          <a:p>
+            <a:r>
+              <a:rPr lang="sv-SE" dirty="0" smtClean="0"/>
+              <a:t>PersID </a:t>
+            </a:r>
+            <a:r>
+              <a:rPr lang="sv-SE" dirty="0"/>
+              <a:t>F</a:t>
+            </a:r>
+            <a:r>
+              <a:rPr lang="sv-SE" dirty="0" smtClean="0"/>
+              <a:t>k</a:t>
+            </a:r>
+            <a:r>
+              <a:rPr lang="sv-SE" dirty="0"/>
+              <a:t>, </a:t>
+            </a:r>
+            <a:r>
+              <a:rPr lang="sv-SE" dirty="0" smtClean="0"/>
+              <a:t>Int</a:t>
+            </a:r>
+          </a:p>
+          <a:p>
+            <a:r>
+              <a:rPr lang="sv-SE" dirty="0" smtClean="0"/>
+              <a:t>TeltypID Fk, Int</a:t>
+            </a:r>
+          </a:p>
+          <a:p>
+            <a:r>
+              <a:rPr lang="sv-SE" dirty="0"/>
+              <a:t>Tel.nr, VC(12</a:t>
+            </a:r>
+            <a:r>
+              <a:rPr lang="sv-SE" dirty="0" smtClean="0"/>
+              <a:t>)</a:t>
+            </a:r>
+            <a:endParaRPr lang="sv-SE" dirty="0"/>
+          </a:p>
+        </p:txBody>
+      </p:sp>
+      <p:sp>
+        <p:nvSpPr>
+          <p:cNvPr id="19" name="TextBox 18"/>
+          <p:cNvSpPr txBox="1"/>
+          <p:nvPr/>
+        </p:nvSpPr>
+        <p:spPr>
+          <a:xfrm>
+            <a:off x="19229" y="21220"/>
+            <a:ext cx="4844170" cy="369332"/>
+          </a:xfrm>
+          <a:prstGeom prst="rect">
+            <a:avLst/>
+          </a:prstGeom>
+          <a:noFill/>
+        </p:spPr>
+        <p:txBody>
+          <a:bodyPr wrap="square" rtlCol="0">
+            <a:spAutoFit/>
+          </a:bodyPr>
+          <a:lstStyle/>
+          <a:p>
+            <a:r>
+              <a:rPr lang="sv-SE" b="1" dirty="0" smtClean="0"/>
+              <a:t>Normaliserad datamodell</a:t>
+            </a:r>
+          </a:p>
+        </p:txBody>
+      </p:sp>
+      <p:sp>
+        <p:nvSpPr>
+          <p:cNvPr id="135" name="Rectangle 134"/>
+          <p:cNvSpPr/>
+          <p:nvPr/>
+        </p:nvSpPr>
+        <p:spPr>
+          <a:xfrm>
+            <a:off x="6444208" y="6250020"/>
+            <a:ext cx="1512168" cy="576064"/>
+          </a:xfrm>
+          <a:prstGeom prst="rect">
+            <a:avLst/>
+          </a:prstGeom>
+        </p:spPr>
+        <p:style>
+          <a:lnRef idx="2">
+            <a:schemeClr val="accent1">
+              <a:shade val="50000"/>
+            </a:schemeClr>
+          </a:lnRef>
+          <a:fillRef idx="1">
+            <a:schemeClr val="accent1"/>
+          </a:fillRef>
+          <a:effectRef idx="0">
+            <a:schemeClr val="accent1"/>
+          </a:effectRef>
+          <a:fontRef idx="minor">
+            <a:schemeClr val="lt1"/>
+          </a:fontRef>
+        </p:style>
+        <p:txBody>
+          <a:bodyPr rtlCol="0" anchor="ctr"/>
+          <a:lstStyle/>
+          <a:p>
+            <a:pPr algn="ctr"/>
+            <a:r>
+              <a:rPr lang="sv-SE" dirty="0" smtClean="0"/>
+              <a:t>Befattning</a:t>
+            </a:r>
+            <a:endParaRPr lang="sv-SE" dirty="0"/>
+          </a:p>
+        </p:txBody>
+      </p:sp>
+      <p:sp>
+        <p:nvSpPr>
+          <p:cNvPr id="136" name="TextBox 135"/>
+          <p:cNvSpPr txBox="1"/>
+          <p:nvPr/>
+        </p:nvSpPr>
+        <p:spPr>
+          <a:xfrm>
+            <a:off x="4448155" y="3042857"/>
+            <a:ext cx="2122687" cy="2862322"/>
+          </a:xfrm>
+          <a:prstGeom prst="rect">
+            <a:avLst/>
+          </a:prstGeom>
+          <a:noFill/>
+        </p:spPr>
+        <p:txBody>
+          <a:bodyPr wrap="square" rtlCol="0">
+            <a:spAutoFit/>
+          </a:bodyPr>
+          <a:lstStyle/>
+          <a:p>
+            <a:r>
+              <a:rPr lang="sv-SE" dirty="0" smtClean="0"/>
+              <a:t>PersID </a:t>
+            </a:r>
+            <a:r>
+              <a:rPr lang="sv-SE" dirty="0" smtClean="0"/>
+              <a:t>Pk, </a:t>
+            </a:r>
+            <a:r>
+              <a:rPr lang="sv-SE" dirty="0" smtClean="0"/>
+              <a:t>Int</a:t>
+            </a:r>
+          </a:p>
+          <a:p>
+            <a:r>
+              <a:rPr lang="sv-SE" dirty="0" smtClean="0"/>
+              <a:t>Pers.nr, </a:t>
+            </a:r>
+            <a:r>
+              <a:rPr lang="sv-SE" dirty="0" smtClean="0"/>
+              <a:t>C(11)</a:t>
+            </a:r>
+          </a:p>
+          <a:p>
+            <a:r>
+              <a:rPr lang="sv-SE" dirty="0" smtClean="0"/>
+              <a:t>Enamn</a:t>
+            </a:r>
+            <a:r>
+              <a:rPr lang="sv-SE" dirty="0" smtClean="0"/>
+              <a:t>, </a:t>
+            </a:r>
+            <a:r>
+              <a:rPr lang="sv-SE" dirty="0" smtClean="0"/>
+              <a:t>VC(20)</a:t>
+            </a:r>
+          </a:p>
+          <a:p>
+            <a:r>
+              <a:rPr lang="sv-SE" dirty="0" smtClean="0"/>
+              <a:t>Fnamn, VC(20)</a:t>
+            </a:r>
+          </a:p>
+          <a:p>
+            <a:r>
+              <a:rPr lang="sv-SE" dirty="0"/>
+              <a:t>Rec.nr Fk, </a:t>
+            </a:r>
+            <a:r>
+              <a:rPr lang="sv-SE" dirty="0" smtClean="0"/>
+              <a:t>Int</a:t>
+            </a:r>
+          </a:p>
+          <a:p>
+            <a:r>
+              <a:rPr lang="sv-SE" dirty="0"/>
+              <a:t>PersID_U Fk, </a:t>
+            </a:r>
+            <a:r>
+              <a:rPr lang="sv-SE" dirty="0" smtClean="0"/>
+              <a:t>Int</a:t>
+            </a:r>
+            <a:endParaRPr lang="sv-SE" dirty="0" smtClean="0"/>
+          </a:p>
+          <a:p>
+            <a:r>
+              <a:rPr lang="sv-SE" dirty="0" smtClean="0"/>
+              <a:t>Ort, VC(20)</a:t>
+            </a:r>
+          </a:p>
+          <a:p>
+            <a:r>
+              <a:rPr lang="sv-SE" dirty="0" smtClean="0"/>
+              <a:t>Gatuadress, VC(30)</a:t>
+            </a:r>
+          </a:p>
+          <a:p>
+            <a:r>
+              <a:rPr lang="sv-SE" dirty="0" smtClean="0"/>
+              <a:t>ResursID Fk, Int</a:t>
+            </a:r>
+            <a:endParaRPr lang="sv-SE" dirty="0" smtClean="0"/>
+          </a:p>
+          <a:p>
+            <a:endParaRPr lang="sv-SE" dirty="0" smtClean="0"/>
+          </a:p>
+        </p:txBody>
+      </p:sp>
+      <p:sp>
+        <p:nvSpPr>
+          <p:cNvPr id="137" name="TextBox 136"/>
+          <p:cNvSpPr txBox="1"/>
+          <p:nvPr/>
+        </p:nvSpPr>
+        <p:spPr>
+          <a:xfrm>
+            <a:off x="5012739" y="5615200"/>
+            <a:ext cx="2322848" cy="923330"/>
+          </a:xfrm>
+          <a:prstGeom prst="rect">
+            <a:avLst/>
+          </a:prstGeom>
+          <a:noFill/>
+        </p:spPr>
+        <p:txBody>
+          <a:bodyPr wrap="square" rtlCol="0">
+            <a:spAutoFit/>
+          </a:bodyPr>
+          <a:lstStyle/>
+          <a:p>
+            <a:r>
+              <a:rPr lang="sv-SE" dirty="0" smtClean="0"/>
+              <a:t>Rec.nr Pk</a:t>
+            </a:r>
+            <a:r>
+              <a:rPr lang="sv-SE" dirty="0" smtClean="0"/>
+              <a:t>, </a:t>
+            </a:r>
+            <a:r>
+              <a:rPr lang="sv-SE" dirty="0" smtClean="0"/>
+              <a:t>Int</a:t>
+            </a:r>
+          </a:p>
+          <a:p>
+            <a:r>
+              <a:rPr lang="sv-SE" dirty="0" smtClean="0"/>
+              <a:t>Befattningstyp</a:t>
+            </a:r>
+            <a:r>
+              <a:rPr lang="sv-SE" dirty="0" smtClean="0"/>
+              <a:t>, VC(15</a:t>
+            </a:r>
+            <a:r>
+              <a:rPr lang="sv-SE" dirty="0" smtClean="0"/>
+              <a:t>)</a:t>
+            </a:r>
+            <a:endParaRPr lang="sv-SE" dirty="0" smtClean="0"/>
+          </a:p>
+          <a:p>
+            <a:r>
+              <a:rPr lang="sv-SE" dirty="0" smtClean="0"/>
+              <a:t>Lön</a:t>
+            </a:r>
+            <a:r>
+              <a:rPr lang="sv-SE" dirty="0" smtClean="0"/>
+              <a:t>, Int</a:t>
+            </a:r>
+          </a:p>
+        </p:txBody>
+      </p:sp>
+      <p:grpSp>
+        <p:nvGrpSpPr>
+          <p:cNvPr id="138" name="Grupp 7"/>
+          <p:cNvGrpSpPr>
+            <a:grpSpLocks/>
+          </p:cNvGrpSpPr>
+          <p:nvPr/>
+        </p:nvGrpSpPr>
+        <p:grpSpPr bwMode="auto">
+          <a:xfrm rot="10800000">
+            <a:off x="3177169" y="2646165"/>
+            <a:ext cx="1094172" cy="288925"/>
+            <a:chOff x="2555776" y="692696"/>
+            <a:chExt cx="936104" cy="288032"/>
+          </a:xfrm>
+        </p:grpSpPr>
+        <p:cxnSp>
+          <p:nvCxnSpPr>
+            <p:cNvPr id="139" name="Rak 5"/>
+            <p:cNvCxnSpPr/>
+            <p:nvPr/>
+          </p:nvCxnSpPr>
+          <p:spPr>
+            <a:xfrm>
+              <a:off x="2555776" y="836712"/>
+              <a:ext cx="936104" cy="0"/>
+            </a:xfrm>
+            <a:prstGeom prst="line">
+              <a:avLst/>
+            </a:prstGeom>
+            <a:ln w="9525">
+              <a:solidFill>
+                <a:schemeClr val="tx1"/>
+              </a:solidFill>
+            </a:ln>
+          </p:spPr>
+          <p:style>
+            <a:lnRef idx="1">
+              <a:schemeClr val="accent1"/>
+            </a:lnRef>
+            <a:fillRef idx="0">
+              <a:schemeClr val="accent1"/>
+            </a:fillRef>
+            <a:effectRef idx="0">
+              <a:schemeClr val="accent1"/>
+            </a:effectRef>
+            <a:fontRef idx="minor">
+              <a:schemeClr val="tx1"/>
+            </a:fontRef>
+          </p:style>
+        </p:cxnSp>
+        <p:sp>
+          <p:nvSpPr>
+            <p:cNvPr id="140" name="Rektangel 6"/>
+            <p:cNvSpPr/>
+            <p:nvPr/>
+          </p:nvSpPr>
+          <p:spPr>
+            <a:xfrm>
+              <a:off x="3420483" y="692696"/>
+              <a:ext cx="71397" cy="288032"/>
+            </a:xfrm>
+            <a:prstGeom prst="rect">
+              <a:avLst/>
+            </a:prstGeom>
+            <a:noFill/>
+            <a:ln w="9525">
+              <a:solidFill>
+                <a:schemeClr val="tx1"/>
+              </a:solidFill>
+            </a:ln>
+          </p:spPr>
+          <p:style>
+            <a:lnRef idx="2">
+              <a:schemeClr val="accent1">
+                <a:shade val="50000"/>
+              </a:schemeClr>
+            </a:lnRef>
+            <a:fillRef idx="1">
+              <a:schemeClr val="accent1"/>
+            </a:fillRef>
+            <a:effectRef idx="0">
+              <a:schemeClr val="accent1"/>
+            </a:effectRef>
+            <a:fontRef idx="minor">
+              <a:schemeClr val="lt1"/>
+            </a:fontRef>
+          </p:style>
+          <p:txBody>
+            <a:bodyPr anchor="ctr"/>
+            <a:lstStyle/>
+            <a:p>
+              <a:pPr algn="ctr" fontAlgn="auto">
+                <a:spcBef>
+                  <a:spcPts val="0"/>
+                </a:spcBef>
+                <a:spcAft>
+                  <a:spcPts val="0"/>
+                </a:spcAft>
+                <a:defRPr/>
+              </a:pPr>
+              <a:endParaRPr lang="sv-SE"/>
+            </a:p>
+          </p:txBody>
+        </p:sp>
+      </p:grpSp>
+      <p:sp>
+        <p:nvSpPr>
+          <p:cNvPr id="141" name="TextBox 140"/>
+          <p:cNvSpPr txBox="1"/>
+          <p:nvPr/>
+        </p:nvSpPr>
+        <p:spPr>
+          <a:xfrm>
+            <a:off x="-61021" y="2222915"/>
+            <a:ext cx="1968725" cy="1477328"/>
+          </a:xfrm>
+          <a:prstGeom prst="rect">
+            <a:avLst/>
+          </a:prstGeom>
+          <a:noFill/>
+        </p:spPr>
+        <p:txBody>
+          <a:bodyPr wrap="square" rtlCol="0">
+            <a:spAutoFit/>
+          </a:bodyPr>
+          <a:lstStyle/>
+          <a:p>
+            <a:r>
+              <a:rPr lang="sv-SE" dirty="0" smtClean="0"/>
+              <a:t>FörmID Pk, Int</a:t>
+            </a:r>
+          </a:p>
+          <a:p>
+            <a:r>
+              <a:rPr lang="sv-SE" dirty="0" smtClean="0"/>
+              <a:t>Förmån, VC(15)</a:t>
+            </a:r>
+          </a:p>
+          <a:p>
+            <a:r>
+              <a:rPr lang="sv-SE" dirty="0" smtClean="0"/>
+              <a:t>PersID Fk, Int</a:t>
+            </a:r>
+          </a:p>
+          <a:p>
+            <a:r>
+              <a:rPr lang="sv-SE" dirty="0" smtClean="0"/>
+              <a:t>FörmtypID Fk Int</a:t>
+            </a:r>
+          </a:p>
+          <a:p>
+            <a:r>
+              <a:rPr lang="sv-SE" dirty="0" smtClean="0"/>
+              <a:t>DatID Fk, Int</a:t>
+            </a:r>
+          </a:p>
+        </p:txBody>
+      </p:sp>
+      <p:grpSp>
+        <p:nvGrpSpPr>
+          <p:cNvPr id="142" name="Grupp 7"/>
+          <p:cNvGrpSpPr>
+            <a:grpSpLocks/>
+          </p:cNvGrpSpPr>
+          <p:nvPr/>
+        </p:nvGrpSpPr>
+        <p:grpSpPr bwMode="auto">
+          <a:xfrm rot="16200000">
+            <a:off x="4399963" y="1298733"/>
+            <a:ext cx="936625" cy="288925"/>
+            <a:chOff x="2555776" y="692696"/>
+            <a:chExt cx="936104" cy="288032"/>
+          </a:xfrm>
+        </p:grpSpPr>
+        <p:cxnSp>
+          <p:nvCxnSpPr>
+            <p:cNvPr id="143" name="Rak 5"/>
+            <p:cNvCxnSpPr/>
+            <p:nvPr/>
+          </p:nvCxnSpPr>
+          <p:spPr>
+            <a:xfrm>
+              <a:off x="2555776" y="836712"/>
+              <a:ext cx="936104" cy="0"/>
+            </a:xfrm>
+            <a:prstGeom prst="line">
+              <a:avLst/>
+            </a:prstGeom>
+            <a:ln w="9525">
+              <a:solidFill>
+                <a:schemeClr val="tx1"/>
+              </a:solidFill>
+            </a:ln>
+          </p:spPr>
+          <p:style>
+            <a:lnRef idx="1">
+              <a:schemeClr val="accent1"/>
+            </a:lnRef>
+            <a:fillRef idx="0">
+              <a:schemeClr val="accent1"/>
+            </a:fillRef>
+            <a:effectRef idx="0">
+              <a:schemeClr val="accent1"/>
+            </a:effectRef>
+            <a:fontRef idx="minor">
+              <a:schemeClr val="tx1"/>
+            </a:fontRef>
+          </p:style>
+        </p:cxnSp>
+        <p:sp>
+          <p:nvSpPr>
+            <p:cNvPr id="144" name="Rektangel 6"/>
+            <p:cNvSpPr/>
+            <p:nvPr/>
+          </p:nvSpPr>
+          <p:spPr>
+            <a:xfrm>
+              <a:off x="3420483" y="692696"/>
+              <a:ext cx="71397" cy="288032"/>
+            </a:xfrm>
+            <a:prstGeom prst="rect">
+              <a:avLst/>
+            </a:prstGeom>
+            <a:noFill/>
+            <a:ln w="9525">
+              <a:solidFill>
+                <a:schemeClr val="tx1"/>
+              </a:solidFill>
+            </a:ln>
+          </p:spPr>
+          <p:style>
+            <a:lnRef idx="2">
+              <a:schemeClr val="accent1">
+                <a:shade val="50000"/>
+              </a:schemeClr>
+            </a:lnRef>
+            <a:fillRef idx="1">
+              <a:schemeClr val="accent1"/>
+            </a:fillRef>
+            <a:effectRef idx="0">
+              <a:schemeClr val="accent1"/>
+            </a:effectRef>
+            <a:fontRef idx="minor">
+              <a:schemeClr val="lt1"/>
+            </a:fontRef>
+          </p:style>
+          <p:txBody>
+            <a:bodyPr anchor="ctr"/>
+            <a:lstStyle/>
+            <a:p>
+              <a:pPr algn="ctr" fontAlgn="auto">
+                <a:spcBef>
+                  <a:spcPts val="0"/>
+                </a:spcBef>
+                <a:spcAft>
+                  <a:spcPts val="0"/>
+                </a:spcAft>
+                <a:defRPr/>
+              </a:pPr>
+              <a:endParaRPr lang="sv-SE"/>
+            </a:p>
+          </p:txBody>
+        </p:sp>
+      </p:grpSp>
+      <p:sp>
+        <p:nvSpPr>
+          <p:cNvPr id="145" name="Rectangle 144"/>
+          <p:cNvSpPr/>
+          <p:nvPr/>
+        </p:nvSpPr>
+        <p:spPr>
+          <a:xfrm>
+            <a:off x="4127505" y="398819"/>
+            <a:ext cx="1512168" cy="576064"/>
+          </a:xfrm>
+          <a:prstGeom prst="rect">
+            <a:avLst/>
+          </a:prstGeom>
+        </p:spPr>
+        <p:style>
+          <a:lnRef idx="2">
+            <a:schemeClr val="accent1">
+              <a:shade val="50000"/>
+            </a:schemeClr>
+          </a:lnRef>
+          <a:fillRef idx="1">
+            <a:schemeClr val="accent1"/>
+          </a:fillRef>
+          <a:effectRef idx="0">
+            <a:schemeClr val="accent1"/>
+          </a:effectRef>
+          <a:fontRef idx="minor">
+            <a:schemeClr val="lt1"/>
+          </a:fontRef>
+        </p:style>
+        <p:txBody>
+          <a:bodyPr rtlCol="0" anchor="ctr"/>
+          <a:lstStyle/>
+          <a:p>
+            <a:pPr algn="ctr"/>
+            <a:r>
+              <a:rPr lang="sv-SE" dirty="0" smtClean="0"/>
+              <a:t>Projekt</a:t>
+            </a:r>
+            <a:endParaRPr lang="sv-SE" dirty="0"/>
+          </a:p>
+        </p:txBody>
+      </p:sp>
+      <p:grpSp>
+        <p:nvGrpSpPr>
+          <p:cNvPr id="146" name="Grupp 7"/>
+          <p:cNvGrpSpPr>
+            <a:grpSpLocks/>
+          </p:cNvGrpSpPr>
+          <p:nvPr/>
+        </p:nvGrpSpPr>
+        <p:grpSpPr bwMode="auto">
+          <a:xfrm rot="5400000">
+            <a:off x="4399964" y="1889823"/>
+            <a:ext cx="936625" cy="288925"/>
+            <a:chOff x="2555776" y="692696"/>
+            <a:chExt cx="936104" cy="288032"/>
+          </a:xfrm>
+        </p:grpSpPr>
+        <p:cxnSp>
+          <p:nvCxnSpPr>
+            <p:cNvPr id="147" name="Rak 5"/>
+            <p:cNvCxnSpPr/>
+            <p:nvPr/>
+          </p:nvCxnSpPr>
+          <p:spPr>
+            <a:xfrm>
+              <a:off x="2555776" y="836712"/>
+              <a:ext cx="936104" cy="0"/>
+            </a:xfrm>
+            <a:prstGeom prst="line">
+              <a:avLst/>
+            </a:prstGeom>
+            <a:ln w="9525">
+              <a:solidFill>
+                <a:schemeClr val="tx1"/>
+              </a:solidFill>
+            </a:ln>
+          </p:spPr>
+          <p:style>
+            <a:lnRef idx="1">
+              <a:schemeClr val="accent1"/>
+            </a:lnRef>
+            <a:fillRef idx="0">
+              <a:schemeClr val="accent1"/>
+            </a:fillRef>
+            <a:effectRef idx="0">
+              <a:schemeClr val="accent1"/>
+            </a:effectRef>
+            <a:fontRef idx="minor">
+              <a:schemeClr val="tx1"/>
+            </a:fontRef>
+          </p:style>
+        </p:cxnSp>
+        <p:sp>
+          <p:nvSpPr>
+            <p:cNvPr id="148" name="Rektangel 6"/>
+            <p:cNvSpPr/>
+            <p:nvPr/>
+          </p:nvSpPr>
+          <p:spPr>
+            <a:xfrm>
+              <a:off x="3420483" y="692696"/>
+              <a:ext cx="71397" cy="288032"/>
+            </a:xfrm>
+            <a:prstGeom prst="rect">
+              <a:avLst/>
+            </a:prstGeom>
+            <a:noFill/>
+            <a:ln w="9525">
+              <a:solidFill>
+                <a:schemeClr val="tx1"/>
+              </a:solidFill>
+            </a:ln>
+          </p:spPr>
+          <p:style>
+            <a:lnRef idx="2">
+              <a:schemeClr val="accent1">
+                <a:shade val="50000"/>
+              </a:schemeClr>
+            </a:lnRef>
+            <a:fillRef idx="1">
+              <a:schemeClr val="accent1"/>
+            </a:fillRef>
+            <a:effectRef idx="0">
+              <a:schemeClr val="accent1"/>
+            </a:effectRef>
+            <a:fontRef idx="minor">
+              <a:schemeClr val="lt1"/>
+            </a:fontRef>
+          </p:style>
+          <p:txBody>
+            <a:bodyPr anchor="ctr"/>
+            <a:lstStyle/>
+            <a:p>
+              <a:pPr algn="ctr" fontAlgn="auto">
+                <a:spcBef>
+                  <a:spcPts val="0"/>
+                </a:spcBef>
+                <a:spcAft>
+                  <a:spcPts val="0"/>
+                </a:spcAft>
+                <a:defRPr/>
+              </a:pPr>
+              <a:endParaRPr lang="sv-SE"/>
+            </a:p>
+          </p:txBody>
+        </p:sp>
+      </p:grpSp>
+      <p:sp>
+        <p:nvSpPr>
+          <p:cNvPr id="150" name="TextBox 149"/>
+          <p:cNvSpPr txBox="1"/>
+          <p:nvPr/>
+        </p:nvSpPr>
+        <p:spPr>
+          <a:xfrm>
+            <a:off x="5670210" y="314081"/>
+            <a:ext cx="1980481" cy="1200329"/>
+          </a:xfrm>
+          <a:prstGeom prst="rect">
+            <a:avLst/>
+          </a:prstGeom>
+          <a:noFill/>
+        </p:spPr>
+        <p:txBody>
+          <a:bodyPr wrap="square" rtlCol="0">
+            <a:spAutoFit/>
+          </a:bodyPr>
+          <a:lstStyle/>
+          <a:p>
+            <a:r>
+              <a:rPr lang="sv-SE" dirty="0" smtClean="0"/>
+              <a:t>ProjID Pk, Int</a:t>
+            </a:r>
+          </a:p>
+          <a:p>
+            <a:r>
+              <a:rPr lang="sv-SE" dirty="0" smtClean="0"/>
+              <a:t>Projekttyp, VC(30)</a:t>
+            </a:r>
+          </a:p>
+          <a:p>
+            <a:r>
+              <a:rPr lang="sv-SE" dirty="0" smtClean="0"/>
+              <a:t>Dagar, Int</a:t>
+            </a:r>
+          </a:p>
+          <a:p>
+            <a:r>
+              <a:rPr lang="sv-SE" dirty="0" smtClean="0"/>
+              <a:t>ResursID Fk, Int</a:t>
+            </a:r>
+          </a:p>
+        </p:txBody>
+      </p:sp>
+      <p:grpSp>
+        <p:nvGrpSpPr>
+          <p:cNvPr id="152" name="Grupp 7"/>
+          <p:cNvGrpSpPr>
+            <a:grpSpLocks/>
+          </p:cNvGrpSpPr>
+          <p:nvPr/>
+        </p:nvGrpSpPr>
+        <p:grpSpPr bwMode="auto">
+          <a:xfrm rot="10800000">
+            <a:off x="3163427" y="1530262"/>
+            <a:ext cx="936625" cy="288925"/>
+            <a:chOff x="2555776" y="692696"/>
+            <a:chExt cx="936104" cy="288032"/>
+          </a:xfrm>
+        </p:grpSpPr>
+        <p:cxnSp>
+          <p:nvCxnSpPr>
+            <p:cNvPr id="153" name="Rak 5"/>
+            <p:cNvCxnSpPr/>
+            <p:nvPr/>
+          </p:nvCxnSpPr>
+          <p:spPr>
+            <a:xfrm>
+              <a:off x="2555776" y="836712"/>
+              <a:ext cx="936104" cy="0"/>
+            </a:xfrm>
+            <a:prstGeom prst="line">
+              <a:avLst/>
+            </a:prstGeom>
+            <a:ln w="9525">
+              <a:solidFill>
+                <a:schemeClr val="tx1"/>
+              </a:solidFill>
+            </a:ln>
+          </p:spPr>
+          <p:style>
+            <a:lnRef idx="1">
+              <a:schemeClr val="accent1"/>
+            </a:lnRef>
+            <a:fillRef idx="0">
+              <a:schemeClr val="accent1"/>
+            </a:fillRef>
+            <a:effectRef idx="0">
+              <a:schemeClr val="accent1"/>
+            </a:effectRef>
+            <a:fontRef idx="minor">
+              <a:schemeClr val="tx1"/>
+            </a:fontRef>
+          </p:style>
+        </p:cxnSp>
+        <p:sp>
+          <p:nvSpPr>
+            <p:cNvPr id="154" name="Rektangel 6"/>
+            <p:cNvSpPr/>
+            <p:nvPr/>
+          </p:nvSpPr>
+          <p:spPr>
+            <a:xfrm>
+              <a:off x="3420483" y="692696"/>
+              <a:ext cx="71397" cy="288032"/>
+            </a:xfrm>
+            <a:prstGeom prst="rect">
+              <a:avLst/>
+            </a:prstGeom>
+            <a:noFill/>
+            <a:ln w="9525">
+              <a:solidFill>
+                <a:schemeClr val="tx1"/>
+              </a:solidFill>
+            </a:ln>
+          </p:spPr>
+          <p:style>
+            <a:lnRef idx="2">
+              <a:schemeClr val="accent1">
+                <a:shade val="50000"/>
+              </a:schemeClr>
+            </a:lnRef>
+            <a:fillRef idx="1">
+              <a:schemeClr val="accent1"/>
+            </a:fillRef>
+            <a:effectRef idx="0">
+              <a:schemeClr val="accent1"/>
+            </a:effectRef>
+            <a:fontRef idx="minor">
+              <a:schemeClr val="lt1"/>
+            </a:fontRef>
+          </p:style>
+          <p:txBody>
+            <a:bodyPr anchor="ctr"/>
+            <a:lstStyle/>
+            <a:p>
+              <a:pPr algn="ctr" fontAlgn="auto">
+                <a:spcBef>
+                  <a:spcPts val="0"/>
+                </a:spcBef>
+                <a:spcAft>
+                  <a:spcPts val="0"/>
+                </a:spcAft>
+                <a:defRPr/>
+              </a:pPr>
+              <a:endParaRPr lang="sv-SE"/>
+            </a:p>
+          </p:txBody>
+        </p:sp>
+      </p:grpSp>
+      <p:grpSp>
+        <p:nvGrpSpPr>
+          <p:cNvPr id="155" name="Grupp 7"/>
+          <p:cNvGrpSpPr>
+            <a:grpSpLocks/>
+          </p:cNvGrpSpPr>
+          <p:nvPr/>
+        </p:nvGrpSpPr>
+        <p:grpSpPr bwMode="auto">
+          <a:xfrm rot="10800000">
+            <a:off x="4394712" y="1527310"/>
+            <a:ext cx="473567" cy="288925"/>
+            <a:chOff x="3107630" y="692696"/>
+            <a:chExt cx="384250" cy="288032"/>
+          </a:xfrm>
+        </p:grpSpPr>
+        <p:cxnSp>
+          <p:nvCxnSpPr>
+            <p:cNvPr id="156" name="Rak 5"/>
+            <p:cNvCxnSpPr/>
+            <p:nvPr/>
+          </p:nvCxnSpPr>
+          <p:spPr>
+            <a:xfrm rot="10800000" flipH="1">
+              <a:off x="3107630" y="836712"/>
+              <a:ext cx="384248" cy="1"/>
+            </a:xfrm>
+            <a:prstGeom prst="line">
+              <a:avLst/>
+            </a:prstGeom>
+            <a:ln w="9525">
+              <a:solidFill>
+                <a:schemeClr val="tx1"/>
+              </a:solidFill>
+            </a:ln>
+          </p:spPr>
+          <p:style>
+            <a:lnRef idx="1">
+              <a:schemeClr val="accent1"/>
+            </a:lnRef>
+            <a:fillRef idx="0">
+              <a:schemeClr val="accent1"/>
+            </a:fillRef>
+            <a:effectRef idx="0">
+              <a:schemeClr val="accent1"/>
+            </a:effectRef>
+            <a:fontRef idx="minor">
+              <a:schemeClr val="tx1"/>
+            </a:fontRef>
+          </p:style>
+        </p:cxnSp>
+        <p:sp>
+          <p:nvSpPr>
+            <p:cNvPr id="157" name="Rektangel 6"/>
+            <p:cNvSpPr/>
+            <p:nvPr/>
+          </p:nvSpPr>
+          <p:spPr>
+            <a:xfrm>
+              <a:off x="3420483" y="692696"/>
+              <a:ext cx="71397" cy="288032"/>
+            </a:xfrm>
+            <a:prstGeom prst="rect">
+              <a:avLst/>
+            </a:prstGeom>
+            <a:noFill/>
+            <a:ln w="9525">
+              <a:solidFill>
+                <a:schemeClr val="tx1"/>
+              </a:solidFill>
+            </a:ln>
+          </p:spPr>
+          <p:style>
+            <a:lnRef idx="2">
+              <a:schemeClr val="accent1">
+                <a:shade val="50000"/>
+              </a:schemeClr>
+            </a:lnRef>
+            <a:fillRef idx="1">
+              <a:schemeClr val="accent1"/>
+            </a:fillRef>
+            <a:effectRef idx="0">
+              <a:schemeClr val="accent1"/>
+            </a:effectRef>
+            <a:fontRef idx="minor">
+              <a:schemeClr val="lt1"/>
+            </a:fontRef>
+          </p:style>
+          <p:txBody>
+            <a:bodyPr anchor="ctr"/>
+            <a:lstStyle/>
+            <a:p>
+              <a:pPr algn="ctr" fontAlgn="auto">
+                <a:spcBef>
+                  <a:spcPts val="0"/>
+                </a:spcBef>
+                <a:spcAft>
+                  <a:spcPts val="0"/>
+                </a:spcAft>
+                <a:defRPr/>
+              </a:pPr>
+              <a:endParaRPr lang="sv-SE"/>
+            </a:p>
+          </p:txBody>
+        </p:sp>
+      </p:grpSp>
+      <p:sp>
+        <p:nvSpPr>
+          <p:cNvPr id="159" name="TextBox 158"/>
+          <p:cNvSpPr txBox="1"/>
+          <p:nvPr/>
+        </p:nvSpPr>
+        <p:spPr>
+          <a:xfrm>
+            <a:off x="-64808" y="463362"/>
+            <a:ext cx="1680240" cy="923330"/>
+          </a:xfrm>
+          <a:prstGeom prst="rect">
+            <a:avLst/>
+          </a:prstGeom>
+          <a:noFill/>
+        </p:spPr>
+        <p:txBody>
+          <a:bodyPr wrap="square" rtlCol="0">
+            <a:spAutoFit/>
+          </a:bodyPr>
+          <a:lstStyle/>
+          <a:p>
+            <a:r>
+              <a:rPr lang="sv-SE" dirty="0" smtClean="0"/>
+              <a:t>DatID Pk, Int</a:t>
+            </a:r>
+          </a:p>
+          <a:p>
+            <a:r>
+              <a:rPr lang="sv-SE" dirty="0" smtClean="0"/>
+              <a:t>Startdatum, D</a:t>
+            </a:r>
+          </a:p>
+          <a:p>
+            <a:r>
+              <a:rPr lang="sv-SE" dirty="0" smtClean="0"/>
+              <a:t>Slutdatum, D</a:t>
+            </a:r>
+            <a:endParaRPr lang="sv-SE" dirty="0"/>
+          </a:p>
+        </p:txBody>
+      </p:sp>
+      <p:sp>
+        <p:nvSpPr>
+          <p:cNvPr id="160" name="TextBox 159"/>
+          <p:cNvSpPr txBox="1"/>
+          <p:nvPr/>
+        </p:nvSpPr>
+        <p:spPr>
+          <a:xfrm>
+            <a:off x="2228828" y="398819"/>
+            <a:ext cx="1829700" cy="923330"/>
+          </a:xfrm>
+          <a:prstGeom prst="rect">
+            <a:avLst/>
+          </a:prstGeom>
+          <a:noFill/>
+        </p:spPr>
+        <p:txBody>
+          <a:bodyPr wrap="square" rtlCol="0">
+            <a:spAutoFit/>
+          </a:bodyPr>
+          <a:lstStyle/>
+          <a:p>
+            <a:r>
+              <a:rPr lang="sv-SE" dirty="0" smtClean="0"/>
+              <a:t>ProjID Pk, Int</a:t>
+            </a:r>
+          </a:p>
+          <a:p>
+            <a:r>
+              <a:rPr lang="sv-SE" dirty="0" smtClean="0"/>
+              <a:t>PersID Pk, Int</a:t>
+            </a:r>
+          </a:p>
+          <a:p>
+            <a:r>
+              <a:rPr lang="sv-SE" dirty="0"/>
+              <a:t>DatID P</a:t>
+            </a:r>
+            <a:r>
+              <a:rPr lang="sv-SE" dirty="0" smtClean="0"/>
+              <a:t>k</a:t>
+            </a:r>
+            <a:r>
+              <a:rPr lang="sv-SE" dirty="0"/>
+              <a:t>, </a:t>
+            </a:r>
+            <a:r>
+              <a:rPr lang="sv-SE" dirty="0" smtClean="0"/>
+              <a:t>Int</a:t>
+            </a:r>
+            <a:endParaRPr lang="sv-SE" dirty="0"/>
+          </a:p>
+        </p:txBody>
+      </p:sp>
+      <p:grpSp>
+        <p:nvGrpSpPr>
+          <p:cNvPr id="161" name="Grupp 7"/>
+          <p:cNvGrpSpPr>
+            <a:grpSpLocks/>
+          </p:cNvGrpSpPr>
+          <p:nvPr/>
+        </p:nvGrpSpPr>
+        <p:grpSpPr bwMode="auto">
+          <a:xfrm rot="5400000">
+            <a:off x="2050498" y="1959523"/>
+            <a:ext cx="713687" cy="427110"/>
+            <a:chOff x="2856176" y="692696"/>
+            <a:chExt cx="681775" cy="288032"/>
+          </a:xfrm>
+        </p:grpSpPr>
+        <p:cxnSp>
+          <p:nvCxnSpPr>
+            <p:cNvPr id="162" name="Rak 5"/>
+            <p:cNvCxnSpPr/>
+            <p:nvPr/>
+          </p:nvCxnSpPr>
+          <p:spPr>
+            <a:xfrm rot="16200000">
+              <a:off x="3197063" y="495824"/>
+              <a:ext cx="1" cy="681775"/>
+            </a:xfrm>
+            <a:prstGeom prst="line">
+              <a:avLst/>
+            </a:prstGeom>
+            <a:ln w="9525">
+              <a:solidFill>
+                <a:schemeClr val="tx1"/>
+              </a:solidFill>
+            </a:ln>
+          </p:spPr>
+          <p:style>
+            <a:lnRef idx="1">
+              <a:schemeClr val="accent1"/>
+            </a:lnRef>
+            <a:fillRef idx="0">
+              <a:schemeClr val="accent1"/>
+            </a:fillRef>
+            <a:effectRef idx="0">
+              <a:schemeClr val="accent1"/>
+            </a:effectRef>
+            <a:fontRef idx="minor">
+              <a:schemeClr val="tx1"/>
+            </a:fontRef>
+          </p:style>
+        </p:cxnSp>
+        <p:sp>
+          <p:nvSpPr>
+            <p:cNvPr id="163" name="Rektangel 6"/>
+            <p:cNvSpPr/>
+            <p:nvPr/>
+          </p:nvSpPr>
+          <p:spPr>
+            <a:xfrm>
+              <a:off x="3420483" y="692696"/>
+              <a:ext cx="71397" cy="288032"/>
+            </a:xfrm>
+            <a:prstGeom prst="rect">
+              <a:avLst/>
+            </a:prstGeom>
+            <a:noFill/>
+            <a:ln w="9525">
+              <a:solidFill>
+                <a:schemeClr val="tx1"/>
+              </a:solidFill>
+            </a:ln>
+          </p:spPr>
+          <p:style>
+            <a:lnRef idx="2">
+              <a:schemeClr val="accent1">
+                <a:shade val="50000"/>
+              </a:schemeClr>
+            </a:lnRef>
+            <a:fillRef idx="1">
+              <a:schemeClr val="accent1"/>
+            </a:fillRef>
+            <a:effectRef idx="0">
+              <a:schemeClr val="accent1"/>
+            </a:effectRef>
+            <a:fontRef idx="minor">
+              <a:schemeClr val="lt1"/>
+            </a:fontRef>
+          </p:style>
+          <p:txBody>
+            <a:bodyPr anchor="ctr"/>
+            <a:lstStyle/>
+            <a:p>
+              <a:pPr algn="ctr" fontAlgn="auto">
+                <a:spcBef>
+                  <a:spcPts val="0"/>
+                </a:spcBef>
+                <a:spcAft>
+                  <a:spcPts val="0"/>
+                </a:spcAft>
+                <a:defRPr/>
+              </a:pPr>
+              <a:endParaRPr lang="sv-SE"/>
+            </a:p>
+          </p:txBody>
+        </p:sp>
+      </p:grpSp>
+      <p:cxnSp>
+        <p:nvCxnSpPr>
+          <p:cNvPr id="167" name="Rak 5"/>
+          <p:cNvCxnSpPr/>
+          <p:nvPr/>
+        </p:nvCxnSpPr>
+        <p:spPr bwMode="auto">
+          <a:xfrm flipH="1">
+            <a:off x="4271341" y="3078663"/>
+            <a:ext cx="1" cy="1870889"/>
+          </a:xfrm>
+          <a:prstGeom prst="line">
+            <a:avLst/>
+          </a:prstGeom>
+          <a:ln w="9525">
+            <a:solidFill>
+              <a:schemeClr val="tx1"/>
+            </a:solidFill>
+          </a:ln>
+        </p:spPr>
+        <p:style>
+          <a:lnRef idx="1">
+            <a:schemeClr val="accent1"/>
+          </a:lnRef>
+          <a:fillRef idx="0">
+            <a:schemeClr val="accent1"/>
+          </a:fillRef>
+          <a:effectRef idx="0">
+            <a:schemeClr val="accent1"/>
+          </a:effectRef>
+          <a:fontRef idx="minor">
+            <a:schemeClr val="tx1"/>
+          </a:fontRef>
+        </p:style>
+      </p:cxnSp>
+      <p:cxnSp>
+        <p:nvCxnSpPr>
+          <p:cNvPr id="171" name="Rak 5"/>
+          <p:cNvCxnSpPr/>
+          <p:nvPr/>
+        </p:nvCxnSpPr>
+        <p:spPr bwMode="auto">
+          <a:xfrm flipH="1">
+            <a:off x="1615432" y="1819187"/>
+            <a:ext cx="791909" cy="0"/>
+          </a:xfrm>
+          <a:prstGeom prst="line">
+            <a:avLst/>
+          </a:prstGeom>
+          <a:ln w="9525">
+            <a:solidFill>
+              <a:schemeClr val="tx1"/>
+            </a:solidFill>
+          </a:ln>
+        </p:spPr>
+        <p:style>
+          <a:lnRef idx="1">
+            <a:schemeClr val="accent1"/>
+          </a:lnRef>
+          <a:fillRef idx="0">
+            <a:schemeClr val="accent1"/>
+          </a:fillRef>
+          <a:effectRef idx="0">
+            <a:schemeClr val="accent1"/>
+          </a:effectRef>
+          <a:fontRef idx="minor">
+            <a:schemeClr val="tx1"/>
+          </a:fontRef>
+        </p:style>
+      </p:cxnSp>
+      <p:grpSp>
+        <p:nvGrpSpPr>
+          <p:cNvPr id="172" name="Grupp 7"/>
+          <p:cNvGrpSpPr>
+            <a:grpSpLocks/>
+          </p:cNvGrpSpPr>
+          <p:nvPr/>
+        </p:nvGrpSpPr>
+        <p:grpSpPr bwMode="auto">
+          <a:xfrm>
+            <a:off x="1615433" y="1480861"/>
+            <a:ext cx="1260806" cy="288925"/>
+            <a:chOff x="2555776" y="692696"/>
+            <a:chExt cx="936104" cy="288032"/>
+          </a:xfrm>
+        </p:grpSpPr>
+        <p:cxnSp>
+          <p:nvCxnSpPr>
+            <p:cNvPr id="173" name="Rak 5"/>
+            <p:cNvCxnSpPr/>
+            <p:nvPr/>
+          </p:nvCxnSpPr>
+          <p:spPr>
+            <a:xfrm>
+              <a:off x="2555776" y="836712"/>
+              <a:ext cx="936104" cy="0"/>
+            </a:xfrm>
+            <a:prstGeom prst="line">
+              <a:avLst/>
+            </a:prstGeom>
+            <a:ln w="9525">
+              <a:solidFill>
+                <a:schemeClr val="tx1"/>
+              </a:solidFill>
+            </a:ln>
+          </p:spPr>
+          <p:style>
+            <a:lnRef idx="1">
+              <a:schemeClr val="accent1"/>
+            </a:lnRef>
+            <a:fillRef idx="0">
+              <a:schemeClr val="accent1"/>
+            </a:fillRef>
+            <a:effectRef idx="0">
+              <a:schemeClr val="accent1"/>
+            </a:effectRef>
+            <a:fontRef idx="minor">
+              <a:schemeClr val="tx1"/>
+            </a:fontRef>
+          </p:style>
+        </p:cxnSp>
+        <p:sp>
+          <p:nvSpPr>
+            <p:cNvPr id="174" name="Rektangel 6"/>
+            <p:cNvSpPr/>
+            <p:nvPr/>
+          </p:nvSpPr>
+          <p:spPr>
+            <a:xfrm>
+              <a:off x="3420483" y="692696"/>
+              <a:ext cx="71397" cy="288032"/>
+            </a:xfrm>
+            <a:prstGeom prst="rect">
+              <a:avLst/>
+            </a:prstGeom>
+            <a:noFill/>
+            <a:ln w="9525">
+              <a:solidFill>
+                <a:schemeClr val="tx1"/>
+              </a:solidFill>
+            </a:ln>
+          </p:spPr>
+          <p:style>
+            <a:lnRef idx="2">
+              <a:schemeClr val="accent1">
+                <a:shade val="50000"/>
+              </a:schemeClr>
+            </a:lnRef>
+            <a:fillRef idx="1">
+              <a:schemeClr val="accent1"/>
+            </a:fillRef>
+            <a:effectRef idx="0">
+              <a:schemeClr val="accent1"/>
+            </a:effectRef>
+            <a:fontRef idx="minor">
+              <a:schemeClr val="lt1"/>
+            </a:fontRef>
+          </p:style>
+          <p:txBody>
+            <a:bodyPr anchor="ctr"/>
+            <a:lstStyle/>
+            <a:p>
+              <a:pPr algn="ctr" fontAlgn="auto">
+                <a:spcBef>
+                  <a:spcPts val="0"/>
+                </a:spcBef>
+                <a:spcAft>
+                  <a:spcPts val="0"/>
+                </a:spcAft>
+                <a:defRPr/>
+              </a:pPr>
+              <a:endParaRPr lang="sv-SE"/>
+            </a:p>
+          </p:txBody>
+        </p:sp>
+      </p:grpSp>
+      <p:sp>
+        <p:nvSpPr>
+          <p:cNvPr id="175" name="Rectangle 174"/>
+          <p:cNvSpPr/>
+          <p:nvPr/>
+        </p:nvSpPr>
+        <p:spPr>
+          <a:xfrm>
+            <a:off x="2875655" y="1386692"/>
+            <a:ext cx="1512168" cy="576064"/>
+          </a:xfrm>
+          <a:prstGeom prst="rect">
+            <a:avLst/>
+          </a:prstGeom>
+        </p:spPr>
+        <p:style>
+          <a:lnRef idx="2">
+            <a:schemeClr val="accent1">
+              <a:shade val="50000"/>
+            </a:schemeClr>
+          </a:lnRef>
+          <a:fillRef idx="1">
+            <a:schemeClr val="accent1"/>
+          </a:fillRef>
+          <a:effectRef idx="0">
+            <a:schemeClr val="accent1"/>
+          </a:effectRef>
+          <a:fontRef idx="minor">
+            <a:schemeClr val="lt1"/>
+          </a:fontRef>
+        </p:style>
+        <p:txBody>
+          <a:bodyPr rtlCol="0" anchor="ctr"/>
+          <a:lstStyle/>
+          <a:p>
+            <a:pPr algn="ctr"/>
+            <a:r>
+              <a:rPr lang="sv-SE" dirty="0" smtClean="0"/>
+              <a:t>Deltagande</a:t>
+            </a:r>
+            <a:endParaRPr lang="sv-SE" dirty="0"/>
+          </a:p>
+        </p:txBody>
+      </p:sp>
+      <p:sp>
+        <p:nvSpPr>
+          <p:cNvPr id="177" name="Rectangle 176"/>
+          <p:cNvSpPr/>
+          <p:nvPr/>
+        </p:nvSpPr>
+        <p:spPr>
+          <a:xfrm>
+            <a:off x="187301" y="1436743"/>
+            <a:ext cx="1512168" cy="576064"/>
+          </a:xfrm>
+          <a:prstGeom prst="rect">
+            <a:avLst/>
+          </a:prstGeom>
+        </p:spPr>
+        <p:style>
+          <a:lnRef idx="2">
+            <a:schemeClr val="accent1">
+              <a:shade val="50000"/>
+            </a:schemeClr>
+          </a:lnRef>
+          <a:fillRef idx="1">
+            <a:schemeClr val="accent1"/>
+          </a:fillRef>
+          <a:effectRef idx="0">
+            <a:schemeClr val="accent1"/>
+          </a:effectRef>
+          <a:fontRef idx="minor">
+            <a:schemeClr val="lt1"/>
+          </a:fontRef>
+        </p:style>
+        <p:txBody>
+          <a:bodyPr rtlCol="0" anchor="ctr"/>
+          <a:lstStyle/>
+          <a:p>
+            <a:pPr algn="ctr"/>
+            <a:r>
+              <a:rPr lang="sv-SE" dirty="0" smtClean="0"/>
+              <a:t>Datum</a:t>
+            </a:r>
+            <a:endParaRPr lang="sv-SE" dirty="0"/>
+          </a:p>
+        </p:txBody>
+      </p:sp>
+      <p:grpSp>
+        <p:nvGrpSpPr>
+          <p:cNvPr id="179" name="Grupp 7"/>
+          <p:cNvGrpSpPr>
+            <a:grpSpLocks/>
+          </p:cNvGrpSpPr>
+          <p:nvPr/>
+        </p:nvGrpSpPr>
+        <p:grpSpPr bwMode="auto">
+          <a:xfrm rot="10800000">
+            <a:off x="1679426" y="5264767"/>
+            <a:ext cx="936625" cy="288925"/>
+            <a:chOff x="2555776" y="692696"/>
+            <a:chExt cx="936104" cy="288032"/>
+          </a:xfrm>
+        </p:grpSpPr>
+        <p:cxnSp>
+          <p:nvCxnSpPr>
+            <p:cNvPr id="180" name="Rak 5"/>
+            <p:cNvCxnSpPr/>
+            <p:nvPr/>
+          </p:nvCxnSpPr>
+          <p:spPr>
+            <a:xfrm>
+              <a:off x="2555776" y="836712"/>
+              <a:ext cx="936104" cy="0"/>
+            </a:xfrm>
+            <a:prstGeom prst="line">
+              <a:avLst/>
+            </a:prstGeom>
+            <a:ln w="9525">
+              <a:solidFill>
+                <a:schemeClr val="tx1"/>
+              </a:solidFill>
+            </a:ln>
+          </p:spPr>
+          <p:style>
+            <a:lnRef idx="1">
+              <a:schemeClr val="accent1"/>
+            </a:lnRef>
+            <a:fillRef idx="0">
+              <a:schemeClr val="accent1"/>
+            </a:fillRef>
+            <a:effectRef idx="0">
+              <a:schemeClr val="accent1"/>
+            </a:effectRef>
+            <a:fontRef idx="minor">
+              <a:schemeClr val="tx1"/>
+            </a:fontRef>
+          </p:style>
+        </p:cxnSp>
+        <p:sp>
+          <p:nvSpPr>
+            <p:cNvPr id="181" name="Rektangel 6"/>
+            <p:cNvSpPr/>
+            <p:nvPr/>
+          </p:nvSpPr>
+          <p:spPr>
+            <a:xfrm>
+              <a:off x="3420483" y="692696"/>
+              <a:ext cx="71397" cy="288032"/>
+            </a:xfrm>
+            <a:prstGeom prst="rect">
+              <a:avLst/>
+            </a:prstGeom>
+            <a:noFill/>
+            <a:ln w="9525">
+              <a:solidFill>
+                <a:schemeClr val="tx1"/>
+              </a:solidFill>
+            </a:ln>
+          </p:spPr>
+          <p:style>
+            <a:lnRef idx="2">
+              <a:schemeClr val="accent1">
+                <a:shade val="50000"/>
+              </a:schemeClr>
+            </a:lnRef>
+            <a:fillRef idx="1">
+              <a:schemeClr val="accent1"/>
+            </a:fillRef>
+            <a:effectRef idx="0">
+              <a:schemeClr val="accent1"/>
+            </a:effectRef>
+            <a:fontRef idx="minor">
+              <a:schemeClr val="lt1"/>
+            </a:fontRef>
+          </p:style>
+          <p:txBody>
+            <a:bodyPr anchor="ctr"/>
+            <a:lstStyle/>
+            <a:p>
+              <a:pPr algn="ctr" fontAlgn="auto">
+                <a:spcBef>
+                  <a:spcPts val="0"/>
+                </a:spcBef>
+                <a:spcAft>
+                  <a:spcPts val="0"/>
+                </a:spcAft>
+                <a:defRPr/>
+              </a:pPr>
+              <a:endParaRPr lang="sv-SE"/>
+            </a:p>
+          </p:txBody>
+        </p:sp>
+      </p:grpSp>
+      <p:sp>
+        <p:nvSpPr>
+          <p:cNvPr id="187" name="TextBox 186"/>
+          <p:cNvSpPr txBox="1"/>
+          <p:nvPr/>
+        </p:nvSpPr>
+        <p:spPr>
+          <a:xfrm>
+            <a:off x="2598086" y="5736035"/>
+            <a:ext cx="1682469" cy="646331"/>
+          </a:xfrm>
+          <a:prstGeom prst="rect">
+            <a:avLst/>
+          </a:prstGeom>
+          <a:noFill/>
+        </p:spPr>
+        <p:txBody>
+          <a:bodyPr wrap="square" rtlCol="0">
+            <a:spAutoFit/>
+          </a:bodyPr>
+          <a:lstStyle/>
+          <a:p>
+            <a:r>
+              <a:rPr lang="sv-SE" dirty="0" smtClean="0"/>
+              <a:t>Telt</a:t>
+            </a:r>
+            <a:r>
+              <a:rPr lang="sv-SE" dirty="0" smtClean="0"/>
+              <a:t>ypID Pk, Int</a:t>
+            </a:r>
+          </a:p>
+          <a:p>
+            <a:r>
+              <a:rPr lang="sv-SE" dirty="0" smtClean="0"/>
+              <a:t>Teltyp, </a:t>
+            </a:r>
+            <a:r>
+              <a:rPr lang="sv-SE" dirty="0" smtClean="0"/>
+              <a:t>VC(10</a:t>
+            </a:r>
+            <a:r>
+              <a:rPr lang="sv-SE" dirty="0" smtClean="0"/>
+              <a:t>)</a:t>
+            </a:r>
+            <a:endParaRPr lang="sv-SE" dirty="0" smtClean="0"/>
+          </a:p>
+        </p:txBody>
+      </p:sp>
+      <p:sp>
+        <p:nvSpPr>
+          <p:cNvPr id="209" name="Rectangle 208"/>
+          <p:cNvSpPr/>
+          <p:nvPr/>
+        </p:nvSpPr>
+        <p:spPr>
+          <a:xfrm>
+            <a:off x="2598086" y="5123119"/>
+            <a:ext cx="1512168" cy="576064"/>
+          </a:xfrm>
+          <a:prstGeom prst="rect">
+            <a:avLst/>
+          </a:prstGeom>
+        </p:spPr>
+        <p:style>
+          <a:lnRef idx="2">
+            <a:schemeClr val="accent1">
+              <a:shade val="50000"/>
+            </a:schemeClr>
+          </a:lnRef>
+          <a:fillRef idx="1">
+            <a:schemeClr val="accent1"/>
+          </a:fillRef>
+          <a:effectRef idx="0">
+            <a:schemeClr val="accent1"/>
+          </a:effectRef>
+          <a:fontRef idx="minor">
+            <a:schemeClr val="lt1"/>
+          </a:fontRef>
+        </p:style>
+        <p:txBody>
+          <a:bodyPr rtlCol="0" anchor="ctr"/>
+          <a:lstStyle/>
+          <a:p>
+            <a:pPr algn="ctr"/>
+            <a:r>
+              <a:rPr lang="sv-SE" dirty="0" smtClean="0"/>
+              <a:t>Telefontyp</a:t>
+            </a:r>
+            <a:endParaRPr lang="sv-SE" dirty="0"/>
+          </a:p>
+        </p:txBody>
+      </p:sp>
+      <p:grpSp>
+        <p:nvGrpSpPr>
+          <p:cNvPr id="210" name="Grupp 7"/>
+          <p:cNvGrpSpPr>
+            <a:grpSpLocks/>
+          </p:cNvGrpSpPr>
+          <p:nvPr/>
+        </p:nvGrpSpPr>
+        <p:grpSpPr bwMode="auto">
+          <a:xfrm rot="5400000">
+            <a:off x="839048" y="4878571"/>
+            <a:ext cx="163731" cy="288925"/>
+            <a:chOff x="3328240" y="692696"/>
+            <a:chExt cx="163640" cy="288032"/>
+          </a:xfrm>
+        </p:grpSpPr>
+        <p:cxnSp>
+          <p:nvCxnSpPr>
+            <p:cNvPr id="211" name="Rak 5"/>
+            <p:cNvCxnSpPr/>
+            <p:nvPr/>
+          </p:nvCxnSpPr>
+          <p:spPr>
+            <a:xfrm rot="16200000" flipH="1">
+              <a:off x="3408850" y="753682"/>
+              <a:ext cx="2419" cy="163640"/>
+            </a:xfrm>
+            <a:prstGeom prst="line">
+              <a:avLst/>
+            </a:prstGeom>
+            <a:ln w="9525">
+              <a:solidFill>
+                <a:schemeClr val="tx1"/>
+              </a:solidFill>
+            </a:ln>
+          </p:spPr>
+          <p:style>
+            <a:lnRef idx="1">
+              <a:schemeClr val="accent1"/>
+            </a:lnRef>
+            <a:fillRef idx="0">
+              <a:schemeClr val="accent1"/>
+            </a:fillRef>
+            <a:effectRef idx="0">
+              <a:schemeClr val="accent1"/>
+            </a:effectRef>
+            <a:fontRef idx="minor">
+              <a:schemeClr val="tx1"/>
+            </a:fontRef>
+          </p:style>
+        </p:cxnSp>
+        <p:sp>
+          <p:nvSpPr>
+            <p:cNvPr id="212" name="Rektangel 6"/>
+            <p:cNvSpPr/>
+            <p:nvPr/>
+          </p:nvSpPr>
+          <p:spPr>
+            <a:xfrm>
+              <a:off x="3420483" y="692696"/>
+              <a:ext cx="71397" cy="288032"/>
+            </a:xfrm>
+            <a:prstGeom prst="rect">
+              <a:avLst/>
+            </a:prstGeom>
+            <a:noFill/>
+            <a:ln w="9525">
+              <a:solidFill>
+                <a:schemeClr val="tx1"/>
+              </a:solidFill>
+            </a:ln>
+          </p:spPr>
+          <p:style>
+            <a:lnRef idx="2">
+              <a:schemeClr val="accent1">
+                <a:shade val="50000"/>
+              </a:schemeClr>
+            </a:lnRef>
+            <a:fillRef idx="1">
+              <a:schemeClr val="accent1"/>
+            </a:fillRef>
+            <a:effectRef idx="0">
+              <a:schemeClr val="accent1"/>
+            </a:effectRef>
+            <a:fontRef idx="minor">
+              <a:schemeClr val="lt1"/>
+            </a:fontRef>
+          </p:style>
+          <p:txBody>
+            <a:bodyPr anchor="ctr"/>
+            <a:lstStyle/>
+            <a:p>
+              <a:pPr algn="ctr" fontAlgn="auto">
+                <a:spcBef>
+                  <a:spcPts val="0"/>
+                </a:spcBef>
+                <a:spcAft>
+                  <a:spcPts val="0"/>
+                </a:spcAft>
+                <a:defRPr/>
+              </a:pPr>
+              <a:endParaRPr lang="sv-SE"/>
+            </a:p>
+          </p:txBody>
+        </p:sp>
+      </p:grpSp>
+      <p:sp>
+        <p:nvSpPr>
+          <p:cNvPr id="213" name="Rectangle 212"/>
+          <p:cNvSpPr/>
+          <p:nvPr/>
+        </p:nvSpPr>
+        <p:spPr>
+          <a:xfrm>
+            <a:off x="167257" y="5098624"/>
+            <a:ext cx="1512168" cy="576064"/>
+          </a:xfrm>
+          <a:prstGeom prst="rect">
+            <a:avLst/>
+          </a:prstGeom>
+        </p:spPr>
+        <p:style>
+          <a:lnRef idx="2">
+            <a:schemeClr val="accent1">
+              <a:shade val="50000"/>
+            </a:schemeClr>
+          </a:lnRef>
+          <a:fillRef idx="1">
+            <a:schemeClr val="accent1"/>
+          </a:fillRef>
+          <a:effectRef idx="0">
+            <a:schemeClr val="accent1"/>
+          </a:effectRef>
+          <a:fontRef idx="minor">
+            <a:schemeClr val="lt1"/>
+          </a:fontRef>
+        </p:style>
+        <p:txBody>
+          <a:bodyPr rtlCol="0" anchor="ctr"/>
+          <a:lstStyle/>
+          <a:p>
+            <a:pPr algn="ctr"/>
+            <a:r>
+              <a:rPr lang="sv-SE" dirty="0" smtClean="0"/>
+              <a:t>Telefon</a:t>
+            </a:r>
+            <a:endParaRPr lang="sv-SE" dirty="0"/>
+          </a:p>
+        </p:txBody>
+      </p:sp>
+      <p:grpSp>
+        <p:nvGrpSpPr>
+          <p:cNvPr id="214" name="Grupp 7"/>
+          <p:cNvGrpSpPr>
+            <a:grpSpLocks/>
+          </p:cNvGrpSpPr>
+          <p:nvPr/>
+        </p:nvGrpSpPr>
+        <p:grpSpPr bwMode="auto">
+          <a:xfrm rot="16200000">
+            <a:off x="1959817" y="3345921"/>
+            <a:ext cx="895050" cy="288925"/>
+            <a:chOff x="2555776" y="692696"/>
+            <a:chExt cx="936104" cy="288032"/>
+          </a:xfrm>
+        </p:grpSpPr>
+        <p:cxnSp>
+          <p:nvCxnSpPr>
+            <p:cNvPr id="215" name="Rak 5"/>
+            <p:cNvCxnSpPr/>
+            <p:nvPr/>
+          </p:nvCxnSpPr>
+          <p:spPr>
+            <a:xfrm>
+              <a:off x="2555776" y="836712"/>
+              <a:ext cx="936104" cy="0"/>
+            </a:xfrm>
+            <a:prstGeom prst="line">
+              <a:avLst/>
+            </a:prstGeom>
+            <a:ln w="9525">
+              <a:solidFill>
+                <a:schemeClr val="tx1"/>
+              </a:solidFill>
+            </a:ln>
+          </p:spPr>
+          <p:style>
+            <a:lnRef idx="1">
+              <a:schemeClr val="accent1"/>
+            </a:lnRef>
+            <a:fillRef idx="0">
+              <a:schemeClr val="accent1"/>
+            </a:fillRef>
+            <a:effectRef idx="0">
+              <a:schemeClr val="accent1"/>
+            </a:effectRef>
+            <a:fontRef idx="minor">
+              <a:schemeClr val="tx1"/>
+            </a:fontRef>
+          </p:style>
+        </p:cxnSp>
+        <p:sp>
+          <p:nvSpPr>
+            <p:cNvPr id="216" name="Rektangel 6"/>
+            <p:cNvSpPr/>
+            <p:nvPr/>
+          </p:nvSpPr>
+          <p:spPr>
+            <a:xfrm>
+              <a:off x="3420483" y="692696"/>
+              <a:ext cx="71397" cy="288032"/>
+            </a:xfrm>
+            <a:prstGeom prst="rect">
+              <a:avLst/>
+            </a:prstGeom>
+            <a:noFill/>
+            <a:ln w="9525">
+              <a:solidFill>
+                <a:schemeClr val="tx1"/>
+              </a:solidFill>
+            </a:ln>
+          </p:spPr>
+          <p:style>
+            <a:lnRef idx="2">
+              <a:schemeClr val="accent1">
+                <a:shade val="50000"/>
+              </a:schemeClr>
+            </a:lnRef>
+            <a:fillRef idx="1">
+              <a:schemeClr val="accent1"/>
+            </a:fillRef>
+            <a:effectRef idx="0">
+              <a:schemeClr val="accent1"/>
+            </a:effectRef>
+            <a:fontRef idx="minor">
+              <a:schemeClr val="lt1"/>
+            </a:fontRef>
+          </p:style>
+          <p:txBody>
+            <a:bodyPr anchor="ctr"/>
+            <a:lstStyle/>
+            <a:p>
+              <a:pPr algn="ctr" fontAlgn="auto">
+                <a:spcBef>
+                  <a:spcPts val="0"/>
+                </a:spcBef>
+                <a:spcAft>
+                  <a:spcPts val="0"/>
+                </a:spcAft>
+                <a:defRPr/>
+              </a:pPr>
+              <a:endParaRPr lang="sv-SE"/>
+            </a:p>
+          </p:txBody>
+        </p:sp>
+      </p:grpSp>
+      <p:sp>
+        <p:nvSpPr>
+          <p:cNvPr id="217" name="Rectangle 216"/>
+          <p:cNvSpPr/>
+          <p:nvPr/>
+        </p:nvSpPr>
+        <p:spPr>
+          <a:xfrm>
+            <a:off x="1667728" y="2476564"/>
+            <a:ext cx="1512168" cy="576064"/>
+          </a:xfrm>
+          <a:prstGeom prst="rect">
+            <a:avLst/>
+          </a:prstGeom>
+        </p:spPr>
+        <p:style>
+          <a:lnRef idx="2">
+            <a:schemeClr val="accent1">
+              <a:shade val="50000"/>
+            </a:schemeClr>
+          </a:lnRef>
+          <a:fillRef idx="1">
+            <a:schemeClr val="accent1"/>
+          </a:fillRef>
+          <a:effectRef idx="0">
+            <a:schemeClr val="accent1"/>
+          </a:effectRef>
+          <a:fontRef idx="minor">
+            <a:schemeClr val="lt1"/>
+          </a:fontRef>
+        </p:style>
+        <p:txBody>
+          <a:bodyPr rtlCol="0" anchor="ctr"/>
+          <a:lstStyle/>
+          <a:p>
+            <a:pPr algn="ctr"/>
+            <a:r>
+              <a:rPr lang="sv-SE" dirty="0" smtClean="0"/>
+              <a:t>Förmån</a:t>
+            </a:r>
+            <a:endParaRPr lang="sv-SE" dirty="0"/>
+          </a:p>
+        </p:txBody>
+      </p:sp>
+      <p:sp>
+        <p:nvSpPr>
+          <p:cNvPr id="218" name="Rectangle 217"/>
+          <p:cNvSpPr/>
+          <p:nvPr/>
+        </p:nvSpPr>
+        <p:spPr>
+          <a:xfrm>
+            <a:off x="1651257" y="3490382"/>
+            <a:ext cx="1512168" cy="576064"/>
+          </a:xfrm>
+          <a:prstGeom prst="rect">
+            <a:avLst/>
+          </a:prstGeom>
+        </p:spPr>
+        <p:style>
+          <a:lnRef idx="2">
+            <a:schemeClr val="accent1">
+              <a:shade val="50000"/>
+            </a:schemeClr>
+          </a:lnRef>
+          <a:fillRef idx="1">
+            <a:schemeClr val="accent1"/>
+          </a:fillRef>
+          <a:effectRef idx="0">
+            <a:schemeClr val="accent1"/>
+          </a:effectRef>
+          <a:fontRef idx="minor">
+            <a:schemeClr val="lt1"/>
+          </a:fontRef>
+        </p:style>
+        <p:txBody>
+          <a:bodyPr rtlCol="0" anchor="ctr"/>
+          <a:lstStyle/>
+          <a:p>
+            <a:pPr algn="ctr"/>
+            <a:r>
+              <a:rPr lang="sv-SE" dirty="0" smtClean="0"/>
+              <a:t>Förmånstyp</a:t>
+            </a:r>
+            <a:endParaRPr lang="sv-SE" dirty="0"/>
+          </a:p>
+        </p:txBody>
+      </p:sp>
+      <p:sp>
+        <p:nvSpPr>
+          <p:cNvPr id="219" name="TextBox 218"/>
+          <p:cNvSpPr txBox="1"/>
+          <p:nvPr/>
+        </p:nvSpPr>
+        <p:spPr>
+          <a:xfrm>
+            <a:off x="1485242" y="4115825"/>
+            <a:ext cx="2160240" cy="923330"/>
+          </a:xfrm>
+          <a:prstGeom prst="rect">
+            <a:avLst/>
+          </a:prstGeom>
+          <a:noFill/>
+        </p:spPr>
+        <p:txBody>
+          <a:bodyPr wrap="square" rtlCol="0">
+            <a:spAutoFit/>
+          </a:bodyPr>
+          <a:lstStyle/>
+          <a:p>
+            <a:r>
+              <a:rPr lang="sv-SE" dirty="0" smtClean="0"/>
+              <a:t>FörmtypID Pk, Int</a:t>
+            </a:r>
+          </a:p>
+          <a:p>
+            <a:r>
+              <a:rPr lang="sv-SE" dirty="0" smtClean="0"/>
+              <a:t>Förmånstyp, VC(20)</a:t>
+            </a:r>
+          </a:p>
+          <a:p>
+            <a:r>
+              <a:rPr lang="sv-SE" dirty="0" smtClean="0"/>
+              <a:t>Värde, Int</a:t>
+            </a:r>
+          </a:p>
+        </p:txBody>
+      </p:sp>
+      <p:grpSp>
+        <p:nvGrpSpPr>
+          <p:cNvPr id="229" name="Grupp 7"/>
+          <p:cNvGrpSpPr>
+            <a:grpSpLocks/>
+          </p:cNvGrpSpPr>
+          <p:nvPr/>
+        </p:nvGrpSpPr>
+        <p:grpSpPr bwMode="auto">
+          <a:xfrm rot="10800000">
+            <a:off x="5639674" y="2646165"/>
+            <a:ext cx="804537" cy="288925"/>
+            <a:chOff x="2670903" y="692696"/>
+            <a:chExt cx="820977" cy="288032"/>
+          </a:xfrm>
+        </p:grpSpPr>
+        <p:cxnSp>
+          <p:nvCxnSpPr>
+            <p:cNvPr id="230" name="Rak 5"/>
+            <p:cNvCxnSpPr/>
+            <p:nvPr/>
+          </p:nvCxnSpPr>
+          <p:spPr>
+            <a:xfrm rot="10800000" flipH="1" flipV="1">
+              <a:off x="2670903" y="832877"/>
+              <a:ext cx="820976" cy="3834"/>
+            </a:xfrm>
+            <a:prstGeom prst="line">
+              <a:avLst/>
+            </a:prstGeom>
+            <a:ln w="9525">
+              <a:solidFill>
+                <a:schemeClr val="tx1"/>
+              </a:solidFill>
+            </a:ln>
+          </p:spPr>
+          <p:style>
+            <a:lnRef idx="1">
+              <a:schemeClr val="accent1"/>
+            </a:lnRef>
+            <a:fillRef idx="0">
+              <a:schemeClr val="accent1"/>
+            </a:fillRef>
+            <a:effectRef idx="0">
+              <a:schemeClr val="accent1"/>
+            </a:effectRef>
+            <a:fontRef idx="minor">
+              <a:schemeClr val="tx1"/>
+            </a:fontRef>
+          </p:style>
+        </p:cxnSp>
+        <p:sp>
+          <p:nvSpPr>
+            <p:cNvPr id="231" name="Rektangel 6"/>
+            <p:cNvSpPr/>
+            <p:nvPr/>
+          </p:nvSpPr>
+          <p:spPr>
+            <a:xfrm>
+              <a:off x="3420483" y="692696"/>
+              <a:ext cx="71397" cy="288032"/>
+            </a:xfrm>
+            <a:prstGeom prst="rect">
+              <a:avLst/>
+            </a:prstGeom>
+            <a:noFill/>
+            <a:ln w="9525">
+              <a:solidFill>
+                <a:schemeClr val="tx1"/>
+              </a:solidFill>
+            </a:ln>
+          </p:spPr>
+          <p:style>
+            <a:lnRef idx="2">
+              <a:schemeClr val="accent1">
+                <a:shade val="50000"/>
+              </a:schemeClr>
+            </a:lnRef>
+            <a:fillRef idx="1">
+              <a:schemeClr val="accent1"/>
+            </a:fillRef>
+            <a:effectRef idx="0">
+              <a:schemeClr val="accent1"/>
+            </a:effectRef>
+            <a:fontRef idx="minor">
+              <a:schemeClr val="lt1"/>
+            </a:fontRef>
+          </p:style>
+          <p:txBody>
+            <a:bodyPr anchor="ctr"/>
+            <a:lstStyle/>
+            <a:p>
+              <a:pPr algn="ctr" fontAlgn="auto">
+                <a:spcBef>
+                  <a:spcPts val="0"/>
+                </a:spcBef>
+                <a:spcAft>
+                  <a:spcPts val="0"/>
+                </a:spcAft>
+                <a:defRPr/>
+              </a:pPr>
+              <a:endParaRPr lang="sv-SE"/>
+            </a:p>
+          </p:txBody>
+        </p:sp>
+      </p:grpSp>
+      <p:cxnSp>
+        <p:nvCxnSpPr>
+          <p:cNvPr id="246" name="Rak 5"/>
+          <p:cNvCxnSpPr/>
+          <p:nvPr/>
+        </p:nvCxnSpPr>
+        <p:spPr bwMode="auto">
+          <a:xfrm flipH="1">
+            <a:off x="3929489" y="2267477"/>
+            <a:ext cx="620378" cy="2"/>
+          </a:xfrm>
+          <a:prstGeom prst="line">
+            <a:avLst/>
+          </a:prstGeom>
+          <a:ln w="9525">
+            <a:solidFill>
+              <a:schemeClr val="tx1"/>
+            </a:solidFill>
+          </a:ln>
+        </p:spPr>
+        <p:style>
+          <a:lnRef idx="1">
+            <a:schemeClr val="accent1"/>
+          </a:lnRef>
+          <a:fillRef idx="0">
+            <a:schemeClr val="accent1"/>
+          </a:fillRef>
+          <a:effectRef idx="0">
+            <a:schemeClr val="accent1"/>
+          </a:effectRef>
+          <a:fontRef idx="minor">
+            <a:schemeClr val="tx1"/>
+          </a:fontRef>
+        </p:style>
+      </p:cxnSp>
+      <p:cxnSp>
+        <p:nvCxnSpPr>
+          <p:cNvPr id="248" name="Rak 5"/>
+          <p:cNvCxnSpPr/>
+          <p:nvPr/>
+        </p:nvCxnSpPr>
+        <p:spPr bwMode="auto">
+          <a:xfrm>
+            <a:off x="3931347" y="2267477"/>
+            <a:ext cx="0" cy="403418"/>
+          </a:xfrm>
+          <a:prstGeom prst="line">
+            <a:avLst/>
+          </a:prstGeom>
+          <a:ln w="9525">
+            <a:solidFill>
+              <a:schemeClr val="tx1"/>
+            </a:solidFill>
+          </a:ln>
+        </p:spPr>
+        <p:style>
+          <a:lnRef idx="1">
+            <a:schemeClr val="accent1"/>
+          </a:lnRef>
+          <a:fillRef idx="0">
+            <a:schemeClr val="accent1"/>
+          </a:fillRef>
+          <a:effectRef idx="0">
+            <a:schemeClr val="accent1"/>
+          </a:effectRef>
+          <a:fontRef idx="minor">
+            <a:schemeClr val="tx1"/>
+          </a:fontRef>
+        </p:style>
+      </p:cxnSp>
+      <p:cxnSp>
+        <p:nvCxnSpPr>
+          <p:cNvPr id="251" name="Rak 5"/>
+          <p:cNvCxnSpPr/>
+          <p:nvPr/>
+        </p:nvCxnSpPr>
+        <p:spPr bwMode="auto">
+          <a:xfrm flipH="1" flipV="1">
+            <a:off x="3929489" y="2670896"/>
+            <a:ext cx="208534" cy="1"/>
+          </a:xfrm>
+          <a:prstGeom prst="line">
+            <a:avLst/>
+          </a:prstGeom>
+          <a:ln w="9525">
+            <a:solidFill>
+              <a:schemeClr val="tx1"/>
+            </a:solidFill>
+          </a:ln>
+        </p:spPr>
+        <p:style>
+          <a:lnRef idx="1">
+            <a:schemeClr val="accent1"/>
+          </a:lnRef>
+          <a:fillRef idx="0">
+            <a:schemeClr val="accent1"/>
+          </a:fillRef>
+          <a:effectRef idx="0">
+            <a:schemeClr val="accent1"/>
+          </a:effectRef>
+          <a:fontRef idx="minor">
+            <a:schemeClr val="tx1"/>
+          </a:fontRef>
+        </p:style>
+      </p:cxnSp>
+      <p:cxnSp>
+        <p:nvCxnSpPr>
+          <p:cNvPr id="258" name="Rak 5"/>
+          <p:cNvCxnSpPr/>
+          <p:nvPr/>
+        </p:nvCxnSpPr>
+        <p:spPr bwMode="auto">
+          <a:xfrm>
+            <a:off x="920913" y="4949552"/>
+            <a:ext cx="3350428" cy="0"/>
+          </a:xfrm>
+          <a:prstGeom prst="line">
+            <a:avLst/>
+          </a:prstGeom>
+          <a:ln w="9525">
+            <a:solidFill>
+              <a:schemeClr val="tx1"/>
+            </a:solidFill>
+          </a:ln>
+        </p:spPr>
+        <p:style>
+          <a:lnRef idx="1">
+            <a:schemeClr val="accent1"/>
+          </a:lnRef>
+          <a:fillRef idx="0">
+            <a:schemeClr val="accent1"/>
+          </a:fillRef>
+          <a:effectRef idx="0">
+            <a:schemeClr val="accent1"/>
+          </a:effectRef>
+          <a:fontRef idx="minor">
+            <a:schemeClr val="tx1"/>
+          </a:fontRef>
+        </p:style>
+      </p:cxnSp>
+      <p:sp>
+        <p:nvSpPr>
+          <p:cNvPr id="270" name="Rectangle 269"/>
+          <p:cNvSpPr/>
+          <p:nvPr/>
+        </p:nvSpPr>
+        <p:spPr>
+          <a:xfrm>
+            <a:off x="7229958" y="3344973"/>
+            <a:ext cx="1512168" cy="576064"/>
+          </a:xfrm>
+          <a:prstGeom prst="rect">
+            <a:avLst/>
+          </a:prstGeom>
+        </p:spPr>
+        <p:style>
+          <a:lnRef idx="2">
+            <a:schemeClr val="accent1">
+              <a:shade val="50000"/>
+            </a:schemeClr>
+          </a:lnRef>
+          <a:fillRef idx="1">
+            <a:schemeClr val="accent1"/>
+          </a:fillRef>
+          <a:effectRef idx="0">
+            <a:schemeClr val="accent1"/>
+          </a:effectRef>
+          <a:fontRef idx="minor">
+            <a:schemeClr val="lt1"/>
+          </a:fontRef>
+        </p:style>
+        <p:txBody>
+          <a:bodyPr rtlCol="0" anchor="ctr"/>
+          <a:lstStyle/>
+          <a:p>
+            <a:pPr algn="ctr"/>
+            <a:r>
+              <a:rPr lang="sv-SE" dirty="0" smtClean="0"/>
+              <a:t>Resurs</a:t>
+            </a:r>
+            <a:endParaRPr lang="sv-SE" dirty="0"/>
+          </a:p>
+        </p:txBody>
+      </p:sp>
+      <p:sp>
+        <p:nvSpPr>
+          <p:cNvPr id="271" name="TextBox 270"/>
+          <p:cNvSpPr txBox="1"/>
+          <p:nvPr/>
+        </p:nvSpPr>
+        <p:spPr>
+          <a:xfrm>
+            <a:off x="7180625" y="3977325"/>
+            <a:ext cx="1915955" cy="923330"/>
+          </a:xfrm>
+          <a:prstGeom prst="rect">
+            <a:avLst/>
+          </a:prstGeom>
+          <a:noFill/>
+        </p:spPr>
+        <p:txBody>
+          <a:bodyPr wrap="square" rtlCol="0">
+            <a:spAutoFit/>
+          </a:bodyPr>
+          <a:lstStyle/>
+          <a:p>
+            <a:r>
+              <a:rPr lang="sv-SE" dirty="0" smtClean="0"/>
+              <a:t>ResursID Pk, Int</a:t>
+            </a:r>
+          </a:p>
+          <a:p>
+            <a:r>
+              <a:rPr lang="sv-SE" dirty="0" smtClean="0"/>
+              <a:t>Resurstyp, VC(20)</a:t>
+            </a:r>
+          </a:p>
+          <a:p>
+            <a:r>
+              <a:rPr lang="sv-SE" dirty="0" smtClean="0"/>
+              <a:t>Status, VC(7)</a:t>
+            </a:r>
+          </a:p>
+        </p:txBody>
+      </p:sp>
+      <p:cxnSp>
+        <p:nvCxnSpPr>
+          <p:cNvPr id="272" name="Rak 5"/>
+          <p:cNvCxnSpPr/>
+          <p:nvPr/>
+        </p:nvCxnSpPr>
+        <p:spPr bwMode="auto">
+          <a:xfrm>
+            <a:off x="6444208" y="2794474"/>
+            <a:ext cx="4285" cy="2769316"/>
+          </a:xfrm>
+          <a:prstGeom prst="line">
+            <a:avLst/>
+          </a:prstGeom>
+          <a:ln w="9525">
+            <a:solidFill>
+              <a:schemeClr val="tx1"/>
+            </a:solidFill>
+          </a:ln>
+        </p:spPr>
+        <p:style>
+          <a:lnRef idx="1">
+            <a:schemeClr val="accent1"/>
+          </a:lnRef>
+          <a:fillRef idx="0">
+            <a:schemeClr val="accent1"/>
+          </a:fillRef>
+          <a:effectRef idx="0">
+            <a:schemeClr val="accent1"/>
+          </a:effectRef>
+          <a:fontRef idx="minor">
+            <a:schemeClr val="tx1"/>
+          </a:fontRef>
+        </p:style>
+      </p:cxnSp>
+      <p:grpSp>
+        <p:nvGrpSpPr>
+          <p:cNvPr id="296" name="Grupp 7"/>
+          <p:cNvGrpSpPr>
+            <a:grpSpLocks/>
+          </p:cNvGrpSpPr>
+          <p:nvPr/>
+        </p:nvGrpSpPr>
+        <p:grpSpPr bwMode="auto">
+          <a:xfrm rot="5400000">
+            <a:off x="4436330" y="2236562"/>
+            <a:ext cx="227071" cy="288925"/>
+            <a:chOff x="3262694" y="692696"/>
+            <a:chExt cx="229186" cy="288032"/>
+          </a:xfrm>
+        </p:grpSpPr>
+        <p:cxnSp>
+          <p:nvCxnSpPr>
+            <p:cNvPr id="297" name="Rak 5"/>
+            <p:cNvCxnSpPr/>
+            <p:nvPr/>
+          </p:nvCxnSpPr>
+          <p:spPr>
+            <a:xfrm rot="16200000">
+              <a:off x="3377286" y="722119"/>
+              <a:ext cx="1" cy="229185"/>
+            </a:xfrm>
+            <a:prstGeom prst="line">
+              <a:avLst/>
+            </a:prstGeom>
+            <a:ln w="9525">
+              <a:solidFill>
+                <a:schemeClr val="tx1"/>
+              </a:solidFill>
+            </a:ln>
+          </p:spPr>
+          <p:style>
+            <a:lnRef idx="1">
+              <a:schemeClr val="accent1"/>
+            </a:lnRef>
+            <a:fillRef idx="0">
+              <a:schemeClr val="accent1"/>
+            </a:fillRef>
+            <a:effectRef idx="0">
+              <a:schemeClr val="accent1"/>
+            </a:effectRef>
+            <a:fontRef idx="minor">
+              <a:schemeClr val="tx1"/>
+            </a:fontRef>
+          </p:style>
+        </p:cxnSp>
+        <p:sp>
+          <p:nvSpPr>
+            <p:cNvPr id="298" name="Rektangel 6"/>
+            <p:cNvSpPr/>
+            <p:nvPr/>
+          </p:nvSpPr>
+          <p:spPr>
+            <a:xfrm>
+              <a:off x="3420483" y="692696"/>
+              <a:ext cx="71397" cy="288032"/>
+            </a:xfrm>
+            <a:prstGeom prst="rect">
+              <a:avLst/>
+            </a:prstGeom>
+            <a:noFill/>
+            <a:ln w="9525">
+              <a:solidFill>
+                <a:schemeClr val="tx1"/>
+              </a:solidFill>
+            </a:ln>
+          </p:spPr>
+          <p:style>
+            <a:lnRef idx="2">
+              <a:schemeClr val="accent1">
+                <a:shade val="50000"/>
+              </a:schemeClr>
+            </a:lnRef>
+            <a:fillRef idx="1">
+              <a:schemeClr val="accent1"/>
+            </a:fillRef>
+            <a:effectRef idx="0">
+              <a:schemeClr val="accent1"/>
+            </a:effectRef>
+            <a:fontRef idx="minor">
+              <a:schemeClr val="lt1"/>
+            </a:fontRef>
+          </p:style>
+          <p:txBody>
+            <a:bodyPr anchor="ctr"/>
+            <a:lstStyle/>
+            <a:p>
+              <a:pPr algn="ctr" fontAlgn="auto">
+                <a:spcBef>
+                  <a:spcPts val="0"/>
+                </a:spcBef>
+                <a:spcAft>
+                  <a:spcPts val="0"/>
+                </a:spcAft>
+                <a:defRPr/>
+              </a:pPr>
+              <a:endParaRPr lang="sv-SE"/>
+            </a:p>
+          </p:txBody>
+        </p:sp>
+      </p:grpSp>
+      <p:sp>
+        <p:nvSpPr>
+          <p:cNvPr id="302" name="Rectangle 301"/>
+          <p:cNvSpPr/>
+          <p:nvPr/>
+        </p:nvSpPr>
+        <p:spPr>
+          <a:xfrm>
+            <a:off x="4127505" y="2504520"/>
+            <a:ext cx="1512168" cy="576064"/>
+          </a:xfrm>
+          <a:prstGeom prst="rect">
+            <a:avLst/>
+          </a:prstGeom>
+        </p:spPr>
+        <p:style>
+          <a:lnRef idx="2">
+            <a:schemeClr val="accent1">
+              <a:shade val="50000"/>
+            </a:schemeClr>
+          </a:lnRef>
+          <a:fillRef idx="1">
+            <a:schemeClr val="accent1"/>
+          </a:fillRef>
+          <a:effectRef idx="0">
+            <a:schemeClr val="accent1"/>
+          </a:effectRef>
+          <a:fontRef idx="minor">
+            <a:schemeClr val="lt1"/>
+          </a:fontRef>
+        </p:style>
+        <p:txBody>
+          <a:bodyPr rtlCol="0" anchor="ctr"/>
+          <a:lstStyle/>
+          <a:p>
+            <a:pPr algn="ctr"/>
+            <a:r>
+              <a:rPr lang="sv-SE" dirty="0" smtClean="0"/>
+              <a:t>Personal</a:t>
+            </a:r>
+            <a:endParaRPr lang="sv-SE" dirty="0"/>
+          </a:p>
+        </p:txBody>
+      </p:sp>
+      <p:cxnSp>
+        <p:nvCxnSpPr>
+          <p:cNvPr id="312" name="Rak 5"/>
+          <p:cNvCxnSpPr/>
+          <p:nvPr/>
+        </p:nvCxnSpPr>
+        <p:spPr bwMode="auto">
+          <a:xfrm>
+            <a:off x="1473565" y="332656"/>
+            <a:ext cx="6085368" cy="0"/>
+          </a:xfrm>
+          <a:prstGeom prst="line">
+            <a:avLst/>
+          </a:prstGeom>
+          <a:ln w="9525">
+            <a:solidFill>
+              <a:schemeClr val="tx1"/>
+            </a:solidFill>
+          </a:ln>
+        </p:spPr>
+        <p:style>
+          <a:lnRef idx="1">
+            <a:schemeClr val="accent1"/>
+          </a:lnRef>
+          <a:fillRef idx="0">
+            <a:schemeClr val="accent1"/>
+          </a:fillRef>
+          <a:effectRef idx="0">
+            <a:schemeClr val="accent1"/>
+          </a:effectRef>
+          <a:fontRef idx="minor">
+            <a:schemeClr val="tx1"/>
+          </a:fontRef>
+        </p:style>
+      </p:cxnSp>
+      <p:cxnSp>
+        <p:nvCxnSpPr>
+          <p:cNvPr id="323" name="Rak 5"/>
+          <p:cNvCxnSpPr/>
+          <p:nvPr/>
+        </p:nvCxnSpPr>
+        <p:spPr bwMode="auto">
+          <a:xfrm>
+            <a:off x="1473565" y="332652"/>
+            <a:ext cx="11677" cy="1104091"/>
+          </a:xfrm>
+          <a:prstGeom prst="line">
+            <a:avLst/>
+          </a:prstGeom>
+          <a:ln w="9525">
+            <a:solidFill>
+              <a:schemeClr val="tx1"/>
+            </a:solidFill>
+          </a:ln>
+        </p:spPr>
+        <p:style>
+          <a:lnRef idx="1">
+            <a:schemeClr val="accent1"/>
+          </a:lnRef>
+          <a:fillRef idx="0">
+            <a:schemeClr val="accent1"/>
+          </a:fillRef>
+          <a:effectRef idx="0">
+            <a:schemeClr val="accent1"/>
+          </a:effectRef>
+          <a:fontRef idx="minor">
+            <a:schemeClr val="tx1"/>
+          </a:fontRef>
+        </p:style>
+      </p:cxnSp>
+      <p:grpSp>
+        <p:nvGrpSpPr>
+          <p:cNvPr id="330" name="Grupp 7"/>
+          <p:cNvGrpSpPr>
+            <a:grpSpLocks/>
+          </p:cNvGrpSpPr>
+          <p:nvPr/>
+        </p:nvGrpSpPr>
+        <p:grpSpPr bwMode="auto">
+          <a:xfrm rot="10800000">
+            <a:off x="6854016" y="1673831"/>
+            <a:ext cx="704919" cy="288925"/>
+            <a:chOff x="2934467" y="692696"/>
+            <a:chExt cx="557413" cy="288032"/>
+          </a:xfrm>
+        </p:grpSpPr>
+        <p:cxnSp>
+          <p:nvCxnSpPr>
+            <p:cNvPr id="331" name="Rak 5"/>
+            <p:cNvCxnSpPr/>
+            <p:nvPr/>
+          </p:nvCxnSpPr>
+          <p:spPr>
+            <a:xfrm rot="10800000" flipH="1" flipV="1">
+              <a:off x="2934467" y="830558"/>
+              <a:ext cx="557409" cy="6153"/>
+            </a:xfrm>
+            <a:prstGeom prst="line">
+              <a:avLst/>
+            </a:prstGeom>
+            <a:ln w="9525">
+              <a:solidFill>
+                <a:schemeClr val="tx1"/>
+              </a:solidFill>
+            </a:ln>
+          </p:spPr>
+          <p:style>
+            <a:lnRef idx="1">
+              <a:schemeClr val="accent1"/>
+            </a:lnRef>
+            <a:fillRef idx="0">
+              <a:schemeClr val="accent1"/>
+            </a:fillRef>
+            <a:effectRef idx="0">
+              <a:schemeClr val="accent1"/>
+            </a:effectRef>
+            <a:fontRef idx="minor">
+              <a:schemeClr val="tx1"/>
+            </a:fontRef>
+          </p:style>
+        </p:cxnSp>
+        <p:sp>
+          <p:nvSpPr>
+            <p:cNvPr id="332" name="Rektangel 6"/>
+            <p:cNvSpPr/>
+            <p:nvPr/>
+          </p:nvSpPr>
+          <p:spPr>
+            <a:xfrm>
+              <a:off x="3420483" y="692696"/>
+              <a:ext cx="71397" cy="288032"/>
+            </a:xfrm>
+            <a:prstGeom prst="rect">
+              <a:avLst/>
+            </a:prstGeom>
+            <a:noFill/>
+            <a:ln w="9525">
+              <a:solidFill>
+                <a:schemeClr val="tx1"/>
+              </a:solidFill>
+            </a:ln>
+          </p:spPr>
+          <p:style>
+            <a:lnRef idx="2">
+              <a:schemeClr val="accent1">
+                <a:shade val="50000"/>
+              </a:schemeClr>
+            </a:lnRef>
+            <a:fillRef idx="1">
+              <a:schemeClr val="accent1"/>
+            </a:fillRef>
+            <a:effectRef idx="0">
+              <a:schemeClr val="accent1"/>
+            </a:effectRef>
+            <a:fontRef idx="minor">
+              <a:schemeClr val="lt1"/>
+            </a:fontRef>
+          </p:style>
+          <p:txBody>
+            <a:bodyPr anchor="ctr"/>
+            <a:lstStyle/>
+            <a:p>
+              <a:pPr algn="ctr" fontAlgn="auto">
+                <a:spcBef>
+                  <a:spcPts val="0"/>
+                </a:spcBef>
+                <a:spcAft>
+                  <a:spcPts val="0"/>
+                </a:spcAft>
+                <a:defRPr/>
+              </a:pPr>
+              <a:endParaRPr lang="sv-SE"/>
+            </a:p>
+          </p:txBody>
+        </p:sp>
+      </p:grpSp>
+      <p:cxnSp>
+        <p:nvCxnSpPr>
+          <p:cNvPr id="334" name="Rak 5"/>
+          <p:cNvCxnSpPr/>
+          <p:nvPr/>
+        </p:nvCxnSpPr>
+        <p:spPr bwMode="auto">
+          <a:xfrm>
+            <a:off x="6854019" y="2281531"/>
+            <a:ext cx="0" cy="1351474"/>
+          </a:xfrm>
+          <a:prstGeom prst="line">
+            <a:avLst/>
+          </a:prstGeom>
+          <a:ln w="9525">
+            <a:solidFill>
+              <a:schemeClr val="tx1"/>
+            </a:solidFill>
+          </a:ln>
+        </p:spPr>
+        <p:style>
+          <a:lnRef idx="1">
+            <a:schemeClr val="accent1"/>
+          </a:lnRef>
+          <a:fillRef idx="0">
+            <a:schemeClr val="accent1"/>
+          </a:fillRef>
+          <a:effectRef idx="0">
+            <a:schemeClr val="accent1"/>
+          </a:effectRef>
+          <a:fontRef idx="minor">
+            <a:schemeClr val="tx1"/>
+          </a:fontRef>
+        </p:style>
+      </p:cxnSp>
+      <p:cxnSp>
+        <p:nvCxnSpPr>
+          <p:cNvPr id="338" name="Rak 5"/>
+          <p:cNvCxnSpPr/>
+          <p:nvPr/>
+        </p:nvCxnSpPr>
+        <p:spPr bwMode="auto">
+          <a:xfrm>
+            <a:off x="6448493" y="5563790"/>
+            <a:ext cx="751799" cy="0"/>
+          </a:xfrm>
+          <a:prstGeom prst="line">
+            <a:avLst/>
+          </a:prstGeom>
+          <a:ln w="9525">
+            <a:solidFill>
+              <a:schemeClr val="tx1"/>
+            </a:solidFill>
+          </a:ln>
+        </p:spPr>
+        <p:style>
+          <a:lnRef idx="1">
+            <a:schemeClr val="accent1"/>
+          </a:lnRef>
+          <a:fillRef idx="0">
+            <a:schemeClr val="accent1"/>
+          </a:fillRef>
+          <a:effectRef idx="0">
+            <a:schemeClr val="accent1"/>
+          </a:effectRef>
+          <a:fontRef idx="minor">
+            <a:schemeClr val="tx1"/>
+          </a:fontRef>
+        </p:style>
+      </p:cxnSp>
+      <p:cxnSp>
+        <p:nvCxnSpPr>
+          <p:cNvPr id="341" name="Rak 5"/>
+          <p:cNvCxnSpPr>
+            <a:stCxn id="135" idx="0"/>
+          </p:cNvCxnSpPr>
+          <p:nvPr/>
+        </p:nvCxnSpPr>
+        <p:spPr bwMode="auto">
+          <a:xfrm flipV="1">
+            <a:off x="7200292" y="5563790"/>
+            <a:ext cx="0" cy="686230"/>
+          </a:xfrm>
+          <a:prstGeom prst="line">
+            <a:avLst/>
+          </a:prstGeom>
+          <a:ln w="9525">
+            <a:solidFill>
+              <a:schemeClr val="tx1"/>
+            </a:solidFill>
+          </a:ln>
+        </p:spPr>
+        <p:style>
+          <a:lnRef idx="1">
+            <a:schemeClr val="accent1"/>
+          </a:lnRef>
+          <a:fillRef idx="0">
+            <a:schemeClr val="accent1"/>
+          </a:fillRef>
+          <a:effectRef idx="0">
+            <a:schemeClr val="accent1"/>
+          </a:effectRef>
+          <a:fontRef idx="minor">
+            <a:schemeClr val="tx1"/>
+          </a:fontRef>
+        </p:style>
+      </p:cxnSp>
+      <p:sp>
+        <p:nvSpPr>
+          <p:cNvPr id="356" name="TextBox 355"/>
+          <p:cNvSpPr txBox="1"/>
+          <p:nvPr/>
+        </p:nvSpPr>
+        <p:spPr>
+          <a:xfrm>
+            <a:off x="6957344" y="1867298"/>
+            <a:ext cx="1784782" cy="1200329"/>
+          </a:xfrm>
+          <a:prstGeom prst="rect">
+            <a:avLst/>
+          </a:prstGeom>
+          <a:noFill/>
+        </p:spPr>
+        <p:txBody>
+          <a:bodyPr wrap="square" rtlCol="0">
+            <a:spAutoFit/>
+          </a:bodyPr>
+          <a:lstStyle/>
+          <a:p>
+            <a:r>
+              <a:rPr lang="sv-SE" dirty="0" smtClean="0"/>
+              <a:t>PersID Pk, Int</a:t>
+            </a:r>
+          </a:p>
+          <a:p>
+            <a:r>
+              <a:rPr lang="sv-SE" dirty="0" smtClean="0"/>
+              <a:t>ProjID Pk, Int</a:t>
+            </a:r>
+          </a:p>
+          <a:p>
+            <a:r>
+              <a:rPr lang="sv-SE" dirty="0" smtClean="0"/>
+              <a:t>DatID Pk, Int</a:t>
+            </a:r>
+          </a:p>
+          <a:p>
+            <a:r>
+              <a:rPr lang="sv-SE" dirty="0" smtClean="0"/>
+              <a:t>ResursID Fk, Int</a:t>
+            </a:r>
+          </a:p>
+        </p:txBody>
+      </p:sp>
+      <p:grpSp>
+        <p:nvGrpSpPr>
+          <p:cNvPr id="357" name="Grupp 7"/>
+          <p:cNvGrpSpPr>
+            <a:grpSpLocks/>
+          </p:cNvGrpSpPr>
+          <p:nvPr/>
+        </p:nvGrpSpPr>
+        <p:grpSpPr bwMode="auto">
+          <a:xfrm>
+            <a:off x="4868279" y="1654551"/>
+            <a:ext cx="473567" cy="288925"/>
+            <a:chOff x="3107630" y="692696"/>
+            <a:chExt cx="384250" cy="288032"/>
+          </a:xfrm>
+        </p:grpSpPr>
+        <p:cxnSp>
+          <p:nvCxnSpPr>
+            <p:cNvPr id="358" name="Rak 5"/>
+            <p:cNvCxnSpPr/>
+            <p:nvPr/>
+          </p:nvCxnSpPr>
+          <p:spPr>
+            <a:xfrm rot="10800000" flipH="1">
+              <a:off x="3107630" y="836712"/>
+              <a:ext cx="384248" cy="1"/>
+            </a:xfrm>
+            <a:prstGeom prst="line">
+              <a:avLst/>
+            </a:prstGeom>
+            <a:ln w="9525">
+              <a:solidFill>
+                <a:schemeClr val="tx1"/>
+              </a:solidFill>
+            </a:ln>
+          </p:spPr>
+          <p:style>
+            <a:lnRef idx="1">
+              <a:schemeClr val="accent1"/>
+            </a:lnRef>
+            <a:fillRef idx="0">
+              <a:schemeClr val="accent1"/>
+            </a:fillRef>
+            <a:effectRef idx="0">
+              <a:schemeClr val="accent1"/>
+            </a:effectRef>
+            <a:fontRef idx="minor">
+              <a:schemeClr val="tx1"/>
+            </a:fontRef>
+          </p:style>
+        </p:cxnSp>
+        <p:sp>
+          <p:nvSpPr>
+            <p:cNvPr id="359" name="Rektangel 6"/>
+            <p:cNvSpPr/>
+            <p:nvPr/>
+          </p:nvSpPr>
+          <p:spPr>
+            <a:xfrm>
+              <a:off x="3420483" y="692696"/>
+              <a:ext cx="71397" cy="288032"/>
+            </a:xfrm>
+            <a:prstGeom prst="rect">
+              <a:avLst/>
+            </a:prstGeom>
+            <a:noFill/>
+            <a:ln w="9525">
+              <a:solidFill>
+                <a:schemeClr val="tx1"/>
+              </a:solidFill>
+            </a:ln>
+          </p:spPr>
+          <p:style>
+            <a:lnRef idx="2">
+              <a:schemeClr val="accent1">
+                <a:shade val="50000"/>
+              </a:schemeClr>
+            </a:lnRef>
+            <a:fillRef idx="1">
+              <a:schemeClr val="accent1"/>
+            </a:fillRef>
+            <a:effectRef idx="0">
+              <a:schemeClr val="accent1"/>
+            </a:effectRef>
+            <a:fontRef idx="minor">
+              <a:schemeClr val="lt1"/>
+            </a:fontRef>
+          </p:style>
+          <p:txBody>
+            <a:bodyPr anchor="ctr"/>
+            <a:lstStyle/>
+            <a:p>
+              <a:pPr algn="ctr" fontAlgn="auto">
+                <a:spcBef>
+                  <a:spcPts val="0"/>
+                </a:spcBef>
+                <a:spcAft>
+                  <a:spcPts val="0"/>
+                </a:spcAft>
+                <a:defRPr/>
+              </a:pPr>
+              <a:endParaRPr lang="sv-SE"/>
+            </a:p>
+          </p:txBody>
+        </p:sp>
+      </p:grpSp>
+      <p:sp>
+        <p:nvSpPr>
+          <p:cNvPr id="360" name="Rectangle 359"/>
+          <p:cNvSpPr/>
+          <p:nvPr/>
+        </p:nvSpPr>
+        <p:spPr>
+          <a:xfrm>
+            <a:off x="5341844" y="1536435"/>
+            <a:ext cx="1512168" cy="576064"/>
+          </a:xfrm>
+          <a:prstGeom prst="rect">
+            <a:avLst/>
+          </a:prstGeom>
+        </p:spPr>
+        <p:style>
+          <a:lnRef idx="2">
+            <a:schemeClr val="accent1">
+              <a:shade val="50000"/>
+            </a:schemeClr>
+          </a:lnRef>
+          <a:fillRef idx="1">
+            <a:schemeClr val="accent1"/>
+          </a:fillRef>
+          <a:effectRef idx="0">
+            <a:schemeClr val="accent1"/>
+          </a:effectRef>
+          <a:fontRef idx="minor">
+            <a:schemeClr val="lt1"/>
+          </a:fontRef>
+        </p:style>
+        <p:txBody>
+          <a:bodyPr rtlCol="0" anchor="ctr"/>
+          <a:lstStyle/>
+          <a:p>
+            <a:pPr algn="ctr"/>
+            <a:r>
+              <a:rPr lang="sv-SE" dirty="0" smtClean="0"/>
+              <a:t>Användning</a:t>
+            </a:r>
+            <a:endParaRPr lang="sv-SE" dirty="0"/>
+          </a:p>
+        </p:txBody>
+      </p:sp>
+      <p:grpSp>
+        <p:nvGrpSpPr>
+          <p:cNvPr id="361" name="Grupp 7"/>
+          <p:cNvGrpSpPr>
+            <a:grpSpLocks/>
+          </p:cNvGrpSpPr>
+          <p:nvPr/>
+        </p:nvGrpSpPr>
+        <p:grpSpPr bwMode="auto">
+          <a:xfrm rot="16200000">
+            <a:off x="6022887" y="2047981"/>
+            <a:ext cx="150082" cy="288925"/>
+            <a:chOff x="3370104" y="692696"/>
+            <a:chExt cx="121776" cy="288032"/>
+          </a:xfrm>
+        </p:grpSpPr>
+        <p:cxnSp>
+          <p:nvCxnSpPr>
+            <p:cNvPr id="362" name="Rak 5"/>
+            <p:cNvCxnSpPr/>
+            <p:nvPr/>
+          </p:nvCxnSpPr>
+          <p:spPr>
+            <a:xfrm rot="5400000" flipV="1">
+              <a:off x="3430991" y="775827"/>
+              <a:ext cx="0" cy="121773"/>
+            </a:xfrm>
+            <a:prstGeom prst="line">
+              <a:avLst/>
+            </a:prstGeom>
+            <a:ln w="9525">
+              <a:solidFill>
+                <a:schemeClr val="tx1"/>
+              </a:solidFill>
+            </a:ln>
+          </p:spPr>
+          <p:style>
+            <a:lnRef idx="1">
+              <a:schemeClr val="accent1"/>
+            </a:lnRef>
+            <a:fillRef idx="0">
+              <a:schemeClr val="accent1"/>
+            </a:fillRef>
+            <a:effectRef idx="0">
+              <a:schemeClr val="accent1"/>
+            </a:effectRef>
+            <a:fontRef idx="minor">
+              <a:schemeClr val="tx1"/>
+            </a:fontRef>
+          </p:style>
+        </p:cxnSp>
+        <p:sp>
+          <p:nvSpPr>
+            <p:cNvPr id="363" name="Rektangel 6"/>
+            <p:cNvSpPr/>
+            <p:nvPr/>
+          </p:nvSpPr>
+          <p:spPr>
+            <a:xfrm>
+              <a:off x="3420483" y="692696"/>
+              <a:ext cx="71397" cy="288032"/>
+            </a:xfrm>
+            <a:prstGeom prst="rect">
+              <a:avLst/>
+            </a:prstGeom>
+            <a:noFill/>
+            <a:ln w="9525">
+              <a:solidFill>
+                <a:schemeClr val="tx1"/>
+              </a:solidFill>
+            </a:ln>
+          </p:spPr>
+          <p:style>
+            <a:lnRef idx="2">
+              <a:schemeClr val="accent1">
+                <a:shade val="50000"/>
+              </a:schemeClr>
+            </a:lnRef>
+            <a:fillRef idx="1">
+              <a:schemeClr val="accent1"/>
+            </a:fillRef>
+            <a:effectRef idx="0">
+              <a:schemeClr val="accent1"/>
+            </a:effectRef>
+            <a:fontRef idx="minor">
+              <a:schemeClr val="lt1"/>
+            </a:fontRef>
+          </p:style>
+          <p:txBody>
+            <a:bodyPr anchor="ctr"/>
+            <a:lstStyle/>
+            <a:p>
+              <a:pPr algn="ctr" fontAlgn="auto">
+                <a:spcBef>
+                  <a:spcPts val="0"/>
+                </a:spcBef>
+                <a:spcAft>
+                  <a:spcPts val="0"/>
+                </a:spcAft>
+                <a:defRPr/>
+              </a:pPr>
+              <a:endParaRPr lang="sv-SE"/>
+            </a:p>
+          </p:txBody>
+        </p:sp>
+      </p:grpSp>
+      <p:cxnSp>
+        <p:nvCxnSpPr>
+          <p:cNvPr id="365" name="Rak 5"/>
+          <p:cNvCxnSpPr/>
+          <p:nvPr/>
+        </p:nvCxnSpPr>
+        <p:spPr bwMode="auto">
+          <a:xfrm>
+            <a:off x="6105379" y="2271983"/>
+            <a:ext cx="748633" cy="0"/>
+          </a:xfrm>
+          <a:prstGeom prst="line">
+            <a:avLst/>
+          </a:prstGeom>
+          <a:ln w="9525">
+            <a:solidFill>
+              <a:schemeClr val="tx1"/>
+            </a:solidFill>
+          </a:ln>
+        </p:spPr>
+        <p:style>
+          <a:lnRef idx="1">
+            <a:schemeClr val="accent1"/>
+          </a:lnRef>
+          <a:fillRef idx="0">
+            <a:schemeClr val="accent1"/>
+          </a:fillRef>
+          <a:effectRef idx="0">
+            <a:schemeClr val="accent1"/>
+          </a:effectRef>
+          <a:fontRef idx="minor">
+            <a:schemeClr val="tx1"/>
+          </a:fontRef>
+        </p:style>
+      </p:cxnSp>
+      <p:cxnSp>
+        <p:nvCxnSpPr>
+          <p:cNvPr id="377" name="Rak 5"/>
+          <p:cNvCxnSpPr>
+            <a:endCxn id="270" idx="1"/>
+          </p:cNvCxnSpPr>
+          <p:nvPr/>
+        </p:nvCxnSpPr>
+        <p:spPr bwMode="auto">
+          <a:xfrm>
+            <a:off x="6854826" y="3633005"/>
+            <a:ext cx="375132" cy="0"/>
+          </a:xfrm>
+          <a:prstGeom prst="line">
+            <a:avLst/>
+          </a:prstGeom>
+          <a:ln w="9525">
+            <a:solidFill>
+              <a:schemeClr val="tx1"/>
+            </a:solidFill>
+          </a:ln>
+        </p:spPr>
+        <p:style>
+          <a:lnRef idx="1">
+            <a:schemeClr val="accent1"/>
+          </a:lnRef>
+          <a:fillRef idx="0">
+            <a:schemeClr val="accent1"/>
+          </a:fillRef>
+          <a:effectRef idx="0">
+            <a:schemeClr val="accent1"/>
+          </a:effectRef>
+          <a:fontRef idx="minor">
+            <a:schemeClr val="tx1"/>
+          </a:fontRef>
+        </p:style>
+      </p:cxnSp>
+      <p:cxnSp>
+        <p:nvCxnSpPr>
+          <p:cNvPr id="380" name="Rak 5"/>
+          <p:cNvCxnSpPr/>
+          <p:nvPr/>
+        </p:nvCxnSpPr>
+        <p:spPr bwMode="auto">
+          <a:xfrm>
+            <a:off x="7558933" y="334864"/>
+            <a:ext cx="0" cy="1489603"/>
+          </a:xfrm>
+          <a:prstGeom prst="line">
+            <a:avLst/>
+          </a:prstGeom>
+          <a:ln w="9525">
+            <a:solidFill>
+              <a:schemeClr val="tx1"/>
+            </a:solidFill>
+          </a:ln>
+        </p:spPr>
+        <p:style>
+          <a:lnRef idx="1">
+            <a:schemeClr val="accent1"/>
+          </a:lnRef>
+          <a:fillRef idx="0">
+            <a:schemeClr val="accent1"/>
+          </a:fillRef>
+          <a:effectRef idx="0">
+            <a:schemeClr val="accent1"/>
+          </a:effectRef>
+          <a:fontRef idx="minor">
+            <a:schemeClr val="tx1"/>
+          </a:fontRef>
+        </p:style>
+      </p:cxnSp>
+    </p:spTree>
+    <p:extLst>
+      <p:ext uri="{BB962C8B-B14F-4D97-AF65-F5344CB8AC3E}">
+        <p14:creationId xmlns:p14="http://schemas.microsoft.com/office/powerpoint/2010/main" val="1617592014"/>
+      </p:ext>
+    </p:extLst>
+  </p:cSld>
+  <p:clrMapOvr>
+    <a:masterClrMapping/>
+  </p:clrMapOvr>
+</p:sld>
+</file>
+
+<file path=ppt/slides/slide7.xml><?xml version="1.0" encoding="utf-8"?>
+<p:sld xmlns:a="http://schemas.openxmlformats.org/drawingml/2006/main" xmlns:r="http://schemas.openxmlformats.org/officeDocument/2006/relationships" xmlns:p="http://schemas.openxmlformats.org/presentationml/2006/main">
+  <p:cSld>
+    <p:spTree>
+      <p:nvGrpSpPr>
+        <p:cNvPr id="1" name=""/>
+        <p:cNvGrpSpPr/>
+        <p:nvPr/>
+      </p:nvGrpSpPr>
+      <p:grpSpPr>
+        <a:xfrm>
+          <a:off x="0" y="0"/>
+          <a:ext cx="0" cy="0"/>
+          <a:chOff x="0" y="0"/>
+          <a:chExt cx="0" cy="0"/>
+        </a:xfrm>
+      </p:grpSpPr>
+      <p:sp>
+        <p:nvSpPr>
+          <p:cNvPr id="7" name="Title 1"/>
+          <p:cNvSpPr>
+            <a:spLocks noGrp="1"/>
+          </p:cNvSpPr>
+          <p:nvPr>
+            <p:ph type="title"/>
+          </p:nvPr>
+        </p:nvSpPr>
+        <p:spPr>
+          <a:xfrm>
+            <a:off x="457200" y="274638"/>
+            <a:ext cx="8229600" cy="1143000"/>
+          </a:xfrm>
+        </p:spPr>
+        <p:txBody>
+          <a:bodyPr/>
+          <a:lstStyle/>
+          <a:p>
+            <a:r>
+              <a:rPr lang="sv-SE" dirty="0" smtClean="0"/>
+              <a:t>Förändringar</a:t>
+            </a:r>
+            <a:endParaRPr lang="sv-SE" dirty="0"/>
+          </a:p>
+        </p:txBody>
+      </p:sp>
+      <p:sp>
+        <p:nvSpPr>
+          <p:cNvPr id="8" name="TextBox 7"/>
+          <p:cNvSpPr txBox="1"/>
+          <p:nvPr/>
+        </p:nvSpPr>
+        <p:spPr>
+          <a:xfrm>
+            <a:off x="539552" y="1628800"/>
+            <a:ext cx="7992888" cy="2862322"/>
+          </a:xfrm>
+          <a:prstGeom prst="rect">
+            <a:avLst/>
+          </a:prstGeom>
+          <a:noFill/>
+        </p:spPr>
+        <p:txBody>
+          <a:bodyPr wrap="square" rtlCol="0">
+            <a:spAutoFit/>
+          </a:bodyPr>
+          <a:lstStyle/>
+          <a:p>
+            <a:pPr marL="342900" indent="-342900">
+              <a:buAutoNum type="arabicPeriod"/>
+            </a:pPr>
+            <a:r>
+              <a:rPr lang="sv-SE" dirty="0" smtClean="0"/>
+              <a:t>Objektifierat ”deltagande” till ”</a:t>
+            </a:r>
+            <a:r>
+              <a:rPr lang="sv-SE" dirty="0"/>
+              <a:t>Deltagande</a:t>
+            </a:r>
+            <a:r>
+              <a:rPr lang="sv-SE" dirty="0" smtClean="0"/>
+              <a:t>”.</a:t>
+            </a:r>
+          </a:p>
+          <a:p>
+            <a:pPr marL="342900" indent="-342900">
+              <a:buAutoNum type="arabicPeriod"/>
+            </a:pPr>
+            <a:r>
+              <a:rPr lang="sv-SE" dirty="0" smtClean="0"/>
+              <a:t>Brutit ut ”TelefonNR</a:t>
+            </a:r>
+            <a:r>
+              <a:rPr lang="sv-SE" dirty="0"/>
+              <a:t>” </a:t>
+            </a:r>
+            <a:r>
+              <a:rPr lang="sv-SE" dirty="0" smtClean="0"/>
+              <a:t>ur ”Personal” och lagt in det i det nya objektet </a:t>
+            </a:r>
+            <a:r>
+              <a:rPr lang="sv-SE" dirty="0"/>
+              <a:t>”Telefon</a:t>
+            </a:r>
+            <a:r>
+              <a:rPr lang="sv-SE" dirty="0" smtClean="0"/>
+              <a:t>”.</a:t>
+            </a:r>
+          </a:p>
+          <a:p>
+            <a:pPr marL="342900" indent="-342900">
+              <a:buAutoNum type="arabicPeriod"/>
+            </a:pPr>
+            <a:r>
+              <a:rPr lang="sv-SE" dirty="0" smtClean="0"/>
+              <a:t>Gjort ett eget objekt för ”Telefontyp” så en person kan ha flera telefoner.</a:t>
+            </a:r>
+          </a:p>
+          <a:p>
+            <a:pPr marL="342900" indent="-342900">
+              <a:buAutoNum type="arabicPeriod"/>
+            </a:pPr>
+            <a:r>
+              <a:rPr lang="sv-SE" dirty="0" smtClean="0"/>
+              <a:t>Gjort ett eget objekt för ”Förmånstyp” så en person kan ha fler förmåner.</a:t>
+            </a:r>
+          </a:p>
+          <a:p>
+            <a:pPr marL="342900" indent="-342900">
+              <a:buAutoNum type="arabicPeriod"/>
+            </a:pPr>
+            <a:r>
+              <a:rPr lang="sv-SE" dirty="0" smtClean="0"/>
+              <a:t>Brutit ut ”Start- &amp; Slutdatum” ur ”Deltagande” och lagt in dem i det nya objektet ”Datum”.</a:t>
+            </a:r>
+          </a:p>
+          <a:p>
+            <a:pPr marL="342900" indent="-342900">
+              <a:buAutoNum type="arabicPeriod"/>
+            </a:pPr>
+            <a:r>
+              <a:rPr lang="sv-SE" dirty="0" smtClean="0"/>
+              <a:t>Delat upp ”Namn” i för- &amp; efternamn (Fnamn &amp; Enamn), samt delat upp ”Postadress” i ”Ort” &amp; ”Gatuadress” – Normalform 1 (Odelbara fält)</a:t>
+            </a:r>
+          </a:p>
+          <a:p>
+            <a:pPr marL="342900" indent="-342900">
+              <a:buAutoNum type="arabicPeriod"/>
+            </a:pPr>
+            <a:endParaRPr lang="sv-SE" dirty="0" smtClean="0"/>
+          </a:p>
+          <a:p>
+            <a:pPr marL="342900" indent="-342900">
+              <a:buAutoNum type="arabicPeriod"/>
+            </a:pPr>
+            <a:endParaRPr lang="sv-SE" dirty="0"/>
+          </a:p>
+        </p:txBody>
+      </p:sp>
+    </p:spTree>
+    <p:extLst>
+      <p:ext uri="{BB962C8B-B14F-4D97-AF65-F5344CB8AC3E}">
+        <p14:creationId xmlns:p14="http://schemas.microsoft.com/office/powerpoint/2010/main" val="759282576"/>
+      </p:ext>
+    </p:extLst>
+  </p:cSld>
+  <p:clrMapOvr>
+    <a:masterClrMapping/>
+  </p:clrMapOvr>
+</p:sld>
+</file>
+
+<file path=ppt/slides/slide8.xml><?xml version="1.0" encoding="utf-8"?>
+<p:sld xmlns:a="http://schemas.openxmlformats.org/drawingml/2006/main" xmlns:r="http://schemas.openxmlformats.org/officeDocument/2006/relationships" xmlns:p="http://schemas.openxmlformats.org/presentationml/2006/main">
+  <p:cSld>
+    <p:spTree>
+      <p:nvGrpSpPr>
+        <p:cNvPr id="1" name=""/>
+        <p:cNvGrpSpPr/>
+        <p:nvPr/>
+      </p:nvGrpSpPr>
+      <p:grpSpPr>
+        <a:xfrm>
+          <a:off x="0" y="0"/>
+          <a:ext cx="0" cy="0"/>
+          <a:chOff x="0" y="0"/>
+          <a:chExt cx="0" cy="0"/>
+        </a:xfrm>
+      </p:grpSpPr>
+      <p:graphicFrame>
+        <p:nvGraphicFramePr>
+          <p:cNvPr id="4" name="Table 3"/>
+          <p:cNvGraphicFramePr>
+            <a:graphicFrameLocks noGrp="1"/>
+          </p:cNvGraphicFramePr>
+          <p:nvPr>
+            <p:extLst>
+              <p:ext uri="{D42A27DB-BD31-4B8C-83A1-F6EECF244321}">
+                <p14:modId xmlns:p14="http://schemas.microsoft.com/office/powerpoint/2010/main" val="6610509"/>
+              </p:ext>
+            </p:extLst>
+          </p:nvPr>
+        </p:nvGraphicFramePr>
+        <p:xfrm>
+          <a:off x="59852" y="623183"/>
+          <a:ext cx="7167818" cy="1387774"/>
+        </p:xfrm>
+        <a:graphic>
+          <a:graphicData uri="http://schemas.openxmlformats.org/drawingml/2006/table">
+            <a:tbl>
+              <a:tblPr firstRow="1" bandRow="1">
+                <a:tableStyleId>{5C22544A-7EE6-4342-B048-85BDC9FD1C3A}</a:tableStyleId>
+              </a:tblPr>
+              <a:tblGrid>
+                <a:gridCol w="696976"/>
+                <a:gridCol w="1181418"/>
+                <a:gridCol w="873443"/>
+                <a:gridCol w="725805"/>
+                <a:gridCol w="689864"/>
+                <a:gridCol w="901764"/>
+                <a:gridCol w="792099"/>
+                <a:gridCol w="1306449"/>
+              </a:tblGrid>
+              <a:tr h="473374">
+                <a:tc>
+                  <a:txBody>
+                    <a:bodyPr/>
+                    <a:lstStyle/>
+                    <a:p>
+                      <a:r>
+                        <a:rPr lang="sv-SE" sz="1400" dirty="0" smtClean="0"/>
+                        <a:t>PersID</a:t>
+                      </a:r>
+                      <a:endParaRPr lang="sv-SE" sz="1400" dirty="0"/>
+                    </a:p>
+                  </a:txBody>
+                  <a:tcPr>
+                    <a:lnL w="12700" cap="flat" cmpd="sng" algn="ctr">
+                      <a:solidFill>
+                        <a:schemeClr val="tx1"/>
+                      </a:solidFill>
+                      <a:prstDash val="solid"/>
+                      <a:round/>
+                      <a:headEnd type="none" w="med" len="med"/>
+                      <a:tailEnd type="none" w="med" len="med"/>
+                    </a:lnL>
+                    <a:lnR w="12700" cap="flat" cmpd="sng" algn="ctr">
+                      <a:solidFill>
+                        <a:schemeClr val="tx1"/>
+                      </a:solidFill>
+                      <a:prstDash val="solid"/>
+                      <a:round/>
+                      <a:headEnd type="none" w="med" len="med"/>
+                      <a:tailEnd type="none" w="med" len="med"/>
+                    </a:lnR>
+                    <a:lnT w="12700" cap="flat" cmpd="sng" algn="ctr">
+                      <a:solidFill>
+                        <a:schemeClr val="tx1"/>
+                      </a:solidFill>
+                      <a:prstDash val="solid"/>
+                      <a:round/>
+                      <a:headEnd type="none" w="med" len="med"/>
+                      <a:tailEnd type="none" w="med" len="med"/>
+                    </a:lnT>
+                    <a:lnB w="12700" cap="flat" cmpd="sng" algn="ctr">
+                      <a:solidFill>
+                        <a:schemeClr val="tx1"/>
+                      </a:solidFill>
+                      <a:prstDash val="solid"/>
+                      <a:round/>
+                      <a:headEnd type="none" w="med" len="med"/>
+                      <a:tailEnd type="none" w="med" len="med"/>
+                    </a:lnB>
+                  </a:tcPr>
+                </a:tc>
+                <a:tc>
+                  <a:txBody>
+                    <a:bodyPr/>
+                    <a:lstStyle/>
+                    <a:p>
+                      <a:r>
+                        <a:rPr lang="sv-SE" sz="1400" dirty="0" smtClean="0"/>
+                        <a:t>Pers.nr</a:t>
+                      </a:r>
+                      <a:endParaRPr lang="sv-SE" sz="1400" dirty="0"/>
+                    </a:p>
+                  </a:txBody>
+                  <a:tcPr>
+                    <a:lnL w="12700" cap="flat" cmpd="sng" algn="ctr">
+                      <a:solidFill>
+                        <a:schemeClr val="tx1"/>
+                      </a:solidFill>
+                      <a:prstDash val="solid"/>
+                      <a:round/>
+                      <a:headEnd type="none" w="med" len="med"/>
+                      <a:tailEnd type="none" w="med" len="med"/>
+                    </a:lnL>
+                    <a:lnR w="12700" cap="flat" cmpd="sng" algn="ctr">
+                      <a:solidFill>
+                        <a:schemeClr val="tx1"/>
+                      </a:solidFill>
+                      <a:prstDash val="solid"/>
+                      <a:round/>
+                      <a:headEnd type="none" w="med" len="med"/>
+                      <a:tailEnd type="none" w="med" len="med"/>
+                    </a:lnR>
+                    <a:lnT w="12700" cap="flat" cmpd="sng" algn="ctr">
+                      <a:noFill/>
+                      <a:prstDash val="solid"/>
+                      <a:round/>
+                      <a:headEnd type="none" w="med" len="med"/>
+                      <a:tailEnd type="none" w="med" len="med"/>
+                    </a:lnT>
+                    <a:lnB w="12700" cap="flat" cmpd="sng" algn="ctr">
+                      <a:solidFill>
+                        <a:schemeClr val="tx1"/>
+                      </a:solidFill>
+                      <a:prstDash val="solid"/>
+                      <a:round/>
+                      <a:headEnd type="none" w="med" len="med"/>
+                      <a:tailEnd type="none" w="med" len="med"/>
+                    </a:lnB>
+                  </a:tcPr>
+                </a:tc>
+                <a:tc>
+                  <a:txBody>
+                    <a:bodyPr/>
+                    <a:lstStyle/>
+                    <a:p>
+                      <a:r>
+                        <a:rPr lang="sv-SE" sz="1400" dirty="0" smtClean="0"/>
+                        <a:t>Enamn</a:t>
+                      </a:r>
+                      <a:endParaRPr lang="sv-SE" sz="1400" dirty="0"/>
+                    </a:p>
+                  </a:txBody>
+                  <a:tcPr>
+                    <a:lnL w="12700" cap="flat" cmpd="sng" algn="ctr">
+                      <a:solidFill>
+                        <a:schemeClr val="tx1"/>
+                      </a:solidFill>
+                      <a:prstDash val="solid"/>
+                      <a:round/>
+                      <a:headEnd type="none" w="med" len="med"/>
+                      <a:tailEnd type="none" w="med" len="med"/>
+                    </a:lnL>
+                    <a:lnR w="12700" cap="flat" cmpd="sng" algn="ctr">
+                      <a:solidFill>
+                        <a:schemeClr val="tx1"/>
+                      </a:solidFill>
+                      <a:prstDash val="solid"/>
+                      <a:round/>
+                      <a:headEnd type="none" w="med" len="med"/>
+                      <a:tailEnd type="none" w="med" len="med"/>
+                    </a:lnR>
+                    <a:lnT w="12700" cap="flat" cmpd="sng" algn="ctr">
+                      <a:noFill/>
+                      <a:prstDash val="solid"/>
+                      <a:round/>
+                      <a:headEnd type="none" w="med" len="med"/>
+                      <a:tailEnd type="none" w="med" len="med"/>
+                    </a:lnT>
+                    <a:lnB w="12700" cap="flat" cmpd="sng" algn="ctr">
+                      <a:solidFill>
+                        <a:schemeClr val="tx1"/>
+                      </a:solidFill>
+                      <a:prstDash val="solid"/>
+                      <a:round/>
+                      <a:headEnd type="none" w="med" len="med"/>
+                      <a:tailEnd type="none" w="med" len="med"/>
+                    </a:lnB>
+                  </a:tcPr>
+                </a:tc>
+                <a:tc>
+                  <a:txBody>
+                    <a:bodyPr/>
+                    <a:lstStyle/>
+                    <a:p>
+                      <a:r>
+                        <a:rPr lang="sv-SE" sz="1400" dirty="0" smtClean="0"/>
+                        <a:t>Fnamn</a:t>
+                      </a:r>
+                      <a:endParaRPr lang="sv-SE" sz="1400" dirty="0"/>
+                    </a:p>
+                  </a:txBody>
+                  <a:tcPr>
+                    <a:lnL w="12700" cap="flat" cmpd="sng" algn="ctr">
+                      <a:solidFill>
+                        <a:schemeClr val="tx1"/>
+                      </a:solidFill>
+                      <a:prstDash val="solid"/>
+                      <a:round/>
+                      <a:headEnd type="none" w="med" len="med"/>
+                      <a:tailEnd type="none" w="med" len="med"/>
+                    </a:lnL>
+                    <a:lnR w="12700" cap="flat" cmpd="sng" algn="ctr">
+                      <a:solidFill>
+                        <a:schemeClr val="tx1"/>
+                      </a:solidFill>
+                      <a:prstDash val="solid"/>
+                      <a:round/>
+                      <a:headEnd type="none" w="med" len="med"/>
+                      <a:tailEnd type="none" w="med" len="med"/>
+                    </a:lnR>
+                    <a:lnT w="12700" cap="flat" cmpd="sng" algn="ctr">
+                      <a:noFill/>
+                      <a:prstDash val="solid"/>
+                      <a:round/>
+                      <a:headEnd type="none" w="med" len="med"/>
+                      <a:tailEnd type="none" w="med" len="med"/>
+                    </a:lnT>
+                    <a:lnB w="12700" cap="flat" cmpd="sng" algn="ctr">
+                      <a:solidFill>
+                        <a:schemeClr val="tx1"/>
+                      </a:solidFill>
+                      <a:prstDash val="solid"/>
+                      <a:round/>
+                      <a:headEnd type="none" w="med" len="med"/>
+                      <a:tailEnd type="none" w="med" len="med"/>
+                    </a:lnB>
+                  </a:tcPr>
+                </a:tc>
+                <a:tc>
+                  <a:txBody>
+                    <a:bodyPr/>
+                    <a:lstStyle/>
+                    <a:p>
+                      <a:r>
+                        <a:rPr lang="sv-SE" sz="1400" dirty="0" smtClean="0"/>
+                        <a:t>Rec.nr</a:t>
+                      </a:r>
+                      <a:endParaRPr lang="sv-SE" sz="1400" dirty="0"/>
+                    </a:p>
+                  </a:txBody>
+                  <a:tcPr>
+                    <a:lnL w="12700" cap="flat" cmpd="sng" algn="ctr">
+                      <a:solidFill>
+                        <a:schemeClr val="tx1"/>
+                      </a:solidFill>
+                      <a:prstDash val="solid"/>
+                      <a:round/>
+                      <a:headEnd type="none" w="med" len="med"/>
+                      <a:tailEnd type="none" w="med" len="med"/>
+                    </a:lnL>
+                    <a:lnR w="12700" cap="flat" cmpd="sng" algn="ctr">
+                      <a:solidFill>
+                        <a:schemeClr val="tx1"/>
+                      </a:solidFill>
+                      <a:prstDash val="solid"/>
+                      <a:round/>
+                      <a:headEnd type="none" w="med" len="med"/>
+                      <a:tailEnd type="none" w="med" len="med"/>
+                    </a:lnR>
+                    <a:lnT w="12700" cap="flat" cmpd="sng" algn="ctr">
+                      <a:noFill/>
+                      <a:prstDash val="solid"/>
+                      <a:round/>
+                      <a:headEnd type="none" w="med" len="med"/>
+                      <a:tailEnd type="none" w="med" len="med"/>
+                    </a:lnT>
+                    <a:lnB w="12700" cap="flat" cmpd="sng" algn="ctr">
+                      <a:solidFill>
+                        <a:schemeClr val="tx1"/>
+                      </a:solidFill>
+                      <a:prstDash val="solid"/>
+                      <a:round/>
+                      <a:headEnd type="none" w="med" len="med"/>
+                      <a:tailEnd type="none" w="med" len="med"/>
+                    </a:lnB>
+                  </a:tcPr>
+                </a:tc>
+                <a:tc>
+                  <a:txBody>
+                    <a:bodyPr/>
+                    <a:lstStyle/>
+                    <a:p>
+                      <a:r>
+                        <a:rPr lang="sv-SE" sz="1400" dirty="0" smtClean="0"/>
+                        <a:t>PersID_U</a:t>
+                      </a:r>
+                      <a:endParaRPr lang="sv-SE" sz="1400" dirty="0"/>
+                    </a:p>
+                  </a:txBody>
+                  <a:tcPr>
+                    <a:lnL w="12700" cap="flat" cmpd="sng" algn="ctr">
+                      <a:solidFill>
+                        <a:schemeClr val="tx1"/>
+                      </a:solidFill>
+                      <a:prstDash val="solid"/>
+                      <a:round/>
+                      <a:headEnd type="none" w="med" len="med"/>
+                      <a:tailEnd type="none" w="med" len="med"/>
+                    </a:lnL>
+                    <a:lnR w="12700" cap="flat" cmpd="sng" algn="ctr">
+                      <a:solidFill>
+                        <a:schemeClr val="tx1"/>
+                      </a:solidFill>
+                      <a:prstDash val="solid"/>
+                      <a:round/>
+                      <a:headEnd type="none" w="med" len="med"/>
+                      <a:tailEnd type="none" w="med" len="med"/>
+                    </a:lnR>
+                    <a:lnT w="12700" cap="flat" cmpd="sng" algn="ctr">
+                      <a:noFill/>
+                      <a:prstDash val="solid"/>
+                      <a:round/>
+                      <a:headEnd type="none" w="med" len="med"/>
+                      <a:tailEnd type="none" w="med" len="med"/>
+                    </a:lnT>
+                    <a:lnB w="12700" cap="flat" cmpd="sng" algn="ctr">
+                      <a:solidFill>
+                        <a:schemeClr val="tx1"/>
+                      </a:solidFill>
+                      <a:prstDash val="solid"/>
+                      <a:round/>
+                      <a:headEnd type="none" w="med" len="med"/>
+                      <a:tailEnd type="none" w="med" len="med"/>
+                    </a:lnB>
+                  </a:tcPr>
+                </a:tc>
+                <a:tc>
+                  <a:txBody>
+                    <a:bodyPr/>
+                    <a:lstStyle/>
+                    <a:p>
+                      <a:r>
+                        <a:rPr lang="sv-SE" sz="1400" dirty="0" smtClean="0"/>
+                        <a:t>Ort</a:t>
+                      </a:r>
+                      <a:endParaRPr lang="sv-SE" sz="1400" dirty="0"/>
+                    </a:p>
+                  </a:txBody>
+                  <a:tcPr>
+                    <a:lnL w="12700" cap="flat" cmpd="sng" algn="ctr">
+                      <a:solidFill>
+                        <a:schemeClr val="tx1"/>
+                      </a:solidFill>
+                      <a:prstDash val="solid"/>
+                      <a:round/>
+                      <a:headEnd type="none" w="med" len="med"/>
+                      <a:tailEnd type="none" w="med" len="med"/>
+                    </a:lnL>
+                    <a:lnR w="12700" cap="flat" cmpd="sng" algn="ctr">
+                      <a:solidFill>
+                        <a:schemeClr val="tx1"/>
+                      </a:solidFill>
+                      <a:prstDash val="solid"/>
+                      <a:round/>
+                      <a:headEnd type="none" w="med" len="med"/>
+                      <a:tailEnd type="none" w="med" len="med"/>
+                    </a:lnR>
+                    <a:lnT w="12700" cap="flat" cmpd="sng" algn="ctr">
+                      <a:noFill/>
+                      <a:prstDash val="solid"/>
+                      <a:round/>
+                      <a:headEnd type="none" w="med" len="med"/>
+                      <a:tailEnd type="none" w="med" len="med"/>
+                    </a:lnT>
+                    <a:lnB w="12700" cap="flat" cmpd="sng" algn="ctr">
+                      <a:solidFill>
+                        <a:schemeClr val="tx1"/>
+                      </a:solidFill>
+                      <a:prstDash val="solid"/>
+                      <a:round/>
+                      <a:headEnd type="none" w="med" len="med"/>
+                      <a:tailEnd type="none" w="med" len="med"/>
+                    </a:lnB>
+                  </a:tcPr>
+                </a:tc>
+                <a:tc>
+                  <a:txBody>
+                    <a:bodyPr/>
+                    <a:lstStyle/>
+                    <a:p>
+                      <a:r>
+                        <a:rPr lang="sv-SE" sz="1400" dirty="0" smtClean="0"/>
+                        <a:t>Gatuadress</a:t>
+                      </a:r>
+                      <a:endParaRPr lang="sv-SE" sz="1400" dirty="0"/>
+                    </a:p>
+                  </a:txBody>
+                  <a:tcPr>
+                    <a:lnL w="12700" cap="flat" cmpd="sng" algn="ctr">
+                      <a:solidFill>
+                        <a:schemeClr val="tx1"/>
+                      </a:solidFill>
+                      <a:prstDash val="solid"/>
+                      <a:round/>
+                      <a:headEnd type="none" w="med" len="med"/>
+                      <a:tailEnd type="none" w="med" len="med"/>
+                    </a:lnL>
+                    <a:lnR w="12700" cap="flat" cmpd="sng" algn="ctr">
+                      <a:solidFill>
+                        <a:schemeClr val="tx1"/>
+                      </a:solidFill>
+                      <a:prstDash val="solid"/>
+                      <a:round/>
+                      <a:headEnd type="none" w="med" len="med"/>
+                      <a:tailEnd type="none" w="med" len="med"/>
+                    </a:lnR>
+                    <a:lnT w="12700" cap="flat" cmpd="sng" algn="ctr">
+                      <a:noFill/>
+                      <a:prstDash val="solid"/>
+                      <a:round/>
+                      <a:headEnd type="none" w="med" len="med"/>
+                      <a:tailEnd type="none" w="med" len="med"/>
+                    </a:lnT>
+                    <a:lnB w="12700" cap="flat" cmpd="sng" algn="ctr">
+                      <a:solidFill>
+                        <a:schemeClr val="tx1"/>
+                      </a:solidFill>
+                      <a:prstDash val="solid"/>
+                      <a:round/>
+                      <a:headEnd type="none" w="med" len="med"/>
+                      <a:tailEnd type="none" w="med" len="med"/>
+                    </a:lnB>
+                  </a:tcPr>
+                </a:tc>
+              </a:tr>
+              <a:tr h="274257">
+                <a:tc>
+                  <a:txBody>
+                    <a:bodyPr/>
+                    <a:lstStyle/>
+                    <a:p>
+                      <a:r>
+                        <a:rPr lang="sv-SE" sz="1400" dirty="0" smtClean="0"/>
+                        <a:t>1</a:t>
+                      </a:r>
+                      <a:endParaRPr lang="sv-SE" sz="1400" dirty="0"/>
+                    </a:p>
+                  </a:txBody>
+                  <a:tcPr>
+                    <a:lnT w="12700" cap="flat" cmpd="sng" algn="ctr">
+                      <a:solidFill>
+                        <a:schemeClr val="tx1"/>
+                      </a:solidFill>
+                      <a:prstDash val="solid"/>
+                      <a:round/>
+                      <a:headEnd type="none" w="med" len="med"/>
+                      <a:tailEnd type="none" w="med" len="med"/>
+                    </a:lnT>
+                  </a:tcPr>
+                </a:tc>
+                <a:tc>
+                  <a:txBody>
+                    <a:bodyPr/>
+                    <a:lstStyle/>
+                    <a:p>
+                      <a:r>
+                        <a:rPr lang="sv-SE" sz="1400" dirty="0" smtClean="0"/>
+                        <a:t>870328-3341</a:t>
+                      </a:r>
+                      <a:endParaRPr lang="sv-SE" sz="1400" dirty="0"/>
+                    </a:p>
+                  </a:txBody>
+                  <a:tcPr>
+                    <a:lnT w="12700" cap="flat" cmpd="sng" algn="ctr">
+                      <a:solidFill>
+                        <a:schemeClr val="tx1"/>
+                      </a:solidFill>
+                      <a:prstDash val="solid"/>
+                      <a:round/>
+                      <a:headEnd type="none" w="med" len="med"/>
+                      <a:tailEnd type="none" w="med" len="med"/>
+                    </a:lnT>
+                  </a:tcPr>
+                </a:tc>
+                <a:tc>
+                  <a:txBody>
+                    <a:bodyPr/>
+                    <a:lstStyle/>
+                    <a:p>
+                      <a:r>
+                        <a:rPr lang="sv-SE" sz="1400" dirty="0" smtClean="0"/>
+                        <a:t>Schwartz</a:t>
+                      </a:r>
+                      <a:endParaRPr lang="sv-SE" sz="1400" dirty="0"/>
+                    </a:p>
+                  </a:txBody>
+                  <a:tcPr>
+                    <a:lnT w="12700" cap="flat" cmpd="sng" algn="ctr">
+                      <a:solidFill>
+                        <a:schemeClr val="tx1"/>
+                      </a:solidFill>
+                      <a:prstDash val="solid"/>
+                      <a:round/>
+                      <a:headEnd type="none" w="med" len="med"/>
+                      <a:tailEnd type="none" w="med" len="med"/>
+                    </a:lnT>
+                  </a:tcPr>
+                </a:tc>
+                <a:tc>
+                  <a:txBody>
+                    <a:bodyPr/>
+                    <a:lstStyle/>
+                    <a:p>
+                      <a:r>
+                        <a:rPr lang="sv-SE" sz="1400" dirty="0" smtClean="0"/>
+                        <a:t>Hans</a:t>
+                      </a:r>
+                      <a:endParaRPr lang="sv-SE" sz="1400" dirty="0"/>
+                    </a:p>
+                  </a:txBody>
+                  <a:tcPr>
+                    <a:lnT w="12700" cap="flat" cmpd="sng" algn="ctr">
+                      <a:solidFill>
+                        <a:schemeClr val="tx1"/>
+                      </a:solidFill>
+                      <a:prstDash val="solid"/>
+                      <a:round/>
+                      <a:headEnd type="none" w="med" len="med"/>
+                      <a:tailEnd type="none" w="med" len="med"/>
+                    </a:lnT>
+                  </a:tcPr>
+                </a:tc>
+                <a:tc>
+                  <a:txBody>
+                    <a:bodyPr/>
+                    <a:lstStyle/>
+                    <a:p>
+                      <a:r>
+                        <a:rPr lang="sv-SE" sz="1400" dirty="0" smtClean="0"/>
+                        <a:t>2</a:t>
+                      </a:r>
+                      <a:endParaRPr lang="sv-SE" sz="1400" dirty="0"/>
+                    </a:p>
+                  </a:txBody>
+                  <a:tcPr>
+                    <a:lnT w="12700" cap="flat" cmpd="sng" algn="ctr">
+                      <a:solidFill>
+                        <a:schemeClr val="tx1"/>
+                      </a:solidFill>
+                      <a:prstDash val="solid"/>
+                      <a:round/>
+                      <a:headEnd type="none" w="med" len="med"/>
+                      <a:tailEnd type="none" w="med" len="med"/>
+                    </a:lnT>
+                  </a:tcPr>
+                </a:tc>
+                <a:tc>
+                  <a:txBody>
+                    <a:bodyPr/>
+                    <a:lstStyle/>
+                    <a:p>
+                      <a:r>
+                        <a:rPr lang="sv-SE" sz="1400" dirty="0" smtClean="0"/>
+                        <a:t>2</a:t>
+                      </a:r>
+                      <a:endParaRPr lang="sv-SE" sz="1400" dirty="0"/>
+                    </a:p>
+                  </a:txBody>
+                  <a:tcPr>
+                    <a:lnT w="12700" cap="flat" cmpd="sng" algn="ctr">
+                      <a:solidFill>
+                        <a:schemeClr val="tx1"/>
+                      </a:solidFill>
+                      <a:prstDash val="solid"/>
+                      <a:round/>
+                      <a:headEnd type="none" w="med" len="med"/>
+                      <a:tailEnd type="none" w="med" len="med"/>
+                    </a:lnT>
+                  </a:tcPr>
+                </a:tc>
+                <a:tc>
+                  <a:txBody>
+                    <a:bodyPr/>
+                    <a:lstStyle/>
+                    <a:p>
+                      <a:r>
+                        <a:rPr lang="sv-SE" sz="1400" dirty="0" smtClean="0"/>
+                        <a:t>Osthem</a:t>
+                      </a:r>
+                      <a:endParaRPr lang="sv-SE" sz="1400" dirty="0"/>
+                    </a:p>
+                  </a:txBody>
+                  <a:tcPr>
+                    <a:lnT w="12700" cap="flat" cmpd="sng" algn="ctr">
+                      <a:solidFill>
+                        <a:schemeClr val="tx1"/>
+                      </a:solidFill>
+                      <a:prstDash val="solid"/>
+                      <a:round/>
+                      <a:headEnd type="none" w="med" len="med"/>
+                      <a:tailEnd type="none" w="med" len="med"/>
+                    </a:lnT>
+                  </a:tcPr>
+                </a:tc>
+                <a:tc>
+                  <a:txBody>
+                    <a:bodyPr/>
+                    <a:lstStyle/>
+                    <a:p>
+                      <a:r>
+                        <a:rPr lang="sv-SE" sz="1400" dirty="0" smtClean="0"/>
+                        <a:t>Bauervägen 3</a:t>
+                      </a:r>
+                      <a:endParaRPr lang="sv-SE" sz="1400" dirty="0"/>
+                    </a:p>
+                  </a:txBody>
+                  <a:tcPr>
+                    <a:lnT w="12700" cap="flat" cmpd="sng" algn="ctr">
+                      <a:solidFill>
+                        <a:schemeClr val="tx1"/>
+                      </a:solidFill>
+                      <a:prstDash val="solid"/>
+                      <a:round/>
+                      <a:headEnd type="none" w="med" len="med"/>
+                      <a:tailEnd type="none" w="med" len="med"/>
+                    </a:lnT>
+                  </a:tcPr>
+                </a:tc>
+              </a:tr>
+              <a:tr h="274257">
+                <a:tc>
+                  <a:txBody>
+                    <a:bodyPr/>
+                    <a:lstStyle/>
+                    <a:p>
+                      <a:r>
+                        <a:rPr lang="sv-SE" sz="1400" dirty="0" smtClean="0"/>
+                        <a:t>2</a:t>
+                      </a:r>
+                      <a:endParaRPr lang="sv-SE" sz="1400" dirty="0"/>
+                    </a:p>
+                  </a:txBody>
+                  <a:tcPr/>
+                </a:tc>
+                <a:tc>
+                  <a:txBody>
+                    <a:bodyPr/>
+                    <a:lstStyle/>
+                    <a:p>
+                      <a:r>
+                        <a:rPr lang="sv-SE" sz="1400" dirty="0" smtClean="0"/>
+                        <a:t>640521-6720</a:t>
+                      </a:r>
+                      <a:endParaRPr lang="sv-SE" sz="1400" dirty="0"/>
+                    </a:p>
+                  </a:txBody>
+                  <a:tcPr/>
+                </a:tc>
+                <a:tc>
+                  <a:txBody>
+                    <a:bodyPr/>
+                    <a:lstStyle/>
+                    <a:p>
+                      <a:r>
+                        <a:rPr lang="sv-SE" sz="1400" dirty="0" smtClean="0"/>
+                        <a:t>Bergman</a:t>
+                      </a:r>
+                      <a:endParaRPr lang="sv-SE" sz="1400" dirty="0"/>
+                    </a:p>
+                  </a:txBody>
+                  <a:tcPr/>
+                </a:tc>
+                <a:tc>
+                  <a:txBody>
+                    <a:bodyPr/>
+                    <a:lstStyle/>
+                    <a:p>
+                      <a:r>
+                        <a:rPr lang="sv-SE" sz="1400" dirty="0" smtClean="0"/>
+                        <a:t>Karin</a:t>
+                      </a:r>
+                      <a:endParaRPr lang="sv-SE" sz="1400" dirty="0"/>
+                    </a:p>
+                  </a:txBody>
+                  <a:tcPr/>
+                </a:tc>
+                <a:tc>
+                  <a:txBody>
+                    <a:bodyPr/>
+                    <a:lstStyle/>
+                    <a:p>
+                      <a:r>
+                        <a:rPr lang="sv-SE" sz="1400" dirty="0" smtClean="0"/>
+                        <a:t>1</a:t>
+                      </a:r>
+                      <a:endParaRPr lang="sv-SE" sz="1400" dirty="0"/>
+                    </a:p>
+                  </a:txBody>
+                  <a:tcPr/>
+                </a:tc>
+                <a:tc>
+                  <a:txBody>
+                    <a:bodyPr/>
+                    <a:lstStyle/>
+                    <a:p>
+                      <a:r>
+                        <a:rPr lang="sv-SE" sz="1400" dirty="0" smtClean="0"/>
+                        <a:t>2</a:t>
+                      </a:r>
+                      <a:endParaRPr lang="sv-SE" sz="1400" dirty="0"/>
+                    </a:p>
+                  </a:txBody>
+                  <a:tcPr/>
+                </a:tc>
+                <a:tc>
+                  <a:txBody>
+                    <a:bodyPr/>
+                    <a:lstStyle/>
+                    <a:p>
+                      <a:r>
+                        <a:rPr lang="sv-SE" sz="1400" dirty="0" smtClean="0"/>
+                        <a:t>Osthem</a:t>
+                      </a:r>
+                      <a:endParaRPr lang="sv-SE" sz="1400" dirty="0"/>
+                    </a:p>
+                  </a:txBody>
+                  <a:tcPr/>
+                </a:tc>
+                <a:tc>
+                  <a:txBody>
+                    <a:bodyPr/>
+                    <a:lstStyle/>
+                    <a:p>
+                      <a:r>
+                        <a:rPr lang="sv-SE" sz="1400" dirty="0" smtClean="0"/>
+                        <a:t>Saltstigen 5</a:t>
+                      </a:r>
+                      <a:endParaRPr lang="sv-SE" sz="1400" dirty="0"/>
+                    </a:p>
+                  </a:txBody>
+                  <a:tcPr/>
+                </a:tc>
+              </a:tr>
+              <a:tr h="274257">
+                <a:tc>
+                  <a:txBody>
+                    <a:bodyPr/>
+                    <a:lstStyle/>
+                    <a:p>
+                      <a:r>
+                        <a:rPr lang="sv-SE" sz="1400" dirty="0" smtClean="0"/>
+                        <a:t>3</a:t>
+                      </a:r>
+                      <a:endParaRPr lang="sv-SE" sz="1400" dirty="0"/>
+                    </a:p>
+                  </a:txBody>
+                  <a:tcPr/>
+                </a:tc>
+                <a:tc>
+                  <a:txBody>
+                    <a:bodyPr/>
+                    <a:lstStyle/>
+                    <a:p>
+                      <a:r>
+                        <a:rPr lang="sv-SE" sz="1400" dirty="0" smtClean="0"/>
+                        <a:t>781001-9973</a:t>
+                      </a:r>
+                      <a:endParaRPr lang="sv-SE" sz="1400" dirty="0"/>
+                    </a:p>
+                  </a:txBody>
+                  <a:tcPr/>
+                </a:tc>
+                <a:tc>
+                  <a:txBody>
+                    <a:bodyPr/>
+                    <a:lstStyle/>
+                    <a:p>
+                      <a:r>
+                        <a:rPr lang="sv-SE" sz="1400" dirty="0" smtClean="0"/>
+                        <a:t>Dinkel</a:t>
+                      </a:r>
+                      <a:endParaRPr lang="sv-SE" sz="1400" dirty="0"/>
+                    </a:p>
+                  </a:txBody>
+                  <a:tcPr/>
+                </a:tc>
+                <a:tc>
+                  <a:txBody>
+                    <a:bodyPr/>
+                    <a:lstStyle/>
+                    <a:p>
+                      <a:r>
+                        <a:rPr lang="sv-SE" sz="1400" dirty="0" smtClean="0"/>
+                        <a:t>Bosse</a:t>
+                      </a:r>
+                      <a:endParaRPr lang="sv-SE" sz="1400" dirty="0"/>
+                    </a:p>
+                  </a:txBody>
+                  <a:tcPr/>
+                </a:tc>
+                <a:tc>
+                  <a:txBody>
+                    <a:bodyPr/>
+                    <a:lstStyle/>
+                    <a:p>
+                      <a:r>
+                        <a:rPr lang="sv-SE" sz="1400" dirty="0" smtClean="0"/>
+                        <a:t>3</a:t>
+                      </a:r>
+                      <a:endParaRPr lang="sv-SE" sz="1400" dirty="0"/>
+                    </a:p>
+                  </a:txBody>
+                  <a:tcPr/>
+                </a:tc>
+                <a:tc>
+                  <a:txBody>
+                    <a:bodyPr/>
+                    <a:lstStyle/>
+                    <a:p>
+                      <a:r>
+                        <a:rPr lang="sv-SE" sz="1400" dirty="0" smtClean="0"/>
+                        <a:t>1</a:t>
+                      </a:r>
+                      <a:endParaRPr lang="sv-SE" sz="1400" dirty="0"/>
+                    </a:p>
+                  </a:txBody>
+                  <a:tcPr/>
+                </a:tc>
+                <a:tc>
+                  <a:txBody>
+                    <a:bodyPr/>
+                    <a:lstStyle/>
+                    <a:p>
+                      <a:r>
+                        <a:rPr lang="sv-SE" sz="1400" dirty="0" smtClean="0"/>
+                        <a:t>Tvärryd</a:t>
+                      </a:r>
+                      <a:endParaRPr lang="sv-SE" sz="1400" dirty="0"/>
+                    </a:p>
+                  </a:txBody>
+                  <a:tcPr/>
+                </a:tc>
+                <a:tc>
+                  <a:txBody>
+                    <a:bodyPr/>
+                    <a:lstStyle/>
+                    <a:p>
+                      <a:r>
+                        <a:rPr lang="sv-SE" sz="1400" dirty="0" smtClean="0"/>
+                        <a:t>Kalaskroken 21</a:t>
+                      </a:r>
+                      <a:endParaRPr lang="sv-SE" sz="1400" dirty="0"/>
+                    </a:p>
+                  </a:txBody>
+                  <a:tcPr/>
+                </a:tc>
+              </a:tr>
+            </a:tbl>
+          </a:graphicData>
+        </a:graphic>
+      </p:graphicFrame>
+      <p:sp>
+        <p:nvSpPr>
+          <p:cNvPr id="6" name="TextBox 5"/>
+          <p:cNvSpPr txBox="1"/>
+          <p:nvPr/>
+        </p:nvSpPr>
+        <p:spPr>
+          <a:xfrm>
+            <a:off x="38389" y="-22938"/>
+            <a:ext cx="1944216" cy="369332"/>
+          </a:xfrm>
+          <a:prstGeom prst="rect">
+            <a:avLst/>
+          </a:prstGeom>
+          <a:noFill/>
+        </p:spPr>
+        <p:txBody>
+          <a:bodyPr wrap="square" rtlCol="0">
+            <a:spAutoFit/>
+          </a:bodyPr>
+          <a:lstStyle/>
+          <a:p>
+            <a:r>
+              <a:rPr lang="sv-SE" b="1" dirty="0" smtClean="0"/>
+              <a:t>Exempeldata del 1</a:t>
+            </a:r>
+            <a:endParaRPr lang="sv-SE" b="1" dirty="0"/>
+          </a:p>
+        </p:txBody>
+      </p:sp>
+      <p:sp>
+        <p:nvSpPr>
+          <p:cNvPr id="7" name="TextBox 6"/>
+          <p:cNvSpPr txBox="1"/>
+          <p:nvPr/>
+        </p:nvSpPr>
+        <p:spPr>
+          <a:xfrm>
+            <a:off x="-37519" y="260648"/>
+            <a:ext cx="1368152" cy="369332"/>
+          </a:xfrm>
+          <a:prstGeom prst="rect">
+            <a:avLst/>
+          </a:prstGeom>
+          <a:noFill/>
+        </p:spPr>
+        <p:txBody>
+          <a:bodyPr wrap="square" rtlCol="0">
+            <a:spAutoFit/>
+          </a:bodyPr>
+          <a:lstStyle/>
+          <a:p>
+            <a:r>
+              <a:rPr lang="sv-SE" dirty="0" smtClean="0"/>
+              <a:t>Personal</a:t>
+            </a:r>
+            <a:endParaRPr lang="sv-SE" dirty="0"/>
+          </a:p>
+        </p:txBody>
+      </p:sp>
+      <p:graphicFrame>
+        <p:nvGraphicFramePr>
+          <p:cNvPr id="8" name="Table 7"/>
+          <p:cNvGraphicFramePr>
+            <a:graphicFrameLocks noGrp="1"/>
+          </p:cNvGraphicFramePr>
+          <p:nvPr>
+            <p:extLst>
+              <p:ext uri="{D42A27DB-BD31-4B8C-83A1-F6EECF244321}">
+                <p14:modId xmlns:p14="http://schemas.microsoft.com/office/powerpoint/2010/main" val="4074218358"/>
+              </p:ext>
+            </p:extLst>
+          </p:nvPr>
+        </p:nvGraphicFramePr>
+        <p:xfrm>
+          <a:off x="6084168" y="2484783"/>
+          <a:ext cx="2664968" cy="1549942"/>
+        </p:xfrm>
+        <a:graphic>
+          <a:graphicData uri="http://schemas.openxmlformats.org/drawingml/2006/table">
+            <a:tbl>
+              <a:tblPr firstRow="1" bandRow="1">
+                <a:tableStyleId>{5C22544A-7EE6-4342-B048-85BDC9FD1C3A}</a:tableStyleId>
+              </a:tblPr>
+              <a:tblGrid>
+                <a:gridCol w="689864"/>
+                <a:gridCol w="1300099"/>
+                <a:gridCol w="675005"/>
+              </a:tblGrid>
+              <a:tr h="362074">
+                <a:tc>
+                  <a:txBody>
+                    <a:bodyPr/>
+                    <a:lstStyle/>
+                    <a:p>
+                      <a:r>
+                        <a:rPr lang="sv-SE" sz="1400" dirty="0" smtClean="0"/>
+                        <a:t>Rec.nr</a:t>
+                      </a:r>
+                      <a:endParaRPr lang="sv-SE" sz="1400" dirty="0"/>
+                    </a:p>
+                  </a:txBody>
+                  <a:tcPr>
+                    <a:lnL w="12700" cap="flat" cmpd="sng" algn="ctr">
+                      <a:solidFill>
+                        <a:schemeClr val="tx1"/>
+                      </a:solidFill>
+                      <a:prstDash val="solid"/>
+                      <a:round/>
+                      <a:headEnd type="none" w="med" len="med"/>
+                      <a:tailEnd type="none" w="med" len="med"/>
+                    </a:lnL>
+                    <a:lnR w="12700" cap="flat" cmpd="sng" algn="ctr">
+                      <a:solidFill>
+                        <a:schemeClr val="tx1"/>
+                      </a:solidFill>
+                      <a:prstDash val="solid"/>
+                      <a:round/>
+                      <a:headEnd type="none" w="med" len="med"/>
+                      <a:tailEnd type="none" w="med" len="med"/>
+                    </a:lnR>
+                    <a:lnT w="12700" cap="flat" cmpd="sng" algn="ctr">
+                      <a:solidFill>
+                        <a:schemeClr val="tx1"/>
+                      </a:solidFill>
+                      <a:prstDash val="solid"/>
+                      <a:round/>
+                      <a:headEnd type="none" w="med" len="med"/>
+                      <a:tailEnd type="none" w="med" len="med"/>
+                    </a:lnT>
+                    <a:lnB w="12700" cap="flat" cmpd="sng" algn="ctr">
+                      <a:solidFill>
+                        <a:schemeClr val="tx1"/>
+                      </a:solidFill>
+                      <a:prstDash val="solid"/>
+                      <a:round/>
+                      <a:headEnd type="none" w="med" len="med"/>
+                      <a:tailEnd type="none" w="med" len="med"/>
+                    </a:lnB>
+                    <a:lnTlToBr w="12700" cmpd="sng">
+                      <a:noFill/>
+                      <a:prstDash val="solid"/>
+                    </a:lnTlToBr>
+                    <a:lnBlToTr w="12700" cmpd="sng">
+                      <a:noFill/>
+                      <a:prstDash val="solid"/>
+                    </a:lnBlToTr>
+                  </a:tcPr>
+                </a:tc>
+                <a:tc>
+                  <a:txBody>
+                    <a:bodyPr/>
+                    <a:lstStyle/>
+                    <a:p>
+                      <a:r>
+                        <a:rPr lang="sv-SE" sz="1400" dirty="0" smtClean="0"/>
+                        <a:t>Befattningstyp</a:t>
+                      </a:r>
+                      <a:endParaRPr lang="sv-SE" sz="1400" dirty="0"/>
+                    </a:p>
+                  </a:txBody>
+                  <a:tcPr>
+                    <a:lnL w="12700" cap="flat" cmpd="sng" algn="ctr">
+                      <a:solidFill>
+                        <a:schemeClr val="tx1"/>
+                      </a:solidFill>
+                      <a:prstDash val="solid"/>
+                      <a:round/>
+                      <a:headEnd type="none" w="med" len="med"/>
+                      <a:tailEnd type="none" w="med" len="med"/>
+                    </a:lnL>
+                    <a:lnR w="12700" cap="flat" cmpd="sng" algn="ctr">
+                      <a:solidFill>
+                        <a:schemeClr val="tx1"/>
+                      </a:solidFill>
+                      <a:prstDash val="solid"/>
+                      <a:round/>
+                      <a:headEnd type="none" w="med" len="med"/>
+                      <a:tailEnd type="none" w="med" len="med"/>
+                    </a:lnR>
+                    <a:lnT w="12700" cap="flat" cmpd="sng" algn="ctr">
+                      <a:noFill/>
+                      <a:prstDash val="solid"/>
+                      <a:round/>
+                      <a:headEnd type="none" w="med" len="med"/>
+                      <a:tailEnd type="none" w="med" len="med"/>
+                    </a:lnT>
+                    <a:lnB w="12700" cap="flat" cmpd="sng" algn="ctr">
+                      <a:solidFill>
+                        <a:schemeClr val="tx1"/>
+                      </a:solidFill>
+                      <a:prstDash val="solid"/>
+                      <a:round/>
+                      <a:headEnd type="none" w="med" len="med"/>
+                      <a:tailEnd type="none" w="med" len="med"/>
+                    </a:lnB>
+                    <a:lnTlToBr w="12700" cmpd="sng">
+                      <a:noFill/>
+                      <a:prstDash val="solid"/>
+                    </a:lnTlToBr>
+                    <a:lnBlToTr w="12700" cmpd="sng">
+                      <a:noFill/>
+                      <a:prstDash val="solid"/>
+                    </a:lnBlToTr>
+                  </a:tcPr>
+                </a:tc>
+                <a:tc>
+                  <a:txBody>
+                    <a:bodyPr/>
+                    <a:lstStyle/>
+                    <a:p>
+                      <a:r>
+                        <a:rPr lang="sv-SE" sz="1400" dirty="0" smtClean="0"/>
+                        <a:t>Lön</a:t>
+                      </a:r>
+                      <a:endParaRPr lang="sv-SE" sz="1400" dirty="0"/>
+                    </a:p>
+                  </a:txBody>
+                  <a:tcPr>
+                    <a:lnL w="12700" cap="flat" cmpd="sng" algn="ctr">
+                      <a:solidFill>
+                        <a:schemeClr val="tx1"/>
+                      </a:solidFill>
+                      <a:prstDash val="solid"/>
+                      <a:round/>
+                      <a:headEnd type="none" w="med" len="med"/>
+                      <a:tailEnd type="none" w="med" len="med"/>
+                    </a:lnL>
+                    <a:lnR w="12700" cap="flat" cmpd="sng" algn="ctr">
+                      <a:solidFill>
+                        <a:schemeClr val="tx1"/>
+                      </a:solidFill>
+                      <a:prstDash val="solid"/>
+                      <a:round/>
+                      <a:headEnd type="none" w="med" len="med"/>
+                      <a:tailEnd type="none" w="med" len="med"/>
+                    </a:lnR>
+                    <a:lnT w="12700" cap="flat" cmpd="sng" algn="ctr">
+                      <a:noFill/>
+                      <a:prstDash val="solid"/>
+                      <a:round/>
+                      <a:headEnd type="none" w="med" len="med"/>
+                      <a:tailEnd type="none" w="med" len="med"/>
+                    </a:lnT>
+                    <a:lnB w="12700" cap="flat" cmpd="sng" algn="ctr">
+                      <a:solidFill>
+                        <a:schemeClr val="tx1"/>
+                      </a:solidFill>
+                      <a:prstDash val="solid"/>
+                      <a:round/>
+                      <a:headEnd type="none" w="med" len="med"/>
+                      <a:tailEnd type="none" w="med" len="med"/>
+                    </a:lnB>
+                    <a:lnTlToBr w="12700" cmpd="sng">
+                      <a:noFill/>
+                      <a:prstDash val="solid"/>
+                    </a:lnTlToBr>
+                    <a:lnBlToTr w="12700" cmpd="sng">
+                      <a:noFill/>
+                      <a:prstDash val="solid"/>
+                    </a:lnBlToTr>
+                  </a:tcPr>
+                </a:tc>
+              </a:tr>
+              <a:tr h="395956">
+                <a:tc>
+                  <a:txBody>
+                    <a:bodyPr/>
+                    <a:lstStyle/>
+                    <a:p>
+                      <a:r>
+                        <a:rPr lang="sv-SE" sz="1400" dirty="0" smtClean="0"/>
+                        <a:t>1</a:t>
+                      </a:r>
+                      <a:endParaRPr lang="sv-SE" sz="1400" dirty="0"/>
+                    </a:p>
+                  </a:txBody>
+                  <a:tcPr>
+                    <a:lnT w="12700" cap="flat" cmpd="sng" algn="ctr">
+                      <a:solidFill>
+                        <a:schemeClr val="tx1"/>
+                      </a:solidFill>
+                      <a:prstDash val="solid"/>
+                      <a:round/>
+                      <a:headEnd type="none" w="med" len="med"/>
+                      <a:tailEnd type="none" w="med" len="med"/>
+                    </a:lnT>
+                  </a:tcPr>
+                </a:tc>
+                <a:tc>
+                  <a:txBody>
+                    <a:bodyPr/>
+                    <a:lstStyle/>
+                    <a:p>
+                      <a:r>
+                        <a:rPr lang="sv-SE" sz="1400" dirty="0" smtClean="0"/>
+                        <a:t>Chef</a:t>
+                      </a:r>
+                      <a:endParaRPr lang="sv-SE" sz="1400" dirty="0"/>
+                    </a:p>
+                  </a:txBody>
+                  <a:tcPr>
+                    <a:lnT w="12700" cap="flat" cmpd="sng" algn="ctr">
+                      <a:solidFill>
+                        <a:schemeClr val="tx1"/>
+                      </a:solidFill>
+                      <a:prstDash val="solid"/>
+                      <a:round/>
+                      <a:headEnd type="none" w="med" len="med"/>
+                      <a:tailEnd type="none" w="med" len="med"/>
+                    </a:lnT>
+                  </a:tcPr>
+                </a:tc>
+                <a:tc>
+                  <a:txBody>
+                    <a:bodyPr/>
+                    <a:lstStyle/>
+                    <a:p>
+                      <a:r>
+                        <a:rPr lang="sv-SE" sz="1400" dirty="0" smtClean="0"/>
+                        <a:t>60000</a:t>
+                      </a:r>
+                      <a:endParaRPr lang="sv-SE" sz="1400" dirty="0"/>
+                    </a:p>
+                  </a:txBody>
+                  <a:tcPr>
+                    <a:lnT w="12700" cap="flat" cmpd="sng" algn="ctr">
+                      <a:solidFill>
+                        <a:schemeClr val="tx1"/>
+                      </a:solidFill>
+                      <a:prstDash val="solid"/>
+                      <a:round/>
+                      <a:headEnd type="none" w="med" len="med"/>
+                      <a:tailEnd type="none" w="med" len="med"/>
+                    </a:lnT>
+                  </a:tcPr>
+                </a:tc>
+              </a:tr>
+              <a:tr h="395956">
+                <a:tc>
+                  <a:txBody>
+                    <a:bodyPr/>
+                    <a:lstStyle/>
+                    <a:p>
+                      <a:r>
+                        <a:rPr lang="sv-SE" sz="1400" dirty="0" smtClean="0"/>
+                        <a:t>2</a:t>
+                      </a:r>
+                      <a:endParaRPr lang="sv-SE" sz="1400" dirty="0"/>
+                    </a:p>
+                  </a:txBody>
+                  <a:tcPr/>
+                </a:tc>
+                <a:tc>
+                  <a:txBody>
+                    <a:bodyPr/>
+                    <a:lstStyle/>
+                    <a:p>
+                      <a:r>
+                        <a:rPr lang="sv-SE" sz="1400" dirty="0" smtClean="0"/>
+                        <a:t>Projektledare</a:t>
+                      </a:r>
+                      <a:endParaRPr lang="sv-SE" sz="1400" dirty="0"/>
+                    </a:p>
+                  </a:txBody>
+                  <a:tcPr/>
+                </a:tc>
+                <a:tc>
+                  <a:txBody>
+                    <a:bodyPr/>
+                    <a:lstStyle/>
+                    <a:p>
+                      <a:r>
+                        <a:rPr lang="sv-SE" sz="1400" dirty="0" smtClean="0"/>
+                        <a:t>25000</a:t>
+                      </a:r>
+                      <a:endParaRPr lang="sv-SE" sz="1400" dirty="0"/>
+                    </a:p>
+                  </a:txBody>
+                  <a:tcPr/>
+                </a:tc>
+              </a:tr>
+              <a:tr h="395956">
+                <a:tc>
+                  <a:txBody>
+                    <a:bodyPr/>
+                    <a:lstStyle/>
+                    <a:p>
+                      <a:r>
+                        <a:rPr lang="sv-SE" sz="1400" dirty="0" smtClean="0"/>
+                        <a:t>3</a:t>
+                      </a:r>
+                      <a:endParaRPr lang="sv-SE" sz="1400" dirty="0"/>
+                    </a:p>
+                  </a:txBody>
+                  <a:tcPr/>
+                </a:tc>
+                <a:tc>
+                  <a:txBody>
+                    <a:bodyPr/>
+                    <a:lstStyle/>
+                    <a:p>
+                      <a:r>
+                        <a:rPr lang="sv-SE" sz="1400" dirty="0" smtClean="0"/>
+                        <a:t>Praktikant</a:t>
+                      </a:r>
+                      <a:endParaRPr lang="sv-SE" sz="1400" dirty="0"/>
+                    </a:p>
+                  </a:txBody>
+                  <a:tcPr/>
+                </a:tc>
+                <a:tc>
+                  <a:txBody>
+                    <a:bodyPr/>
+                    <a:lstStyle/>
+                    <a:p>
+                      <a:r>
+                        <a:rPr lang="sv-SE" sz="1400" dirty="0" smtClean="0"/>
+                        <a:t>5000</a:t>
+                      </a:r>
+                      <a:endParaRPr lang="sv-SE" sz="1400" dirty="0"/>
+                    </a:p>
+                  </a:txBody>
+                  <a:tcPr/>
+                </a:tc>
+              </a:tr>
+            </a:tbl>
+          </a:graphicData>
+        </a:graphic>
+      </p:graphicFrame>
+      <p:sp>
+        <p:nvSpPr>
+          <p:cNvPr id="9" name="TextBox 8"/>
+          <p:cNvSpPr txBox="1"/>
+          <p:nvPr/>
+        </p:nvSpPr>
+        <p:spPr>
+          <a:xfrm>
+            <a:off x="5984812" y="2172708"/>
+            <a:ext cx="1368152" cy="369332"/>
+          </a:xfrm>
+          <a:prstGeom prst="rect">
+            <a:avLst/>
+          </a:prstGeom>
+          <a:noFill/>
+        </p:spPr>
+        <p:txBody>
+          <a:bodyPr wrap="square" rtlCol="0">
+            <a:spAutoFit/>
+          </a:bodyPr>
+          <a:lstStyle/>
+          <a:p>
+            <a:r>
+              <a:rPr lang="sv-SE" dirty="0" smtClean="0"/>
+              <a:t>Befattning</a:t>
+            </a:r>
+            <a:endParaRPr lang="sv-SE" dirty="0"/>
+          </a:p>
+        </p:txBody>
+      </p:sp>
+      <p:graphicFrame>
+        <p:nvGraphicFramePr>
+          <p:cNvPr id="10" name="Table 9"/>
+          <p:cNvGraphicFramePr>
+            <a:graphicFrameLocks noGrp="1"/>
+          </p:cNvGraphicFramePr>
+          <p:nvPr>
+            <p:extLst>
+              <p:ext uri="{D42A27DB-BD31-4B8C-83A1-F6EECF244321}">
+                <p14:modId xmlns:p14="http://schemas.microsoft.com/office/powerpoint/2010/main" val="2112646969"/>
+              </p:ext>
+            </p:extLst>
+          </p:nvPr>
+        </p:nvGraphicFramePr>
+        <p:xfrm>
+          <a:off x="65400" y="2492896"/>
+          <a:ext cx="3205608" cy="1854200"/>
+        </p:xfrm>
+        <a:graphic>
+          <a:graphicData uri="http://schemas.openxmlformats.org/drawingml/2006/table">
+            <a:tbl>
+              <a:tblPr firstRow="1" bandRow="1">
+                <a:tableStyleId>{5C22544A-7EE6-4342-B048-85BDC9FD1C3A}</a:tableStyleId>
+              </a:tblPr>
+              <a:tblGrid>
+                <a:gridCol w="588201"/>
+                <a:gridCol w="696976"/>
+                <a:gridCol w="829501"/>
+                <a:gridCol w="1090930"/>
+              </a:tblGrid>
+              <a:tr h="370840">
+                <a:tc>
+                  <a:txBody>
+                    <a:bodyPr/>
+                    <a:lstStyle/>
+                    <a:p>
+                      <a:r>
+                        <a:rPr lang="sv-SE" sz="1400" dirty="0" smtClean="0"/>
+                        <a:t>TelID</a:t>
+                      </a:r>
+                      <a:endParaRPr lang="sv-SE" sz="1400" dirty="0"/>
+                    </a:p>
+                  </a:txBody>
+                  <a:tcPr>
+                    <a:lnL w="12700" cap="flat" cmpd="sng" algn="ctr">
+                      <a:solidFill>
+                        <a:schemeClr val="tx1"/>
+                      </a:solidFill>
+                      <a:prstDash val="solid"/>
+                      <a:round/>
+                      <a:headEnd type="none" w="med" len="med"/>
+                      <a:tailEnd type="none" w="med" len="med"/>
+                    </a:lnL>
+                    <a:lnR w="12700" cap="flat" cmpd="sng" algn="ctr">
+                      <a:solidFill>
+                        <a:schemeClr val="tx1"/>
+                      </a:solidFill>
+                      <a:prstDash val="solid"/>
+                      <a:round/>
+                      <a:headEnd type="none" w="med" len="med"/>
+                      <a:tailEnd type="none" w="med" len="med"/>
+                    </a:lnR>
+                    <a:lnT w="12700" cap="flat" cmpd="sng" algn="ctr">
+                      <a:solidFill>
+                        <a:schemeClr val="tx1"/>
+                      </a:solidFill>
+                      <a:prstDash val="solid"/>
+                      <a:round/>
+                      <a:headEnd type="none" w="med" len="med"/>
+                      <a:tailEnd type="none" w="med" len="med"/>
+                    </a:lnT>
+                    <a:lnB w="12700" cap="flat" cmpd="sng" algn="ctr">
+                      <a:solidFill>
+                        <a:schemeClr val="tx1"/>
+                      </a:solidFill>
+                      <a:prstDash val="solid"/>
+                      <a:round/>
+                      <a:headEnd type="none" w="med" len="med"/>
+                      <a:tailEnd type="none" w="med" len="med"/>
+                    </a:lnB>
+                  </a:tcPr>
+                </a:tc>
+                <a:tc>
+                  <a:txBody>
+                    <a:bodyPr/>
+                    <a:lstStyle/>
+                    <a:p>
+                      <a:r>
+                        <a:rPr lang="sv-SE" sz="1400" dirty="0" smtClean="0"/>
+                        <a:t>PersID</a:t>
+                      </a:r>
+                      <a:endParaRPr lang="sv-SE" sz="1400" dirty="0"/>
+                    </a:p>
+                  </a:txBody>
+                  <a:tcPr>
+                    <a:lnL w="12700" cap="flat" cmpd="sng" algn="ctr">
+                      <a:solidFill>
+                        <a:schemeClr val="tx1"/>
+                      </a:solidFill>
+                      <a:prstDash val="solid"/>
+                      <a:round/>
+                      <a:headEnd type="none" w="med" len="med"/>
+                      <a:tailEnd type="none" w="med" len="med"/>
+                    </a:lnL>
+                    <a:lnR w="12700" cap="flat" cmpd="sng" algn="ctr">
+                      <a:solidFill>
+                        <a:schemeClr val="tx1"/>
+                      </a:solidFill>
+                      <a:prstDash val="solid"/>
+                      <a:round/>
+                      <a:headEnd type="none" w="med" len="med"/>
+                      <a:tailEnd type="none" w="med" len="med"/>
+                    </a:lnR>
+                    <a:lnT w="12700" cap="flat" cmpd="sng" algn="ctr">
+                      <a:noFill/>
+                      <a:prstDash val="solid"/>
+                      <a:round/>
+                      <a:headEnd type="none" w="med" len="med"/>
+                      <a:tailEnd type="none" w="med" len="med"/>
+                    </a:lnT>
+                    <a:lnB w="12700" cap="flat" cmpd="sng" algn="ctr">
+                      <a:solidFill>
+                        <a:schemeClr val="tx1"/>
+                      </a:solidFill>
+                      <a:prstDash val="solid"/>
+                      <a:round/>
+                      <a:headEnd type="none" w="med" len="med"/>
+                      <a:tailEnd type="none" w="med" len="med"/>
+                    </a:lnB>
+                  </a:tcPr>
+                </a:tc>
+                <a:tc>
+                  <a:txBody>
+                    <a:bodyPr/>
+                    <a:lstStyle/>
+                    <a:p>
+                      <a:r>
+                        <a:rPr lang="sv-SE" sz="1400" dirty="0" smtClean="0"/>
+                        <a:t>TeltypID</a:t>
+                      </a:r>
+                      <a:endParaRPr lang="sv-SE" sz="1400" dirty="0"/>
+                    </a:p>
+                  </a:txBody>
+                  <a:tcPr>
+                    <a:lnL w="12700" cap="flat" cmpd="sng" algn="ctr">
+                      <a:solidFill>
+                        <a:schemeClr val="tx1"/>
+                      </a:solidFill>
+                      <a:prstDash val="solid"/>
+                      <a:round/>
+                      <a:headEnd type="none" w="med" len="med"/>
+                      <a:tailEnd type="none" w="med" len="med"/>
+                    </a:lnL>
+                    <a:lnR w="12700" cap="flat" cmpd="sng" algn="ctr">
+                      <a:solidFill>
+                        <a:schemeClr val="tx1"/>
+                      </a:solidFill>
+                      <a:prstDash val="solid"/>
+                      <a:round/>
+                      <a:headEnd type="none" w="med" len="med"/>
+                      <a:tailEnd type="none" w="med" len="med"/>
+                    </a:lnR>
+                    <a:lnT w="12700" cap="flat" cmpd="sng" algn="ctr">
+                      <a:noFill/>
+                      <a:prstDash val="solid"/>
+                      <a:round/>
+                      <a:headEnd type="none" w="med" len="med"/>
+                      <a:tailEnd type="none" w="med" len="med"/>
+                    </a:lnT>
+                    <a:lnB w="12700" cap="flat" cmpd="sng" algn="ctr">
+                      <a:solidFill>
+                        <a:schemeClr val="tx1"/>
+                      </a:solidFill>
+                      <a:prstDash val="solid"/>
+                      <a:round/>
+                      <a:headEnd type="none" w="med" len="med"/>
+                      <a:tailEnd type="none" w="med" len="med"/>
+                    </a:lnB>
+                  </a:tcPr>
+                </a:tc>
+                <a:tc>
+                  <a:txBody>
+                    <a:bodyPr/>
+                    <a:lstStyle/>
+                    <a:p>
+                      <a:r>
+                        <a:rPr lang="sv-SE" sz="1400" dirty="0" smtClean="0"/>
+                        <a:t>Tel.nr</a:t>
+                      </a:r>
+                      <a:endParaRPr lang="sv-SE" sz="1400" dirty="0"/>
+                    </a:p>
+                  </a:txBody>
+                  <a:tcPr>
+                    <a:lnL w="12700" cap="flat" cmpd="sng" algn="ctr">
+                      <a:solidFill>
+                        <a:schemeClr val="tx1"/>
+                      </a:solidFill>
+                      <a:prstDash val="solid"/>
+                      <a:round/>
+                      <a:headEnd type="none" w="med" len="med"/>
+                      <a:tailEnd type="none" w="med" len="med"/>
+                    </a:lnL>
+                    <a:lnR w="12700" cap="flat" cmpd="sng" algn="ctr">
+                      <a:solidFill>
+                        <a:schemeClr val="tx1"/>
+                      </a:solidFill>
+                      <a:prstDash val="solid"/>
+                      <a:round/>
+                      <a:headEnd type="none" w="med" len="med"/>
+                      <a:tailEnd type="none" w="med" len="med"/>
+                    </a:lnR>
+                    <a:lnT w="12700" cap="flat" cmpd="sng" algn="ctr">
+                      <a:noFill/>
+                      <a:prstDash val="solid"/>
+                      <a:round/>
+                      <a:headEnd type="none" w="med" len="med"/>
+                      <a:tailEnd type="none" w="med" len="med"/>
+                    </a:lnT>
+                    <a:lnB w="12700" cap="flat" cmpd="sng" algn="ctr">
+                      <a:solidFill>
+                        <a:schemeClr val="tx1"/>
+                      </a:solidFill>
+                      <a:prstDash val="solid"/>
+                      <a:round/>
+                      <a:headEnd type="none" w="med" len="med"/>
+                      <a:tailEnd type="none" w="med" len="med"/>
+                    </a:lnB>
+                  </a:tcPr>
+                </a:tc>
+              </a:tr>
+              <a:tr h="370840">
+                <a:tc>
+                  <a:txBody>
+                    <a:bodyPr/>
+                    <a:lstStyle/>
+                    <a:p>
+                      <a:r>
+                        <a:rPr lang="sv-SE" sz="1400" dirty="0" smtClean="0"/>
+                        <a:t>1</a:t>
+                      </a:r>
+                      <a:endParaRPr lang="sv-SE" sz="1400" dirty="0"/>
+                    </a:p>
+                  </a:txBody>
+                  <a:tcPr>
+                    <a:lnT w="12700" cap="flat" cmpd="sng" algn="ctr">
+                      <a:solidFill>
+                        <a:schemeClr val="tx1"/>
+                      </a:solidFill>
+                      <a:prstDash val="solid"/>
+                      <a:round/>
+                      <a:headEnd type="none" w="med" len="med"/>
+                      <a:tailEnd type="none" w="med" len="med"/>
+                    </a:lnT>
+                  </a:tcPr>
+                </a:tc>
+                <a:tc>
+                  <a:txBody>
+                    <a:bodyPr/>
+                    <a:lstStyle/>
+                    <a:p>
+                      <a:r>
+                        <a:rPr lang="sv-SE" sz="1400" dirty="0" smtClean="0"/>
+                        <a:t>2</a:t>
+                      </a:r>
+                      <a:endParaRPr lang="sv-SE" sz="1400" dirty="0"/>
+                    </a:p>
+                  </a:txBody>
+                  <a:tcPr>
+                    <a:lnT w="12700" cap="flat" cmpd="sng" algn="ctr">
+                      <a:solidFill>
+                        <a:schemeClr val="tx1"/>
+                      </a:solidFill>
+                      <a:prstDash val="solid"/>
+                      <a:round/>
+                      <a:headEnd type="none" w="med" len="med"/>
+                      <a:tailEnd type="none" w="med" len="med"/>
+                    </a:lnT>
+                  </a:tcPr>
+                </a:tc>
+                <a:tc>
+                  <a:txBody>
+                    <a:bodyPr/>
+                    <a:lstStyle/>
+                    <a:p>
+                      <a:r>
+                        <a:rPr lang="sv-SE" sz="1400" dirty="0" smtClean="0"/>
+                        <a:t>2</a:t>
+                      </a:r>
+                      <a:endParaRPr lang="sv-SE" sz="1400" dirty="0"/>
+                    </a:p>
+                  </a:txBody>
+                  <a:tcPr>
+                    <a:lnT w="12700" cap="flat" cmpd="sng" algn="ctr">
+                      <a:solidFill>
+                        <a:schemeClr val="tx1"/>
+                      </a:solidFill>
+                      <a:prstDash val="solid"/>
+                      <a:round/>
+                      <a:headEnd type="none" w="med" len="med"/>
+                      <a:tailEnd type="none" w="med" len="med"/>
+                    </a:lnT>
+                  </a:tcPr>
+                </a:tc>
+                <a:tc>
+                  <a:txBody>
+                    <a:bodyPr/>
+                    <a:lstStyle/>
+                    <a:p>
+                      <a:r>
+                        <a:rPr lang="sv-SE" sz="1400" dirty="0" smtClean="0"/>
+                        <a:t>21624</a:t>
+                      </a:r>
+                      <a:endParaRPr lang="sv-SE" sz="1400" dirty="0"/>
+                    </a:p>
+                  </a:txBody>
+                  <a:tcPr>
+                    <a:lnT w="12700" cap="flat" cmpd="sng" algn="ctr">
+                      <a:solidFill>
+                        <a:schemeClr val="tx1"/>
+                      </a:solidFill>
+                      <a:prstDash val="solid"/>
+                      <a:round/>
+                      <a:headEnd type="none" w="med" len="med"/>
+                      <a:tailEnd type="none" w="med" len="med"/>
+                    </a:lnT>
+                  </a:tcPr>
+                </a:tc>
+              </a:tr>
+              <a:tr h="370840">
+                <a:tc>
+                  <a:txBody>
+                    <a:bodyPr/>
+                    <a:lstStyle/>
+                    <a:p>
+                      <a:r>
+                        <a:rPr lang="sv-SE" sz="1400" dirty="0" smtClean="0"/>
+                        <a:t>2</a:t>
+                      </a:r>
+                      <a:endParaRPr lang="sv-SE" sz="1400" dirty="0"/>
+                    </a:p>
+                  </a:txBody>
+                  <a:tcPr/>
+                </a:tc>
+                <a:tc>
+                  <a:txBody>
+                    <a:bodyPr/>
+                    <a:lstStyle/>
+                    <a:p>
+                      <a:r>
+                        <a:rPr lang="sv-SE" sz="1400" dirty="0" smtClean="0"/>
+                        <a:t>1</a:t>
+                      </a:r>
+                      <a:endParaRPr lang="sv-SE" sz="1400" dirty="0"/>
+                    </a:p>
+                  </a:txBody>
+                  <a:tcPr/>
+                </a:tc>
+                <a:tc>
+                  <a:txBody>
+                    <a:bodyPr/>
+                    <a:lstStyle/>
+                    <a:p>
+                      <a:r>
+                        <a:rPr lang="sv-SE" sz="1400" dirty="0" smtClean="0"/>
+                        <a:t>3</a:t>
+                      </a:r>
+                      <a:endParaRPr lang="sv-SE" sz="1400" dirty="0"/>
+                    </a:p>
+                  </a:txBody>
+                  <a:tcPr/>
+                </a:tc>
+                <a:tc>
+                  <a:txBody>
+                    <a:bodyPr/>
+                    <a:lstStyle/>
+                    <a:p>
+                      <a:r>
+                        <a:rPr lang="sv-SE" sz="1400" dirty="0" smtClean="0"/>
+                        <a:t>070856141</a:t>
+                      </a:r>
+                      <a:endParaRPr lang="sv-SE" sz="1400" dirty="0"/>
+                    </a:p>
+                  </a:txBody>
+                  <a:tcPr/>
+                </a:tc>
+              </a:tr>
+              <a:tr h="370840">
+                <a:tc>
+                  <a:txBody>
+                    <a:bodyPr/>
+                    <a:lstStyle/>
+                    <a:p>
+                      <a:r>
+                        <a:rPr lang="sv-SE" sz="1400" dirty="0" smtClean="0"/>
+                        <a:t>3</a:t>
+                      </a:r>
+                      <a:endParaRPr lang="sv-SE" sz="1400" dirty="0"/>
+                    </a:p>
+                  </a:txBody>
+                  <a:tcPr/>
+                </a:tc>
+                <a:tc>
+                  <a:txBody>
+                    <a:bodyPr/>
+                    <a:lstStyle/>
+                    <a:p>
+                      <a:r>
+                        <a:rPr lang="sv-SE" sz="1400" dirty="0" smtClean="0"/>
+                        <a:t>3</a:t>
+                      </a:r>
+                      <a:endParaRPr lang="sv-SE" sz="1400" dirty="0"/>
+                    </a:p>
+                  </a:txBody>
+                  <a:tcPr/>
+                </a:tc>
+                <a:tc>
+                  <a:txBody>
+                    <a:bodyPr/>
+                    <a:lstStyle/>
+                    <a:p>
+                      <a:r>
+                        <a:rPr lang="sv-SE" sz="1400" dirty="0" smtClean="0"/>
+                        <a:t>2</a:t>
+                      </a:r>
+                      <a:endParaRPr lang="sv-SE" sz="1400" dirty="0"/>
+                    </a:p>
+                  </a:txBody>
+                  <a:tcPr/>
+                </a:tc>
+                <a:tc>
+                  <a:txBody>
+                    <a:bodyPr/>
+                    <a:lstStyle/>
+                    <a:p>
+                      <a:r>
+                        <a:rPr lang="sv-SE" sz="1400" dirty="0" smtClean="0"/>
+                        <a:t>0875-33687</a:t>
+                      </a:r>
+                      <a:endParaRPr lang="sv-SE" sz="1400" dirty="0"/>
+                    </a:p>
+                  </a:txBody>
+                  <a:tcPr/>
+                </a:tc>
+              </a:tr>
+              <a:tr h="370840">
+                <a:tc>
+                  <a:txBody>
+                    <a:bodyPr/>
+                    <a:lstStyle/>
+                    <a:p>
+                      <a:r>
+                        <a:rPr lang="sv-SE" sz="1400" dirty="0" smtClean="0"/>
+                        <a:t>4</a:t>
+                      </a:r>
+                      <a:endParaRPr lang="sv-SE" sz="1400" dirty="0"/>
+                    </a:p>
+                  </a:txBody>
+                  <a:tcPr/>
+                </a:tc>
+                <a:tc>
+                  <a:txBody>
+                    <a:bodyPr/>
+                    <a:lstStyle/>
+                    <a:p>
+                      <a:r>
+                        <a:rPr lang="sv-SE" sz="1400" dirty="0" smtClean="0"/>
+                        <a:t>1</a:t>
+                      </a:r>
+                      <a:endParaRPr lang="sv-SE" sz="1400" dirty="0"/>
+                    </a:p>
+                  </a:txBody>
+                  <a:tcPr/>
+                </a:tc>
+                <a:tc>
+                  <a:txBody>
+                    <a:bodyPr/>
+                    <a:lstStyle/>
+                    <a:p>
+                      <a:r>
+                        <a:rPr lang="sv-SE" sz="1400" dirty="0" smtClean="0"/>
+                        <a:t>1</a:t>
+                      </a:r>
+                      <a:endParaRPr lang="sv-SE" sz="1400" dirty="0"/>
+                    </a:p>
+                  </a:txBody>
+                  <a:tcPr/>
+                </a:tc>
+                <a:tc>
+                  <a:txBody>
+                    <a:bodyPr/>
+                    <a:lstStyle/>
+                    <a:p>
+                      <a:r>
+                        <a:rPr lang="sv-SE" sz="1400" dirty="0" smtClean="0"/>
+                        <a:t>076632792</a:t>
+                      </a:r>
+                      <a:endParaRPr lang="sv-SE" sz="1400" dirty="0"/>
+                    </a:p>
+                  </a:txBody>
+                  <a:tcPr/>
+                </a:tc>
+              </a:tr>
+            </a:tbl>
+          </a:graphicData>
+        </a:graphic>
+      </p:graphicFrame>
+      <p:sp>
+        <p:nvSpPr>
+          <p:cNvPr id="11" name="TextBox 10"/>
+          <p:cNvSpPr txBox="1"/>
+          <p:nvPr/>
+        </p:nvSpPr>
+        <p:spPr>
+          <a:xfrm>
+            <a:off x="27629" y="2185083"/>
+            <a:ext cx="1368152" cy="369332"/>
+          </a:xfrm>
+          <a:prstGeom prst="rect">
+            <a:avLst/>
+          </a:prstGeom>
+          <a:noFill/>
+        </p:spPr>
+        <p:txBody>
+          <a:bodyPr wrap="square" rtlCol="0">
+            <a:spAutoFit/>
+          </a:bodyPr>
+          <a:lstStyle/>
+          <a:p>
+            <a:r>
+              <a:rPr lang="sv-SE" dirty="0" smtClean="0"/>
+              <a:t>Telefon</a:t>
+            </a:r>
+            <a:endParaRPr lang="sv-SE" dirty="0"/>
+          </a:p>
+        </p:txBody>
+      </p:sp>
+      <p:sp>
+        <p:nvSpPr>
+          <p:cNvPr id="12" name="TextBox 11"/>
+          <p:cNvSpPr txBox="1"/>
+          <p:nvPr/>
+        </p:nvSpPr>
+        <p:spPr>
+          <a:xfrm>
+            <a:off x="3978769" y="2172708"/>
+            <a:ext cx="1368152" cy="369332"/>
+          </a:xfrm>
+          <a:prstGeom prst="rect">
+            <a:avLst/>
+          </a:prstGeom>
+          <a:noFill/>
+        </p:spPr>
+        <p:txBody>
+          <a:bodyPr wrap="square" rtlCol="0">
+            <a:spAutoFit/>
+          </a:bodyPr>
+          <a:lstStyle/>
+          <a:p>
+            <a:r>
+              <a:rPr lang="sv-SE" dirty="0" smtClean="0"/>
+              <a:t>Telefontyp</a:t>
+            </a:r>
+            <a:endParaRPr lang="sv-SE" dirty="0"/>
+          </a:p>
+        </p:txBody>
+      </p:sp>
+      <p:graphicFrame>
+        <p:nvGraphicFramePr>
+          <p:cNvPr id="13" name="Table 12"/>
+          <p:cNvGraphicFramePr>
+            <a:graphicFrameLocks noGrp="1"/>
+          </p:cNvGraphicFramePr>
+          <p:nvPr>
+            <p:extLst>
+              <p:ext uri="{D42A27DB-BD31-4B8C-83A1-F6EECF244321}">
+                <p14:modId xmlns:p14="http://schemas.microsoft.com/office/powerpoint/2010/main" val="2532202069"/>
+              </p:ext>
+            </p:extLst>
+          </p:nvPr>
+        </p:nvGraphicFramePr>
+        <p:xfrm>
+          <a:off x="4067944" y="2497158"/>
+          <a:ext cx="1546099" cy="1483360"/>
+        </p:xfrm>
+        <a:graphic>
+          <a:graphicData uri="http://schemas.openxmlformats.org/drawingml/2006/table">
+            <a:tbl>
+              <a:tblPr firstRow="1" bandRow="1">
+                <a:tableStyleId>{5C22544A-7EE6-4342-B048-85BDC9FD1C3A}</a:tableStyleId>
+              </a:tblPr>
+              <a:tblGrid>
+                <a:gridCol w="829501"/>
+                <a:gridCol w="716598"/>
+              </a:tblGrid>
+              <a:tr h="370840">
+                <a:tc>
+                  <a:txBody>
+                    <a:bodyPr/>
+                    <a:lstStyle/>
+                    <a:p>
+                      <a:r>
+                        <a:rPr lang="sv-SE" sz="1400" dirty="0" smtClean="0"/>
+                        <a:t>TeltypID</a:t>
+                      </a:r>
+                      <a:endParaRPr lang="sv-SE" sz="1400" dirty="0"/>
+                    </a:p>
+                  </a:txBody>
+                  <a:tcPr>
+                    <a:lnL w="12700" cap="flat" cmpd="sng" algn="ctr">
+                      <a:solidFill>
+                        <a:schemeClr val="tx1"/>
+                      </a:solidFill>
+                      <a:prstDash val="solid"/>
+                      <a:round/>
+                      <a:headEnd type="none" w="med" len="med"/>
+                      <a:tailEnd type="none" w="med" len="med"/>
+                    </a:lnL>
+                    <a:lnR w="12700" cap="flat" cmpd="sng" algn="ctr">
+                      <a:solidFill>
+                        <a:schemeClr val="tx1"/>
+                      </a:solidFill>
+                      <a:prstDash val="solid"/>
+                      <a:round/>
+                      <a:headEnd type="none" w="med" len="med"/>
+                      <a:tailEnd type="none" w="med" len="med"/>
+                    </a:lnR>
+                    <a:lnT w="12700" cap="flat" cmpd="sng" algn="ctr">
+                      <a:solidFill>
+                        <a:schemeClr val="tx1"/>
+                      </a:solidFill>
+                      <a:prstDash val="solid"/>
+                      <a:round/>
+                      <a:headEnd type="none" w="med" len="med"/>
+                      <a:tailEnd type="none" w="med" len="med"/>
+                    </a:lnT>
+                    <a:lnB w="12700" cap="flat" cmpd="sng" algn="ctr">
+                      <a:solidFill>
+                        <a:schemeClr val="tx1"/>
+                      </a:solidFill>
+                      <a:prstDash val="solid"/>
+                      <a:round/>
+                      <a:headEnd type="none" w="med" len="med"/>
+                      <a:tailEnd type="none" w="med" len="med"/>
+                    </a:lnB>
+                  </a:tcPr>
+                </a:tc>
+                <a:tc>
+                  <a:txBody>
+                    <a:bodyPr/>
+                    <a:lstStyle/>
+                    <a:p>
+                      <a:r>
+                        <a:rPr lang="sv-SE" sz="1400" dirty="0" smtClean="0"/>
+                        <a:t>Teltyp</a:t>
+                      </a:r>
+                      <a:endParaRPr lang="sv-SE" sz="1400" dirty="0"/>
+                    </a:p>
+                  </a:txBody>
+                  <a:tcPr>
+                    <a:lnL w="12700" cap="flat" cmpd="sng" algn="ctr">
+                      <a:solidFill>
+                        <a:schemeClr val="tx1"/>
+                      </a:solidFill>
+                      <a:prstDash val="solid"/>
+                      <a:round/>
+                      <a:headEnd type="none" w="med" len="med"/>
+                      <a:tailEnd type="none" w="med" len="med"/>
+                    </a:lnL>
+                    <a:lnR w="12700" cap="flat" cmpd="sng" algn="ctr">
+                      <a:solidFill>
+                        <a:schemeClr val="tx1"/>
+                      </a:solidFill>
+                      <a:prstDash val="solid"/>
+                      <a:round/>
+                      <a:headEnd type="none" w="med" len="med"/>
+                      <a:tailEnd type="none" w="med" len="med"/>
+                    </a:lnR>
+                    <a:lnT w="12700" cap="flat" cmpd="sng" algn="ctr">
+                      <a:noFill/>
+                      <a:prstDash val="solid"/>
+                      <a:round/>
+                      <a:headEnd type="none" w="med" len="med"/>
+                      <a:tailEnd type="none" w="med" len="med"/>
+                    </a:lnT>
+                    <a:lnB w="12700" cap="flat" cmpd="sng" algn="ctr">
+                      <a:solidFill>
+                        <a:schemeClr val="tx1"/>
+                      </a:solidFill>
+                      <a:prstDash val="solid"/>
+                      <a:round/>
+                      <a:headEnd type="none" w="med" len="med"/>
+                      <a:tailEnd type="none" w="med" len="med"/>
+                    </a:lnB>
+                  </a:tcPr>
+                </a:tc>
+              </a:tr>
+              <a:tr h="370840">
+                <a:tc>
+                  <a:txBody>
+                    <a:bodyPr/>
+                    <a:lstStyle/>
+                    <a:p>
+                      <a:r>
+                        <a:rPr lang="sv-SE" sz="1400" dirty="0" smtClean="0"/>
+                        <a:t>1</a:t>
+                      </a:r>
+                      <a:endParaRPr lang="sv-SE" sz="1400" dirty="0"/>
+                    </a:p>
+                  </a:txBody>
+                  <a:tcPr>
+                    <a:lnT w="12700" cap="flat" cmpd="sng" algn="ctr">
+                      <a:solidFill>
+                        <a:schemeClr val="tx1"/>
+                      </a:solidFill>
+                      <a:prstDash val="solid"/>
+                      <a:round/>
+                      <a:headEnd type="none" w="med" len="med"/>
+                      <a:tailEnd type="none" w="med" len="med"/>
+                    </a:lnT>
+                  </a:tcPr>
+                </a:tc>
+                <a:tc>
+                  <a:txBody>
+                    <a:bodyPr/>
+                    <a:lstStyle/>
+                    <a:p>
+                      <a:r>
+                        <a:rPr lang="sv-SE" sz="1400" dirty="0" smtClean="0"/>
+                        <a:t>Mobil</a:t>
+                      </a:r>
+                      <a:endParaRPr lang="sv-SE" sz="1400" dirty="0"/>
+                    </a:p>
+                  </a:txBody>
+                  <a:tcPr>
+                    <a:lnT w="12700" cap="flat" cmpd="sng" algn="ctr">
+                      <a:solidFill>
+                        <a:schemeClr val="tx1"/>
+                      </a:solidFill>
+                      <a:prstDash val="solid"/>
+                      <a:round/>
+                      <a:headEnd type="none" w="med" len="med"/>
+                      <a:tailEnd type="none" w="med" len="med"/>
+                    </a:lnT>
+                  </a:tcPr>
+                </a:tc>
+              </a:tr>
+              <a:tr h="370840">
+                <a:tc>
+                  <a:txBody>
+                    <a:bodyPr/>
+                    <a:lstStyle/>
+                    <a:p>
+                      <a:r>
+                        <a:rPr lang="sv-SE" sz="1400" dirty="0" smtClean="0"/>
+                        <a:t>2</a:t>
+                      </a:r>
+                      <a:endParaRPr lang="sv-SE" sz="1400" dirty="0"/>
+                    </a:p>
+                  </a:txBody>
+                  <a:tcPr/>
+                </a:tc>
+                <a:tc>
+                  <a:txBody>
+                    <a:bodyPr/>
+                    <a:lstStyle/>
+                    <a:p>
+                      <a:r>
+                        <a:rPr lang="sv-SE" sz="1400" dirty="0" smtClean="0"/>
+                        <a:t>Hem</a:t>
+                      </a:r>
+                      <a:endParaRPr lang="sv-SE" sz="1400" dirty="0"/>
+                    </a:p>
+                  </a:txBody>
+                  <a:tcPr/>
+                </a:tc>
+              </a:tr>
+              <a:tr h="370840">
+                <a:tc>
+                  <a:txBody>
+                    <a:bodyPr/>
+                    <a:lstStyle/>
+                    <a:p>
+                      <a:r>
+                        <a:rPr lang="sv-SE" sz="1400" dirty="0" smtClean="0"/>
+                        <a:t>3</a:t>
+                      </a:r>
+                      <a:endParaRPr lang="sv-SE" sz="1400" dirty="0"/>
+                    </a:p>
+                  </a:txBody>
+                  <a:tcPr/>
+                </a:tc>
+                <a:tc>
+                  <a:txBody>
+                    <a:bodyPr/>
+                    <a:lstStyle/>
+                    <a:p>
+                      <a:r>
+                        <a:rPr lang="sv-SE" sz="1400" dirty="0" smtClean="0"/>
+                        <a:t>Arbete</a:t>
+                      </a:r>
+                      <a:endParaRPr lang="sv-SE" sz="1400" dirty="0"/>
+                    </a:p>
+                  </a:txBody>
+                  <a:tcPr/>
+                </a:tc>
+              </a:tr>
+            </a:tbl>
+          </a:graphicData>
+        </a:graphic>
+      </p:graphicFrame>
+      <p:graphicFrame>
+        <p:nvGraphicFramePr>
+          <p:cNvPr id="22" name="Table 21"/>
+          <p:cNvGraphicFramePr>
+            <a:graphicFrameLocks noGrp="1"/>
+          </p:cNvGraphicFramePr>
+          <p:nvPr>
+            <p:extLst>
+              <p:ext uri="{D42A27DB-BD31-4B8C-83A1-F6EECF244321}">
+                <p14:modId xmlns:p14="http://schemas.microsoft.com/office/powerpoint/2010/main" val="3178345744"/>
+              </p:ext>
+            </p:extLst>
+          </p:nvPr>
+        </p:nvGraphicFramePr>
+        <p:xfrm>
+          <a:off x="27629" y="4765794"/>
+          <a:ext cx="2885377" cy="1854200"/>
+        </p:xfrm>
+        <a:graphic>
+          <a:graphicData uri="http://schemas.openxmlformats.org/drawingml/2006/table">
+            <a:tbl>
+              <a:tblPr firstRow="1" bandRow="1">
+                <a:tableStyleId>{5C22544A-7EE6-4342-B048-85BDC9FD1C3A}</a:tableStyleId>
+              </a:tblPr>
+              <a:tblGrid>
+                <a:gridCol w="868680"/>
+                <a:gridCol w="1178941"/>
+                <a:gridCol w="837756"/>
+              </a:tblGrid>
+              <a:tr h="370840">
+                <a:tc>
+                  <a:txBody>
+                    <a:bodyPr/>
+                    <a:lstStyle/>
+                    <a:p>
+                      <a:r>
+                        <a:rPr lang="sv-SE" sz="1400" dirty="0" smtClean="0"/>
+                        <a:t>ResursID</a:t>
+                      </a:r>
+                      <a:endParaRPr lang="sv-SE" sz="1400" dirty="0"/>
+                    </a:p>
+                  </a:txBody>
+                  <a:tcPr>
+                    <a:lnL w="12700" cap="flat" cmpd="sng" algn="ctr">
+                      <a:solidFill>
+                        <a:schemeClr val="tx1"/>
+                      </a:solidFill>
+                      <a:prstDash val="solid"/>
+                      <a:round/>
+                      <a:headEnd type="none" w="med" len="med"/>
+                      <a:tailEnd type="none" w="med" len="med"/>
+                    </a:lnL>
+                    <a:lnR w="12700" cap="flat" cmpd="sng" algn="ctr">
+                      <a:solidFill>
+                        <a:schemeClr val="tx1"/>
+                      </a:solidFill>
+                      <a:prstDash val="solid"/>
+                      <a:round/>
+                      <a:headEnd type="none" w="med" len="med"/>
+                      <a:tailEnd type="none" w="med" len="med"/>
+                    </a:lnR>
+                    <a:lnT w="12700" cap="flat" cmpd="sng" algn="ctr">
+                      <a:solidFill>
+                        <a:schemeClr val="tx1"/>
+                      </a:solidFill>
+                      <a:prstDash val="solid"/>
+                      <a:round/>
+                      <a:headEnd type="none" w="med" len="med"/>
+                      <a:tailEnd type="none" w="med" len="med"/>
+                    </a:lnT>
+                    <a:lnB w="12700" cap="flat" cmpd="sng" algn="ctr">
+                      <a:solidFill>
+                        <a:schemeClr val="tx1"/>
+                      </a:solidFill>
+                      <a:prstDash val="solid"/>
+                      <a:round/>
+                      <a:headEnd type="none" w="med" len="med"/>
+                      <a:tailEnd type="none" w="med" len="med"/>
+                    </a:lnB>
+                  </a:tcPr>
+                </a:tc>
+                <a:tc>
+                  <a:txBody>
+                    <a:bodyPr/>
+                    <a:lstStyle/>
+                    <a:p>
+                      <a:r>
+                        <a:rPr lang="sv-SE" sz="1400" dirty="0" smtClean="0"/>
+                        <a:t>Resurstyp</a:t>
+                      </a:r>
+                      <a:endParaRPr lang="sv-SE" sz="1400" dirty="0"/>
+                    </a:p>
+                  </a:txBody>
+                  <a:tcPr>
+                    <a:lnL w="12700" cap="flat" cmpd="sng" algn="ctr">
+                      <a:solidFill>
+                        <a:schemeClr val="tx1"/>
+                      </a:solidFill>
+                      <a:prstDash val="solid"/>
+                      <a:round/>
+                      <a:headEnd type="none" w="med" len="med"/>
+                      <a:tailEnd type="none" w="med" len="med"/>
+                    </a:lnL>
+                    <a:lnR w="12700" cap="flat" cmpd="sng" algn="ctr">
+                      <a:solidFill>
+                        <a:schemeClr val="tx1"/>
+                      </a:solidFill>
+                      <a:prstDash val="solid"/>
+                      <a:round/>
+                      <a:headEnd type="none" w="med" len="med"/>
+                      <a:tailEnd type="none" w="med" len="med"/>
+                    </a:lnR>
+                    <a:lnT w="12700" cap="flat" cmpd="sng" algn="ctr">
+                      <a:noFill/>
+                      <a:prstDash val="solid"/>
+                      <a:round/>
+                      <a:headEnd type="none" w="med" len="med"/>
+                      <a:tailEnd type="none" w="med" len="med"/>
+                    </a:lnT>
+                    <a:lnB w="12700" cap="flat" cmpd="sng" algn="ctr">
+                      <a:solidFill>
+                        <a:schemeClr val="tx1"/>
+                      </a:solidFill>
+                      <a:prstDash val="solid"/>
+                      <a:round/>
+                      <a:headEnd type="none" w="med" len="med"/>
+                      <a:tailEnd type="none" w="med" len="med"/>
+                    </a:lnB>
+                  </a:tcPr>
+                </a:tc>
+                <a:tc>
+                  <a:txBody>
+                    <a:bodyPr/>
+                    <a:lstStyle/>
+                    <a:p>
+                      <a:r>
+                        <a:rPr lang="sv-SE" sz="1400" dirty="0" smtClean="0"/>
+                        <a:t>Status</a:t>
+                      </a:r>
+                      <a:endParaRPr lang="sv-SE" sz="1400" dirty="0"/>
+                    </a:p>
+                  </a:txBody>
+                  <a:tcPr>
+                    <a:lnL w="12700" cap="flat" cmpd="sng" algn="ctr">
+                      <a:solidFill>
+                        <a:schemeClr val="tx1"/>
+                      </a:solidFill>
+                      <a:prstDash val="solid"/>
+                      <a:round/>
+                      <a:headEnd type="none" w="med" len="med"/>
+                      <a:tailEnd type="none" w="med" len="med"/>
+                    </a:lnL>
+                    <a:lnR w="12700" cap="flat" cmpd="sng" algn="ctr">
+                      <a:solidFill>
+                        <a:schemeClr val="tx1"/>
+                      </a:solidFill>
+                      <a:prstDash val="solid"/>
+                      <a:round/>
+                      <a:headEnd type="none" w="med" len="med"/>
+                      <a:tailEnd type="none" w="med" len="med"/>
+                    </a:lnR>
+                    <a:lnT w="12700" cap="flat" cmpd="sng" algn="ctr">
+                      <a:noFill/>
+                      <a:prstDash val="solid"/>
+                      <a:round/>
+                      <a:headEnd type="none" w="med" len="med"/>
+                      <a:tailEnd type="none" w="med" len="med"/>
+                    </a:lnT>
+                    <a:lnB w="12700" cap="flat" cmpd="sng" algn="ctr">
+                      <a:solidFill>
+                        <a:schemeClr val="tx1"/>
+                      </a:solidFill>
+                      <a:prstDash val="solid"/>
+                      <a:round/>
+                      <a:headEnd type="none" w="med" len="med"/>
+                      <a:tailEnd type="none" w="med" len="med"/>
+                    </a:lnB>
+                  </a:tcPr>
+                </a:tc>
+              </a:tr>
+              <a:tr h="370840">
+                <a:tc>
+                  <a:txBody>
+                    <a:bodyPr/>
+                    <a:lstStyle/>
+                    <a:p>
+                      <a:r>
+                        <a:rPr lang="sv-SE" sz="1400" dirty="0" smtClean="0"/>
+                        <a:t>1</a:t>
+                      </a:r>
+                      <a:endParaRPr lang="sv-SE" sz="1400" dirty="0"/>
+                    </a:p>
+                  </a:txBody>
+                  <a:tcPr>
+                    <a:lnT w="12700" cap="flat" cmpd="sng" algn="ctr">
+                      <a:solidFill>
+                        <a:schemeClr val="tx1"/>
+                      </a:solidFill>
+                      <a:prstDash val="solid"/>
+                      <a:round/>
+                      <a:headEnd type="none" w="med" len="med"/>
+                      <a:tailEnd type="none" w="med" len="med"/>
+                    </a:lnT>
+                  </a:tcPr>
+                </a:tc>
+                <a:tc>
+                  <a:txBody>
+                    <a:bodyPr/>
+                    <a:lstStyle/>
+                    <a:p>
+                      <a:r>
+                        <a:rPr lang="sv-SE" sz="1400" dirty="0" smtClean="0"/>
+                        <a:t>Ingen</a:t>
+                      </a:r>
+                      <a:r>
+                        <a:rPr lang="sv-SE" sz="1400" baseline="0" dirty="0" smtClean="0"/>
+                        <a:t> resurs</a:t>
+                      </a:r>
+                      <a:endParaRPr lang="sv-SE" sz="1400" dirty="0"/>
+                    </a:p>
+                  </a:txBody>
+                  <a:tcPr>
+                    <a:lnT w="12700" cap="flat" cmpd="sng" algn="ctr">
+                      <a:solidFill>
+                        <a:schemeClr val="tx1"/>
+                      </a:solidFill>
+                      <a:prstDash val="solid"/>
+                      <a:round/>
+                      <a:headEnd type="none" w="med" len="med"/>
+                      <a:tailEnd type="none" w="med" len="med"/>
+                    </a:lnT>
+                  </a:tcPr>
+                </a:tc>
+                <a:tc>
+                  <a:txBody>
+                    <a:bodyPr/>
+                    <a:lstStyle/>
+                    <a:p>
+                      <a:r>
+                        <a:rPr lang="sv-SE" sz="1400" dirty="0" smtClean="0"/>
+                        <a:t>Används</a:t>
+                      </a:r>
+                      <a:endParaRPr lang="sv-SE" sz="1400" dirty="0"/>
+                    </a:p>
+                  </a:txBody>
+                  <a:tcPr>
+                    <a:lnT w="12700" cap="flat" cmpd="sng" algn="ctr">
+                      <a:solidFill>
+                        <a:schemeClr val="tx1"/>
+                      </a:solidFill>
+                      <a:prstDash val="solid"/>
+                      <a:round/>
+                      <a:headEnd type="none" w="med" len="med"/>
+                      <a:tailEnd type="none" w="med" len="med"/>
+                    </a:lnT>
+                  </a:tcPr>
+                </a:tc>
+              </a:tr>
+              <a:tr h="370840">
+                <a:tc>
+                  <a:txBody>
+                    <a:bodyPr/>
+                    <a:lstStyle/>
+                    <a:p>
+                      <a:r>
+                        <a:rPr lang="sv-SE" sz="1400" dirty="0" smtClean="0"/>
+                        <a:t>2</a:t>
+                      </a:r>
+                      <a:endParaRPr lang="sv-SE" sz="1400" dirty="0"/>
+                    </a:p>
+                  </a:txBody>
+                  <a:tcPr/>
+                </a:tc>
+                <a:tc>
+                  <a:txBody>
+                    <a:bodyPr/>
+                    <a:lstStyle/>
+                    <a:p>
+                      <a:r>
+                        <a:rPr lang="sv-SE" sz="1400" dirty="0" smtClean="0"/>
+                        <a:t>Dator</a:t>
+                      </a:r>
+                      <a:endParaRPr lang="sv-SE" sz="1400" dirty="0"/>
+                    </a:p>
+                  </a:txBody>
+                  <a:tcPr/>
+                </a:tc>
+                <a:tc>
+                  <a:txBody>
+                    <a:bodyPr/>
+                    <a:lstStyle/>
+                    <a:p>
+                      <a:r>
+                        <a:rPr lang="sv-SE" sz="1400" dirty="0" smtClean="0"/>
+                        <a:t>Ledig</a:t>
+                      </a:r>
+                      <a:endParaRPr lang="sv-SE" sz="1400" dirty="0"/>
+                    </a:p>
+                  </a:txBody>
+                  <a:tcPr/>
+                </a:tc>
+              </a:tr>
+              <a:tr h="370840">
+                <a:tc>
+                  <a:txBody>
+                    <a:bodyPr/>
+                    <a:lstStyle/>
+                    <a:p>
+                      <a:r>
+                        <a:rPr lang="sv-SE" sz="1400" dirty="0" smtClean="0"/>
+                        <a:t>3</a:t>
+                      </a:r>
+                      <a:endParaRPr lang="sv-SE" sz="1400" dirty="0"/>
+                    </a:p>
+                  </a:txBody>
+                  <a:tcPr/>
+                </a:tc>
+                <a:tc>
+                  <a:txBody>
+                    <a:bodyPr/>
+                    <a:lstStyle/>
+                    <a:p>
+                      <a:r>
+                        <a:rPr lang="sv-SE" sz="1400" dirty="0" smtClean="0"/>
+                        <a:t>Gaffeltruck</a:t>
+                      </a:r>
+                      <a:endParaRPr lang="sv-SE" sz="1400" dirty="0"/>
+                    </a:p>
+                  </a:txBody>
+                  <a:tcPr/>
+                </a:tc>
+                <a:tc>
+                  <a:txBody>
+                    <a:bodyPr/>
+                    <a:lstStyle/>
+                    <a:p>
+                      <a:r>
+                        <a:rPr lang="sv-SE" sz="1400" dirty="0" smtClean="0"/>
+                        <a:t>Används</a:t>
+                      </a:r>
+                      <a:endParaRPr lang="sv-SE" sz="1400" dirty="0"/>
+                    </a:p>
+                  </a:txBody>
+                  <a:tcPr/>
+                </a:tc>
+              </a:tr>
+              <a:tr h="370840">
+                <a:tc>
+                  <a:txBody>
+                    <a:bodyPr/>
+                    <a:lstStyle/>
+                    <a:p>
+                      <a:r>
+                        <a:rPr lang="sv-SE" sz="1400" dirty="0" smtClean="0"/>
+                        <a:t>4</a:t>
+                      </a:r>
+                      <a:endParaRPr lang="sv-SE" sz="1400" dirty="0"/>
+                    </a:p>
+                  </a:txBody>
+                  <a:tcPr/>
+                </a:tc>
+                <a:tc>
+                  <a:txBody>
+                    <a:bodyPr/>
+                    <a:lstStyle/>
+                    <a:p>
+                      <a:r>
+                        <a:rPr lang="sv-SE" sz="1400" dirty="0" smtClean="0"/>
+                        <a:t>Dammsugare</a:t>
+                      </a:r>
+                      <a:endParaRPr lang="sv-SE" sz="1400" dirty="0"/>
+                    </a:p>
+                  </a:txBody>
+                  <a:tcPr/>
+                </a:tc>
+                <a:tc>
+                  <a:txBody>
+                    <a:bodyPr/>
+                    <a:lstStyle/>
+                    <a:p>
+                      <a:r>
+                        <a:rPr lang="sv-SE" sz="1400" dirty="0" smtClean="0"/>
+                        <a:t>Används</a:t>
+                      </a:r>
+                      <a:endParaRPr lang="sv-SE" sz="1400" dirty="0"/>
+                    </a:p>
+                  </a:txBody>
+                  <a:tcPr/>
+                </a:tc>
+              </a:tr>
+            </a:tbl>
+          </a:graphicData>
+        </a:graphic>
+      </p:graphicFrame>
+      <p:sp>
+        <p:nvSpPr>
+          <p:cNvPr id="23" name="TextBox 22"/>
+          <p:cNvSpPr txBox="1"/>
+          <p:nvPr/>
+        </p:nvSpPr>
+        <p:spPr>
+          <a:xfrm>
+            <a:off x="27629" y="4370556"/>
+            <a:ext cx="1368152" cy="369332"/>
+          </a:xfrm>
+          <a:prstGeom prst="rect">
+            <a:avLst/>
+          </a:prstGeom>
+          <a:noFill/>
+        </p:spPr>
+        <p:txBody>
+          <a:bodyPr wrap="square" rtlCol="0">
+            <a:spAutoFit/>
+          </a:bodyPr>
+          <a:lstStyle/>
+          <a:p>
+            <a:r>
+              <a:rPr lang="sv-SE" dirty="0" smtClean="0"/>
+              <a:t>Resurs</a:t>
+            </a:r>
+            <a:endParaRPr lang="sv-SE" dirty="0"/>
+          </a:p>
+        </p:txBody>
+      </p:sp>
+      <p:graphicFrame>
+        <p:nvGraphicFramePr>
+          <p:cNvPr id="24" name="Table 23"/>
+          <p:cNvGraphicFramePr>
+            <a:graphicFrameLocks noGrp="1"/>
+          </p:cNvGraphicFramePr>
+          <p:nvPr>
+            <p:extLst>
+              <p:ext uri="{D42A27DB-BD31-4B8C-83A1-F6EECF244321}">
+                <p14:modId xmlns:p14="http://schemas.microsoft.com/office/powerpoint/2010/main" val="2560029068"/>
+              </p:ext>
+            </p:extLst>
+          </p:nvPr>
+        </p:nvGraphicFramePr>
+        <p:xfrm>
+          <a:off x="3816140" y="4770036"/>
+          <a:ext cx="2889632" cy="1483360"/>
+        </p:xfrm>
+        <a:graphic>
+          <a:graphicData uri="http://schemas.openxmlformats.org/drawingml/2006/table">
+            <a:tbl>
+              <a:tblPr firstRow="1" bandRow="1">
+                <a:tableStyleId>{5C22544A-7EE6-4342-B048-85BDC9FD1C3A}</a:tableStyleId>
+              </a:tblPr>
+              <a:tblGrid>
+                <a:gridCol w="696976"/>
+                <a:gridCol w="680784"/>
+                <a:gridCol w="868680"/>
+                <a:gridCol w="643192"/>
+              </a:tblGrid>
+              <a:tr h="370840">
+                <a:tc>
+                  <a:txBody>
+                    <a:bodyPr/>
+                    <a:lstStyle/>
+                    <a:p>
+                      <a:r>
+                        <a:rPr lang="sv-SE" sz="1400" dirty="0" smtClean="0"/>
+                        <a:t>PersID</a:t>
+                      </a:r>
+                      <a:endParaRPr lang="sv-SE" sz="1400" dirty="0"/>
+                    </a:p>
+                  </a:txBody>
+                  <a:tcPr>
+                    <a:lnL w="12700" cap="flat" cmpd="sng" algn="ctr">
+                      <a:solidFill>
+                        <a:schemeClr val="tx1"/>
+                      </a:solidFill>
+                      <a:prstDash val="solid"/>
+                      <a:round/>
+                      <a:headEnd type="none" w="med" len="med"/>
+                      <a:tailEnd type="none" w="med" len="med"/>
+                    </a:lnL>
+                    <a:lnR w="12700" cap="flat" cmpd="sng" algn="ctr">
+                      <a:solidFill>
+                        <a:schemeClr val="tx1"/>
+                      </a:solidFill>
+                      <a:prstDash val="solid"/>
+                      <a:round/>
+                      <a:headEnd type="none" w="med" len="med"/>
+                      <a:tailEnd type="none" w="med" len="med"/>
+                    </a:lnR>
+                    <a:lnT w="12700" cap="flat" cmpd="sng" algn="ctr">
+                      <a:solidFill>
+                        <a:schemeClr val="tx1"/>
+                      </a:solidFill>
+                      <a:prstDash val="solid"/>
+                      <a:round/>
+                      <a:headEnd type="none" w="med" len="med"/>
+                      <a:tailEnd type="none" w="med" len="med"/>
+                    </a:lnT>
+                    <a:lnB w="12700" cap="flat" cmpd="sng" algn="ctr">
+                      <a:solidFill>
+                        <a:schemeClr val="tx1"/>
+                      </a:solidFill>
+                      <a:prstDash val="solid"/>
+                      <a:round/>
+                      <a:headEnd type="none" w="med" len="med"/>
+                      <a:tailEnd type="none" w="med" len="med"/>
+                    </a:lnB>
+                  </a:tcPr>
+                </a:tc>
+                <a:tc>
+                  <a:txBody>
+                    <a:bodyPr/>
+                    <a:lstStyle/>
+                    <a:p>
+                      <a:r>
+                        <a:rPr lang="sv-SE" sz="1400" dirty="0" smtClean="0"/>
+                        <a:t>ProjID</a:t>
+                      </a:r>
+                      <a:endParaRPr lang="sv-SE" sz="1400" dirty="0"/>
+                    </a:p>
+                  </a:txBody>
+                  <a:tcPr>
+                    <a:lnL w="12700" cap="flat" cmpd="sng" algn="ctr">
+                      <a:solidFill>
+                        <a:schemeClr val="tx1"/>
+                      </a:solidFill>
+                      <a:prstDash val="solid"/>
+                      <a:round/>
+                      <a:headEnd type="none" w="med" len="med"/>
+                      <a:tailEnd type="none" w="med" len="med"/>
+                    </a:lnL>
+                    <a:lnR w="12700" cap="flat" cmpd="sng" algn="ctr">
+                      <a:solidFill>
+                        <a:schemeClr val="tx1"/>
+                      </a:solidFill>
+                      <a:prstDash val="solid"/>
+                      <a:round/>
+                      <a:headEnd type="none" w="med" len="med"/>
+                      <a:tailEnd type="none" w="med" len="med"/>
+                    </a:lnR>
+                    <a:lnT w="12700" cap="flat" cmpd="sng" algn="ctr">
+                      <a:noFill/>
+                      <a:prstDash val="solid"/>
+                      <a:round/>
+                      <a:headEnd type="none" w="med" len="med"/>
+                      <a:tailEnd type="none" w="med" len="med"/>
+                    </a:lnT>
+                    <a:lnB w="12700" cap="flat" cmpd="sng" algn="ctr">
+                      <a:solidFill>
+                        <a:schemeClr val="tx1"/>
+                      </a:solidFill>
+                      <a:prstDash val="solid"/>
+                      <a:round/>
+                      <a:headEnd type="none" w="med" len="med"/>
+                      <a:tailEnd type="none" w="med" len="med"/>
+                    </a:lnB>
+                  </a:tcPr>
+                </a:tc>
+                <a:tc>
+                  <a:txBody>
+                    <a:bodyPr/>
+                    <a:lstStyle/>
+                    <a:p>
+                      <a:r>
+                        <a:rPr lang="sv-SE" sz="1400" dirty="0" smtClean="0"/>
+                        <a:t>ResursID</a:t>
+                      </a:r>
+                      <a:endParaRPr lang="sv-SE" sz="1400" dirty="0"/>
+                    </a:p>
+                  </a:txBody>
+                  <a:tcPr>
+                    <a:lnL w="12700" cap="flat" cmpd="sng" algn="ctr">
+                      <a:solidFill>
+                        <a:schemeClr val="tx1"/>
+                      </a:solidFill>
+                      <a:prstDash val="solid"/>
+                      <a:round/>
+                      <a:headEnd type="none" w="med" len="med"/>
+                      <a:tailEnd type="none" w="med" len="med"/>
+                    </a:lnL>
+                    <a:lnR w="12700" cap="flat" cmpd="sng" algn="ctr">
+                      <a:solidFill>
+                        <a:schemeClr val="tx1"/>
+                      </a:solidFill>
+                      <a:prstDash val="solid"/>
+                      <a:round/>
+                      <a:headEnd type="none" w="med" len="med"/>
+                      <a:tailEnd type="none" w="med" len="med"/>
+                    </a:lnR>
+                    <a:lnT w="12700" cap="flat" cmpd="sng" algn="ctr">
+                      <a:noFill/>
+                      <a:prstDash val="solid"/>
+                      <a:round/>
+                      <a:headEnd type="none" w="med" len="med"/>
+                      <a:tailEnd type="none" w="med" len="med"/>
+                    </a:lnT>
+                    <a:lnB w="12700" cap="flat" cmpd="sng" algn="ctr">
+                      <a:solidFill>
+                        <a:schemeClr val="tx1"/>
+                      </a:solidFill>
+                      <a:prstDash val="solid"/>
+                      <a:round/>
+                      <a:headEnd type="none" w="med" len="med"/>
+                      <a:tailEnd type="none" w="med" len="med"/>
+                    </a:lnB>
+                  </a:tcPr>
+                </a:tc>
+                <a:tc>
+                  <a:txBody>
+                    <a:bodyPr/>
+                    <a:lstStyle/>
+                    <a:p>
+                      <a:r>
+                        <a:rPr lang="sv-SE" sz="1400" dirty="0" smtClean="0"/>
+                        <a:t>DatID</a:t>
+                      </a:r>
+                      <a:endParaRPr lang="sv-SE" sz="1400" dirty="0"/>
+                    </a:p>
+                  </a:txBody>
+                  <a:tcPr>
+                    <a:lnL w="12700" cap="flat" cmpd="sng" algn="ctr">
+                      <a:solidFill>
+                        <a:schemeClr val="tx1"/>
+                      </a:solidFill>
+                      <a:prstDash val="solid"/>
+                      <a:round/>
+                      <a:headEnd type="none" w="med" len="med"/>
+                      <a:tailEnd type="none" w="med" len="med"/>
+                    </a:lnL>
+                    <a:lnR w="12700" cap="flat" cmpd="sng" algn="ctr">
+                      <a:solidFill>
+                        <a:schemeClr val="tx1"/>
+                      </a:solidFill>
+                      <a:prstDash val="solid"/>
+                      <a:round/>
+                      <a:headEnd type="none" w="med" len="med"/>
+                      <a:tailEnd type="none" w="med" len="med"/>
+                    </a:lnR>
+                    <a:lnT w="12700" cap="flat" cmpd="sng" algn="ctr">
+                      <a:noFill/>
+                      <a:prstDash val="solid"/>
+                      <a:round/>
+                      <a:headEnd type="none" w="med" len="med"/>
+                      <a:tailEnd type="none" w="med" len="med"/>
+                    </a:lnT>
+                    <a:lnB w="12700" cap="flat" cmpd="sng" algn="ctr">
+                      <a:solidFill>
+                        <a:schemeClr val="tx1"/>
+                      </a:solidFill>
+                      <a:prstDash val="solid"/>
+                      <a:round/>
+                      <a:headEnd type="none" w="med" len="med"/>
+                      <a:tailEnd type="none" w="med" len="med"/>
+                    </a:lnB>
+                  </a:tcPr>
+                </a:tc>
+              </a:tr>
+              <a:tr h="370840">
+                <a:tc>
+                  <a:txBody>
+                    <a:bodyPr/>
+                    <a:lstStyle/>
+                    <a:p>
+                      <a:r>
+                        <a:rPr lang="sv-SE" sz="1400" dirty="0" smtClean="0"/>
+                        <a:t>1</a:t>
+                      </a:r>
+                      <a:endParaRPr lang="sv-SE" sz="1400" dirty="0"/>
+                    </a:p>
+                  </a:txBody>
+                  <a:tcPr>
+                    <a:lnT w="12700" cap="flat" cmpd="sng" algn="ctr">
+                      <a:solidFill>
+                        <a:schemeClr val="tx1"/>
+                      </a:solidFill>
+                      <a:prstDash val="solid"/>
+                      <a:round/>
+                      <a:headEnd type="none" w="med" len="med"/>
+                      <a:tailEnd type="none" w="med" len="med"/>
+                    </a:lnT>
+                  </a:tcPr>
+                </a:tc>
+                <a:tc>
+                  <a:txBody>
+                    <a:bodyPr/>
+                    <a:lstStyle/>
+                    <a:p>
+                      <a:r>
+                        <a:rPr lang="sv-SE" sz="1400" dirty="0" smtClean="0"/>
+                        <a:t>3</a:t>
+                      </a:r>
+                      <a:endParaRPr lang="sv-SE" sz="1400" dirty="0"/>
+                    </a:p>
+                  </a:txBody>
+                  <a:tcPr>
+                    <a:lnT w="12700" cap="flat" cmpd="sng" algn="ctr">
+                      <a:solidFill>
+                        <a:schemeClr val="tx1"/>
+                      </a:solidFill>
+                      <a:prstDash val="solid"/>
+                      <a:round/>
+                      <a:headEnd type="none" w="med" len="med"/>
+                      <a:tailEnd type="none" w="med" len="med"/>
+                    </a:lnT>
+                  </a:tcPr>
+                </a:tc>
+                <a:tc>
+                  <a:txBody>
+                    <a:bodyPr/>
+                    <a:lstStyle/>
+                    <a:p>
+                      <a:r>
+                        <a:rPr lang="sv-SE" sz="1400" dirty="0" smtClean="0"/>
+                        <a:t>1</a:t>
+                      </a:r>
+                      <a:endParaRPr lang="sv-SE" sz="1400" dirty="0"/>
+                    </a:p>
+                  </a:txBody>
+                  <a:tcPr>
+                    <a:lnT w="12700" cap="flat" cmpd="sng" algn="ctr">
+                      <a:solidFill>
+                        <a:schemeClr val="tx1"/>
+                      </a:solidFill>
+                      <a:prstDash val="solid"/>
+                      <a:round/>
+                      <a:headEnd type="none" w="med" len="med"/>
+                      <a:tailEnd type="none" w="med" len="med"/>
+                    </a:lnT>
+                  </a:tcPr>
+                </a:tc>
+                <a:tc>
+                  <a:txBody>
+                    <a:bodyPr/>
+                    <a:lstStyle/>
+                    <a:p>
+                      <a:r>
+                        <a:rPr lang="sv-SE" sz="1400" dirty="0" smtClean="0"/>
+                        <a:t>1</a:t>
+                      </a:r>
+                      <a:endParaRPr lang="sv-SE" sz="1400" dirty="0"/>
+                    </a:p>
+                  </a:txBody>
+                  <a:tcPr>
+                    <a:lnT w="12700" cap="flat" cmpd="sng" algn="ctr">
+                      <a:solidFill>
+                        <a:schemeClr val="tx1"/>
+                      </a:solidFill>
+                      <a:prstDash val="solid"/>
+                      <a:round/>
+                      <a:headEnd type="none" w="med" len="med"/>
+                      <a:tailEnd type="none" w="med" len="med"/>
+                    </a:lnT>
+                  </a:tcPr>
+                </a:tc>
+              </a:tr>
+              <a:tr h="370840">
+                <a:tc>
+                  <a:txBody>
+                    <a:bodyPr/>
+                    <a:lstStyle/>
+                    <a:p>
+                      <a:r>
+                        <a:rPr lang="sv-SE" sz="1400" dirty="0" smtClean="0"/>
+                        <a:t>2</a:t>
+                      </a:r>
+                      <a:endParaRPr lang="sv-SE" sz="1400" dirty="0"/>
+                    </a:p>
+                  </a:txBody>
+                  <a:tcPr/>
+                </a:tc>
+                <a:tc>
+                  <a:txBody>
+                    <a:bodyPr/>
+                    <a:lstStyle/>
+                    <a:p>
+                      <a:r>
+                        <a:rPr lang="sv-SE" sz="1400" dirty="0" smtClean="0"/>
+                        <a:t>2</a:t>
+                      </a:r>
+                      <a:endParaRPr lang="sv-SE" sz="1400" dirty="0"/>
+                    </a:p>
+                  </a:txBody>
+                  <a:tcPr/>
+                </a:tc>
+                <a:tc>
+                  <a:txBody>
+                    <a:bodyPr/>
+                    <a:lstStyle/>
+                    <a:p>
+                      <a:r>
+                        <a:rPr lang="sv-SE" sz="1400" dirty="0" smtClean="0"/>
+                        <a:t>4</a:t>
+                      </a:r>
+                      <a:endParaRPr lang="sv-SE" sz="1400" dirty="0"/>
+                    </a:p>
+                  </a:txBody>
+                  <a:tcPr/>
+                </a:tc>
+                <a:tc>
+                  <a:txBody>
+                    <a:bodyPr/>
+                    <a:lstStyle/>
+                    <a:p>
+                      <a:r>
+                        <a:rPr lang="sv-SE" sz="1400" dirty="0" smtClean="0"/>
+                        <a:t>5</a:t>
+                      </a:r>
+                      <a:endParaRPr lang="sv-SE" sz="1400" dirty="0"/>
+                    </a:p>
+                  </a:txBody>
+                  <a:tcPr/>
+                </a:tc>
+              </a:tr>
+              <a:tr h="370840">
+                <a:tc>
+                  <a:txBody>
+                    <a:bodyPr/>
+                    <a:lstStyle/>
+                    <a:p>
+                      <a:r>
+                        <a:rPr lang="sv-SE" sz="1400" dirty="0" smtClean="0"/>
+                        <a:t>3</a:t>
+                      </a:r>
+                      <a:endParaRPr lang="sv-SE" sz="1400" dirty="0"/>
+                    </a:p>
+                  </a:txBody>
+                  <a:tcPr/>
+                </a:tc>
+                <a:tc>
+                  <a:txBody>
+                    <a:bodyPr/>
+                    <a:lstStyle/>
+                    <a:p>
+                      <a:r>
+                        <a:rPr lang="sv-SE" sz="1400" dirty="0" smtClean="0"/>
+                        <a:t>1</a:t>
+                      </a:r>
+                      <a:endParaRPr lang="sv-SE" sz="1400" dirty="0"/>
+                    </a:p>
+                  </a:txBody>
+                  <a:tcPr/>
+                </a:tc>
+                <a:tc>
+                  <a:txBody>
+                    <a:bodyPr/>
+                    <a:lstStyle/>
+                    <a:p>
+                      <a:r>
+                        <a:rPr lang="sv-SE" sz="1400" dirty="0" smtClean="0"/>
+                        <a:t>3</a:t>
+                      </a:r>
+                      <a:endParaRPr lang="sv-SE" sz="1400" dirty="0"/>
+                    </a:p>
+                  </a:txBody>
+                  <a:tcPr/>
+                </a:tc>
+                <a:tc>
+                  <a:txBody>
+                    <a:bodyPr/>
+                    <a:lstStyle/>
+                    <a:p>
+                      <a:r>
+                        <a:rPr lang="sv-SE" sz="1400" dirty="0" smtClean="0"/>
+                        <a:t>5</a:t>
+                      </a:r>
+                      <a:endParaRPr lang="sv-SE" sz="1400" dirty="0"/>
+                    </a:p>
+                  </a:txBody>
+                  <a:tcPr/>
+                </a:tc>
+              </a:tr>
+            </a:tbl>
+          </a:graphicData>
+        </a:graphic>
+      </p:graphicFrame>
+      <p:sp>
+        <p:nvSpPr>
+          <p:cNvPr id="25" name="TextBox 24"/>
+          <p:cNvSpPr txBox="1"/>
+          <p:nvPr/>
+        </p:nvSpPr>
+        <p:spPr>
+          <a:xfrm>
+            <a:off x="3771657" y="4393748"/>
+            <a:ext cx="1368152" cy="369332"/>
+          </a:xfrm>
+          <a:prstGeom prst="rect">
+            <a:avLst/>
+          </a:prstGeom>
+          <a:noFill/>
+        </p:spPr>
+        <p:txBody>
+          <a:bodyPr wrap="square" rtlCol="0">
+            <a:spAutoFit/>
+          </a:bodyPr>
+          <a:lstStyle/>
+          <a:p>
+            <a:r>
+              <a:rPr lang="sv-SE" dirty="0" smtClean="0"/>
+              <a:t>Användning</a:t>
+            </a:r>
+            <a:endParaRPr lang="sv-SE" dirty="0"/>
+          </a:p>
+        </p:txBody>
+      </p:sp>
+    </p:spTree>
+    <p:extLst>
+      <p:ext uri="{BB962C8B-B14F-4D97-AF65-F5344CB8AC3E}">
+        <p14:creationId xmlns:p14="http://schemas.microsoft.com/office/powerpoint/2010/main" val="3281339862"/>
+      </p:ext>
+    </p:extLst>
+  </p:cSld>
+  <p:clrMapOvr>
+    <a:masterClrMapping/>
+  </p:clrMapOvr>
+</p:sld>
+</file>
+
+<file path=ppt/slides/slide9.xml><?xml version="1.0" encoding="utf-8"?>
+<p:sld xmlns:a="http://schemas.openxmlformats.org/drawingml/2006/main" xmlns:r="http://schemas.openxmlformats.org/officeDocument/2006/relationships" xmlns:p="http://schemas.openxmlformats.org/presentationml/2006/main">
+  <p:cSld>
+    <p:spTree>
+      <p:nvGrpSpPr>
+        <p:cNvPr id="1" name=""/>
+        <p:cNvGrpSpPr/>
+        <p:nvPr/>
+      </p:nvGrpSpPr>
+      <p:grpSpPr>
+        <a:xfrm>
+          <a:off x="0" y="0"/>
+          <a:ext cx="0" cy="0"/>
+          <a:chOff x="0" y="0"/>
+          <a:chExt cx="0" cy="0"/>
+        </a:xfrm>
+      </p:grpSpPr>
+      <p:graphicFrame>
+        <p:nvGraphicFramePr>
+          <p:cNvPr id="4" name="Table 3"/>
+          <p:cNvGraphicFramePr>
+            <a:graphicFrameLocks noGrp="1"/>
+          </p:cNvGraphicFramePr>
+          <p:nvPr>
+            <p:extLst>
+              <p:ext uri="{D42A27DB-BD31-4B8C-83A1-F6EECF244321}">
+                <p14:modId xmlns:p14="http://schemas.microsoft.com/office/powerpoint/2010/main" val="3888964408"/>
+              </p:ext>
+            </p:extLst>
+          </p:nvPr>
+        </p:nvGraphicFramePr>
+        <p:xfrm>
+          <a:off x="102369" y="555702"/>
+          <a:ext cx="4033203" cy="1483360"/>
+        </p:xfrm>
+        <a:graphic>
+          <a:graphicData uri="http://schemas.openxmlformats.org/drawingml/2006/table">
+            <a:tbl>
+              <a:tblPr firstRow="1" bandRow="1">
+                <a:tableStyleId>{5C22544A-7EE6-4342-B048-85BDC9FD1C3A}</a:tableStyleId>
+              </a:tblPr>
+              <a:tblGrid>
+                <a:gridCol w="764921"/>
+                <a:gridCol w="923544"/>
+                <a:gridCol w="696976"/>
+                <a:gridCol w="1004570"/>
+                <a:gridCol w="643192"/>
+              </a:tblGrid>
+              <a:tr h="370840">
+                <a:tc>
+                  <a:txBody>
+                    <a:bodyPr/>
+                    <a:lstStyle/>
+                    <a:p>
+                      <a:r>
+                        <a:rPr lang="sv-SE" sz="1400" dirty="0" smtClean="0"/>
+                        <a:t>FörmID</a:t>
+                      </a:r>
+                      <a:endParaRPr lang="sv-SE" sz="1400" dirty="0"/>
+                    </a:p>
+                  </a:txBody>
+                  <a:tcPr>
+                    <a:lnL w="12700" cap="flat" cmpd="sng" algn="ctr">
+                      <a:solidFill>
+                        <a:schemeClr val="tx1"/>
+                      </a:solidFill>
+                      <a:prstDash val="solid"/>
+                      <a:round/>
+                      <a:headEnd type="none" w="med" len="med"/>
+                      <a:tailEnd type="none" w="med" len="med"/>
+                    </a:lnL>
+                    <a:lnR w="12700" cap="flat" cmpd="sng" algn="ctr">
+                      <a:solidFill>
+                        <a:schemeClr val="tx1"/>
+                      </a:solidFill>
+                      <a:prstDash val="solid"/>
+                      <a:round/>
+                      <a:headEnd type="none" w="med" len="med"/>
+                      <a:tailEnd type="none" w="med" len="med"/>
+                    </a:lnR>
+                    <a:lnT w="12700" cap="flat" cmpd="sng" algn="ctr">
+                      <a:solidFill>
+                        <a:schemeClr val="tx1"/>
+                      </a:solidFill>
+                      <a:prstDash val="solid"/>
+                      <a:round/>
+                      <a:headEnd type="none" w="med" len="med"/>
+                      <a:tailEnd type="none" w="med" len="med"/>
+                    </a:lnT>
+                    <a:lnB w="12700" cap="flat" cmpd="sng" algn="ctr">
+                      <a:solidFill>
+                        <a:schemeClr val="tx1"/>
+                      </a:solidFill>
+                      <a:prstDash val="solid"/>
+                      <a:round/>
+                      <a:headEnd type="none" w="med" len="med"/>
+                      <a:tailEnd type="none" w="med" len="med"/>
+                    </a:lnB>
+                  </a:tcPr>
+                </a:tc>
+                <a:tc>
+                  <a:txBody>
+                    <a:bodyPr/>
+                    <a:lstStyle/>
+                    <a:p>
+                      <a:r>
+                        <a:rPr lang="sv-SE" sz="1400" dirty="0" smtClean="0"/>
+                        <a:t>Förmån</a:t>
+                      </a:r>
+                      <a:endParaRPr lang="sv-SE" sz="1400" dirty="0"/>
+                    </a:p>
+                  </a:txBody>
+                  <a:tcPr>
+                    <a:lnL w="12700" cap="flat" cmpd="sng" algn="ctr">
+                      <a:solidFill>
+                        <a:schemeClr val="tx1"/>
+                      </a:solidFill>
+                      <a:prstDash val="solid"/>
+                      <a:round/>
+                      <a:headEnd type="none" w="med" len="med"/>
+                      <a:tailEnd type="none" w="med" len="med"/>
+                    </a:lnL>
+                    <a:lnR w="12700" cap="flat" cmpd="sng" algn="ctr">
+                      <a:solidFill>
+                        <a:schemeClr val="tx1"/>
+                      </a:solidFill>
+                      <a:prstDash val="solid"/>
+                      <a:round/>
+                      <a:headEnd type="none" w="med" len="med"/>
+                      <a:tailEnd type="none" w="med" len="med"/>
+                    </a:lnR>
+                    <a:lnT w="12700" cap="flat" cmpd="sng" algn="ctr">
+                      <a:noFill/>
+                      <a:prstDash val="solid"/>
+                      <a:round/>
+                      <a:headEnd type="none" w="med" len="med"/>
+                      <a:tailEnd type="none" w="med" len="med"/>
+                    </a:lnT>
+                    <a:lnB w="12700" cap="flat" cmpd="sng" algn="ctr">
+                      <a:solidFill>
+                        <a:schemeClr val="tx1"/>
+                      </a:solidFill>
+                      <a:prstDash val="solid"/>
+                      <a:round/>
+                      <a:headEnd type="none" w="med" len="med"/>
+                      <a:tailEnd type="none" w="med" len="med"/>
+                    </a:lnB>
+                  </a:tcPr>
+                </a:tc>
+                <a:tc>
+                  <a:txBody>
+                    <a:bodyPr/>
+                    <a:lstStyle/>
+                    <a:p>
+                      <a:r>
+                        <a:rPr lang="sv-SE" sz="1400" dirty="0" smtClean="0"/>
+                        <a:t>PersID</a:t>
+                      </a:r>
+                      <a:endParaRPr lang="sv-SE" sz="1400" dirty="0"/>
+                    </a:p>
+                  </a:txBody>
+                  <a:tcPr>
+                    <a:lnL w="12700" cap="flat" cmpd="sng" algn="ctr">
+                      <a:solidFill>
+                        <a:schemeClr val="tx1"/>
+                      </a:solidFill>
+                      <a:prstDash val="solid"/>
+                      <a:round/>
+                      <a:headEnd type="none" w="med" len="med"/>
+                      <a:tailEnd type="none" w="med" len="med"/>
+                    </a:lnL>
+                    <a:lnR w="12700" cap="flat" cmpd="sng" algn="ctr">
+                      <a:solidFill>
+                        <a:schemeClr val="tx1"/>
+                      </a:solidFill>
+                      <a:prstDash val="solid"/>
+                      <a:round/>
+                      <a:headEnd type="none" w="med" len="med"/>
+                      <a:tailEnd type="none" w="med" len="med"/>
+                    </a:lnR>
+                    <a:lnT w="12700" cap="flat" cmpd="sng" algn="ctr">
+                      <a:noFill/>
+                      <a:prstDash val="solid"/>
+                      <a:round/>
+                      <a:headEnd type="none" w="med" len="med"/>
+                      <a:tailEnd type="none" w="med" len="med"/>
+                    </a:lnT>
+                    <a:lnB w="12700" cap="flat" cmpd="sng" algn="ctr">
+                      <a:solidFill>
+                        <a:schemeClr val="tx1"/>
+                      </a:solidFill>
+                      <a:prstDash val="solid"/>
+                      <a:round/>
+                      <a:headEnd type="none" w="med" len="med"/>
+                      <a:tailEnd type="none" w="med" len="med"/>
+                    </a:lnB>
+                  </a:tcPr>
+                </a:tc>
+                <a:tc>
+                  <a:txBody>
+                    <a:bodyPr/>
+                    <a:lstStyle/>
+                    <a:p>
+                      <a:r>
+                        <a:rPr lang="sv-SE" sz="1400" dirty="0" smtClean="0"/>
+                        <a:t>FörmtypID</a:t>
+                      </a:r>
+                      <a:endParaRPr lang="sv-SE" sz="1400" dirty="0"/>
+                    </a:p>
+                  </a:txBody>
+                  <a:tcPr>
+                    <a:lnL w="12700" cap="flat" cmpd="sng" algn="ctr">
+                      <a:solidFill>
+                        <a:schemeClr val="tx1"/>
+                      </a:solidFill>
+                      <a:prstDash val="solid"/>
+                      <a:round/>
+                      <a:headEnd type="none" w="med" len="med"/>
+                      <a:tailEnd type="none" w="med" len="med"/>
+                    </a:lnL>
+                    <a:lnR w="12700" cap="flat" cmpd="sng" algn="ctr">
+                      <a:solidFill>
+                        <a:schemeClr val="tx1"/>
+                      </a:solidFill>
+                      <a:prstDash val="solid"/>
+                      <a:round/>
+                      <a:headEnd type="none" w="med" len="med"/>
+                      <a:tailEnd type="none" w="med" len="med"/>
+                    </a:lnR>
+                    <a:lnT w="12700" cap="flat" cmpd="sng" algn="ctr">
+                      <a:noFill/>
+                      <a:prstDash val="solid"/>
+                      <a:round/>
+                      <a:headEnd type="none" w="med" len="med"/>
+                      <a:tailEnd type="none" w="med" len="med"/>
+                    </a:lnT>
+                    <a:lnB w="12700" cap="flat" cmpd="sng" algn="ctr">
+                      <a:solidFill>
+                        <a:schemeClr val="tx1"/>
+                      </a:solidFill>
+                      <a:prstDash val="solid"/>
+                      <a:round/>
+                      <a:headEnd type="none" w="med" len="med"/>
+                      <a:tailEnd type="none" w="med" len="med"/>
+                    </a:lnB>
+                  </a:tcPr>
+                </a:tc>
+                <a:tc>
+                  <a:txBody>
+                    <a:bodyPr/>
+                    <a:lstStyle/>
+                    <a:p>
+                      <a:r>
+                        <a:rPr lang="sv-SE" sz="1400" dirty="0" smtClean="0"/>
+                        <a:t>DatID</a:t>
+                      </a:r>
+                      <a:endParaRPr lang="sv-SE" sz="1400" dirty="0"/>
+                    </a:p>
+                  </a:txBody>
+                  <a:tcPr>
+                    <a:lnL w="12700" cap="flat" cmpd="sng" algn="ctr">
+                      <a:solidFill>
+                        <a:schemeClr val="tx1"/>
+                      </a:solidFill>
+                      <a:prstDash val="solid"/>
+                      <a:round/>
+                      <a:headEnd type="none" w="med" len="med"/>
+                      <a:tailEnd type="none" w="med" len="med"/>
+                    </a:lnL>
+                    <a:lnR w="12700" cap="flat" cmpd="sng" algn="ctr">
+                      <a:solidFill>
+                        <a:schemeClr val="tx1"/>
+                      </a:solidFill>
+                      <a:prstDash val="solid"/>
+                      <a:round/>
+                      <a:headEnd type="none" w="med" len="med"/>
+                      <a:tailEnd type="none" w="med" len="med"/>
+                    </a:lnR>
+                    <a:lnT w="12700" cap="flat" cmpd="sng" algn="ctr">
+                      <a:noFill/>
+                      <a:prstDash val="solid"/>
+                      <a:round/>
+                      <a:headEnd type="none" w="med" len="med"/>
+                      <a:tailEnd type="none" w="med" len="med"/>
+                    </a:lnT>
+                    <a:lnB w="12700" cap="flat" cmpd="sng" algn="ctr">
+                      <a:solidFill>
+                        <a:schemeClr val="tx1"/>
+                      </a:solidFill>
+                      <a:prstDash val="solid"/>
+                      <a:round/>
+                      <a:headEnd type="none" w="med" len="med"/>
+                      <a:tailEnd type="none" w="med" len="med"/>
+                    </a:lnB>
+                  </a:tcPr>
+                </a:tc>
+              </a:tr>
+              <a:tr h="370840">
+                <a:tc>
+                  <a:txBody>
+                    <a:bodyPr/>
+                    <a:lstStyle/>
+                    <a:p>
+                      <a:r>
+                        <a:rPr lang="sv-SE" sz="1400" dirty="0" smtClean="0"/>
+                        <a:t>1</a:t>
+                      </a:r>
+                      <a:endParaRPr lang="sv-SE" sz="1400" dirty="0"/>
+                    </a:p>
+                  </a:txBody>
+                  <a:tcPr>
+                    <a:lnT w="12700" cap="flat" cmpd="sng" algn="ctr">
+                      <a:solidFill>
+                        <a:schemeClr val="tx1"/>
+                      </a:solidFill>
+                      <a:prstDash val="solid"/>
+                      <a:round/>
+                      <a:headEnd type="none" w="med" len="med"/>
+                      <a:tailEnd type="none" w="med" len="med"/>
+                    </a:lnT>
+                  </a:tcPr>
+                </a:tc>
+                <a:tc>
+                  <a:txBody>
+                    <a:bodyPr/>
+                    <a:lstStyle/>
+                    <a:p>
+                      <a:r>
+                        <a:rPr lang="sv-SE" sz="1400" dirty="0" smtClean="0"/>
+                        <a:t>Parkering</a:t>
+                      </a:r>
+                      <a:endParaRPr lang="sv-SE" sz="1400" dirty="0"/>
+                    </a:p>
+                  </a:txBody>
+                  <a:tcPr>
+                    <a:lnT w="12700" cap="flat" cmpd="sng" algn="ctr">
+                      <a:solidFill>
+                        <a:schemeClr val="tx1"/>
+                      </a:solidFill>
+                      <a:prstDash val="solid"/>
+                      <a:round/>
+                      <a:headEnd type="none" w="med" len="med"/>
+                      <a:tailEnd type="none" w="med" len="med"/>
+                    </a:lnT>
+                  </a:tcPr>
+                </a:tc>
+                <a:tc>
+                  <a:txBody>
+                    <a:bodyPr/>
+                    <a:lstStyle/>
+                    <a:p>
+                      <a:r>
+                        <a:rPr lang="sv-SE" sz="1400" dirty="0" smtClean="0"/>
+                        <a:t>3</a:t>
+                      </a:r>
+                      <a:endParaRPr lang="sv-SE" sz="1400" dirty="0"/>
+                    </a:p>
+                  </a:txBody>
+                  <a:tcPr>
+                    <a:lnT w="12700" cap="flat" cmpd="sng" algn="ctr">
+                      <a:solidFill>
+                        <a:schemeClr val="tx1"/>
+                      </a:solidFill>
+                      <a:prstDash val="solid"/>
+                      <a:round/>
+                      <a:headEnd type="none" w="med" len="med"/>
+                      <a:tailEnd type="none" w="med" len="med"/>
+                    </a:lnT>
+                  </a:tcPr>
+                </a:tc>
+                <a:tc>
+                  <a:txBody>
+                    <a:bodyPr/>
+                    <a:lstStyle/>
+                    <a:p>
+                      <a:r>
+                        <a:rPr lang="sv-SE" sz="1400" dirty="0" smtClean="0"/>
+                        <a:t>2</a:t>
+                      </a:r>
+                      <a:endParaRPr lang="sv-SE" sz="1400" dirty="0"/>
+                    </a:p>
+                  </a:txBody>
+                  <a:tcPr>
+                    <a:lnT w="12700" cap="flat" cmpd="sng" algn="ctr">
+                      <a:solidFill>
+                        <a:schemeClr val="tx1"/>
+                      </a:solidFill>
+                      <a:prstDash val="solid"/>
+                      <a:round/>
+                      <a:headEnd type="none" w="med" len="med"/>
+                      <a:tailEnd type="none" w="med" len="med"/>
+                    </a:lnT>
+                  </a:tcPr>
+                </a:tc>
+                <a:tc>
+                  <a:txBody>
+                    <a:bodyPr/>
+                    <a:lstStyle/>
+                    <a:p>
+                      <a:r>
+                        <a:rPr lang="sv-SE" sz="1400" dirty="0" smtClean="0"/>
+                        <a:t>4</a:t>
+                      </a:r>
+                      <a:endParaRPr lang="sv-SE" sz="1400" dirty="0"/>
+                    </a:p>
+                  </a:txBody>
+                  <a:tcPr>
+                    <a:lnT w="12700" cap="flat" cmpd="sng" algn="ctr">
+                      <a:solidFill>
+                        <a:schemeClr val="tx1"/>
+                      </a:solidFill>
+                      <a:prstDash val="solid"/>
+                      <a:round/>
+                      <a:headEnd type="none" w="med" len="med"/>
+                      <a:tailEnd type="none" w="med" len="med"/>
+                    </a:lnT>
+                  </a:tcPr>
+                </a:tc>
+              </a:tr>
+              <a:tr h="370840">
+                <a:tc>
+                  <a:txBody>
+                    <a:bodyPr/>
+                    <a:lstStyle/>
+                    <a:p>
+                      <a:r>
+                        <a:rPr lang="sv-SE" sz="1400" dirty="0" smtClean="0"/>
+                        <a:t>2</a:t>
+                      </a:r>
+                      <a:endParaRPr lang="sv-SE" sz="1400" dirty="0"/>
+                    </a:p>
+                  </a:txBody>
+                  <a:tcPr/>
+                </a:tc>
+                <a:tc>
+                  <a:txBody>
+                    <a:bodyPr/>
+                    <a:lstStyle/>
+                    <a:p>
+                      <a:r>
+                        <a:rPr lang="sv-SE" sz="1400" dirty="0" smtClean="0"/>
+                        <a:t>Tjänstebil</a:t>
+                      </a:r>
+                      <a:endParaRPr lang="sv-SE" sz="1400" dirty="0"/>
+                    </a:p>
+                  </a:txBody>
+                  <a:tcPr/>
+                </a:tc>
+                <a:tc>
+                  <a:txBody>
+                    <a:bodyPr/>
+                    <a:lstStyle/>
+                    <a:p>
+                      <a:r>
+                        <a:rPr lang="sv-SE" sz="1400" dirty="0" smtClean="0"/>
+                        <a:t>1</a:t>
+                      </a:r>
+                      <a:endParaRPr lang="sv-SE" sz="1400" dirty="0"/>
+                    </a:p>
+                  </a:txBody>
+                  <a:tcPr/>
+                </a:tc>
+                <a:tc>
+                  <a:txBody>
+                    <a:bodyPr/>
+                    <a:lstStyle/>
+                    <a:p>
+                      <a:r>
+                        <a:rPr lang="sv-SE" sz="1400" dirty="0" smtClean="0"/>
+                        <a:t>1</a:t>
+                      </a:r>
+                      <a:endParaRPr lang="sv-SE" sz="1400" dirty="0"/>
+                    </a:p>
+                  </a:txBody>
+                  <a:tcPr/>
+                </a:tc>
+                <a:tc>
+                  <a:txBody>
+                    <a:bodyPr/>
+                    <a:lstStyle/>
+                    <a:p>
+                      <a:r>
+                        <a:rPr lang="sv-SE" sz="1400" dirty="0" smtClean="0"/>
+                        <a:t>2</a:t>
+                      </a:r>
+                      <a:endParaRPr lang="sv-SE" sz="1400" dirty="0"/>
+                    </a:p>
+                  </a:txBody>
+                  <a:tcPr/>
+                </a:tc>
+              </a:tr>
+              <a:tr h="370840">
+                <a:tc>
+                  <a:txBody>
+                    <a:bodyPr/>
+                    <a:lstStyle/>
+                    <a:p>
+                      <a:r>
+                        <a:rPr lang="sv-SE" sz="1400" dirty="0" smtClean="0"/>
+                        <a:t>3</a:t>
+                      </a:r>
+                      <a:endParaRPr lang="sv-SE" sz="1400" dirty="0"/>
+                    </a:p>
+                  </a:txBody>
+                  <a:tcPr/>
+                </a:tc>
+                <a:tc>
+                  <a:txBody>
+                    <a:bodyPr/>
+                    <a:lstStyle/>
+                    <a:p>
+                      <a:r>
+                        <a:rPr lang="sv-SE" sz="1400" dirty="0" smtClean="0"/>
+                        <a:t>Parkering</a:t>
+                      </a:r>
+                      <a:endParaRPr lang="sv-SE" sz="1400" dirty="0"/>
+                    </a:p>
+                  </a:txBody>
+                  <a:tcPr/>
+                </a:tc>
+                <a:tc>
+                  <a:txBody>
+                    <a:bodyPr/>
+                    <a:lstStyle/>
+                    <a:p>
+                      <a:r>
+                        <a:rPr lang="sv-SE" sz="1400" dirty="0" smtClean="0"/>
+                        <a:t>2</a:t>
+                      </a:r>
+                      <a:endParaRPr lang="sv-SE" sz="1400" dirty="0"/>
+                    </a:p>
+                  </a:txBody>
+                  <a:tcPr/>
+                </a:tc>
+                <a:tc>
+                  <a:txBody>
+                    <a:bodyPr/>
+                    <a:lstStyle/>
+                    <a:p>
+                      <a:r>
+                        <a:rPr lang="sv-SE" sz="1400" dirty="0" smtClean="0"/>
+                        <a:t>2</a:t>
+                      </a:r>
+                      <a:endParaRPr lang="sv-SE" sz="1400" dirty="0"/>
+                    </a:p>
+                  </a:txBody>
+                  <a:tcPr/>
+                </a:tc>
+                <a:tc>
+                  <a:txBody>
+                    <a:bodyPr/>
+                    <a:lstStyle/>
+                    <a:p>
+                      <a:r>
+                        <a:rPr lang="sv-SE" sz="1400" dirty="0" smtClean="0"/>
+                        <a:t>3</a:t>
+                      </a:r>
+                      <a:endParaRPr lang="sv-SE" sz="1400" dirty="0"/>
+                    </a:p>
+                  </a:txBody>
+                  <a:tcPr/>
+                </a:tc>
+              </a:tr>
+            </a:tbl>
+          </a:graphicData>
+        </a:graphic>
+      </p:graphicFrame>
+      <p:sp>
+        <p:nvSpPr>
+          <p:cNvPr id="5" name="TextBox 4"/>
+          <p:cNvSpPr txBox="1"/>
+          <p:nvPr/>
+        </p:nvSpPr>
+        <p:spPr>
+          <a:xfrm>
+            <a:off x="35135" y="216032"/>
+            <a:ext cx="1368152" cy="369332"/>
+          </a:xfrm>
+          <a:prstGeom prst="rect">
+            <a:avLst/>
+          </a:prstGeom>
+          <a:noFill/>
+        </p:spPr>
+        <p:txBody>
+          <a:bodyPr wrap="square" rtlCol="0">
+            <a:spAutoFit/>
+          </a:bodyPr>
+          <a:lstStyle/>
+          <a:p>
+            <a:r>
+              <a:rPr lang="sv-SE" dirty="0" smtClean="0"/>
+              <a:t>Förmån</a:t>
+            </a:r>
+            <a:endParaRPr lang="sv-SE" dirty="0"/>
+          </a:p>
+        </p:txBody>
+      </p:sp>
+      <p:graphicFrame>
+        <p:nvGraphicFramePr>
+          <p:cNvPr id="6" name="Table 5"/>
+          <p:cNvGraphicFramePr>
+            <a:graphicFrameLocks noGrp="1"/>
+          </p:cNvGraphicFramePr>
+          <p:nvPr>
+            <p:extLst>
+              <p:ext uri="{D42A27DB-BD31-4B8C-83A1-F6EECF244321}">
+                <p14:modId xmlns:p14="http://schemas.microsoft.com/office/powerpoint/2010/main" val="1458471817"/>
+              </p:ext>
+            </p:extLst>
+          </p:nvPr>
+        </p:nvGraphicFramePr>
+        <p:xfrm>
+          <a:off x="5140036" y="576543"/>
+          <a:ext cx="2752852" cy="1112520"/>
+        </p:xfrm>
+        <a:graphic>
+          <a:graphicData uri="http://schemas.openxmlformats.org/drawingml/2006/table">
+            <a:tbl>
+              <a:tblPr firstRow="1" bandRow="1">
+                <a:tableStyleId>{5C22544A-7EE6-4342-B048-85BDC9FD1C3A}</a:tableStyleId>
+              </a:tblPr>
+              <a:tblGrid>
+                <a:gridCol w="1004570"/>
+                <a:gridCol w="1097915"/>
+                <a:gridCol w="650367"/>
+              </a:tblGrid>
+              <a:tr h="370840">
+                <a:tc>
+                  <a:txBody>
+                    <a:bodyPr/>
+                    <a:lstStyle/>
+                    <a:p>
+                      <a:r>
+                        <a:rPr lang="sv-SE" sz="1400" dirty="0" smtClean="0"/>
+                        <a:t>FörmtypID</a:t>
+                      </a:r>
+                      <a:endParaRPr lang="sv-SE" sz="1400" dirty="0"/>
+                    </a:p>
+                  </a:txBody>
+                  <a:tcPr>
+                    <a:lnL w="12700" cap="flat" cmpd="sng" algn="ctr">
+                      <a:solidFill>
+                        <a:schemeClr val="tx1"/>
+                      </a:solidFill>
+                      <a:prstDash val="solid"/>
+                      <a:round/>
+                      <a:headEnd type="none" w="med" len="med"/>
+                      <a:tailEnd type="none" w="med" len="med"/>
+                    </a:lnL>
+                    <a:lnR w="12700" cap="flat" cmpd="sng" algn="ctr">
+                      <a:solidFill>
+                        <a:schemeClr val="tx1"/>
+                      </a:solidFill>
+                      <a:prstDash val="solid"/>
+                      <a:round/>
+                      <a:headEnd type="none" w="med" len="med"/>
+                      <a:tailEnd type="none" w="med" len="med"/>
+                    </a:lnR>
+                    <a:lnT w="12700" cap="flat" cmpd="sng" algn="ctr">
+                      <a:solidFill>
+                        <a:schemeClr val="tx1"/>
+                      </a:solidFill>
+                      <a:prstDash val="solid"/>
+                      <a:round/>
+                      <a:headEnd type="none" w="med" len="med"/>
+                      <a:tailEnd type="none" w="med" len="med"/>
+                    </a:lnT>
+                    <a:lnB w="12700" cap="flat" cmpd="sng" algn="ctr">
+                      <a:solidFill>
+                        <a:schemeClr val="tx1"/>
+                      </a:solidFill>
+                      <a:prstDash val="solid"/>
+                      <a:round/>
+                      <a:headEnd type="none" w="med" len="med"/>
+                      <a:tailEnd type="none" w="med" len="med"/>
+                    </a:lnB>
+                  </a:tcPr>
+                </a:tc>
+                <a:tc>
+                  <a:txBody>
+                    <a:bodyPr/>
+                    <a:lstStyle/>
+                    <a:p>
+                      <a:r>
+                        <a:rPr lang="sv-SE" sz="1400" dirty="0" smtClean="0"/>
+                        <a:t>Förmånstyp</a:t>
+                      </a:r>
+                      <a:endParaRPr lang="sv-SE" sz="1400" dirty="0"/>
+                    </a:p>
+                  </a:txBody>
+                  <a:tcPr>
+                    <a:lnL w="12700" cap="flat" cmpd="sng" algn="ctr">
+                      <a:solidFill>
+                        <a:schemeClr val="tx1"/>
+                      </a:solidFill>
+                      <a:prstDash val="solid"/>
+                      <a:round/>
+                      <a:headEnd type="none" w="med" len="med"/>
+                      <a:tailEnd type="none" w="med" len="med"/>
+                    </a:lnL>
+                    <a:lnR w="12700" cap="flat" cmpd="sng" algn="ctr">
+                      <a:solidFill>
+                        <a:schemeClr val="tx1"/>
+                      </a:solidFill>
+                      <a:prstDash val="solid"/>
+                      <a:round/>
+                      <a:headEnd type="none" w="med" len="med"/>
+                      <a:tailEnd type="none" w="med" len="med"/>
+                    </a:lnR>
+                    <a:lnT w="12700" cap="flat" cmpd="sng" algn="ctr">
+                      <a:noFill/>
+                      <a:prstDash val="solid"/>
+                      <a:round/>
+                      <a:headEnd type="none" w="med" len="med"/>
+                      <a:tailEnd type="none" w="med" len="med"/>
+                    </a:lnT>
+                    <a:lnB w="12700" cap="flat" cmpd="sng" algn="ctr">
+                      <a:solidFill>
+                        <a:schemeClr val="tx1"/>
+                      </a:solidFill>
+                      <a:prstDash val="solid"/>
+                      <a:round/>
+                      <a:headEnd type="none" w="med" len="med"/>
+                      <a:tailEnd type="none" w="med" len="med"/>
+                    </a:lnB>
+                  </a:tcPr>
+                </a:tc>
+                <a:tc>
+                  <a:txBody>
+                    <a:bodyPr/>
+                    <a:lstStyle/>
+                    <a:p>
+                      <a:r>
+                        <a:rPr lang="sv-SE" sz="1400" dirty="0" smtClean="0"/>
+                        <a:t>Värde</a:t>
+                      </a:r>
+                      <a:endParaRPr lang="sv-SE" sz="1400" dirty="0"/>
+                    </a:p>
+                  </a:txBody>
+                  <a:tcPr>
+                    <a:lnL w="12700" cap="flat" cmpd="sng" algn="ctr">
+                      <a:solidFill>
+                        <a:schemeClr val="tx1"/>
+                      </a:solidFill>
+                      <a:prstDash val="solid"/>
+                      <a:round/>
+                      <a:headEnd type="none" w="med" len="med"/>
+                      <a:tailEnd type="none" w="med" len="med"/>
+                    </a:lnL>
+                    <a:lnR w="12700" cap="flat" cmpd="sng" algn="ctr">
+                      <a:solidFill>
+                        <a:schemeClr val="tx1"/>
+                      </a:solidFill>
+                      <a:prstDash val="solid"/>
+                      <a:round/>
+                      <a:headEnd type="none" w="med" len="med"/>
+                      <a:tailEnd type="none" w="med" len="med"/>
+                    </a:lnR>
+                    <a:lnT w="12700" cap="flat" cmpd="sng" algn="ctr">
+                      <a:noFill/>
+                      <a:prstDash val="solid"/>
+                      <a:round/>
+                      <a:headEnd type="none" w="med" len="med"/>
+                      <a:tailEnd type="none" w="med" len="med"/>
+                    </a:lnT>
+                    <a:lnB w="12700" cap="flat" cmpd="sng" algn="ctr">
+                      <a:solidFill>
+                        <a:schemeClr val="tx1"/>
+                      </a:solidFill>
+                      <a:prstDash val="solid"/>
+                      <a:round/>
+                      <a:headEnd type="none" w="med" len="med"/>
+                      <a:tailEnd type="none" w="med" len="med"/>
+                    </a:lnB>
+                  </a:tcPr>
+                </a:tc>
+              </a:tr>
+              <a:tr h="370840">
+                <a:tc>
+                  <a:txBody>
+                    <a:bodyPr/>
+                    <a:lstStyle/>
+                    <a:p>
+                      <a:r>
+                        <a:rPr lang="sv-SE" sz="1400" dirty="0" smtClean="0"/>
+                        <a:t>1</a:t>
+                      </a:r>
+                      <a:endParaRPr lang="sv-SE" sz="1400" dirty="0"/>
+                    </a:p>
+                  </a:txBody>
+                  <a:tcPr>
+                    <a:lnT w="12700" cap="flat" cmpd="sng" algn="ctr">
+                      <a:solidFill>
+                        <a:schemeClr val="tx1"/>
+                      </a:solidFill>
+                      <a:prstDash val="solid"/>
+                      <a:round/>
+                      <a:headEnd type="none" w="med" len="med"/>
+                      <a:tailEnd type="none" w="med" len="med"/>
+                    </a:lnT>
+                  </a:tcPr>
+                </a:tc>
+                <a:tc>
+                  <a:txBody>
+                    <a:bodyPr/>
+                    <a:lstStyle/>
+                    <a:p>
+                      <a:r>
+                        <a:rPr lang="sv-SE" sz="1400" dirty="0" smtClean="0"/>
+                        <a:t>Skattefri</a:t>
+                      </a:r>
+                      <a:endParaRPr lang="sv-SE" sz="1400" dirty="0"/>
+                    </a:p>
+                  </a:txBody>
+                  <a:tcPr>
+                    <a:lnT w="12700" cap="flat" cmpd="sng" algn="ctr">
+                      <a:solidFill>
+                        <a:schemeClr val="tx1"/>
+                      </a:solidFill>
+                      <a:prstDash val="solid"/>
+                      <a:round/>
+                      <a:headEnd type="none" w="med" len="med"/>
+                      <a:tailEnd type="none" w="med" len="med"/>
+                    </a:lnT>
+                  </a:tcPr>
+                </a:tc>
+                <a:tc>
+                  <a:txBody>
+                    <a:bodyPr/>
+                    <a:lstStyle/>
+                    <a:p>
+                      <a:r>
+                        <a:rPr lang="sv-SE" sz="1400" dirty="0" smtClean="0"/>
+                        <a:t>3000</a:t>
+                      </a:r>
+                      <a:endParaRPr lang="sv-SE" sz="1400" dirty="0"/>
+                    </a:p>
+                  </a:txBody>
+                  <a:tcPr>
+                    <a:lnT w="12700" cap="flat" cmpd="sng" algn="ctr">
+                      <a:solidFill>
+                        <a:schemeClr val="tx1"/>
+                      </a:solidFill>
+                      <a:prstDash val="solid"/>
+                      <a:round/>
+                      <a:headEnd type="none" w="med" len="med"/>
+                      <a:tailEnd type="none" w="med" len="med"/>
+                    </a:lnT>
+                  </a:tcPr>
+                </a:tc>
+              </a:tr>
+              <a:tr h="370840">
+                <a:tc>
+                  <a:txBody>
+                    <a:bodyPr/>
+                    <a:lstStyle/>
+                    <a:p>
+                      <a:r>
+                        <a:rPr lang="sv-SE" sz="1400" dirty="0" smtClean="0"/>
+                        <a:t>2</a:t>
+                      </a:r>
+                      <a:endParaRPr lang="sv-SE" sz="1400" dirty="0"/>
+                    </a:p>
+                  </a:txBody>
+                  <a:tcPr/>
+                </a:tc>
+                <a:tc>
+                  <a:txBody>
+                    <a:bodyPr/>
+                    <a:lstStyle/>
+                    <a:p>
+                      <a:r>
+                        <a:rPr lang="sv-SE" sz="1400" dirty="0" smtClean="0"/>
+                        <a:t>Friskvård</a:t>
+                      </a:r>
+                      <a:endParaRPr lang="sv-SE" sz="1400" dirty="0"/>
+                    </a:p>
+                  </a:txBody>
+                  <a:tcPr/>
+                </a:tc>
+                <a:tc>
+                  <a:txBody>
+                    <a:bodyPr/>
+                    <a:lstStyle/>
+                    <a:p>
+                      <a:r>
+                        <a:rPr lang="sv-SE" sz="1400" dirty="0" smtClean="0"/>
+                        <a:t>200</a:t>
+                      </a:r>
+                      <a:endParaRPr lang="sv-SE" sz="1400" dirty="0"/>
+                    </a:p>
+                  </a:txBody>
+                  <a:tcPr/>
+                </a:tc>
+              </a:tr>
+            </a:tbl>
+          </a:graphicData>
+        </a:graphic>
+      </p:graphicFrame>
+      <p:sp>
+        <p:nvSpPr>
+          <p:cNvPr id="7" name="TextBox 6"/>
+          <p:cNvSpPr txBox="1"/>
+          <p:nvPr/>
+        </p:nvSpPr>
+        <p:spPr>
+          <a:xfrm>
+            <a:off x="5060035" y="236873"/>
+            <a:ext cx="1368152" cy="369332"/>
+          </a:xfrm>
+          <a:prstGeom prst="rect">
+            <a:avLst/>
+          </a:prstGeom>
+          <a:noFill/>
+        </p:spPr>
+        <p:txBody>
+          <a:bodyPr wrap="square" rtlCol="0">
+            <a:spAutoFit/>
+          </a:bodyPr>
+          <a:lstStyle/>
+          <a:p>
+            <a:r>
+              <a:rPr lang="sv-SE" dirty="0" smtClean="0"/>
+              <a:t>Förmånstyp</a:t>
+            </a:r>
+            <a:endParaRPr lang="sv-SE" dirty="0"/>
+          </a:p>
+        </p:txBody>
+      </p:sp>
+      <p:sp>
+        <p:nvSpPr>
+          <p:cNvPr id="8" name="TextBox 7"/>
+          <p:cNvSpPr txBox="1"/>
+          <p:nvPr/>
+        </p:nvSpPr>
+        <p:spPr>
+          <a:xfrm>
+            <a:off x="38389" y="-22938"/>
+            <a:ext cx="1944216" cy="369332"/>
+          </a:xfrm>
+          <a:prstGeom prst="rect">
+            <a:avLst/>
+          </a:prstGeom>
+          <a:noFill/>
+        </p:spPr>
+        <p:txBody>
+          <a:bodyPr wrap="square" rtlCol="0">
+            <a:spAutoFit/>
+          </a:bodyPr>
+          <a:lstStyle/>
+          <a:p>
+            <a:r>
+              <a:rPr lang="sv-SE" b="1" dirty="0" smtClean="0"/>
+              <a:t>Exempeldata del 2</a:t>
+            </a:r>
+            <a:endParaRPr lang="sv-SE" b="1" dirty="0"/>
+          </a:p>
+        </p:txBody>
+      </p:sp>
+      <p:graphicFrame>
+        <p:nvGraphicFramePr>
+          <p:cNvPr id="9" name="Table 8"/>
+          <p:cNvGraphicFramePr>
+            <a:graphicFrameLocks noGrp="1"/>
+          </p:cNvGraphicFramePr>
+          <p:nvPr>
+            <p:extLst>
+              <p:ext uri="{D42A27DB-BD31-4B8C-83A1-F6EECF244321}">
+                <p14:modId xmlns:p14="http://schemas.microsoft.com/office/powerpoint/2010/main" val="3540279299"/>
+              </p:ext>
+            </p:extLst>
+          </p:nvPr>
+        </p:nvGraphicFramePr>
+        <p:xfrm>
+          <a:off x="4115838" y="2276872"/>
+          <a:ext cx="2757806" cy="2595880"/>
+        </p:xfrm>
+        <a:graphic>
+          <a:graphicData uri="http://schemas.openxmlformats.org/drawingml/2006/table">
+            <a:tbl>
+              <a:tblPr firstRow="1" bandRow="1">
+                <a:tableStyleId>{5C22544A-7EE6-4342-B048-85BDC9FD1C3A}</a:tableStyleId>
+              </a:tblPr>
+              <a:tblGrid>
+                <a:gridCol w="643192"/>
+                <a:gridCol w="1060196"/>
+                <a:gridCol w="1054418"/>
+              </a:tblGrid>
+              <a:tr h="370840">
+                <a:tc>
+                  <a:txBody>
+                    <a:bodyPr/>
+                    <a:lstStyle/>
+                    <a:p>
+                      <a:r>
+                        <a:rPr lang="sv-SE" sz="1400" dirty="0" smtClean="0"/>
+                        <a:t>DatID</a:t>
+                      </a:r>
+                      <a:endParaRPr lang="sv-SE" sz="1400" dirty="0"/>
+                    </a:p>
+                  </a:txBody>
+                  <a:tcPr>
+                    <a:lnL w="12700" cap="flat" cmpd="sng" algn="ctr">
+                      <a:solidFill>
+                        <a:schemeClr val="tx1"/>
+                      </a:solidFill>
+                      <a:prstDash val="solid"/>
+                      <a:round/>
+                      <a:headEnd type="none" w="med" len="med"/>
+                      <a:tailEnd type="none" w="med" len="med"/>
+                    </a:lnL>
+                    <a:lnR w="12700" cap="flat" cmpd="sng" algn="ctr">
+                      <a:solidFill>
+                        <a:schemeClr val="tx1"/>
+                      </a:solidFill>
+                      <a:prstDash val="solid"/>
+                      <a:round/>
+                      <a:headEnd type="none" w="med" len="med"/>
+                      <a:tailEnd type="none" w="med" len="med"/>
+                    </a:lnR>
+                    <a:lnT w="12700" cap="flat" cmpd="sng" algn="ctr">
+                      <a:solidFill>
+                        <a:schemeClr val="tx1"/>
+                      </a:solidFill>
+                      <a:prstDash val="solid"/>
+                      <a:round/>
+                      <a:headEnd type="none" w="med" len="med"/>
+                      <a:tailEnd type="none" w="med" len="med"/>
+                    </a:lnT>
+                    <a:lnB w="12700" cap="flat" cmpd="sng" algn="ctr">
+                      <a:solidFill>
+                        <a:schemeClr val="tx1"/>
+                      </a:solidFill>
+                      <a:prstDash val="solid"/>
+                      <a:round/>
+                      <a:headEnd type="none" w="med" len="med"/>
+                      <a:tailEnd type="none" w="med" len="med"/>
+                    </a:lnB>
+                  </a:tcPr>
+                </a:tc>
+                <a:tc>
+                  <a:txBody>
+                    <a:bodyPr/>
+                    <a:lstStyle/>
+                    <a:p>
+                      <a:r>
+                        <a:rPr lang="sv-SE" sz="1400" dirty="0" smtClean="0"/>
+                        <a:t>Startdatum</a:t>
+                      </a:r>
+                      <a:endParaRPr lang="sv-SE" sz="1400" dirty="0"/>
+                    </a:p>
+                  </a:txBody>
+                  <a:tcPr>
+                    <a:lnL w="12700" cap="flat" cmpd="sng" algn="ctr">
+                      <a:solidFill>
+                        <a:schemeClr val="tx1"/>
+                      </a:solidFill>
+                      <a:prstDash val="solid"/>
+                      <a:round/>
+                      <a:headEnd type="none" w="med" len="med"/>
+                      <a:tailEnd type="none" w="med" len="med"/>
+                    </a:lnL>
+                    <a:lnR w="12700" cap="flat" cmpd="sng" algn="ctr">
+                      <a:solidFill>
+                        <a:schemeClr val="tx1"/>
+                      </a:solidFill>
+                      <a:prstDash val="solid"/>
+                      <a:round/>
+                      <a:headEnd type="none" w="med" len="med"/>
+                      <a:tailEnd type="none" w="med" len="med"/>
+                    </a:lnR>
+                    <a:lnT w="12700" cap="flat" cmpd="sng" algn="ctr">
+                      <a:noFill/>
+                      <a:prstDash val="solid"/>
+                      <a:round/>
+                      <a:headEnd type="none" w="med" len="med"/>
+                      <a:tailEnd type="none" w="med" len="med"/>
+                    </a:lnT>
+                    <a:lnB w="12700" cap="flat" cmpd="sng" algn="ctr">
+                      <a:solidFill>
+                        <a:schemeClr val="tx1"/>
+                      </a:solidFill>
+                      <a:prstDash val="solid"/>
+                      <a:round/>
+                      <a:headEnd type="none" w="med" len="med"/>
+                      <a:tailEnd type="none" w="med" len="med"/>
+                    </a:lnB>
+                  </a:tcPr>
+                </a:tc>
+                <a:tc>
+                  <a:txBody>
+                    <a:bodyPr/>
+                    <a:lstStyle/>
+                    <a:p>
+                      <a:r>
+                        <a:rPr lang="sv-SE" sz="1400" dirty="0" smtClean="0"/>
+                        <a:t>Slutdatum</a:t>
+                      </a:r>
+                      <a:endParaRPr lang="sv-SE" sz="1400" dirty="0"/>
+                    </a:p>
+                  </a:txBody>
+                  <a:tcPr>
+                    <a:lnL w="12700" cap="flat" cmpd="sng" algn="ctr">
+                      <a:solidFill>
+                        <a:schemeClr val="tx1"/>
+                      </a:solidFill>
+                      <a:prstDash val="solid"/>
+                      <a:round/>
+                      <a:headEnd type="none" w="med" len="med"/>
+                      <a:tailEnd type="none" w="med" len="med"/>
+                    </a:lnL>
+                    <a:lnR w="12700" cap="flat" cmpd="sng" algn="ctr">
+                      <a:solidFill>
+                        <a:schemeClr val="tx1"/>
+                      </a:solidFill>
+                      <a:prstDash val="solid"/>
+                      <a:round/>
+                      <a:headEnd type="none" w="med" len="med"/>
+                      <a:tailEnd type="none" w="med" len="med"/>
+                    </a:lnR>
+                    <a:lnT w="12700" cap="flat" cmpd="sng" algn="ctr">
+                      <a:noFill/>
+                      <a:prstDash val="solid"/>
+                      <a:round/>
+                      <a:headEnd type="none" w="med" len="med"/>
+                      <a:tailEnd type="none" w="med" len="med"/>
+                    </a:lnT>
+                    <a:lnB w="12700" cap="flat" cmpd="sng" algn="ctr">
+                      <a:solidFill>
+                        <a:schemeClr val="tx1"/>
+                      </a:solidFill>
+                      <a:prstDash val="solid"/>
+                      <a:round/>
+                      <a:headEnd type="none" w="med" len="med"/>
+                      <a:tailEnd type="none" w="med" len="med"/>
+                    </a:lnB>
+                  </a:tcPr>
+                </a:tc>
+              </a:tr>
+              <a:tr h="370840">
+                <a:tc>
+                  <a:txBody>
+                    <a:bodyPr/>
+                    <a:lstStyle/>
+                    <a:p>
+                      <a:r>
+                        <a:rPr lang="sv-SE" sz="1400" dirty="0" smtClean="0"/>
+                        <a:t>1</a:t>
+                      </a:r>
+                      <a:endParaRPr lang="sv-SE" sz="1400" dirty="0"/>
+                    </a:p>
+                  </a:txBody>
+                  <a:tcPr>
+                    <a:lnT w="12700" cap="flat" cmpd="sng" algn="ctr">
+                      <a:solidFill>
+                        <a:schemeClr val="tx1"/>
+                      </a:solidFill>
+                      <a:prstDash val="solid"/>
+                      <a:round/>
+                      <a:headEnd type="none" w="med" len="med"/>
+                      <a:tailEnd type="none" w="med" len="med"/>
+                    </a:lnT>
+                  </a:tcPr>
+                </a:tc>
+                <a:tc>
+                  <a:txBody>
+                    <a:bodyPr/>
+                    <a:lstStyle/>
+                    <a:p>
+                      <a:r>
+                        <a:rPr lang="sv-SE" sz="1400" dirty="0" smtClean="0"/>
+                        <a:t>1900-01-01</a:t>
+                      </a:r>
+                      <a:endParaRPr lang="sv-SE" sz="1400" dirty="0"/>
+                    </a:p>
+                  </a:txBody>
+                  <a:tcPr>
+                    <a:lnT w="12700" cap="flat" cmpd="sng" algn="ctr">
+                      <a:solidFill>
+                        <a:schemeClr val="tx1"/>
+                      </a:solidFill>
+                      <a:prstDash val="solid"/>
+                      <a:round/>
+                      <a:headEnd type="none" w="med" len="med"/>
+                      <a:tailEnd type="none" w="med" len="med"/>
+                    </a:lnT>
+                  </a:tcPr>
+                </a:tc>
+                <a:tc>
+                  <a:txBody>
+                    <a:bodyPr/>
+                    <a:lstStyle/>
+                    <a:p>
+                      <a:r>
+                        <a:rPr lang="sv-SE" sz="1400" dirty="0" smtClean="0"/>
+                        <a:t>2100-12-31</a:t>
+                      </a:r>
+                      <a:endParaRPr lang="sv-SE" sz="1400" dirty="0"/>
+                    </a:p>
+                  </a:txBody>
+                  <a:tcPr>
+                    <a:lnT w="12700" cap="flat" cmpd="sng" algn="ctr">
+                      <a:solidFill>
+                        <a:schemeClr val="tx1"/>
+                      </a:solidFill>
+                      <a:prstDash val="solid"/>
+                      <a:round/>
+                      <a:headEnd type="none" w="med" len="med"/>
+                      <a:tailEnd type="none" w="med" len="med"/>
+                    </a:lnT>
+                  </a:tcPr>
+                </a:tc>
+              </a:tr>
+              <a:tr h="370840">
+                <a:tc>
+                  <a:txBody>
+                    <a:bodyPr/>
+                    <a:lstStyle/>
+                    <a:p>
+                      <a:r>
+                        <a:rPr lang="sv-SE" sz="1400" dirty="0" smtClean="0"/>
+                        <a:t>2</a:t>
+                      </a:r>
+                      <a:endParaRPr lang="sv-SE" sz="1400" dirty="0"/>
+                    </a:p>
+                  </a:txBody>
+                  <a:tcPr/>
+                </a:tc>
+                <a:tc>
+                  <a:txBody>
+                    <a:bodyPr/>
+                    <a:lstStyle/>
+                    <a:p>
+                      <a:r>
+                        <a:rPr lang="sv-SE" sz="1400" dirty="0" smtClean="0"/>
+                        <a:t>2010-02-01</a:t>
+                      </a:r>
+                      <a:endParaRPr lang="sv-SE" sz="1400" dirty="0"/>
+                    </a:p>
+                  </a:txBody>
+                  <a:tcPr/>
+                </a:tc>
+                <a:tc>
+                  <a:txBody>
+                    <a:bodyPr/>
+                    <a:lstStyle/>
+                    <a:p>
+                      <a:r>
+                        <a:rPr lang="sv-SE" sz="1400" dirty="0" smtClean="0"/>
+                        <a:t>2020-11-22</a:t>
+                      </a:r>
+                      <a:endParaRPr lang="sv-SE" sz="1400" dirty="0"/>
+                    </a:p>
+                  </a:txBody>
+                  <a:tcPr/>
+                </a:tc>
+              </a:tr>
+              <a:tr h="370840">
+                <a:tc>
+                  <a:txBody>
+                    <a:bodyPr/>
+                    <a:lstStyle/>
+                    <a:p>
+                      <a:r>
+                        <a:rPr lang="sv-SE" sz="1400" dirty="0" smtClean="0"/>
+                        <a:t>3</a:t>
+                      </a:r>
+                      <a:endParaRPr lang="sv-SE" sz="1400" dirty="0"/>
+                    </a:p>
+                  </a:txBody>
+                  <a:tcPr/>
+                </a:tc>
+                <a:tc>
+                  <a:txBody>
+                    <a:bodyPr/>
+                    <a:lstStyle/>
+                    <a:p>
+                      <a:r>
+                        <a:rPr lang="sv-SE" sz="1400" dirty="0" smtClean="0"/>
+                        <a:t>2010-02-01</a:t>
+                      </a:r>
+                      <a:endParaRPr lang="sv-SE" sz="1400" dirty="0"/>
+                    </a:p>
+                  </a:txBody>
+                  <a:tcPr/>
+                </a:tc>
+                <a:tc>
+                  <a:txBody>
+                    <a:bodyPr/>
+                    <a:lstStyle/>
+                    <a:p>
+                      <a:r>
+                        <a:rPr lang="sv-SE" sz="1400" dirty="0" smtClean="0"/>
+                        <a:t>2020-11-22</a:t>
+                      </a:r>
+                      <a:endParaRPr lang="sv-SE" sz="1400" dirty="0"/>
+                    </a:p>
+                  </a:txBody>
+                  <a:tcPr/>
+                </a:tc>
+              </a:tr>
+              <a:tr h="370840">
+                <a:tc>
+                  <a:txBody>
+                    <a:bodyPr/>
+                    <a:lstStyle/>
+                    <a:p>
+                      <a:r>
+                        <a:rPr lang="sv-SE" sz="1400" dirty="0" smtClean="0"/>
+                        <a:t>4</a:t>
+                      </a:r>
+                      <a:endParaRPr lang="sv-SE" sz="1400" dirty="0"/>
+                    </a:p>
+                  </a:txBody>
+                  <a:tcPr/>
+                </a:tc>
+                <a:tc>
+                  <a:txBody>
+                    <a:bodyPr/>
+                    <a:lstStyle/>
+                    <a:p>
+                      <a:r>
+                        <a:rPr lang="sv-SE" sz="1400" dirty="0" smtClean="0"/>
+                        <a:t>2011-06-21</a:t>
+                      </a:r>
+                      <a:endParaRPr lang="sv-SE" sz="1400" dirty="0"/>
+                    </a:p>
+                  </a:txBody>
+                  <a:tcPr/>
+                </a:tc>
+                <a:tc>
+                  <a:txBody>
+                    <a:bodyPr/>
+                    <a:lstStyle/>
+                    <a:p>
+                      <a:r>
+                        <a:rPr lang="sv-SE" sz="1400" dirty="0" smtClean="0"/>
+                        <a:t>2012-08-13</a:t>
+                      </a:r>
+                      <a:endParaRPr lang="sv-SE" sz="1400" dirty="0"/>
+                    </a:p>
+                  </a:txBody>
+                  <a:tcPr/>
+                </a:tc>
+              </a:tr>
+              <a:tr h="370840">
+                <a:tc>
+                  <a:txBody>
+                    <a:bodyPr/>
+                    <a:lstStyle/>
+                    <a:p>
+                      <a:r>
+                        <a:rPr lang="sv-SE" sz="1400" dirty="0" smtClean="0"/>
+                        <a:t>5</a:t>
+                      </a:r>
+                      <a:endParaRPr lang="sv-SE" sz="1400" dirty="0"/>
+                    </a:p>
+                  </a:txBody>
+                  <a:tcPr/>
+                </a:tc>
+                <a:tc>
+                  <a:txBody>
+                    <a:bodyPr/>
+                    <a:lstStyle/>
+                    <a:p>
+                      <a:r>
+                        <a:rPr lang="sv-SE" sz="1400" dirty="0" smtClean="0"/>
+                        <a:t>2013-12-20</a:t>
+                      </a:r>
+                      <a:endParaRPr lang="sv-SE" sz="1400" dirty="0"/>
+                    </a:p>
+                  </a:txBody>
+                  <a:tcPr/>
+                </a:tc>
+                <a:tc>
+                  <a:txBody>
+                    <a:bodyPr/>
+                    <a:lstStyle/>
+                    <a:p>
+                      <a:r>
+                        <a:rPr lang="sv-SE" sz="1400" dirty="0" smtClean="0"/>
+                        <a:t>2013-12-21</a:t>
+                      </a:r>
+                      <a:endParaRPr lang="sv-SE" sz="1400" dirty="0"/>
+                    </a:p>
+                  </a:txBody>
+                  <a:tcPr/>
+                </a:tc>
+              </a:tr>
+              <a:tr h="370840">
+                <a:tc>
+                  <a:txBody>
+                    <a:bodyPr/>
+                    <a:lstStyle/>
+                    <a:p>
+                      <a:r>
+                        <a:rPr lang="sv-SE" sz="1400" dirty="0" smtClean="0"/>
+                        <a:t>6</a:t>
+                      </a:r>
+                      <a:endParaRPr lang="sv-SE" sz="1400" dirty="0"/>
+                    </a:p>
+                  </a:txBody>
+                  <a:tcPr/>
+                </a:tc>
+                <a:tc>
+                  <a:txBody>
+                    <a:bodyPr/>
+                    <a:lstStyle/>
+                    <a:p>
+                      <a:r>
+                        <a:rPr lang="sv-SE" sz="1400" dirty="0" smtClean="0"/>
+                        <a:t>2014-01-07</a:t>
+                      </a:r>
+                      <a:endParaRPr lang="sv-SE" sz="1400" dirty="0"/>
+                    </a:p>
+                  </a:txBody>
+                  <a:tcPr/>
+                </a:tc>
+                <a:tc>
+                  <a:txBody>
+                    <a:bodyPr/>
+                    <a:lstStyle/>
+                    <a:p>
+                      <a:r>
+                        <a:rPr lang="sv-SE" sz="1400" dirty="0" smtClean="0"/>
+                        <a:t>2014-01-10</a:t>
+                      </a:r>
+                      <a:endParaRPr lang="sv-SE" sz="1400" dirty="0"/>
+                    </a:p>
+                  </a:txBody>
+                  <a:tcPr/>
+                </a:tc>
+              </a:tr>
+            </a:tbl>
+          </a:graphicData>
+        </a:graphic>
+      </p:graphicFrame>
+      <p:sp>
+        <p:nvSpPr>
+          <p:cNvPr id="10" name="TextBox 9"/>
+          <p:cNvSpPr txBox="1"/>
+          <p:nvPr/>
+        </p:nvSpPr>
+        <p:spPr>
+          <a:xfrm>
+            <a:off x="4101563" y="1965610"/>
+            <a:ext cx="1368152" cy="369332"/>
+          </a:xfrm>
+          <a:prstGeom prst="rect">
+            <a:avLst/>
+          </a:prstGeom>
+          <a:noFill/>
+        </p:spPr>
+        <p:txBody>
+          <a:bodyPr wrap="square" rtlCol="0">
+            <a:spAutoFit/>
+          </a:bodyPr>
+          <a:lstStyle/>
+          <a:p>
+            <a:r>
+              <a:rPr lang="sv-SE" dirty="0" smtClean="0"/>
+              <a:t>Datum</a:t>
+            </a:r>
+            <a:endParaRPr lang="sv-SE" dirty="0"/>
+          </a:p>
+        </p:txBody>
+      </p:sp>
+      <p:graphicFrame>
+        <p:nvGraphicFramePr>
+          <p:cNvPr id="11" name="Table 10"/>
+          <p:cNvGraphicFramePr>
+            <a:graphicFrameLocks noGrp="1"/>
+          </p:cNvGraphicFramePr>
+          <p:nvPr>
+            <p:extLst>
+              <p:ext uri="{D42A27DB-BD31-4B8C-83A1-F6EECF244321}">
+                <p14:modId xmlns:p14="http://schemas.microsoft.com/office/powerpoint/2010/main" val="12382839"/>
+              </p:ext>
+            </p:extLst>
+          </p:nvPr>
+        </p:nvGraphicFramePr>
+        <p:xfrm>
+          <a:off x="63151" y="4293096"/>
+          <a:ext cx="2020952" cy="1483360"/>
+        </p:xfrm>
+        <a:graphic>
+          <a:graphicData uri="http://schemas.openxmlformats.org/drawingml/2006/table">
+            <a:tbl>
+              <a:tblPr firstRow="1" bandRow="1">
+                <a:tableStyleId>{5C22544A-7EE6-4342-B048-85BDC9FD1C3A}</a:tableStyleId>
+              </a:tblPr>
+              <a:tblGrid>
+                <a:gridCol w="696976"/>
+                <a:gridCol w="680784"/>
+                <a:gridCol w="643192"/>
+              </a:tblGrid>
+              <a:tr h="370840">
+                <a:tc>
+                  <a:txBody>
+                    <a:bodyPr/>
+                    <a:lstStyle/>
+                    <a:p>
+                      <a:r>
+                        <a:rPr lang="sv-SE" sz="1400" dirty="0" smtClean="0"/>
+                        <a:t>PersID</a:t>
+                      </a:r>
+                      <a:endParaRPr lang="sv-SE" sz="1400" dirty="0"/>
+                    </a:p>
+                  </a:txBody>
+                  <a:tcPr>
+                    <a:lnL w="12700" cap="flat" cmpd="sng" algn="ctr">
+                      <a:solidFill>
+                        <a:schemeClr val="tx1"/>
+                      </a:solidFill>
+                      <a:prstDash val="solid"/>
+                      <a:round/>
+                      <a:headEnd type="none" w="med" len="med"/>
+                      <a:tailEnd type="none" w="med" len="med"/>
+                    </a:lnL>
+                    <a:lnR w="12700" cap="flat" cmpd="sng" algn="ctr">
+                      <a:solidFill>
+                        <a:schemeClr val="tx1"/>
+                      </a:solidFill>
+                      <a:prstDash val="solid"/>
+                      <a:round/>
+                      <a:headEnd type="none" w="med" len="med"/>
+                      <a:tailEnd type="none" w="med" len="med"/>
+                    </a:lnR>
+                    <a:lnT w="12700" cap="flat" cmpd="sng" algn="ctr">
+                      <a:solidFill>
+                        <a:schemeClr val="tx1"/>
+                      </a:solidFill>
+                      <a:prstDash val="solid"/>
+                      <a:round/>
+                      <a:headEnd type="none" w="med" len="med"/>
+                      <a:tailEnd type="none" w="med" len="med"/>
+                    </a:lnT>
+                    <a:lnB w="12700" cap="flat" cmpd="sng" algn="ctr">
+                      <a:solidFill>
+                        <a:schemeClr val="tx1"/>
+                      </a:solidFill>
+                      <a:prstDash val="solid"/>
+                      <a:round/>
+                      <a:headEnd type="none" w="med" len="med"/>
+                      <a:tailEnd type="none" w="med" len="med"/>
+                    </a:lnB>
+                  </a:tcPr>
+                </a:tc>
+                <a:tc>
+                  <a:txBody>
+                    <a:bodyPr/>
+                    <a:lstStyle/>
+                    <a:p>
+                      <a:r>
+                        <a:rPr lang="sv-SE" sz="1400" dirty="0" smtClean="0"/>
+                        <a:t>ProjID</a:t>
+                      </a:r>
+                      <a:endParaRPr lang="sv-SE" sz="1400" dirty="0"/>
+                    </a:p>
+                  </a:txBody>
+                  <a:tcPr>
+                    <a:lnL w="12700" cap="flat" cmpd="sng" algn="ctr">
+                      <a:solidFill>
+                        <a:schemeClr val="tx1"/>
+                      </a:solidFill>
+                      <a:prstDash val="solid"/>
+                      <a:round/>
+                      <a:headEnd type="none" w="med" len="med"/>
+                      <a:tailEnd type="none" w="med" len="med"/>
+                    </a:lnL>
+                    <a:lnR w="12700" cap="flat" cmpd="sng" algn="ctr">
+                      <a:solidFill>
+                        <a:schemeClr val="tx1"/>
+                      </a:solidFill>
+                      <a:prstDash val="solid"/>
+                      <a:round/>
+                      <a:headEnd type="none" w="med" len="med"/>
+                      <a:tailEnd type="none" w="med" len="med"/>
+                    </a:lnR>
+                    <a:lnT w="12700" cap="flat" cmpd="sng" algn="ctr">
+                      <a:solidFill>
+                        <a:schemeClr val="tx1"/>
+                      </a:solidFill>
+                      <a:prstDash val="solid"/>
+                      <a:round/>
+                      <a:headEnd type="none" w="med" len="med"/>
+                      <a:tailEnd type="none" w="med" len="med"/>
+                    </a:lnT>
+                    <a:lnB w="12700" cap="flat" cmpd="sng" algn="ctr">
+                      <a:solidFill>
+                        <a:schemeClr val="tx1"/>
+                      </a:solidFill>
+                      <a:prstDash val="solid"/>
+                      <a:round/>
+                      <a:headEnd type="none" w="med" len="med"/>
+                      <a:tailEnd type="none" w="med" len="med"/>
+                    </a:lnB>
+                  </a:tcPr>
+                </a:tc>
+                <a:tc>
+                  <a:txBody>
+                    <a:bodyPr/>
+                    <a:lstStyle/>
+                    <a:p>
+                      <a:r>
+                        <a:rPr lang="sv-SE" sz="1400" dirty="0" smtClean="0"/>
+                        <a:t>DatID</a:t>
+                      </a:r>
+                      <a:endParaRPr lang="sv-SE" sz="1400" dirty="0"/>
+                    </a:p>
+                  </a:txBody>
+                  <a:tcPr>
+                    <a:lnL w="12700" cap="flat" cmpd="sng" algn="ctr">
+                      <a:solidFill>
+                        <a:schemeClr val="tx1"/>
+                      </a:solidFill>
+                      <a:prstDash val="solid"/>
+                      <a:round/>
+                      <a:headEnd type="none" w="med" len="med"/>
+                      <a:tailEnd type="none" w="med" len="med"/>
+                    </a:lnL>
+                    <a:lnR w="12700" cap="flat" cmpd="sng" algn="ctr">
+                      <a:solidFill>
+                        <a:schemeClr val="tx1"/>
+                      </a:solidFill>
+                      <a:prstDash val="solid"/>
+                      <a:round/>
+                      <a:headEnd type="none" w="med" len="med"/>
+                      <a:tailEnd type="none" w="med" len="med"/>
+                    </a:lnR>
+                    <a:lnT w="12700" cap="flat" cmpd="sng" algn="ctr">
+                      <a:solidFill>
+                        <a:schemeClr val="tx1"/>
+                      </a:solidFill>
+                      <a:prstDash val="solid"/>
+                      <a:round/>
+                      <a:headEnd type="none" w="med" len="med"/>
+                      <a:tailEnd type="none" w="med" len="med"/>
+                    </a:lnT>
+                    <a:lnB w="12700" cap="flat" cmpd="sng" algn="ctr">
+                      <a:solidFill>
+                        <a:schemeClr val="tx1"/>
+                      </a:solidFill>
+                      <a:prstDash val="solid"/>
+                      <a:round/>
+                      <a:headEnd type="none" w="med" len="med"/>
+                      <a:tailEnd type="none" w="med" len="med"/>
+                    </a:lnB>
+                  </a:tcPr>
+                </a:tc>
+              </a:tr>
+              <a:tr h="370840">
+                <a:tc>
+                  <a:txBody>
+                    <a:bodyPr/>
+                    <a:lstStyle/>
+                    <a:p>
+                      <a:r>
+                        <a:rPr lang="sv-SE" sz="1400" dirty="0" smtClean="0"/>
+                        <a:t>3</a:t>
+                      </a:r>
+                      <a:endParaRPr lang="sv-SE" sz="1400" dirty="0"/>
+                    </a:p>
+                  </a:txBody>
+                  <a:tcPr>
+                    <a:lnT w="12700" cap="flat" cmpd="sng" algn="ctr">
+                      <a:solidFill>
+                        <a:schemeClr val="tx1"/>
+                      </a:solidFill>
+                      <a:prstDash val="solid"/>
+                      <a:round/>
+                      <a:headEnd type="none" w="med" len="med"/>
+                      <a:tailEnd type="none" w="med" len="med"/>
+                    </a:lnT>
+                  </a:tcPr>
+                </a:tc>
+                <a:tc>
+                  <a:txBody>
+                    <a:bodyPr/>
+                    <a:lstStyle/>
+                    <a:p>
+                      <a:r>
+                        <a:rPr lang="sv-SE" sz="1400" dirty="0" smtClean="0"/>
+                        <a:t>2</a:t>
+                      </a:r>
+                      <a:endParaRPr lang="sv-SE" sz="1400" dirty="0"/>
+                    </a:p>
+                  </a:txBody>
+                  <a:tcPr>
+                    <a:lnT w="12700" cap="flat" cmpd="sng" algn="ctr">
+                      <a:solidFill>
+                        <a:schemeClr val="tx1"/>
+                      </a:solidFill>
+                      <a:prstDash val="solid"/>
+                      <a:round/>
+                      <a:headEnd type="none" w="med" len="med"/>
+                      <a:tailEnd type="none" w="med" len="med"/>
+                    </a:lnT>
+                  </a:tcPr>
+                </a:tc>
+                <a:tc>
+                  <a:txBody>
+                    <a:bodyPr/>
+                    <a:lstStyle/>
+                    <a:p>
+                      <a:r>
+                        <a:rPr lang="sv-SE" sz="1400" dirty="0" smtClean="0"/>
+                        <a:t>5</a:t>
+                      </a:r>
+                      <a:endParaRPr lang="sv-SE" sz="1400" dirty="0"/>
+                    </a:p>
+                  </a:txBody>
+                  <a:tcPr>
+                    <a:lnT w="12700" cap="flat" cmpd="sng" algn="ctr">
+                      <a:solidFill>
+                        <a:schemeClr val="tx1"/>
+                      </a:solidFill>
+                      <a:prstDash val="solid"/>
+                      <a:round/>
+                      <a:headEnd type="none" w="med" len="med"/>
+                      <a:tailEnd type="none" w="med" len="med"/>
+                    </a:lnT>
+                  </a:tcPr>
+                </a:tc>
+              </a:tr>
+              <a:tr h="370840">
+                <a:tc>
+                  <a:txBody>
+                    <a:bodyPr/>
+                    <a:lstStyle/>
+                    <a:p>
+                      <a:r>
+                        <a:rPr lang="sv-SE" sz="1400" dirty="0" smtClean="0"/>
+                        <a:t>2</a:t>
+                      </a:r>
+                      <a:endParaRPr lang="sv-SE" sz="1400" dirty="0"/>
+                    </a:p>
+                  </a:txBody>
+                  <a:tcPr/>
+                </a:tc>
+                <a:tc>
+                  <a:txBody>
+                    <a:bodyPr/>
+                    <a:lstStyle/>
+                    <a:p>
+                      <a:r>
+                        <a:rPr lang="sv-SE" sz="1400" dirty="0" smtClean="0"/>
+                        <a:t>1</a:t>
+                      </a:r>
+                      <a:endParaRPr lang="sv-SE" sz="1400" dirty="0"/>
+                    </a:p>
+                  </a:txBody>
+                  <a:tcPr/>
+                </a:tc>
+                <a:tc>
+                  <a:txBody>
+                    <a:bodyPr/>
+                    <a:lstStyle/>
+                    <a:p>
+                      <a:r>
+                        <a:rPr lang="sv-SE" sz="1400" dirty="0" smtClean="0"/>
+                        <a:t>6</a:t>
+                      </a:r>
+                      <a:endParaRPr lang="sv-SE" sz="1400" dirty="0"/>
+                    </a:p>
+                  </a:txBody>
+                  <a:tcPr/>
+                </a:tc>
+              </a:tr>
+              <a:tr h="370840">
+                <a:tc>
+                  <a:txBody>
+                    <a:bodyPr/>
+                    <a:lstStyle/>
+                    <a:p>
+                      <a:r>
+                        <a:rPr lang="sv-SE" sz="1400" dirty="0" smtClean="0"/>
+                        <a:t>1</a:t>
+                      </a:r>
+                      <a:endParaRPr lang="sv-SE" sz="1400" dirty="0"/>
+                    </a:p>
+                  </a:txBody>
+                  <a:tcPr/>
+                </a:tc>
+                <a:tc>
+                  <a:txBody>
+                    <a:bodyPr/>
+                    <a:lstStyle/>
+                    <a:p>
+                      <a:r>
+                        <a:rPr lang="sv-SE" sz="1400" dirty="0" smtClean="0"/>
+                        <a:t>3</a:t>
+                      </a:r>
+                      <a:endParaRPr lang="sv-SE" sz="1400" dirty="0"/>
+                    </a:p>
+                  </a:txBody>
+                  <a:tcPr/>
+                </a:tc>
+                <a:tc>
+                  <a:txBody>
+                    <a:bodyPr/>
+                    <a:lstStyle/>
+                    <a:p>
+                      <a:r>
+                        <a:rPr lang="sv-SE" sz="1400" dirty="0" smtClean="0"/>
+                        <a:t>5</a:t>
+                      </a:r>
+                      <a:endParaRPr lang="sv-SE" sz="1400" dirty="0"/>
+                    </a:p>
+                  </a:txBody>
+                  <a:tcPr/>
+                </a:tc>
+              </a:tr>
+            </a:tbl>
+          </a:graphicData>
+        </a:graphic>
+      </p:graphicFrame>
+      <p:sp>
+        <p:nvSpPr>
+          <p:cNvPr id="12" name="TextBox 11"/>
+          <p:cNvSpPr txBox="1"/>
+          <p:nvPr/>
+        </p:nvSpPr>
+        <p:spPr>
+          <a:xfrm>
+            <a:off x="102124" y="3923764"/>
+            <a:ext cx="1296144" cy="369332"/>
+          </a:xfrm>
+          <a:prstGeom prst="rect">
+            <a:avLst/>
+          </a:prstGeom>
+          <a:noFill/>
+        </p:spPr>
+        <p:txBody>
+          <a:bodyPr wrap="square" rtlCol="0">
+            <a:spAutoFit/>
+          </a:bodyPr>
+          <a:lstStyle/>
+          <a:p>
+            <a:r>
+              <a:rPr lang="sv-SE" dirty="0" smtClean="0"/>
+              <a:t>Deltagande</a:t>
+            </a:r>
+            <a:endParaRPr lang="sv-SE" dirty="0"/>
+          </a:p>
+        </p:txBody>
+      </p:sp>
+      <p:graphicFrame>
+        <p:nvGraphicFramePr>
+          <p:cNvPr id="13" name="Table 12"/>
+          <p:cNvGraphicFramePr>
+            <a:graphicFrameLocks noGrp="1"/>
+          </p:cNvGraphicFramePr>
+          <p:nvPr>
+            <p:extLst>
+              <p:ext uri="{D42A27DB-BD31-4B8C-83A1-F6EECF244321}">
+                <p14:modId xmlns:p14="http://schemas.microsoft.com/office/powerpoint/2010/main" val="4271921753"/>
+              </p:ext>
+            </p:extLst>
+          </p:nvPr>
+        </p:nvGraphicFramePr>
+        <p:xfrm>
+          <a:off x="63151" y="2312025"/>
+          <a:ext cx="2757171" cy="1483360"/>
+        </p:xfrm>
+        <a:graphic>
+          <a:graphicData uri="http://schemas.openxmlformats.org/drawingml/2006/table">
+            <a:tbl>
+              <a:tblPr firstRow="1" bandRow="1">
+                <a:tableStyleId>{5C22544A-7EE6-4342-B048-85BDC9FD1C3A}</a:tableStyleId>
+              </a:tblPr>
+              <a:tblGrid>
+                <a:gridCol w="680784"/>
+                <a:gridCol w="1421892"/>
+                <a:gridCol w="654495"/>
+              </a:tblGrid>
+              <a:tr h="370840">
+                <a:tc>
+                  <a:txBody>
+                    <a:bodyPr/>
+                    <a:lstStyle/>
+                    <a:p>
+                      <a:r>
+                        <a:rPr lang="sv-SE" sz="1400" dirty="0" smtClean="0"/>
+                        <a:t>ProjID</a:t>
+                      </a:r>
+                      <a:endParaRPr lang="sv-SE" sz="1400" dirty="0"/>
+                    </a:p>
+                  </a:txBody>
+                  <a:tcPr>
+                    <a:lnL w="12700" cap="flat" cmpd="sng" algn="ctr">
+                      <a:solidFill>
+                        <a:schemeClr val="tx1"/>
+                      </a:solidFill>
+                      <a:prstDash val="solid"/>
+                      <a:round/>
+                      <a:headEnd type="none" w="med" len="med"/>
+                      <a:tailEnd type="none" w="med" len="med"/>
+                    </a:lnL>
+                    <a:lnR w="12700" cap="flat" cmpd="sng" algn="ctr">
+                      <a:solidFill>
+                        <a:schemeClr val="tx1"/>
+                      </a:solidFill>
+                      <a:prstDash val="solid"/>
+                      <a:round/>
+                      <a:headEnd type="none" w="med" len="med"/>
+                      <a:tailEnd type="none" w="med" len="med"/>
+                    </a:lnR>
+                    <a:lnT w="12700" cap="flat" cmpd="sng" algn="ctr">
+                      <a:solidFill>
+                        <a:schemeClr val="tx1"/>
+                      </a:solidFill>
+                      <a:prstDash val="solid"/>
+                      <a:round/>
+                      <a:headEnd type="none" w="med" len="med"/>
+                      <a:tailEnd type="none" w="med" len="med"/>
+                    </a:lnT>
+                    <a:lnB w="12700" cap="flat" cmpd="sng" algn="ctr">
+                      <a:solidFill>
+                        <a:schemeClr val="tx1"/>
+                      </a:solidFill>
+                      <a:prstDash val="solid"/>
+                      <a:round/>
+                      <a:headEnd type="none" w="med" len="med"/>
+                      <a:tailEnd type="none" w="med" len="med"/>
+                    </a:lnB>
+                  </a:tcPr>
+                </a:tc>
+                <a:tc>
+                  <a:txBody>
+                    <a:bodyPr/>
+                    <a:lstStyle/>
+                    <a:p>
+                      <a:r>
+                        <a:rPr lang="sv-SE" sz="1400" dirty="0" smtClean="0"/>
+                        <a:t>Projekttyp</a:t>
+                      </a:r>
+                      <a:endParaRPr lang="sv-SE" sz="1400" dirty="0"/>
+                    </a:p>
+                  </a:txBody>
+                  <a:tcPr>
+                    <a:lnL w="12700" cap="flat" cmpd="sng" algn="ctr">
+                      <a:solidFill>
+                        <a:schemeClr val="tx1"/>
+                      </a:solidFill>
+                      <a:prstDash val="solid"/>
+                      <a:round/>
+                      <a:headEnd type="none" w="med" len="med"/>
+                      <a:tailEnd type="none" w="med" len="med"/>
+                    </a:lnL>
+                    <a:lnR w="12700" cap="flat" cmpd="sng" algn="ctr">
+                      <a:solidFill>
+                        <a:schemeClr val="tx1"/>
+                      </a:solidFill>
+                      <a:prstDash val="solid"/>
+                      <a:round/>
+                      <a:headEnd type="none" w="med" len="med"/>
+                      <a:tailEnd type="none" w="med" len="med"/>
+                    </a:lnR>
+                    <a:lnT w="12700" cap="flat" cmpd="sng" algn="ctr">
+                      <a:noFill/>
+                      <a:prstDash val="solid"/>
+                      <a:round/>
+                      <a:headEnd type="none" w="med" len="med"/>
+                      <a:tailEnd type="none" w="med" len="med"/>
+                    </a:lnT>
+                    <a:lnB w="12700" cap="flat" cmpd="sng" algn="ctr">
+                      <a:solidFill>
+                        <a:schemeClr val="tx1"/>
+                      </a:solidFill>
+                      <a:prstDash val="solid"/>
+                      <a:round/>
+                      <a:headEnd type="none" w="med" len="med"/>
+                      <a:tailEnd type="none" w="med" len="med"/>
+                    </a:lnB>
+                  </a:tcPr>
+                </a:tc>
+                <a:tc>
+                  <a:txBody>
+                    <a:bodyPr/>
+                    <a:lstStyle/>
+                    <a:p>
+                      <a:r>
+                        <a:rPr lang="sv-SE" sz="1400" dirty="0" smtClean="0"/>
+                        <a:t>Dagar</a:t>
+                      </a:r>
+                      <a:endParaRPr lang="sv-SE" sz="1400" dirty="0"/>
+                    </a:p>
+                  </a:txBody>
+                  <a:tcPr>
+                    <a:lnL w="12700" cap="flat" cmpd="sng" algn="ctr">
+                      <a:solidFill>
+                        <a:schemeClr val="tx1"/>
+                      </a:solidFill>
+                      <a:prstDash val="solid"/>
+                      <a:round/>
+                      <a:headEnd type="none" w="med" len="med"/>
+                      <a:tailEnd type="none" w="med" len="med"/>
+                    </a:lnL>
+                    <a:lnR w="12700" cap="flat" cmpd="sng" algn="ctr">
+                      <a:solidFill>
+                        <a:schemeClr val="tx1"/>
+                      </a:solidFill>
+                      <a:prstDash val="solid"/>
+                      <a:round/>
+                      <a:headEnd type="none" w="med" len="med"/>
+                      <a:tailEnd type="none" w="med" len="med"/>
+                    </a:lnR>
+                    <a:lnT w="12700" cap="flat" cmpd="sng" algn="ctr">
+                      <a:noFill/>
+                      <a:prstDash val="solid"/>
+                      <a:round/>
+                      <a:headEnd type="none" w="med" len="med"/>
+                      <a:tailEnd type="none" w="med" len="med"/>
+                    </a:lnT>
+                    <a:lnB w="12700" cap="flat" cmpd="sng" algn="ctr">
+                      <a:solidFill>
+                        <a:schemeClr val="tx1"/>
+                      </a:solidFill>
+                      <a:prstDash val="solid"/>
+                      <a:round/>
+                      <a:headEnd type="none" w="med" len="med"/>
+                      <a:tailEnd type="none" w="med" len="med"/>
+                    </a:lnB>
+                  </a:tcPr>
+                </a:tc>
+              </a:tr>
+              <a:tr h="370840">
+                <a:tc>
+                  <a:txBody>
+                    <a:bodyPr/>
+                    <a:lstStyle/>
+                    <a:p>
+                      <a:r>
+                        <a:rPr lang="sv-SE" sz="1400" dirty="0" smtClean="0"/>
+                        <a:t>1</a:t>
+                      </a:r>
+                      <a:endParaRPr lang="sv-SE" sz="1400" dirty="0"/>
+                    </a:p>
+                  </a:txBody>
+                  <a:tcPr>
+                    <a:lnT w="12700" cap="flat" cmpd="sng" algn="ctr">
+                      <a:solidFill>
+                        <a:schemeClr val="tx1"/>
+                      </a:solidFill>
+                      <a:prstDash val="solid"/>
+                      <a:round/>
+                      <a:headEnd type="none" w="med" len="med"/>
+                      <a:tailEnd type="none" w="med" len="med"/>
+                    </a:lnT>
+                  </a:tcPr>
+                </a:tc>
+                <a:tc>
+                  <a:txBody>
+                    <a:bodyPr/>
+                    <a:lstStyle/>
+                    <a:p>
+                      <a:r>
+                        <a:rPr lang="sv-SE" sz="1400" dirty="0" smtClean="0"/>
+                        <a:t>Truckutbildning</a:t>
+                      </a:r>
+                      <a:endParaRPr lang="sv-SE" sz="1400" dirty="0"/>
+                    </a:p>
+                  </a:txBody>
+                  <a:tcPr>
+                    <a:lnT w="12700" cap="flat" cmpd="sng" algn="ctr">
+                      <a:solidFill>
+                        <a:schemeClr val="tx1"/>
+                      </a:solidFill>
+                      <a:prstDash val="solid"/>
+                      <a:round/>
+                      <a:headEnd type="none" w="med" len="med"/>
+                      <a:tailEnd type="none" w="med" len="med"/>
+                    </a:lnT>
+                  </a:tcPr>
+                </a:tc>
+                <a:tc>
+                  <a:txBody>
+                    <a:bodyPr/>
+                    <a:lstStyle/>
+                    <a:p>
+                      <a:r>
+                        <a:rPr lang="sv-SE" sz="1400" dirty="0" smtClean="0"/>
+                        <a:t>3</a:t>
+                      </a:r>
+                      <a:endParaRPr lang="sv-SE" sz="1400" dirty="0"/>
+                    </a:p>
+                  </a:txBody>
+                  <a:tcPr>
+                    <a:lnT w="12700" cap="flat" cmpd="sng" algn="ctr">
+                      <a:solidFill>
+                        <a:schemeClr val="tx1"/>
+                      </a:solidFill>
+                      <a:prstDash val="solid"/>
+                      <a:round/>
+                      <a:headEnd type="none" w="med" len="med"/>
+                      <a:tailEnd type="none" w="med" len="med"/>
+                    </a:lnT>
+                  </a:tcPr>
+                </a:tc>
+              </a:tr>
+              <a:tr h="370840">
+                <a:tc>
+                  <a:txBody>
+                    <a:bodyPr/>
+                    <a:lstStyle/>
+                    <a:p>
+                      <a:r>
+                        <a:rPr lang="sv-SE" sz="1400" dirty="0" smtClean="0"/>
+                        <a:t>2</a:t>
+                      </a:r>
+                      <a:endParaRPr lang="sv-SE" sz="1400" dirty="0"/>
+                    </a:p>
+                  </a:txBody>
+                  <a:tcPr/>
+                </a:tc>
+                <a:tc>
+                  <a:txBody>
+                    <a:bodyPr/>
+                    <a:lstStyle/>
+                    <a:p>
+                      <a:r>
+                        <a:rPr lang="sv-SE" sz="1400" dirty="0" smtClean="0"/>
+                        <a:t>Städa kontoret</a:t>
+                      </a:r>
+                      <a:endParaRPr lang="sv-SE" sz="1400" dirty="0"/>
+                    </a:p>
+                  </a:txBody>
+                  <a:tcPr/>
+                </a:tc>
+                <a:tc>
+                  <a:txBody>
+                    <a:bodyPr/>
+                    <a:lstStyle/>
+                    <a:p>
+                      <a:r>
+                        <a:rPr lang="sv-SE" sz="1400" dirty="0" smtClean="0"/>
+                        <a:t>1</a:t>
+                      </a:r>
+                      <a:endParaRPr lang="sv-SE" sz="1400" dirty="0"/>
+                    </a:p>
+                  </a:txBody>
+                  <a:tcPr/>
+                </a:tc>
+              </a:tr>
+              <a:tr h="370840">
+                <a:tc>
+                  <a:txBody>
+                    <a:bodyPr/>
+                    <a:lstStyle/>
+                    <a:p>
+                      <a:r>
+                        <a:rPr lang="sv-SE" sz="1400" dirty="0" smtClean="0"/>
+                        <a:t>3</a:t>
+                      </a:r>
+                      <a:endParaRPr lang="sv-SE" sz="1400" dirty="0"/>
+                    </a:p>
+                  </a:txBody>
+                  <a:tcPr/>
+                </a:tc>
+                <a:tc>
+                  <a:txBody>
+                    <a:bodyPr/>
+                    <a:lstStyle/>
+                    <a:p>
+                      <a:r>
+                        <a:rPr lang="sv-SE" sz="1400" dirty="0" smtClean="0"/>
+                        <a:t>Budgetplanering</a:t>
+                      </a:r>
+                      <a:endParaRPr lang="sv-SE" sz="1400" dirty="0"/>
+                    </a:p>
+                  </a:txBody>
+                  <a:tcPr/>
+                </a:tc>
+                <a:tc>
+                  <a:txBody>
+                    <a:bodyPr/>
+                    <a:lstStyle/>
+                    <a:p>
+                      <a:r>
+                        <a:rPr lang="sv-SE" sz="1400" dirty="0" smtClean="0"/>
+                        <a:t>2</a:t>
+                      </a:r>
+                      <a:endParaRPr lang="sv-SE" sz="1400" dirty="0"/>
+                    </a:p>
+                  </a:txBody>
+                  <a:tcPr/>
+                </a:tc>
+              </a:tr>
+            </a:tbl>
+          </a:graphicData>
+        </a:graphic>
+      </p:graphicFrame>
+      <p:sp>
+        <p:nvSpPr>
+          <p:cNvPr id="14" name="TextBox 13"/>
+          <p:cNvSpPr txBox="1"/>
+          <p:nvPr/>
+        </p:nvSpPr>
+        <p:spPr>
+          <a:xfrm>
+            <a:off x="63151" y="1965610"/>
+            <a:ext cx="917991" cy="369332"/>
+          </a:xfrm>
+          <a:prstGeom prst="rect">
+            <a:avLst/>
+          </a:prstGeom>
+          <a:noFill/>
+        </p:spPr>
+        <p:txBody>
+          <a:bodyPr wrap="square" rtlCol="0">
+            <a:spAutoFit/>
+          </a:bodyPr>
+          <a:lstStyle/>
+          <a:p>
+            <a:r>
+              <a:rPr lang="sv-SE" dirty="0" smtClean="0"/>
+              <a:t>Projekt</a:t>
+            </a:r>
+            <a:endParaRPr lang="sv-SE" dirty="0"/>
+          </a:p>
+        </p:txBody>
+      </p:sp>
+    </p:spTree>
+    <p:extLst>
+      <p:ext uri="{BB962C8B-B14F-4D97-AF65-F5344CB8AC3E}">
+        <p14:creationId xmlns:p14="http://schemas.microsoft.com/office/powerpoint/2010/main" val="2252643112"/>
       </p:ext>
     </p:extLst>
   </p:cSld>

--- a/Labb 2/Laboration2.pptx
+++ b/Labb 2/Laboration2.pptx
@@ -296,7 +296,7 @@
           <a:p>
             <a:fld id="{8EA48383-502B-44FE-A491-FF9F04D25984}" type="datetimeFigureOut">
               <a:rPr lang="sv-SE" smtClean="0"/>
-              <a:t>2014-02-04</a:t>
+              <a:t>2014-02-05</a:t>
             </a:fld>
             <a:endParaRPr lang="sv-SE"/>
           </a:p>
@@ -466,7 +466,7 @@
           <a:p>
             <a:fld id="{8EA48383-502B-44FE-A491-FF9F04D25984}" type="datetimeFigureOut">
               <a:rPr lang="sv-SE" smtClean="0"/>
-              <a:t>2014-02-04</a:t>
+              <a:t>2014-02-05</a:t>
             </a:fld>
             <a:endParaRPr lang="sv-SE"/>
           </a:p>
@@ -646,7 +646,7 @@
           <a:p>
             <a:fld id="{8EA48383-502B-44FE-A491-FF9F04D25984}" type="datetimeFigureOut">
               <a:rPr lang="sv-SE" smtClean="0"/>
-              <a:t>2014-02-04</a:t>
+              <a:t>2014-02-05</a:t>
             </a:fld>
             <a:endParaRPr lang="sv-SE"/>
           </a:p>
@@ -816,7 +816,7 @@
           <a:p>
             <a:fld id="{8EA48383-502B-44FE-A491-FF9F04D25984}" type="datetimeFigureOut">
               <a:rPr lang="sv-SE" smtClean="0"/>
-              <a:t>2014-02-04</a:t>
+              <a:t>2014-02-05</a:t>
             </a:fld>
             <a:endParaRPr lang="sv-SE"/>
           </a:p>
@@ -1062,7 +1062,7 @@
           <a:p>
             <a:fld id="{8EA48383-502B-44FE-A491-FF9F04D25984}" type="datetimeFigureOut">
               <a:rPr lang="sv-SE" smtClean="0"/>
-              <a:t>2014-02-04</a:t>
+              <a:t>2014-02-05</a:t>
             </a:fld>
             <a:endParaRPr lang="sv-SE"/>
           </a:p>
@@ -1350,7 +1350,7 @@
           <a:p>
             <a:fld id="{8EA48383-502B-44FE-A491-FF9F04D25984}" type="datetimeFigureOut">
               <a:rPr lang="sv-SE" smtClean="0"/>
-              <a:t>2014-02-04</a:t>
+              <a:t>2014-02-05</a:t>
             </a:fld>
             <a:endParaRPr lang="sv-SE"/>
           </a:p>
@@ -1772,7 +1772,7 @@
           <a:p>
             <a:fld id="{8EA48383-502B-44FE-A491-FF9F04D25984}" type="datetimeFigureOut">
               <a:rPr lang="sv-SE" smtClean="0"/>
-              <a:t>2014-02-04</a:t>
+              <a:t>2014-02-05</a:t>
             </a:fld>
             <a:endParaRPr lang="sv-SE"/>
           </a:p>
@@ -1890,7 +1890,7 @@
           <a:p>
             <a:fld id="{8EA48383-502B-44FE-A491-FF9F04D25984}" type="datetimeFigureOut">
               <a:rPr lang="sv-SE" smtClean="0"/>
-              <a:t>2014-02-04</a:t>
+              <a:t>2014-02-05</a:t>
             </a:fld>
             <a:endParaRPr lang="sv-SE"/>
           </a:p>
@@ -1985,7 +1985,7 @@
           <a:p>
             <a:fld id="{8EA48383-502B-44FE-A491-FF9F04D25984}" type="datetimeFigureOut">
               <a:rPr lang="sv-SE" smtClean="0"/>
-              <a:t>2014-02-04</a:t>
+              <a:t>2014-02-05</a:t>
             </a:fld>
             <a:endParaRPr lang="sv-SE"/>
           </a:p>
@@ -2262,7 +2262,7 @@
           <a:p>
             <a:fld id="{8EA48383-502B-44FE-A491-FF9F04D25984}" type="datetimeFigureOut">
               <a:rPr lang="sv-SE" smtClean="0"/>
-              <a:t>2014-02-04</a:t>
+              <a:t>2014-02-05</a:t>
             </a:fld>
             <a:endParaRPr lang="sv-SE"/>
           </a:p>
@@ -2515,7 +2515,7 @@
           <a:p>
             <a:fld id="{8EA48383-502B-44FE-A491-FF9F04D25984}" type="datetimeFigureOut">
               <a:rPr lang="sv-SE" smtClean="0"/>
-              <a:t>2014-02-04</a:t>
+              <a:t>2014-02-05</a:t>
             </a:fld>
             <a:endParaRPr lang="sv-SE"/>
           </a:p>
@@ -2728,7 +2728,7 @@
           <a:p>
             <a:fld id="{8EA48383-502B-44FE-A491-FF9F04D25984}" type="datetimeFigureOut">
               <a:rPr lang="sv-SE" smtClean="0"/>
-              <a:t>2014-02-04</a:t>
+              <a:t>2014-02-05</a:t>
             </a:fld>
             <a:endParaRPr lang="sv-SE"/>
           </a:p>
@@ -3920,50 +3920,6 @@
           </a:p>
         </p:txBody>
       </p:sp>
-      <p:sp>
-        <p:nvSpPr>
-          <p:cNvPr id="6" name="Rectangle 5"/>
-          <p:cNvSpPr/>
-          <p:nvPr/>
-        </p:nvSpPr>
-        <p:spPr>
-          <a:xfrm>
-            <a:off x="971600" y="3284984"/>
-            <a:ext cx="1512168" cy="576064"/>
-          </a:xfrm>
-          <a:prstGeom prst="rect">
-            <a:avLst/>
-          </a:prstGeom>
-        </p:spPr>
-        <p:style>
-          <a:lnRef idx="2">
-            <a:schemeClr val="accent1">
-              <a:shade val="50000"/>
-            </a:schemeClr>
-          </a:lnRef>
-          <a:fillRef idx="1">
-            <a:schemeClr val="accent1"/>
-          </a:fillRef>
-          <a:effectRef idx="0">
-            <a:schemeClr val="accent1"/>
-          </a:effectRef>
-          <a:fontRef idx="minor">
-            <a:schemeClr val="lt1"/>
-          </a:fontRef>
-        </p:style>
-        <p:txBody>
-          <a:bodyPr rtlCol="0" anchor="ctr"/>
-          <a:lstStyle/>
-          <a:p>
-            <a:pPr algn="ctr"/>
-            <a:r>
-              <a:rPr lang="sv-SE" dirty="0" smtClean="0"/>
-              <a:t>Dator</a:t>
-            </a:r>
-            <a:endParaRPr lang="sv-SE" dirty="0"/>
-          </a:p>
-        </p:txBody>
-      </p:sp>
     </p:spTree>
     <p:extLst>
       <p:ext uri="{BB962C8B-B14F-4D97-AF65-F5344CB8AC3E}">
@@ -5883,7 +5839,7 @@
         </p:nvGrpSpPr>
         <p:grpSpPr bwMode="auto">
           <a:xfrm rot="10800000">
-            <a:off x="5603955" y="3188687"/>
+            <a:off x="4529757" y="4110213"/>
             <a:ext cx="936625" cy="288925"/>
             <a:chOff x="2555776" y="692696"/>
             <a:chExt cx="936104" cy="288032"/>
@@ -5987,7 +5943,7 @@
         </p:nvSpPr>
         <p:spPr>
           <a:xfrm>
-            <a:off x="6548834" y="3045117"/>
+            <a:off x="5474636" y="3966643"/>
             <a:ext cx="1512168" cy="576064"/>
           </a:xfrm>
           <a:prstGeom prst="rect">
@@ -6031,7 +5987,7 @@
         </p:nvSpPr>
         <p:spPr>
           <a:xfrm>
-            <a:off x="4105497" y="3777655"/>
+            <a:off x="3031299" y="4699181"/>
             <a:ext cx="2122687" cy="1754326"/>
           </a:xfrm>
           <a:prstGeom prst="rect">
@@ -6047,15 +6003,7 @@
           <a:p>
             <a:r>
               <a:rPr lang="sv-SE" dirty="0" smtClean="0"/>
-              <a:t>PersID </a:t>
-            </a:r>
-            <a:r>
-              <a:rPr lang="sv-SE" dirty="0" smtClean="0"/>
-              <a:t>Pk, </a:t>
-            </a:r>
-            <a:r>
-              <a:rPr lang="sv-SE" dirty="0" smtClean="0"/>
-              <a:t>Int</a:t>
+              <a:t>PersID Pk, Int</a:t>
             </a:r>
           </a:p>
           <a:p>
@@ -6063,16 +6011,11 @@
               <a:rPr lang="sv-SE" dirty="0" smtClean="0"/>
               <a:t>Rec.nr Fk, Int</a:t>
             </a:r>
-            <a:endParaRPr lang="sv-SE" dirty="0" smtClean="0"/>
           </a:p>
           <a:p>
             <a:r>
               <a:rPr lang="sv-SE" dirty="0" smtClean="0"/>
-              <a:t>Pers.nr, </a:t>
-            </a:r>
-            <a:r>
-              <a:rPr lang="sv-SE" dirty="0" smtClean="0"/>
-              <a:t>C(11)</a:t>
+              <a:t>Pers.nr, C(11)</a:t>
             </a:r>
           </a:p>
           <a:p>
@@ -6084,21 +6027,21 @@
           <a:p>
             <a:r>
               <a:rPr lang="sv-SE" dirty="0" smtClean="0"/>
-              <a:t>Postadress, VC(30)</a:t>
-            </a:r>
-          </a:p>
-          <a:p>
+              <a:t>Postadress, </a:t>
+            </a:r>
             <a:r>
               <a:rPr lang="sv-SE" dirty="0" smtClean="0"/>
-              <a:t>Tel.nr, </a:t>
-            </a:r>
-            <a:r>
-              <a:rPr lang="sv-SE" dirty="0" smtClean="0"/>
-              <a:t>VC(12</a:t>
+              <a:t>VC(40</a:t>
             </a:r>
             <a:r>
               <a:rPr lang="sv-SE" dirty="0" smtClean="0"/>
               <a:t>)</a:t>
+            </a:r>
+          </a:p>
+          <a:p>
+            <a:r>
+              <a:rPr lang="sv-SE" dirty="0" smtClean="0"/>
+              <a:t>Tel.nr, VC(12)</a:t>
             </a:r>
           </a:p>
         </p:txBody>
@@ -6111,7 +6054,7 @@
         </p:nvSpPr>
         <p:spPr>
           <a:xfrm>
-            <a:off x="6540580" y="3789040"/>
+            <a:off x="5466382" y="4710566"/>
             <a:ext cx="2322848" cy="923330"/>
           </a:xfrm>
           <a:prstGeom prst="rect">
@@ -6127,35 +6070,19 @@
           <a:p>
             <a:r>
               <a:rPr lang="sv-SE" dirty="0" smtClean="0"/>
-              <a:t>Rec.nr </a:t>
-            </a:r>
+              <a:t>Rec.nr Pk, Int</a:t>
+            </a:r>
+          </a:p>
+          <a:p>
             <a:r>
               <a:rPr lang="sv-SE" dirty="0" smtClean="0"/>
-              <a:t>Pk, </a:t>
-            </a:r>
+              <a:t>Befattningstyp, VC(15)</a:t>
+            </a:r>
+          </a:p>
+          <a:p>
             <a:r>
               <a:rPr lang="sv-SE" dirty="0" smtClean="0"/>
-              <a:t>Int</a:t>
-            </a:r>
-          </a:p>
-          <a:p>
-            <a:r>
-              <a:rPr lang="sv-SE" dirty="0" smtClean="0"/>
-              <a:t>Befattningstyp</a:t>
-            </a:r>
-            <a:r>
-              <a:rPr lang="sv-SE" dirty="0" smtClean="0"/>
-              <a:t>, VC(15)</a:t>
-            </a:r>
-          </a:p>
-          <a:p>
-            <a:r>
-              <a:rPr lang="sv-SE" dirty="0" smtClean="0"/>
-              <a:t>Lön</a:t>
-            </a:r>
-            <a:r>
-              <a:rPr lang="sv-SE" dirty="0" smtClean="0"/>
-              <a:t>, Int</a:t>
+              <a:t>Lön, Int</a:t>
             </a:r>
           </a:p>
         </p:txBody>
@@ -6200,7 +6127,7 @@
         </p:nvGrpSpPr>
         <p:grpSpPr bwMode="auto">
           <a:xfrm rot="10800000">
-            <a:off x="3155162" y="3196627"/>
+            <a:off x="2080964" y="4118153"/>
             <a:ext cx="936625" cy="288925"/>
             <a:chOff x="2555776" y="692696"/>
             <a:chExt cx="936104" cy="288032"/>
@@ -6304,7 +6231,7 @@
         </p:nvSpPr>
         <p:spPr>
           <a:xfrm>
-            <a:off x="1629250" y="3789040"/>
+            <a:off x="555052" y="4710566"/>
             <a:ext cx="2160240" cy="1754326"/>
           </a:xfrm>
           <a:prstGeom prst="rect">
@@ -6370,7 +6297,7 @@
         </p:nvGrpSpPr>
         <p:grpSpPr bwMode="auto">
           <a:xfrm rot="16200000">
-            <a:off x="4377955" y="1849194"/>
+            <a:off x="3303757" y="2770720"/>
             <a:ext cx="936625" cy="288925"/>
             <a:chOff x="2555776" y="692696"/>
             <a:chExt cx="936104" cy="288032"/>
@@ -6474,7 +6401,7 @@
         </p:nvSpPr>
         <p:spPr>
           <a:xfrm>
-            <a:off x="4105497" y="949280"/>
+            <a:off x="3031299" y="1870806"/>
             <a:ext cx="1512168" cy="576064"/>
           </a:xfrm>
           <a:prstGeom prst="rect">
@@ -6520,7 +6447,7 @@
         </p:nvGrpSpPr>
         <p:grpSpPr bwMode="auto">
           <a:xfrm rot="5400000">
-            <a:off x="4377956" y="2440284"/>
+            <a:off x="3303758" y="3361810"/>
             <a:ext cx="936625" cy="288925"/>
             <a:chOff x="2555776" y="692696"/>
             <a:chExt cx="936104" cy="288032"/>
@@ -6624,7 +6551,7 @@
         </p:nvSpPr>
         <p:spPr>
           <a:xfrm>
-            <a:off x="4090185" y="3053059"/>
+            <a:off x="3015987" y="3974585"/>
             <a:ext cx="1512168" cy="576064"/>
           </a:xfrm>
           <a:prstGeom prst="rect">
@@ -6668,7 +6595,7 @@
         </p:nvSpPr>
         <p:spPr>
           <a:xfrm>
-            <a:off x="2236358" y="914146"/>
+            <a:off x="2700725" y="966267"/>
             <a:ext cx="1980481" cy="923330"/>
           </a:xfrm>
           <a:prstGeom prst="rect">
@@ -6690,14 +6617,19 @@
           <a:p>
             <a:r>
               <a:rPr lang="sv-SE" dirty="0" smtClean="0"/>
-              <a:t>Projekttyp, VC(30)</a:t>
-            </a:r>
-          </a:p>
-          <a:p>
+              <a:t>Projekttyp, VC(30</a:t>
+            </a:r>
             <a:r>
               <a:rPr lang="sv-SE" dirty="0" smtClean="0"/>
-              <a:t>Resurs, VC(20)</a:t>
-            </a:r>
+              <a:t>)</a:t>
+            </a:r>
+          </a:p>
+          <a:p>
+            <a:r>
+              <a:rPr lang="sv-SE" dirty="0" smtClean="0"/>
+              <a:t>Dagar, Int</a:t>
+            </a:r>
+            <a:endParaRPr lang="sv-SE" dirty="0" smtClean="0"/>
           </a:p>
         </p:txBody>
       </p:sp>
@@ -6709,7 +6641,7 @@
         </p:nvSpPr>
         <p:spPr>
           <a:xfrm>
-            <a:off x="5015518" y="2080061"/>
+            <a:off x="2731604" y="3010618"/>
             <a:ext cx="1056749" cy="307777"/>
           </a:xfrm>
           <a:prstGeom prst="rect">
@@ -6739,7 +6671,7 @@
         </p:nvSpPr>
         <p:spPr>
           <a:xfrm>
-            <a:off x="4774035" y="2164211"/>
+            <a:off x="3699837" y="3085737"/>
             <a:ext cx="144463" cy="139478"/>
           </a:xfrm>
           <a:prstGeom prst="flowChartConnector">
@@ -6779,7 +6711,7 @@
         </p:nvSpPr>
         <p:spPr>
           <a:xfrm>
-            <a:off x="5976956" y="1350803"/>
+            <a:off x="1325461" y="2579731"/>
             <a:ext cx="1829700" cy="1477328"/>
           </a:xfrm>
           <a:prstGeom prst="rect">
@@ -6829,7 +6761,7 @@
         </p:nvSpPr>
         <p:spPr>
           <a:xfrm>
-            <a:off x="1643575" y="3045117"/>
+            <a:off x="569377" y="3966643"/>
             <a:ext cx="1512168" cy="576064"/>
           </a:xfrm>
           <a:prstGeom prst="rect">
@@ -6860,6 +6792,436 @@
             <a:r>
               <a:rPr lang="sv-SE" dirty="0" smtClean="0"/>
               <a:t>Förmån</a:t>
+            </a:r>
+            <a:endParaRPr lang="sv-SE" dirty="0"/>
+          </a:p>
+        </p:txBody>
+      </p:sp>
+      <p:grpSp>
+        <p:nvGrpSpPr>
+          <p:cNvPr id="33" name="Grupp 7"/>
+          <p:cNvGrpSpPr>
+            <a:grpSpLocks/>
+          </p:cNvGrpSpPr>
+          <p:nvPr/>
+        </p:nvGrpSpPr>
+        <p:grpSpPr bwMode="auto">
+          <a:xfrm rot="10800000">
+            <a:off x="3772063" y="3309364"/>
+            <a:ext cx="809763" cy="288925"/>
+            <a:chOff x="3142349" y="692696"/>
+            <a:chExt cx="349531" cy="288032"/>
+          </a:xfrm>
+        </p:grpSpPr>
+        <p:cxnSp>
+          <p:nvCxnSpPr>
+            <p:cNvPr id="34" name="Rak 5"/>
+            <p:cNvCxnSpPr/>
+            <p:nvPr/>
+          </p:nvCxnSpPr>
+          <p:spPr>
+            <a:xfrm rot="10800000" flipH="1">
+              <a:off x="3142349" y="836712"/>
+              <a:ext cx="349531" cy="1"/>
+            </a:xfrm>
+            <a:prstGeom prst="line">
+              <a:avLst/>
+            </a:prstGeom>
+            <a:ln w="9525">
+              <a:solidFill>
+                <a:schemeClr val="tx1"/>
+              </a:solidFill>
+            </a:ln>
+          </p:spPr>
+          <p:style>
+            <a:lnRef idx="1">
+              <a:schemeClr val="accent1"/>
+            </a:lnRef>
+            <a:fillRef idx="0">
+              <a:schemeClr val="accent1"/>
+            </a:fillRef>
+            <a:effectRef idx="0">
+              <a:schemeClr val="accent1"/>
+            </a:effectRef>
+            <a:fontRef idx="minor">
+              <a:schemeClr val="tx1"/>
+            </a:fontRef>
+          </p:style>
+        </p:cxnSp>
+        <p:sp>
+          <p:nvSpPr>
+            <p:cNvPr id="35" name="Rektangel 6"/>
+            <p:cNvSpPr/>
+            <p:nvPr/>
+          </p:nvSpPr>
+          <p:spPr>
+            <a:xfrm>
+              <a:off x="3420483" y="692696"/>
+              <a:ext cx="71397" cy="288032"/>
+            </a:xfrm>
+            <a:prstGeom prst="rect">
+              <a:avLst/>
+            </a:prstGeom>
+            <a:noFill/>
+            <a:ln w="9525">
+              <a:solidFill>
+                <a:schemeClr val="tx1"/>
+              </a:solidFill>
+            </a:ln>
+          </p:spPr>
+          <p:style>
+            <a:lnRef idx="2">
+              <a:schemeClr val="accent1">
+                <a:shade val="50000"/>
+              </a:schemeClr>
+            </a:lnRef>
+            <a:fillRef idx="1">
+              <a:schemeClr val="accent1"/>
+            </a:fillRef>
+            <a:effectRef idx="0">
+              <a:schemeClr val="accent1"/>
+            </a:effectRef>
+            <a:fontRef idx="minor">
+              <a:schemeClr val="lt1"/>
+            </a:fontRef>
+          </p:style>
+          <p:txBody>
+            <a:bodyPr anchor="ctr"/>
+            <a:lstStyle/>
+            <a:p>
+              <a:pPr algn="ctr" fontAlgn="auto">
+                <a:spcBef>
+                  <a:spcPts val="0"/>
+                </a:spcBef>
+                <a:spcAft>
+                  <a:spcPts val="0"/>
+                </a:spcAft>
+                <a:defRPr/>
+              </a:pPr>
+              <a:endParaRPr lang="sv-SE"/>
+            </a:p>
+          </p:txBody>
+        </p:sp>
+      </p:grpSp>
+      <p:grpSp>
+        <p:nvGrpSpPr>
+          <p:cNvPr id="36" name="Grupp 7"/>
+          <p:cNvGrpSpPr>
+            <a:grpSpLocks/>
+          </p:cNvGrpSpPr>
+          <p:nvPr/>
+        </p:nvGrpSpPr>
+        <p:grpSpPr bwMode="auto">
+          <a:xfrm>
+            <a:off x="4485398" y="3309365"/>
+            <a:ext cx="1138362" cy="288925"/>
+            <a:chOff x="2555776" y="692696"/>
+            <a:chExt cx="936104" cy="288032"/>
+          </a:xfrm>
+        </p:grpSpPr>
+        <p:cxnSp>
+          <p:nvCxnSpPr>
+            <p:cNvPr id="37" name="Rak 5"/>
+            <p:cNvCxnSpPr/>
+            <p:nvPr/>
+          </p:nvCxnSpPr>
+          <p:spPr>
+            <a:xfrm>
+              <a:off x="2555776" y="836712"/>
+              <a:ext cx="936104" cy="0"/>
+            </a:xfrm>
+            <a:prstGeom prst="line">
+              <a:avLst/>
+            </a:prstGeom>
+            <a:ln w="9525">
+              <a:solidFill>
+                <a:schemeClr val="tx1"/>
+              </a:solidFill>
+            </a:ln>
+          </p:spPr>
+          <p:style>
+            <a:lnRef idx="1">
+              <a:schemeClr val="accent1"/>
+            </a:lnRef>
+            <a:fillRef idx="0">
+              <a:schemeClr val="accent1"/>
+            </a:fillRef>
+            <a:effectRef idx="0">
+              <a:schemeClr val="accent1"/>
+            </a:effectRef>
+            <a:fontRef idx="minor">
+              <a:schemeClr val="tx1"/>
+            </a:fontRef>
+          </p:style>
+        </p:cxnSp>
+        <p:sp>
+          <p:nvSpPr>
+            <p:cNvPr id="38" name="Rektangel 6"/>
+            <p:cNvSpPr/>
+            <p:nvPr/>
+          </p:nvSpPr>
+          <p:spPr>
+            <a:xfrm>
+              <a:off x="3420483" y="692696"/>
+              <a:ext cx="71397" cy="288032"/>
+            </a:xfrm>
+            <a:prstGeom prst="rect">
+              <a:avLst/>
+            </a:prstGeom>
+            <a:noFill/>
+            <a:ln w="9525">
+              <a:solidFill>
+                <a:schemeClr val="tx1"/>
+              </a:solidFill>
+            </a:ln>
+          </p:spPr>
+          <p:style>
+            <a:lnRef idx="2">
+              <a:schemeClr val="accent1">
+                <a:shade val="50000"/>
+              </a:schemeClr>
+            </a:lnRef>
+            <a:fillRef idx="1">
+              <a:schemeClr val="accent1"/>
+            </a:fillRef>
+            <a:effectRef idx="0">
+              <a:schemeClr val="accent1"/>
+            </a:effectRef>
+            <a:fontRef idx="minor">
+              <a:schemeClr val="lt1"/>
+            </a:fontRef>
+          </p:style>
+          <p:txBody>
+            <a:bodyPr anchor="ctr"/>
+            <a:lstStyle/>
+            <a:p>
+              <a:pPr algn="ctr" fontAlgn="auto">
+                <a:spcBef>
+                  <a:spcPts val="0"/>
+                </a:spcBef>
+                <a:spcAft>
+                  <a:spcPts val="0"/>
+                </a:spcAft>
+                <a:defRPr/>
+              </a:pPr>
+              <a:endParaRPr lang="sv-SE"/>
+            </a:p>
+          </p:txBody>
+        </p:sp>
+      </p:grpSp>
+      <p:sp>
+        <p:nvSpPr>
+          <p:cNvPr id="39" name="Flowchart: Connector 38"/>
+          <p:cNvSpPr/>
+          <p:nvPr/>
+        </p:nvSpPr>
+        <p:spPr>
+          <a:xfrm rot="16200000">
+            <a:off x="4623542" y="3396310"/>
+            <a:ext cx="144463" cy="139478"/>
+          </a:xfrm>
+          <a:prstGeom prst="flowChartConnector">
+            <a:avLst/>
+          </a:prstGeom>
+        </p:spPr>
+        <p:style>
+          <a:lnRef idx="2">
+            <a:schemeClr val="accent1">
+              <a:shade val="50000"/>
+            </a:schemeClr>
+          </a:lnRef>
+          <a:fillRef idx="1">
+            <a:schemeClr val="accent1"/>
+          </a:fillRef>
+          <a:effectRef idx="0">
+            <a:schemeClr val="accent1"/>
+          </a:effectRef>
+          <a:fontRef idx="minor">
+            <a:schemeClr val="lt1"/>
+          </a:fontRef>
+        </p:style>
+        <p:txBody>
+          <a:bodyPr rtlCol="0" anchor="ctr"/>
+          <a:lstStyle/>
+          <a:p>
+            <a:pPr algn="ctr"/>
+            <a:endParaRPr lang="sv-SE"/>
+          </a:p>
+        </p:txBody>
+      </p:sp>
+      <p:sp>
+        <p:nvSpPr>
+          <p:cNvPr id="40" name="Rectangle 39"/>
+          <p:cNvSpPr/>
+          <p:nvPr/>
+        </p:nvSpPr>
+        <p:spPr>
+          <a:xfrm>
+            <a:off x="5623760" y="3153530"/>
+            <a:ext cx="1512168" cy="576064"/>
+          </a:xfrm>
+          <a:prstGeom prst="rect">
+            <a:avLst/>
+          </a:prstGeom>
+        </p:spPr>
+        <p:style>
+          <a:lnRef idx="2">
+            <a:schemeClr val="accent1">
+              <a:shade val="50000"/>
+            </a:schemeClr>
+          </a:lnRef>
+          <a:fillRef idx="1">
+            <a:schemeClr val="accent1"/>
+          </a:fillRef>
+          <a:effectRef idx="0">
+            <a:schemeClr val="accent1"/>
+          </a:effectRef>
+          <a:fontRef idx="minor">
+            <a:schemeClr val="lt1"/>
+          </a:fontRef>
+        </p:style>
+        <p:txBody>
+          <a:bodyPr rtlCol="0" anchor="ctr"/>
+          <a:lstStyle/>
+          <a:p>
+            <a:pPr algn="ctr"/>
+            <a:r>
+              <a:rPr lang="sv-SE" dirty="0" smtClean="0"/>
+              <a:t>Resurs</a:t>
+            </a:r>
+            <a:endParaRPr lang="sv-SE" dirty="0"/>
+          </a:p>
+        </p:txBody>
+      </p:sp>
+      <p:sp>
+        <p:nvSpPr>
+          <p:cNvPr id="9" name="TextBox 8"/>
+          <p:cNvSpPr txBox="1"/>
+          <p:nvPr/>
+        </p:nvSpPr>
+        <p:spPr>
+          <a:xfrm>
+            <a:off x="7215231" y="3183107"/>
+            <a:ext cx="1872208" cy="923330"/>
+          </a:xfrm>
+          <a:prstGeom prst="rect">
+            <a:avLst/>
+          </a:prstGeom>
+          <a:noFill/>
+        </p:spPr>
+        <p:txBody>
+          <a:bodyPr wrap="square" rtlCol="0">
+            <a:spAutoFit/>
+          </a:bodyPr>
+          <a:lstStyle/>
+          <a:p>
+            <a:r>
+              <a:rPr lang="sv-SE" dirty="0" smtClean="0"/>
+              <a:t>ResursID Pk, Int</a:t>
+            </a:r>
+          </a:p>
+          <a:p>
+            <a:r>
+              <a:rPr lang="sv-SE" dirty="0" smtClean="0"/>
+              <a:t>Resurstyp, </a:t>
+            </a:r>
+            <a:r>
+              <a:rPr lang="sv-SE" dirty="0"/>
+              <a:t>VC(20</a:t>
+            </a:r>
+            <a:r>
+              <a:rPr lang="sv-SE" dirty="0" smtClean="0"/>
+              <a:t>)</a:t>
+            </a:r>
+          </a:p>
+          <a:p>
+            <a:r>
+              <a:rPr lang="sv-SE" dirty="0" smtClean="0"/>
+              <a:t>Status, VC(7)</a:t>
+            </a:r>
+            <a:endParaRPr lang="sv-SE" dirty="0"/>
+          </a:p>
+        </p:txBody>
+      </p:sp>
+      <p:sp>
+        <p:nvSpPr>
+          <p:cNvPr id="41" name="TextBox 40"/>
+          <p:cNvSpPr txBox="1"/>
+          <p:nvPr/>
+        </p:nvSpPr>
+        <p:spPr>
+          <a:xfrm>
+            <a:off x="4052185" y="3106819"/>
+            <a:ext cx="1540938" cy="307777"/>
+          </a:xfrm>
+          <a:prstGeom prst="rect">
+            <a:avLst/>
+          </a:prstGeom>
+          <a:noFill/>
+        </p:spPr>
+        <p:txBody>
+          <a:bodyPr wrap="square" rtlCol="0">
+            <a:spAutoFit/>
+          </a:bodyPr>
+          <a:lstStyle/>
+          <a:p>
+            <a:r>
+              <a:rPr lang="sv-SE" sz="1400" dirty="0" smtClean="0"/>
+              <a:t>resursanvändning</a:t>
+            </a:r>
+            <a:endParaRPr lang="sv-SE" sz="1400" dirty="0"/>
+          </a:p>
+        </p:txBody>
+      </p:sp>
+      <p:sp>
+        <p:nvSpPr>
+          <p:cNvPr id="11" name="TextBox 10"/>
+          <p:cNvSpPr txBox="1"/>
+          <p:nvPr/>
+        </p:nvSpPr>
+        <p:spPr>
+          <a:xfrm>
+            <a:off x="4656720" y="1587462"/>
+            <a:ext cx="2016224" cy="1477328"/>
+          </a:xfrm>
+          <a:prstGeom prst="rect">
+            <a:avLst/>
+          </a:prstGeom>
+          <a:noFill/>
+        </p:spPr>
+        <p:txBody>
+          <a:bodyPr wrap="square" rtlCol="0">
+            <a:spAutoFit/>
+          </a:bodyPr>
+          <a:lstStyle/>
+          <a:p>
+            <a:r>
+              <a:rPr lang="sv-SE" dirty="0" smtClean="0"/>
+              <a:t>ProjID Pk, Int</a:t>
+            </a:r>
+          </a:p>
+          <a:p>
+            <a:r>
+              <a:rPr lang="sv-SE" dirty="0" smtClean="0"/>
+              <a:t>ResursID Pk, Int</a:t>
+            </a:r>
+          </a:p>
+          <a:p>
+            <a:r>
+              <a:rPr lang="sv-SE" dirty="0" smtClean="0"/>
+              <a:t>PersID Pk, Int</a:t>
+            </a:r>
+          </a:p>
+          <a:p>
+            <a:r>
+              <a:rPr lang="sv-SE" dirty="0" smtClean="0"/>
+              <a:t>Startdatum, D</a:t>
+            </a:r>
+          </a:p>
+          <a:p>
+            <a:r>
+              <a:rPr lang="sv-SE" dirty="0" smtClean="0"/>
+              <a:t>Slutdatum, D</a:t>
             </a:r>
             <a:endParaRPr lang="sv-SE" dirty="0"/>
           </a:p>
@@ -6929,7 +7291,6 @@
               <a:rPr lang="sv-SE" dirty="0" smtClean="0"/>
               <a:t>Int</a:t>
             </a:r>
-            <a:endParaRPr lang="sv-SE" dirty="0" smtClean="0"/>
           </a:p>
           <a:p>
             <a:r>
@@ -7054,7 +7415,7 @@
         <p:spPr>
           <a:xfrm>
             <a:off x="4448155" y="3042857"/>
-            <a:ext cx="2122687" cy="2862322"/>
+            <a:ext cx="2122687" cy="2308324"/>
           </a:xfrm>
           <a:prstGeom prst="rect">
             <a:avLst/>
@@ -7069,11 +7430,31 @@
           <a:p>
             <a:r>
               <a:rPr lang="sv-SE" dirty="0" smtClean="0"/>
-              <a:t>PersID </a:t>
-            </a:r>
+              <a:t>PersID Pk, Int</a:t>
+            </a:r>
+          </a:p>
+          <a:p>
             <a:r>
               <a:rPr lang="sv-SE" dirty="0" smtClean="0"/>
-              <a:t>Pk, </a:t>
+              <a:t>Pers.nr, C(11)</a:t>
+            </a:r>
+          </a:p>
+          <a:p>
+            <a:r>
+              <a:rPr lang="sv-SE" dirty="0" smtClean="0"/>
+              <a:t>Enamn, VC(20)</a:t>
+            </a:r>
+          </a:p>
+          <a:p>
+            <a:r>
+              <a:rPr lang="sv-SE" dirty="0" smtClean="0"/>
+              <a:t>Fnamn, VC(20)</a:t>
+            </a:r>
+          </a:p>
+          <a:p>
+            <a:r>
+              <a:rPr lang="sv-SE" dirty="0"/>
+              <a:t>Rec.nr Fk, </a:t>
             </a:r>
             <a:r>
               <a:rPr lang="sv-SE" dirty="0" smtClean="0"/>
@@ -7082,38 +7463,8 @@
           </a:p>
           <a:p>
             <a:r>
-              <a:rPr lang="sv-SE" dirty="0" smtClean="0"/>
-              <a:t>Pers.nr, </a:t>
-            </a:r>
-            <a:r>
-              <a:rPr lang="sv-SE" dirty="0" smtClean="0"/>
-              <a:t>C(11)</a:t>
-            </a:r>
-          </a:p>
-          <a:p>
-            <a:r>
-              <a:rPr lang="sv-SE" dirty="0" smtClean="0"/>
-              <a:t>Enamn</a:t>
-            </a:r>
-            <a:r>
-              <a:rPr lang="sv-SE" dirty="0" smtClean="0"/>
-              <a:t>, </a:t>
-            </a:r>
-            <a:r>
-              <a:rPr lang="sv-SE" dirty="0" smtClean="0"/>
-              <a:t>VC(20)</a:t>
-            </a:r>
-          </a:p>
-          <a:p>
-            <a:r>
-              <a:rPr lang="sv-SE" dirty="0" smtClean="0"/>
-              <a:t>Fnamn, VC(20)</a:t>
-            </a:r>
-          </a:p>
-          <a:p>
-            <a:r>
               <a:rPr lang="sv-SE" dirty="0"/>
-              <a:t>Rec.nr Fk, </a:t>
+              <a:t>PersID_U Fk, </a:t>
             </a:r>
             <a:r>
               <a:rPr lang="sv-SE" dirty="0" smtClean="0"/>
@@ -7122,17 +7473,6 @@
           </a:p>
           <a:p>
             <a:r>
-              <a:rPr lang="sv-SE" dirty="0"/>
-              <a:t>PersID_U Fk, </a:t>
-            </a:r>
-            <a:r>
-              <a:rPr lang="sv-SE" dirty="0" smtClean="0"/>
-              <a:t>Int</a:t>
-            </a:r>
-            <a:endParaRPr lang="sv-SE" dirty="0" smtClean="0"/>
-          </a:p>
-          <a:p>
-            <a:r>
               <a:rPr lang="sv-SE" dirty="0" smtClean="0"/>
               <a:t>Ort, VC(20)</a:t>
             </a:r>
@@ -7140,17 +7480,12 @@
           <a:p>
             <a:r>
               <a:rPr lang="sv-SE" dirty="0" smtClean="0"/>
-              <a:t>Gatuadress, VC(30)</a:t>
-            </a:r>
-          </a:p>
-          <a:p>
+              <a:t>Gatuadress, </a:t>
+            </a:r>
             <a:r>
               <a:rPr lang="sv-SE" dirty="0" smtClean="0"/>
-              <a:t>ResursID Fk, Int</a:t>
-            </a:r>
-            <a:endParaRPr lang="sv-SE" dirty="0" smtClean="0"/>
-          </a:p>
-          <a:p>
+              <a:t>VC(25)</a:t>
+            </a:r>
             <a:endParaRPr lang="sv-SE" dirty="0" smtClean="0"/>
           </a:p>
         </p:txBody>
@@ -7179,40 +7514,19 @@
           <a:p>
             <a:r>
               <a:rPr lang="sv-SE" dirty="0" smtClean="0"/>
-              <a:t>Rec.nr Pk</a:t>
-            </a:r>
+              <a:t>Rec.nr Pk, Int</a:t>
+            </a:r>
+          </a:p>
+          <a:p>
             <a:r>
               <a:rPr lang="sv-SE" dirty="0" smtClean="0"/>
-              <a:t>, </a:t>
-            </a:r>
+              <a:t>Befattningstyp, VC(15)</a:t>
+            </a:r>
+          </a:p>
+          <a:p>
             <a:r>
               <a:rPr lang="sv-SE" dirty="0" smtClean="0"/>
-              <a:t>Int</a:t>
-            </a:r>
-          </a:p>
-          <a:p>
-            <a:r>
-              <a:rPr lang="sv-SE" dirty="0" smtClean="0"/>
-              <a:t>Befattningstyp</a:t>
-            </a:r>
-            <a:r>
-              <a:rPr lang="sv-SE" dirty="0" smtClean="0"/>
-              <a:t>, VC(15</a:t>
-            </a:r>
-            <a:r>
-              <a:rPr lang="sv-SE" dirty="0" smtClean="0"/>
-              <a:t>)</a:t>
-            </a:r>
-            <a:endParaRPr lang="sv-SE" dirty="0" smtClean="0"/>
-          </a:p>
-          <a:p>
-            <a:r>
-              <a:rPr lang="sv-SE" dirty="0" smtClean="0"/>
-              <a:t>Lön</a:t>
-            </a:r>
-            <a:r>
-              <a:rPr lang="sv-SE" dirty="0" smtClean="0"/>
-              <a:t>, Int</a:t>
+              <a:t>Lön, Int</a:t>
             </a:r>
           </a:p>
         </p:txBody>
@@ -7641,7 +7955,7 @@
         <p:spPr>
           <a:xfrm>
             <a:off x="5670210" y="314081"/>
-            <a:ext cx="1980481" cy="1200329"/>
+            <a:ext cx="1980481" cy="923330"/>
           </a:xfrm>
           <a:prstGeom prst="rect">
             <a:avLst/>
@@ -7668,14 +7982,13 @@
           <a:p>
             <a:r>
               <a:rPr lang="sv-SE" dirty="0" smtClean="0"/>
-              <a:t>Dagar, Int</a:t>
-            </a:r>
-          </a:p>
-          <a:p>
+              <a:t>Dagar, </a:t>
+            </a:r>
             <a:r>
               <a:rPr lang="sv-SE" dirty="0" smtClean="0"/>
-              <a:t>ResursID Fk, Int</a:t>
-            </a:r>
+              <a:t>Int</a:t>
+            </a:r>
+            <a:endParaRPr lang="sv-SE" dirty="0" smtClean="0"/>
           </a:p>
         </p:txBody>
       </p:sp>
@@ -8487,27 +8800,14 @@
           <a:p>
             <a:r>
               <a:rPr lang="sv-SE" dirty="0" smtClean="0"/>
-              <a:t>Telt</a:t>
-            </a:r>
+              <a:t>TeltypID Pk, Int</a:t>
+            </a:r>
+          </a:p>
+          <a:p>
             <a:r>
               <a:rPr lang="sv-SE" dirty="0" smtClean="0"/>
-              <a:t>ypID Pk, Int</a:t>
-            </a:r>
-          </a:p>
-          <a:p>
-            <a:r>
-              <a:rPr lang="sv-SE" dirty="0" smtClean="0"/>
-              <a:t>Teltyp, </a:t>
-            </a:r>
-            <a:r>
-              <a:rPr lang="sv-SE" dirty="0" smtClean="0"/>
-              <a:t>VC(10</a:t>
-            </a:r>
-            <a:r>
-              <a:rPr lang="sv-SE" dirty="0" smtClean="0"/>
-              <a:t>)</a:t>
-            </a:r>
-            <a:endParaRPr lang="sv-SE" dirty="0" smtClean="0"/>
+              <a:t>Teltyp, VC(10)</a:t>
+            </a:r>
           </a:p>
         </p:txBody>
       </p:sp>
@@ -9266,8 +9566,13 @@
           <a:p>
             <a:r>
               <a:rPr lang="sv-SE" dirty="0" smtClean="0"/>
-              <a:t>Status, VC(7)</a:t>
-            </a:r>
+              <a:t>Status, </a:t>
+            </a:r>
+            <a:r>
+              <a:rPr lang="sv-SE" dirty="0" smtClean="0"/>
+              <a:t>VC(7)</a:t>
+            </a:r>
+            <a:endParaRPr lang="sv-SE" dirty="0" smtClean="0"/>
           </a:p>
         </p:txBody>
       </p:sp>
@@ -9930,7 +10235,7 @@
             <a:pPr algn="ctr"/>
             <a:r>
               <a:rPr lang="sv-SE" dirty="0" smtClean="0"/>
-              <a:t>Användning</a:t>
+              <a:t>Resursanvän-dning</a:t>
             </a:r>
             <a:endParaRPr lang="sv-SE" dirty="0"/>
           </a:p>
@@ -10216,7 +10521,7 @@
         <p:spPr>
           <a:xfrm>
             <a:off x="539552" y="1628800"/>
-            <a:ext cx="7992888" cy="2862322"/>
+            <a:ext cx="7992888" cy="3416320"/>
           </a:xfrm>
           <a:prstGeom prst="rect">
             <a:avLst/>
@@ -10234,16 +10539,13 @@
             </a:pPr>
             <a:r>
               <a:rPr lang="sv-SE" dirty="0" smtClean="0"/>
-              <a:t>Objektifierat ”deltagande” till ”</a:t>
-            </a:r>
-            <a:r>
-              <a:rPr lang="sv-SE" dirty="0"/>
-              <a:t>Deltagande</a:t>
+              <a:t>Objektifierat ”deltagande</a:t>
             </a:r>
             <a:r>
               <a:rPr lang="sv-SE" dirty="0" smtClean="0"/>
-              <a:t>”.</a:t>
-            </a:r>
+              <a:t>” och ”resursanvändning”.</a:t>
+            </a:r>
+            <a:endParaRPr lang="sv-SE" dirty="0" smtClean="0"/>
           </a:p>
           <a:p>
             <a:pPr marL="342900" indent="-342900">
@@ -10294,8 +10596,30 @@
             </a:pPr>
             <a:r>
               <a:rPr lang="sv-SE" dirty="0" smtClean="0"/>
-              <a:t>Brutit ut ”Start- &amp; Slutdatum” ur ”Deltagande” och lagt in dem i det nya objektet ”Datum”.</a:t>
-            </a:r>
+              <a:t>Brutit ut ”Start- &amp; Slutdatum” ur ”</a:t>
+            </a:r>
+            <a:r>
+              <a:rPr lang="sv-SE" dirty="0" smtClean="0"/>
+              <a:t>Deltagande”, ”Förmån” &amp; ”Resursanvändning” och </a:t>
+            </a:r>
+            <a:r>
+              <a:rPr lang="sv-SE" dirty="0" smtClean="0"/>
+              <a:t>lagt in dem i det nya objektet ”Datum</a:t>
+            </a:r>
+            <a:r>
+              <a:rPr lang="sv-SE" dirty="0" smtClean="0"/>
+              <a:t>”.</a:t>
+            </a:r>
+          </a:p>
+          <a:p>
+            <a:pPr marL="342900" indent="-342900">
+              <a:buAutoNum type="arabicPeriod"/>
+            </a:pPr>
+            <a:r>
+              <a:rPr lang="sv-SE" dirty="0" smtClean="0"/>
+              <a:t>Lagt till PersID_U (underställd) för att kunna bestämma hierarkin inom företagets personal.</a:t>
+            </a:r>
+            <a:endParaRPr lang="sv-SE" dirty="0" smtClean="0"/>
           </a:p>
           <a:p>
             <a:pPr marL="342900" indent="-342900">
@@ -13356,8 +13680,8 @@
         </p:nvSpPr>
         <p:spPr>
           <a:xfrm>
-            <a:off x="3771657" y="4393748"/>
-            <a:ext cx="1368152" cy="369332"/>
+            <a:off x="3771656" y="4393748"/>
+            <a:ext cx="1880464" cy="369332"/>
           </a:xfrm>
           <a:prstGeom prst="rect">
             <a:avLst/>
@@ -13372,7 +13696,11 @@
           <a:p>
             <a:r>
               <a:rPr lang="sv-SE" dirty="0" smtClean="0"/>
-              <a:t>Användning</a:t>
+              <a:t>Resursa</a:t>
+            </a:r>
+            <a:r>
+              <a:rPr lang="sv-SE" dirty="0" smtClean="0"/>
+              <a:t>nvändning</a:t>
             </a:r>
             <a:endParaRPr lang="sv-SE" dirty="0"/>
           </a:p>
